--- a/poker.pptx
+++ b/poker.pptx
@@ -5,8 +5,10 @@
     <p:sldMasterId id="2147483648" r:id="rId1"/>
   </p:sldMasterIdLst>
   <p:sldIdLst>
-    <p:sldId id="257" r:id="rId2"/>
-    <p:sldId id="256" r:id="rId3"/>
+    <p:sldId id="259" r:id="rId2"/>
+    <p:sldId id="257" r:id="rId3"/>
+    <p:sldId id="256" r:id="rId4"/>
+    <p:sldId id="260" r:id="rId5"/>
   </p:sldIdLst>
   <p:sldSz cx="12192000" cy="6858000"/>
   <p:notesSz cx="6858000" cy="9144000"/>
@@ -3332,15 +3334,15 @@
           <p:cNvPr id="2" name="Title 1">
             <a:extLst>
               <a:ext uri="{FF2B5EF4-FFF2-40B4-BE49-F238E27FC236}">
-                <a16:creationId xmlns:a16="http://schemas.microsoft.com/office/drawing/2014/main" id="{55E00C69-E546-4D30-9806-1B7DD878DFDC}"/>
-              </a:ext>
-            </a:extLst>
-          </p:cNvPr>
-          <p:cNvSpPr>
-            <a:spLocks noGrp="1"/>
-          </p:cNvSpPr>
-          <p:nvPr>
-            <p:ph type="title"/>
+                <a16:creationId xmlns:a16="http://schemas.microsoft.com/office/drawing/2014/main" id="{737C7FC6-52BD-4E56-BBF5-15BB21F2FC3F}"/>
+              </a:ext>
+            </a:extLst>
+          </p:cNvPr>
+          <p:cNvSpPr>
+            <a:spLocks noGrp="1"/>
+          </p:cNvSpPr>
+          <p:nvPr>
+            <p:ph type="ctrTitle"/>
           </p:nvPr>
         </p:nvSpPr>
         <p:spPr/>
@@ -3350,154 +3352,254 @@
           <a:p>
             <a:r>
               <a:rPr lang="zh-TW" altLang="en-US" dirty="0"/>
-              <a:t>規格</a:t>
-            </a:r>
-          </a:p>
-        </p:txBody>
-      </p:sp>
-      <p:sp>
-        <p:nvSpPr>
-          <p:cNvPr id="3" name="Content Placeholder 2">
-            <a:extLst>
-              <a:ext uri="{FF2B5EF4-FFF2-40B4-BE49-F238E27FC236}">
-                <a16:creationId xmlns:a16="http://schemas.microsoft.com/office/drawing/2014/main" id="{21340161-27E8-4B02-9C74-0F66E5D2EA9F}"/>
-              </a:ext>
-            </a:extLst>
-          </p:cNvPr>
-          <p:cNvSpPr>
-            <a:spLocks noGrp="1"/>
-          </p:cNvSpPr>
-          <p:nvPr>
-            <p:ph idx="1"/>
+              <a:t>嵌入式影像處理</a:t>
+            </a:r>
+          </a:p>
+        </p:txBody>
+      </p:sp>
+      <p:sp>
+        <p:nvSpPr>
+          <p:cNvPr id="3" name="Subtitle 2">
+            <a:extLst>
+              <a:ext uri="{FF2B5EF4-FFF2-40B4-BE49-F238E27FC236}">
+                <a16:creationId xmlns:a16="http://schemas.microsoft.com/office/drawing/2014/main" id="{CCBD3B88-9A4B-4BF0-915A-06928CA7358D}"/>
+              </a:ext>
+            </a:extLst>
+          </p:cNvPr>
+          <p:cNvSpPr>
+            <a:spLocks noGrp="1"/>
+          </p:cNvSpPr>
+          <p:nvPr>
+            <p:ph type="subTitle" idx="1"/>
           </p:nvPr>
         </p:nvSpPr>
         <p:spPr/>
         <p:txBody>
           <a:bodyPr>
-            <a:normAutofit fontScale="92500" lnSpcReduction="10000"/>
+            <a:normAutofit/>
           </a:bodyPr>
           <a:lstStyle/>
           <a:p>
             <a:r>
-              <a:rPr lang="zh-TW" altLang="en-US" dirty="0"/>
-              <a:t>功能</a:t>
-            </a:r>
-            <a:endParaRPr lang="en-US" altLang="zh-TW" dirty="0"/>
-          </a:p>
-          <a:p>
-            <a:pPr lvl="1"/>
-            <a:r>
-              <a:rPr lang="en-US" altLang="zh-TW" dirty="0"/>
-              <a:t>Use case: </a:t>
-            </a:r>
-            <a:r>
-              <a:rPr lang="zh-TW" altLang="en-US" dirty="0"/>
-              <a:t>輸入德州撲克影片，分析畫面上的影片有哪幾張卡，玩家是否有組合 </a:t>
-            </a:r>
-            <a:endParaRPr lang="en-US" altLang="zh-TW" dirty="0"/>
-          </a:p>
-          <a:p>
-            <a:r>
-              <a:rPr lang="zh-TW" altLang="en-US" dirty="0"/>
-              <a:t>效能</a:t>
-            </a:r>
-            <a:endParaRPr lang="en-US" altLang="zh-TW" dirty="0"/>
-          </a:p>
-          <a:p>
-            <a:pPr lvl="1"/>
-            <a:r>
-              <a:rPr lang="en-US" altLang="zh-TW" dirty="0"/>
-              <a:t>FPS:</a:t>
-            </a:r>
-            <a:r>
-              <a:rPr lang="zh-TW" altLang="en-US" dirty="0"/>
-              <a:t> 目標達到</a:t>
-            </a:r>
-            <a:r>
-              <a:rPr lang="en-US" altLang="zh-TW" dirty="0"/>
-              <a:t>10FPS</a:t>
-            </a:r>
-          </a:p>
-          <a:p>
-            <a:r>
-              <a:rPr lang="zh-TW" altLang="en-US" dirty="0"/>
-              <a:t>介面</a:t>
-            </a:r>
-            <a:endParaRPr lang="en-US" altLang="zh-TW" dirty="0"/>
-          </a:p>
-          <a:p>
-            <a:pPr lvl="1"/>
-            <a:r>
-              <a:rPr lang="zh-TW" altLang="en-US" dirty="0"/>
-              <a:t>內部介面：</a:t>
-            </a:r>
-            <a:r>
-              <a:rPr lang="en-US" altLang="zh-TW" dirty="0"/>
-              <a:t>array</a:t>
-            </a:r>
-            <a:r>
-              <a:rPr lang="zh-TW" altLang="en-US" dirty="0"/>
-              <a:t>處理</a:t>
-            </a:r>
-            <a:endParaRPr lang="en-US" altLang="zh-TW" dirty="0"/>
-          </a:p>
-          <a:p>
-            <a:pPr lvl="1"/>
-            <a:r>
-              <a:rPr lang="zh-TW" altLang="en-US" dirty="0"/>
-              <a:t>外部介面</a:t>
-            </a:r>
-            <a:endParaRPr lang="en-US" altLang="zh-TW" dirty="0"/>
-          </a:p>
-          <a:p>
-            <a:pPr lvl="2"/>
-            <a:r>
-              <a:rPr lang="zh-TW" altLang="en-US" dirty="0"/>
-              <a:t>輸入：影片檔案或</a:t>
-            </a:r>
-            <a:r>
-              <a:rPr lang="en-US" altLang="zh-TW" dirty="0"/>
-              <a:t>stream</a:t>
-            </a:r>
-          </a:p>
-          <a:p>
-            <a:pPr lvl="2"/>
-            <a:r>
-              <a:rPr lang="zh-TW" altLang="en-US" dirty="0"/>
-              <a:t>輸出：影片</a:t>
-            </a:r>
-            <a:r>
-              <a:rPr lang="en-US" altLang="zh-TW" dirty="0"/>
-              <a:t>stream</a:t>
-            </a:r>
-          </a:p>
-          <a:p>
-            <a:r>
-              <a:rPr lang="zh-TW" altLang="en-US" dirty="0"/>
-              <a:t>限制</a:t>
-            </a:r>
-            <a:endParaRPr lang="en-US" altLang="zh-TW" dirty="0"/>
-          </a:p>
-          <a:p>
-            <a:pPr lvl="1"/>
-            <a:r>
-              <a:rPr lang="zh-TW" altLang="en-US" dirty="0"/>
-              <a:t>桌上畫面，非第一視角</a:t>
-            </a:r>
-            <a:endParaRPr lang="en-US" altLang="zh-TW" dirty="0"/>
-          </a:p>
-          <a:p>
-            <a:pPr marL="457200" lvl="1" indent="0">
-              <a:buNone/>
-            </a:pPr>
-            <a:endParaRPr lang="zh-TW" altLang="en-US" dirty="0"/>
+              <a:rPr lang="zh-TW" altLang="en-US" sz="4000" dirty="0"/>
+              <a:t>撲克牌分析</a:t>
+            </a:r>
+          </a:p>
+        </p:txBody>
+      </p:sp>
+      <p:sp>
+        <p:nvSpPr>
+          <p:cNvPr id="4" name="Subtitle 2">
+            <a:extLst>
+              <a:ext uri="{FF2B5EF4-FFF2-40B4-BE49-F238E27FC236}">
+                <a16:creationId xmlns:a16="http://schemas.microsoft.com/office/drawing/2014/main" id="{11CD4C9C-D305-4C6C-B17A-7E35D3F92B3B}"/>
+              </a:ext>
+            </a:extLst>
+          </p:cNvPr>
+          <p:cNvSpPr txBox="1">
+            <a:spLocks/>
+          </p:cNvSpPr>
+          <p:nvPr/>
+        </p:nvSpPr>
+        <p:spPr>
+          <a:xfrm>
+            <a:off x="1524000" y="4521994"/>
+            <a:ext cx="9144000" cy="1655762"/>
+          </a:xfrm>
+          <a:prstGeom prst="rect">
+            <a:avLst/>
+          </a:prstGeom>
+        </p:spPr>
+        <p:txBody>
+          <a:bodyPr vert="horz" lIns="91440" tIns="45720" rIns="91440" bIns="45720" rtlCol="0">
+            <a:normAutofit lnSpcReduction="10000"/>
+          </a:bodyPr>
+          <a:lstStyle>
+            <a:lvl1pPr marL="0" indent="0" algn="ctr" defTabSz="914400" rtl="0" eaLnBrk="1" latinLnBrk="0" hangingPunct="1">
+              <a:lnSpc>
+                <a:spcPct val="90000"/>
+              </a:lnSpc>
+              <a:spcBef>
+                <a:spcPts val="1000"/>
+              </a:spcBef>
+              <a:buFont typeface="Arial" panose="020B0604020202020204" pitchFamily="34" charset="0"/>
+              <a:buNone/>
+              <a:defRPr sz="2400" kern="1200">
+                <a:solidFill>
+                  <a:schemeClr val="tx1"/>
+                </a:solidFill>
+                <a:latin typeface="+mn-lt"/>
+                <a:ea typeface="+mn-ea"/>
+                <a:cs typeface="+mn-cs"/>
+              </a:defRPr>
+            </a:lvl1pPr>
+            <a:lvl2pPr marL="457200" indent="0" algn="ctr" defTabSz="914400" rtl="0" eaLnBrk="1" latinLnBrk="0" hangingPunct="1">
+              <a:lnSpc>
+                <a:spcPct val="90000"/>
+              </a:lnSpc>
+              <a:spcBef>
+                <a:spcPts val="500"/>
+              </a:spcBef>
+              <a:buFont typeface="Arial" panose="020B0604020202020204" pitchFamily="34" charset="0"/>
+              <a:buNone/>
+              <a:defRPr sz="2000" kern="1200">
+                <a:solidFill>
+                  <a:schemeClr val="tx1"/>
+                </a:solidFill>
+                <a:latin typeface="+mn-lt"/>
+                <a:ea typeface="+mn-ea"/>
+                <a:cs typeface="+mn-cs"/>
+              </a:defRPr>
+            </a:lvl2pPr>
+            <a:lvl3pPr marL="914400" indent="0" algn="ctr" defTabSz="914400" rtl="0" eaLnBrk="1" latinLnBrk="0" hangingPunct="1">
+              <a:lnSpc>
+                <a:spcPct val="90000"/>
+              </a:lnSpc>
+              <a:spcBef>
+                <a:spcPts val="500"/>
+              </a:spcBef>
+              <a:buFont typeface="Arial" panose="020B0604020202020204" pitchFamily="34" charset="0"/>
+              <a:buNone/>
+              <a:defRPr sz="1800" kern="1200">
+                <a:solidFill>
+                  <a:schemeClr val="tx1"/>
+                </a:solidFill>
+                <a:latin typeface="+mn-lt"/>
+                <a:ea typeface="+mn-ea"/>
+                <a:cs typeface="+mn-cs"/>
+              </a:defRPr>
+            </a:lvl3pPr>
+            <a:lvl4pPr marL="1371600" indent="0" algn="ctr" defTabSz="914400" rtl="0" eaLnBrk="1" latinLnBrk="0" hangingPunct="1">
+              <a:lnSpc>
+                <a:spcPct val="90000"/>
+              </a:lnSpc>
+              <a:spcBef>
+                <a:spcPts val="500"/>
+              </a:spcBef>
+              <a:buFont typeface="Arial" panose="020B0604020202020204" pitchFamily="34" charset="0"/>
+              <a:buNone/>
+              <a:defRPr sz="1600" kern="1200">
+                <a:solidFill>
+                  <a:schemeClr val="tx1"/>
+                </a:solidFill>
+                <a:latin typeface="+mn-lt"/>
+                <a:ea typeface="+mn-ea"/>
+                <a:cs typeface="+mn-cs"/>
+              </a:defRPr>
+            </a:lvl4pPr>
+            <a:lvl5pPr marL="1828800" indent="0" algn="ctr" defTabSz="914400" rtl="0" eaLnBrk="1" latinLnBrk="0" hangingPunct="1">
+              <a:lnSpc>
+                <a:spcPct val="90000"/>
+              </a:lnSpc>
+              <a:spcBef>
+                <a:spcPts val="500"/>
+              </a:spcBef>
+              <a:buFont typeface="Arial" panose="020B0604020202020204" pitchFamily="34" charset="0"/>
+              <a:buNone/>
+              <a:defRPr sz="1600" kern="1200">
+                <a:solidFill>
+                  <a:schemeClr val="tx1"/>
+                </a:solidFill>
+                <a:latin typeface="+mn-lt"/>
+                <a:ea typeface="+mn-ea"/>
+                <a:cs typeface="+mn-cs"/>
+              </a:defRPr>
+            </a:lvl5pPr>
+            <a:lvl6pPr marL="2286000" indent="0" algn="ctr" defTabSz="914400" rtl="0" eaLnBrk="1" latinLnBrk="0" hangingPunct="1">
+              <a:lnSpc>
+                <a:spcPct val="90000"/>
+              </a:lnSpc>
+              <a:spcBef>
+                <a:spcPts val="500"/>
+              </a:spcBef>
+              <a:buFont typeface="Arial" panose="020B0604020202020204" pitchFamily="34" charset="0"/>
+              <a:buNone/>
+              <a:defRPr sz="1600" kern="1200">
+                <a:solidFill>
+                  <a:schemeClr val="tx1"/>
+                </a:solidFill>
+                <a:latin typeface="+mn-lt"/>
+                <a:ea typeface="+mn-ea"/>
+                <a:cs typeface="+mn-cs"/>
+              </a:defRPr>
+            </a:lvl6pPr>
+            <a:lvl7pPr marL="2743200" indent="0" algn="ctr" defTabSz="914400" rtl="0" eaLnBrk="1" latinLnBrk="0" hangingPunct="1">
+              <a:lnSpc>
+                <a:spcPct val="90000"/>
+              </a:lnSpc>
+              <a:spcBef>
+                <a:spcPts val="500"/>
+              </a:spcBef>
+              <a:buFont typeface="Arial" panose="020B0604020202020204" pitchFamily="34" charset="0"/>
+              <a:buNone/>
+              <a:defRPr sz="1600" kern="1200">
+                <a:solidFill>
+                  <a:schemeClr val="tx1"/>
+                </a:solidFill>
+                <a:latin typeface="+mn-lt"/>
+                <a:ea typeface="+mn-ea"/>
+                <a:cs typeface="+mn-cs"/>
+              </a:defRPr>
+            </a:lvl7pPr>
+            <a:lvl8pPr marL="3200400" indent="0" algn="ctr" defTabSz="914400" rtl="0" eaLnBrk="1" latinLnBrk="0" hangingPunct="1">
+              <a:lnSpc>
+                <a:spcPct val="90000"/>
+              </a:lnSpc>
+              <a:spcBef>
+                <a:spcPts val="500"/>
+              </a:spcBef>
+              <a:buFont typeface="Arial" panose="020B0604020202020204" pitchFamily="34" charset="0"/>
+              <a:buNone/>
+              <a:defRPr sz="1600" kern="1200">
+                <a:solidFill>
+                  <a:schemeClr val="tx1"/>
+                </a:solidFill>
+                <a:latin typeface="+mn-lt"/>
+                <a:ea typeface="+mn-ea"/>
+                <a:cs typeface="+mn-cs"/>
+              </a:defRPr>
+            </a:lvl8pPr>
+            <a:lvl9pPr marL="3657600" indent="0" algn="ctr" defTabSz="914400" rtl="0" eaLnBrk="1" latinLnBrk="0" hangingPunct="1">
+              <a:lnSpc>
+                <a:spcPct val="90000"/>
+              </a:lnSpc>
+              <a:spcBef>
+                <a:spcPts val="500"/>
+              </a:spcBef>
+              <a:buFont typeface="Arial" panose="020B0604020202020204" pitchFamily="34" charset="0"/>
+              <a:buNone/>
+              <a:defRPr sz="1600" kern="1200">
+                <a:solidFill>
+                  <a:schemeClr val="tx1"/>
+                </a:solidFill>
+                <a:latin typeface="+mn-lt"/>
+                <a:ea typeface="+mn-ea"/>
+                <a:cs typeface="+mn-cs"/>
+              </a:defRPr>
+            </a:lvl9pPr>
+          </a:lstStyle>
+          <a:p>
+            <a:r>
+              <a:rPr lang="zh-TW" altLang="en-US" sz="3200" dirty="0"/>
+              <a:t>授課教授：陳朝烈老師</a:t>
+            </a:r>
+            <a:endParaRPr lang="en-US" altLang="zh-TW" sz="3200" dirty="0"/>
+          </a:p>
+          <a:p>
+            <a:endParaRPr lang="en-US" altLang="zh-TW" sz="3200" dirty="0"/>
+          </a:p>
+          <a:p>
+            <a:r>
+              <a:rPr lang="zh-TW" altLang="en-US" sz="3200" dirty="0"/>
+              <a:t>組員：曾鈺恩，朱泂樺，黃湟喜，吳永保</a:t>
+            </a:r>
           </a:p>
         </p:txBody>
       </p:sp>
     </p:spTree>
     <p:extLst>
       <p:ext uri="{BB962C8B-B14F-4D97-AF65-F5344CB8AC3E}">
-        <p14:creationId xmlns:p14="http://schemas.microsoft.com/office/powerpoint/2010/main" val="413897583"/>
+        <p14:creationId xmlns:p14="http://schemas.microsoft.com/office/powerpoint/2010/main" val="2022212898"/>
       </p:ext>
     </p:extLst>
   </p:cSld>
@@ -3526,6 +3628,203 @@
       </p:grpSpPr>
       <p:sp>
         <p:nvSpPr>
+          <p:cNvPr id="2" name="Title 1">
+            <a:extLst>
+              <a:ext uri="{FF2B5EF4-FFF2-40B4-BE49-F238E27FC236}">
+                <a16:creationId xmlns:a16="http://schemas.microsoft.com/office/drawing/2014/main" id="{55E00C69-E546-4D30-9806-1B7DD878DFDC}"/>
+              </a:ext>
+            </a:extLst>
+          </p:cNvPr>
+          <p:cNvSpPr>
+            <a:spLocks noGrp="1"/>
+          </p:cNvSpPr>
+          <p:nvPr>
+            <p:ph type="title"/>
+          </p:nvPr>
+        </p:nvSpPr>
+        <p:spPr/>
+        <p:txBody>
+          <a:bodyPr/>
+          <a:lstStyle/>
+          <a:p>
+            <a:r>
+              <a:rPr lang="zh-TW" altLang="en-US" dirty="0"/>
+              <a:t>規格</a:t>
+            </a:r>
+          </a:p>
+        </p:txBody>
+      </p:sp>
+      <p:sp>
+        <p:nvSpPr>
+          <p:cNvPr id="3" name="Content Placeholder 2">
+            <a:extLst>
+              <a:ext uri="{FF2B5EF4-FFF2-40B4-BE49-F238E27FC236}">
+                <a16:creationId xmlns:a16="http://schemas.microsoft.com/office/drawing/2014/main" id="{21340161-27E8-4B02-9C74-0F66E5D2EA9F}"/>
+              </a:ext>
+            </a:extLst>
+          </p:cNvPr>
+          <p:cNvSpPr>
+            <a:spLocks noGrp="1"/>
+          </p:cNvSpPr>
+          <p:nvPr>
+            <p:ph idx="1"/>
+          </p:nvPr>
+        </p:nvSpPr>
+        <p:spPr/>
+        <p:txBody>
+          <a:bodyPr>
+            <a:normAutofit fontScale="92500" lnSpcReduction="10000"/>
+          </a:bodyPr>
+          <a:lstStyle/>
+          <a:p>
+            <a:r>
+              <a:rPr lang="zh-TW" altLang="en-US" dirty="0"/>
+              <a:t>功能</a:t>
+            </a:r>
+            <a:endParaRPr lang="en-US" altLang="zh-TW" dirty="0"/>
+          </a:p>
+          <a:p>
+            <a:pPr lvl="1"/>
+            <a:r>
+              <a:rPr lang="en-US" altLang="zh-TW" dirty="0"/>
+              <a:t>Use case: </a:t>
+            </a:r>
+            <a:r>
+              <a:rPr lang="zh-TW" altLang="en-US" dirty="0"/>
+              <a:t>輸入德州撲克影片，分析畫面上的影片有哪幾張卡，玩家是否有組合 </a:t>
+            </a:r>
+            <a:endParaRPr lang="en-US" altLang="zh-TW" dirty="0"/>
+          </a:p>
+          <a:p>
+            <a:r>
+              <a:rPr lang="zh-TW" altLang="en-US" dirty="0"/>
+              <a:t>效能</a:t>
+            </a:r>
+            <a:endParaRPr lang="en-US" altLang="zh-TW" dirty="0"/>
+          </a:p>
+          <a:p>
+            <a:pPr lvl="1"/>
+            <a:r>
+              <a:rPr lang="en-US" altLang="zh-TW" dirty="0"/>
+              <a:t>FPS:</a:t>
+            </a:r>
+            <a:r>
+              <a:rPr lang="zh-TW" altLang="en-US" dirty="0"/>
+              <a:t> 目標達到</a:t>
+            </a:r>
+            <a:r>
+              <a:rPr lang="en-US" altLang="zh-TW" dirty="0"/>
+              <a:t>10FPS</a:t>
+            </a:r>
+          </a:p>
+          <a:p>
+            <a:r>
+              <a:rPr lang="zh-TW" altLang="en-US" dirty="0"/>
+              <a:t>介面</a:t>
+            </a:r>
+            <a:endParaRPr lang="en-US" altLang="zh-TW" dirty="0"/>
+          </a:p>
+          <a:p>
+            <a:pPr lvl="1"/>
+            <a:r>
+              <a:rPr lang="zh-TW" altLang="en-US" dirty="0"/>
+              <a:t>內部介面：</a:t>
+            </a:r>
+            <a:r>
+              <a:rPr lang="en-US" altLang="zh-TW" dirty="0"/>
+              <a:t>array</a:t>
+            </a:r>
+            <a:r>
+              <a:rPr lang="zh-TW" altLang="en-US" dirty="0"/>
+              <a:t>處理</a:t>
+            </a:r>
+            <a:endParaRPr lang="en-US" altLang="zh-TW" dirty="0"/>
+          </a:p>
+          <a:p>
+            <a:pPr lvl="1"/>
+            <a:r>
+              <a:rPr lang="zh-TW" altLang="en-US" dirty="0"/>
+              <a:t>外部介面</a:t>
+            </a:r>
+            <a:endParaRPr lang="en-US" altLang="zh-TW" dirty="0"/>
+          </a:p>
+          <a:p>
+            <a:pPr lvl="2"/>
+            <a:r>
+              <a:rPr lang="zh-TW" altLang="en-US" dirty="0"/>
+              <a:t>輸入：影片檔案或</a:t>
+            </a:r>
+            <a:r>
+              <a:rPr lang="en-US" altLang="zh-TW" dirty="0"/>
+              <a:t>stream</a:t>
+            </a:r>
+          </a:p>
+          <a:p>
+            <a:pPr lvl="2"/>
+            <a:r>
+              <a:rPr lang="zh-TW" altLang="en-US" dirty="0"/>
+              <a:t>輸出：影片</a:t>
+            </a:r>
+            <a:r>
+              <a:rPr lang="en-US" altLang="zh-TW" dirty="0"/>
+              <a:t>stream</a:t>
+            </a:r>
+          </a:p>
+          <a:p>
+            <a:r>
+              <a:rPr lang="zh-TW" altLang="en-US" dirty="0"/>
+              <a:t>限制</a:t>
+            </a:r>
+            <a:endParaRPr lang="en-US" altLang="zh-TW" dirty="0"/>
+          </a:p>
+          <a:p>
+            <a:pPr lvl="1"/>
+            <a:r>
+              <a:rPr lang="zh-TW" altLang="en-US" dirty="0"/>
+              <a:t>桌上畫面，非第一視角</a:t>
+            </a:r>
+            <a:endParaRPr lang="en-US" altLang="zh-TW" dirty="0"/>
+          </a:p>
+          <a:p>
+            <a:pPr marL="457200" lvl="1" indent="0">
+              <a:buNone/>
+            </a:pPr>
+            <a:endParaRPr lang="zh-TW" altLang="en-US" dirty="0"/>
+          </a:p>
+        </p:txBody>
+      </p:sp>
+    </p:spTree>
+    <p:extLst>
+      <p:ext uri="{BB962C8B-B14F-4D97-AF65-F5344CB8AC3E}">
+        <p14:creationId xmlns:p14="http://schemas.microsoft.com/office/powerpoint/2010/main" val="413897583"/>
+      </p:ext>
+    </p:extLst>
+  </p:cSld>
+  <p:clrMapOvr>
+    <a:masterClrMapping/>
+  </p:clrMapOvr>
+</p:sld>
+</file>
+
+<file path=ppt/slides/slide3.xml><?xml version="1.0" encoding="utf-8"?>
+<p:sld xmlns:a="http://schemas.openxmlformats.org/drawingml/2006/main" xmlns:r="http://schemas.openxmlformats.org/officeDocument/2006/relationships" xmlns:p="http://schemas.openxmlformats.org/presentationml/2006/main">
+  <p:cSld>
+    <p:spTree>
+      <p:nvGrpSpPr>
+        <p:cNvPr id="1" name=""/>
+        <p:cNvGrpSpPr/>
+        <p:nvPr/>
+      </p:nvGrpSpPr>
+      <p:grpSpPr>
+        <a:xfrm>
+          <a:off x="0" y="0"/>
+          <a:ext cx="0" cy="0"/>
+          <a:chOff x="0" y="0"/>
+          <a:chExt cx="0" cy="0"/>
+        </a:xfrm>
+      </p:grpSpPr>
+      <p:sp>
+        <p:nvSpPr>
           <p:cNvPr id="12" name="文字方塊 11">
             <a:extLst>
               <a:ext uri="{FF2B5EF4-FFF2-40B4-BE49-F238E27FC236}">
@@ -3913,8 +4212,8 @@
         </p:nvCxnSpPr>
         <p:spPr>
           <a:xfrm rot="5400000">
-            <a:off x="2026601" y="3875817"/>
-            <a:ext cx="666474" cy="1"/>
+            <a:off x="1924045" y="3773261"/>
+            <a:ext cx="666474" cy="205113"/>
           </a:xfrm>
           <a:prstGeom prst="bentConnector3">
             <a:avLst>
@@ -3954,7 +4253,7 @@
         </p:nvSpPr>
         <p:spPr>
           <a:xfrm>
-            <a:off x="1600712" y="4209054"/>
+            <a:off x="1395600" y="4209054"/>
             <a:ext cx="1518249" cy="638355"/>
           </a:xfrm>
           <a:prstGeom prst="roundRect">
@@ -3991,15 +4290,7 @@
             </a:br>
             <a:r>
               <a:rPr lang="en-US" altLang="zh-TW" dirty="0"/>
-              <a:t>(</a:t>
-            </a:r>
-            <a:r>
-              <a:rPr lang="zh-TW" altLang="en-US" dirty="0"/>
-              <a:t>判斷面積</a:t>
-            </a:r>
-            <a:r>
-              <a:rPr lang="en-US" altLang="zh-TW" dirty="0"/>
-              <a:t>)</a:t>
+              <a:t>()</a:t>
             </a:r>
             <a:endParaRPr lang="zh-TW" altLang="en-US" dirty="0"/>
           </a:p>
@@ -4016,15 +4307,15 @@
           </p:cNvPr>
           <p:cNvCxnSpPr>
             <a:cxnSpLocks/>
-            <a:stCxn id="55" idx="2"/>
+            <a:stCxn id="25" idx="2"/>
             <a:endCxn id="59" idx="0"/>
           </p:cNvCxnSpPr>
           <p:nvPr/>
         </p:nvCxnSpPr>
         <p:spPr>
-          <a:xfrm rot="5400000">
-            <a:off x="2137617" y="5069629"/>
-            <a:ext cx="444440" cy="1"/>
+          <a:xfrm rot="16200000" flipH="1">
+            <a:off x="2857070" y="3045348"/>
+            <a:ext cx="666474" cy="1660938"/>
           </a:xfrm>
           <a:prstGeom prst="bentConnector3">
             <a:avLst>
@@ -4064,7 +4355,7 @@
         </p:nvSpPr>
         <p:spPr>
           <a:xfrm>
-            <a:off x="1600711" y="5291849"/>
+            <a:off x="3261651" y="4209054"/>
             <a:ext cx="1518249" cy="638355"/>
           </a:xfrm>
           <a:prstGeom prst="roundRect">
@@ -4117,102 +4408,8 @@
         </p:nvCxnSpPr>
         <p:spPr>
           <a:xfrm rot="16200000" flipH="1">
-            <a:off x="5877785" y="1392043"/>
-            <a:ext cx="1304827" cy="1719536"/>
-          </a:xfrm>
-          <a:prstGeom prst="bentConnector3">
-            <a:avLst>
-              <a:gd name="adj1" fmla="val 50730"/>
-            </a:avLst>
-          </a:prstGeom>
-          <a:ln>
-            <a:tailEnd type="triangle"/>
-          </a:ln>
-        </p:spPr>
-        <p:style>
-          <a:lnRef idx="2">
-            <a:schemeClr val="accent1"/>
-          </a:lnRef>
-          <a:fillRef idx="0">
-            <a:schemeClr val="accent1"/>
-          </a:fillRef>
-          <a:effectRef idx="1">
-            <a:schemeClr val="accent1"/>
-          </a:effectRef>
-          <a:fontRef idx="minor">
-            <a:schemeClr val="tx1"/>
-          </a:fontRef>
-        </p:style>
-      </p:cxnSp>
-      <p:sp>
-        <p:nvSpPr>
-          <p:cNvPr id="65" name="矩形: 圓角 64">
-            <a:extLst>
-              <a:ext uri="{FF2B5EF4-FFF2-40B4-BE49-F238E27FC236}">
-                <a16:creationId xmlns:a16="http://schemas.microsoft.com/office/drawing/2014/main" id="{520A395B-44A0-81CE-C955-0EA59804BC37}"/>
-              </a:ext>
-            </a:extLst>
-          </p:cNvPr>
-          <p:cNvSpPr/>
-          <p:nvPr/>
-        </p:nvSpPr>
-        <p:spPr>
-          <a:xfrm>
-            <a:off x="6630841" y="2904225"/>
-            <a:ext cx="1518249" cy="638355"/>
-          </a:xfrm>
-          <a:prstGeom prst="roundRect">
-            <a:avLst/>
-          </a:prstGeom>
-        </p:spPr>
-        <p:style>
-          <a:lnRef idx="2">
-            <a:schemeClr val="accent1">
-              <a:shade val="15000"/>
-            </a:schemeClr>
-          </a:lnRef>
-          <a:fillRef idx="1">
-            <a:schemeClr val="accent1"/>
-          </a:fillRef>
-          <a:effectRef idx="0">
-            <a:schemeClr val="accent1"/>
-          </a:effectRef>
-          <a:fontRef idx="minor">
-            <a:schemeClr val="lt1"/>
-          </a:fontRef>
-        </p:style>
-        <p:txBody>
-          <a:bodyPr rtlCol="0" anchor="ctr"/>
-          <a:lstStyle/>
-          <a:p>
-            <a:pPr algn="ctr"/>
-            <a:r>
-              <a:rPr lang="zh-TW" altLang="en-US" dirty="0"/>
-              <a:t>花色及數值比對</a:t>
-            </a:r>
-          </a:p>
-        </p:txBody>
-      </p:sp>
-      <p:cxnSp>
-        <p:nvCxnSpPr>
-          <p:cNvPr id="75" name="接點: 肘形 74">
-            <a:extLst>
-              <a:ext uri="{FF2B5EF4-FFF2-40B4-BE49-F238E27FC236}">
-                <a16:creationId xmlns:a16="http://schemas.microsoft.com/office/drawing/2014/main" id="{44E37B18-4E09-1B1A-0FD3-181894DA7F68}"/>
-              </a:ext>
-            </a:extLst>
-          </p:cNvPr>
-          <p:cNvCxnSpPr>
-            <a:cxnSpLocks/>
-            <a:stCxn id="65" idx="2"/>
-            <a:endCxn id="84" idx="0"/>
-          </p:cNvCxnSpPr>
-          <p:nvPr/>
-        </p:nvCxnSpPr>
-        <p:spPr>
-          <a:xfrm rot="5400000">
-            <a:off x="6264538" y="2980102"/>
-            <a:ext cx="562951" cy="1687906"/>
+            <a:off x="6458548" y="811279"/>
+            <a:ext cx="1304827" cy="2881063"/>
           </a:xfrm>
           <a:prstGeom prst="bentConnector3">
             <a:avLst>
@@ -4240,10 +4437,10 @@
       </p:cxnSp>
       <p:sp>
         <p:nvSpPr>
-          <p:cNvPr id="84" name="矩形: 圓角 83">
-            <a:extLst>
-              <a:ext uri="{FF2B5EF4-FFF2-40B4-BE49-F238E27FC236}">
-                <a16:creationId xmlns:a16="http://schemas.microsoft.com/office/drawing/2014/main" id="{B71B3063-1A67-B140-4365-B4F9816953D1}"/>
+          <p:cNvPr id="65" name="矩形: 圓角 64">
+            <a:extLst>
+              <a:ext uri="{FF2B5EF4-FFF2-40B4-BE49-F238E27FC236}">
+                <a16:creationId xmlns:a16="http://schemas.microsoft.com/office/drawing/2014/main" id="{520A395B-44A0-81CE-C955-0EA59804BC37}"/>
               </a:ext>
             </a:extLst>
           </p:cNvPr>
@@ -4252,7 +4449,7 @@
         </p:nvSpPr>
         <p:spPr>
           <a:xfrm>
-            <a:off x="4942935" y="4105531"/>
+            <a:off x="7792368" y="2904225"/>
             <a:ext cx="1518249" cy="638355"/>
           </a:xfrm>
           <a:prstGeom prst="roundRect">
@@ -4282,17 +4479,62 @@
             <a:pPr algn="ctr"/>
             <a:r>
               <a:rPr lang="zh-TW" altLang="en-US" dirty="0"/>
-              <a:t>二值化</a:t>
-            </a:r>
-          </a:p>
-        </p:txBody>
-      </p:sp>
-      <p:sp>
-        <p:nvSpPr>
-          <p:cNvPr id="85" name="矩形: 圓角 84">
-            <a:extLst>
-              <a:ext uri="{FF2B5EF4-FFF2-40B4-BE49-F238E27FC236}">
-                <a16:creationId xmlns:a16="http://schemas.microsoft.com/office/drawing/2014/main" id="{7867152F-DA74-2B78-B113-2E38ACB4A80C}"/>
+              <a:t>花色及數值比對</a:t>
+            </a:r>
+          </a:p>
+        </p:txBody>
+      </p:sp>
+      <p:cxnSp>
+        <p:nvCxnSpPr>
+          <p:cNvPr id="75" name="接點: 肘形 74">
+            <a:extLst>
+              <a:ext uri="{FF2B5EF4-FFF2-40B4-BE49-F238E27FC236}">
+                <a16:creationId xmlns:a16="http://schemas.microsoft.com/office/drawing/2014/main" id="{44E37B18-4E09-1B1A-0FD3-181894DA7F68}"/>
+              </a:ext>
+            </a:extLst>
+          </p:cNvPr>
+          <p:cNvCxnSpPr>
+            <a:cxnSpLocks/>
+            <a:stCxn id="65" idx="2"/>
+            <a:endCxn id="84" idx="0"/>
+          </p:cNvCxnSpPr>
+          <p:nvPr/>
+        </p:nvCxnSpPr>
+        <p:spPr>
+          <a:xfrm rot="5400000">
+            <a:off x="7426065" y="2980102"/>
+            <a:ext cx="562951" cy="1687906"/>
+          </a:xfrm>
+          <a:prstGeom prst="bentConnector3">
+            <a:avLst>
+              <a:gd name="adj1" fmla="val 50000"/>
+            </a:avLst>
+          </a:prstGeom>
+          <a:ln>
+            <a:tailEnd type="triangle"/>
+          </a:ln>
+        </p:spPr>
+        <p:style>
+          <a:lnRef idx="2">
+            <a:schemeClr val="accent1"/>
+          </a:lnRef>
+          <a:fillRef idx="0">
+            <a:schemeClr val="accent1"/>
+          </a:fillRef>
+          <a:effectRef idx="1">
+            <a:schemeClr val="accent1"/>
+          </a:effectRef>
+          <a:fontRef idx="minor">
+            <a:schemeClr val="tx1"/>
+          </a:fontRef>
+        </p:style>
+      </p:cxnSp>
+      <p:sp>
+        <p:nvSpPr>
+          <p:cNvPr id="84" name="矩形: 圓角 83">
+            <a:extLst>
+              <a:ext uri="{FF2B5EF4-FFF2-40B4-BE49-F238E27FC236}">
+                <a16:creationId xmlns:a16="http://schemas.microsoft.com/office/drawing/2014/main" id="{B71B3063-1A67-B140-4365-B4F9816953D1}"/>
               </a:ext>
             </a:extLst>
           </p:cNvPr>
@@ -4301,7 +4543,7 @@
         </p:nvSpPr>
         <p:spPr>
           <a:xfrm>
-            <a:off x="6630842" y="4113834"/>
+            <a:off x="6104462" y="4105531"/>
             <a:ext cx="1518249" cy="638355"/>
           </a:xfrm>
           <a:prstGeom prst="roundRect">
@@ -4331,6 +4573,55 @@
             <a:pPr algn="ctr"/>
             <a:r>
               <a:rPr lang="zh-TW" altLang="en-US" dirty="0"/>
+              <a:t>二值化</a:t>
+            </a:r>
+          </a:p>
+        </p:txBody>
+      </p:sp>
+      <p:sp>
+        <p:nvSpPr>
+          <p:cNvPr id="85" name="矩形: 圓角 84">
+            <a:extLst>
+              <a:ext uri="{FF2B5EF4-FFF2-40B4-BE49-F238E27FC236}">
+                <a16:creationId xmlns:a16="http://schemas.microsoft.com/office/drawing/2014/main" id="{7867152F-DA74-2B78-B113-2E38ACB4A80C}"/>
+              </a:ext>
+            </a:extLst>
+          </p:cNvPr>
+          <p:cNvSpPr/>
+          <p:nvPr/>
+        </p:nvSpPr>
+        <p:spPr>
+          <a:xfrm>
+            <a:off x="7792369" y="4113834"/>
+            <a:ext cx="1518249" cy="638355"/>
+          </a:xfrm>
+          <a:prstGeom prst="roundRect">
+            <a:avLst/>
+          </a:prstGeom>
+        </p:spPr>
+        <p:style>
+          <a:lnRef idx="2">
+            <a:schemeClr val="accent1">
+              <a:shade val="15000"/>
+            </a:schemeClr>
+          </a:lnRef>
+          <a:fillRef idx="1">
+            <a:schemeClr val="accent1"/>
+          </a:fillRef>
+          <a:effectRef idx="0">
+            <a:schemeClr val="accent1"/>
+          </a:effectRef>
+          <a:fontRef idx="minor">
+            <a:schemeClr val="lt1"/>
+          </a:fontRef>
+        </p:style>
+        <p:txBody>
+          <a:bodyPr rtlCol="0" anchor="ctr"/>
+          <a:lstStyle/>
+          <a:p>
+            <a:pPr algn="ctr"/>
+            <a:r>
+              <a:rPr lang="zh-TW" altLang="en-US" dirty="0"/>
               <a:t>跟對照</a:t>
             </a:r>
             <a:r>
@@ -4362,7 +4653,7 @@
         </p:nvCxnSpPr>
         <p:spPr>
           <a:xfrm rot="16200000" flipH="1">
-            <a:off x="7104339" y="3828206"/>
+            <a:off x="8265866" y="3828206"/>
             <a:ext cx="571254" cy="1"/>
           </a:xfrm>
           <a:prstGeom prst="bentConnector3">
@@ -4406,7 +4697,7 @@
         </p:nvCxnSpPr>
         <p:spPr>
           <a:xfrm rot="16200000" flipH="1">
-            <a:off x="7057366" y="5084789"/>
+            <a:off x="8218893" y="5084789"/>
             <a:ext cx="665203" cy="1"/>
           </a:xfrm>
           <a:prstGeom prst="bentConnector3">
@@ -4447,7 +4738,7 @@
         </p:nvSpPr>
         <p:spPr>
           <a:xfrm>
-            <a:off x="6630842" y="5417391"/>
+            <a:off x="7792369" y="5417391"/>
             <a:ext cx="1644770" cy="1023666"/>
           </a:xfrm>
           <a:prstGeom prst="roundRect">
@@ -4520,7 +4811,7 @@
         </p:nvSpPr>
         <p:spPr>
           <a:xfrm>
-            <a:off x="8505642" y="4113832"/>
+            <a:off x="9667169" y="4113832"/>
             <a:ext cx="1518249" cy="638355"/>
           </a:xfrm>
           <a:prstGeom prst="roundRect">
@@ -4570,7 +4861,7 @@
         </p:nvSpPr>
         <p:spPr>
           <a:xfrm>
-            <a:off x="8415075" y="5258601"/>
+            <a:off x="9576602" y="5258601"/>
             <a:ext cx="1012158" cy="638355"/>
           </a:xfrm>
           <a:prstGeom prst="roundRect">
@@ -4619,7 +4910,7 @@
         </p:nvSpPr>
         <p:spPr>
           <a:xfrm>
-            <a:off x="9566696" y="5258600"/>
+            <a:off x="10728223" y="5258600"/>
             <a:ext cx="1012158" cy="638355"/>
           </a:xfrm>
           <a:prstGeom prst="roundRect">
@@ -4677,7 +4968,7 @@
         </p:nvCxnSpPr>
         <p:spPr>
           <a:xfrm rot="16200000" flipH="1">
-            <a:off x="8041740" y="2890805"/>
+            <a:off x="9203267" y="2890805"/>
             <a:ext cx="571252" cy="1874801"/>
           </a:xfrm>
           <a:prstGeom prst="bentConnector3">
@@ -4720,7 +5011,7 @@
         </p:nvCxnSpPr>
         <p:spPr>
           <a:xfrm rot="16200000" flipH="1">
-            <a:off x="9415565" y="4601389"/>
+            <a:off x="10577092" y="4601389"/>
             <a:ext cx="506413" cy="808008"/>
           </a:xfrm>
           <a:prstGeom prst="bentConnector3">
@@ -4765,7 +5056,7 @@
         </p:nvCxnSpPr>
         <p:spPr>
           <a:xfrm rot="5400000">
-            <a:off x="8839754" y="4833588"/>
+            <a:off x="10001281" y="4833588"/>
             <a:ext cx="506414" cy="343613"/>
           </a:xfrm>
           <a:prstGeom prst="bentConnector3">
@@ -4810,12 +5101,12 @@
         </p:nvCxnSpPr>
         <p:spPr>
           <a:xfrm rot="16200000" flipH="1">
-            <a:off x="7277422" y="-7594"/>
-            <a:ext cx="1289012" cy="4502996"/>
+            <a:off x="7858185" y="-588358"/>
+            <a:ext cx="1289012" cy="5664523"/>
           </a:xfrm>
           <a:prstGeom prst="bentConnector3">
             <a:avLst>
-              <a:gd name="adj1" fmla="val 51478"/>
+              <a:gd name="adj1" fmla="val 50000"/>
             </a:avLst>
           </a:prstGeom>
           <a:ln>
@@ -4851,7 +5142,7 @@
         </p:nvSpPr>
         <p:spPr>
           <a:xfrm>
-            <a:off x="9414301" y="2888410"/>
+            <a:off x="10575828" y="2888410"/>
             <a:ext cx="1518249" cy="638355"/>
           </a:xfrm>
           <a:prstGeom prst="roundRect">
@@ -4886,10 +5177,574 @@
           </a:p>
         </p:txBody>
       </p:sp>
+      <p:sp>
+        <p:nvSpPr>
+          <p:cNvPr id="39" name="矩形: 圓角 58">
+            <a:extLst>
+              <a:ext uri="{FF2B5EF4-FFF2-40B4-BE49-F238E27FC236}">
+                <a16:creationId xmlns:a16="http://schemas.microsoft.com/office/drawing/2014/main" id="{25F6CA80-320B-4B77-89F0-355DB7047A10}"/>
+              </a:ext>
+            </a:extLst>
+          </p:cNvPr>
+          <p:cNvSpPr/>
+          <p:nvPr/>
+        </p:nvSpPr>
+        <p:spPr>
+          <a:xfrm>
+            <a:off x="183639" y="5194702"/>
+            <a:ext cx="1518249" cy="638355"/>
+          </a:xfrm>
+          <a:prstGeom prst="roundRect">
+            <a:avLst/>
+          </a:prstGeom>
+        </p:spPr>
+        <p:style>
+          <a:lnRef idx="2">
+            <a:schemeClr val="accent1">
+              <a:shade val="15000"/>
+            </a:schemeClr>
+          </a:lnRef>
+          <a:fillRef idx="1">
+            <a:schemeClr val="accent1"/>
+          </a:fillRef>
+          <a:effectRef idx="0">
+            <a:schemeClr val="accent1"/>
+          </a:effectRef>
+          <a:fontRef idx="minor">
+            <a:schemeClr val="lt1"/>
+          </a:fontRef>
+        </p:style>
+        <p:txBody>
+          <a:bodyPr rtlCol="0" anchor="ctr"/>
+          <a:lstStyle/>
+          <a:p>
+            <a:pPr algn="ctr"/>
+            <a:r>
+              <a:rPr lang="zh-TW" altLang="en-US" dirty="0"/>
+              <a:t>判斷面積</a:t>
+            </a:r>
+          </a:p>
+        </p:txBody>
+      </p:sp>
+      <p:sp>
+        <p:nvSpPr>
+          <p:cNvPr id="40" name="矩形: 圓角 58">
+            <a:extLst>
+              <a:ext uri="{FF2B5EF4-FFF2-40B4-BE49-F238E27FC236}">
+                <a16:creationId xmlns:a16="http://schemas.microsoft.com/office/drawing/2014/main" id="{6CA52593-B10F-4BF3-B2CC-F60BDCC3B03A}"/>
+              </a:ext>
+            </a:extLst>
+          </p:cNvPr>
+          <p:cNvSpPr/>
+          <p:nvPr/>
+        </p:nvSpPr>
+        <p:spPr>
+          <a:xfrm>
+            <a:off x="1809277" y="5194702"/>
+            <a:ext cx="1518249" cy="638355"/>
+          </a:xfrm>
+          <a:prstGeom prst="roundRect">
+            <a:avLst/>
+          </a:prstGeom>
+        </p:spPr>
+        <p:style>
+          <a:lnRef idx="2">
+            <a:schemeClr val="accent1">
+              <a:shade val="15000"/>
+            </a:schemeClr>
+          </a:lnRef>
+          <a:fillRef idx="1">
+            <a:schemeClr val="accent1"/>
+          </a:fillRef>
+          <a:effectRef idx="0">
+            <a:schemeClr val="accent1"/>
+          </a:effectRef>
+          <a:fontRef idx="minor">
+            <a:schemeClr val="lt1"/>
+          </a:fontRef>
+        </p:style>
+        <p:txBody>
+          <a:bodyPr rtlCol="0" anchor="ctr"/>
+          <a:lstStyle/>
+          <a:p>
+            <a:pPr algn="ctr"/>
+            <a:r>
+              <a:rPr lang="zh-TW" altLang="en-US" dirty="0"/>
+              <a:t>判斷非圓形</a:t>
+            </a:r>
+          </a:p>
+        </p:txBody>
+      </p:sp>
+      <p:sp>
+        <p:nvSpPr>
+          <p:cNvPr id="41" name="矩形: 圓角 58">
+            <a:extLst>
+              <a:ext uri="{FF2B5EF4-FFF2-40B4-BE49-F238E27FC236}">
+                <a16:creationId xmlns:a16="http://schemas.microsoft.com/office/drawing/2014/main" id="{DEA39E87-3BC8-4245-8A7D-B7C56A09225A}"/>
+              </a:ext>
+            </a:extLst>
+          </p:cNvPr>
+          <p:cNvSpPr/>
+          <p:nvPr/>
+        </p:nvSpPr>
+        <p:spPr>
+          <a:xfrm>
+            <a:off x="3468733" y="5194702"/>
+            <a:ext cx="1518249" cy="638355"/>
+          </a:xfrm>
+          <a:prstGeom prst="roundRect">
+            <a:avLst/>
+          </a:prstGeom>
+        </p:spPr>
+        <p:style>
+          <a:lnRef idx="2">
+            <a:schemeClr val="accent1">
+              <a:shade val="15000"/>
+            </a:schemeClr>
+          </a:lnRef>
+          <a:fillRef idx="1">
+            <a:schemeClr val="accent1"/>
+          </a:fillRef>
+          <a:effectRef idx="0">
+            <a:schemeClr val="accent1"/>
+          </a:effectRef>
+          <a:fontRef idx="minor">
+            <a:schemeClr val="lt1"/>
+          </a:fontRef>
+        </p:style>
+        <p:txBody>
+          <a:bodyPr rtlCol="0" anchor="ctr"/>
+          <a:lstStyle/>
+          <a:p>
+            <a:pPr algn="ctr"/>
+            <a:r>
+              <a:rPr lang="zh-TW" altLang="en-US" dirty="0"/>
+              <a:t>取輪廓邊角</a:t>
+            </a:r>
+          </a:p>
+        </p:txBody>
+      </p:sp>
+      <p:cxnSp>
+        <p:nvCxnSpPr>
+          <p:cNvPr id="43" name="接點: 肘形 51">
+            <a:extLst>
+              <a:ext uri="{FF2B5EF4-FFF2-40B4-BE49-F238E27FC236}">
+                <a16:creationId xmlns:a16="http://schemas.microsoft.com/office/drawing/2014/main" id="{EFFDCDC2-4628-4659-9EA7-A29AC1506AD7}"/>
+              </a:ext>
+            </a:extLst>
+          </p:cNvPr>
+          <p:cNvCxnSpPr>
+            <a:cxnSpLocks/>
+            <a:stCxn id="55" idx="2"/>
+            <a:endCxn id="39" idx="0"/>
+          </p:cNvCxnSpPr>
+          <p:nvPr/>
+        </p:nvCxnSpPr>
+        <p:spPr>
+          <a:xfrm rot="5400000">
+            <a:off x="1375099" y="4415075"/>
+            <a:ext cx="347293" cy="1211961"/>
+          </a:xfrm>
+          <a:prstGeom prst="bentConnector3">
+            <a:avLst>
+              <a:gd name="adj1" fmla="val 50000"/>
+            </a:avLst>
+          </a:prstGeom>
+          <a:ln>
+            <a:tailEnd type="triangle"/>
+          </a:ln>
+        </p:spPr>
+        <p:style>
+          <a:lnRef idx="2">
+            <a:schemeClr val="accent1"/>
+          </a:lnRef>
+          <a:fillRef idx="0">
+            <a:schemeClr val="accent1"/>
+          </a:fillRef>
+          <a:effectRef idx="1">
+            <a:schemeClr val="accent1"/>
+          </a:effectRef>
+          <a:fontRef idx="minor">
+            <a:schemeClr val="tx1"/>
+          </a:fontRef>
+        </p:style>
+      </p:cxnSp>
+      <p:cxnSp>
+        <p:nvCxnSpPr>
+          <p:cNvPr id="44" name="接點: 肘形 51">
+            <a:extLst>
+              <a:ext uri="{FF2B5EF4-FFF2-40B4-BE49-F238E27FC236}">
+                <a16:creationId xmlns:a16="http://schemas.microsoft.com/office/drawing/2014/main" id="{124EB5C0-2AA0-4489-98A6-680856A6EFCB}"/>
+              </a:ext>
+            </a:extLst>
+          </p:cNvPr>
+          <p:cNvCxnSpPr>
+            <a:cxnSpLocks/>
+            <a:stCxn id="55" idx="2"/>
+            <a:endCxn id="40" idx="0"/>
+          </p:cNvCxnSpPr>
+          <p:nvPr/>
+        </p:nvCxnSpPr>
+        <p:spPr>
+          <a:xfrm rot="16200000" flipH="1">
+            <a:off x="2187917" y="4814216"/>
+            <a:ext cx="347293" cy="413677"/>
+          </a:xfrm>
+          <a:prstGeom prst="bentConnector3">
+            <a:avLst>
+              <a:gd name="adj1" fmla="val 50000"/>
+            </a:avLst>
+          </a:prstGeom>
+          <a:ln>
+            <a:tailEnd type="triangle"/>
+          </a:ln>
+        </p:spPr>
+        <p:style>
+          <a:lnRef idx="2">
+            <a:schemeClr val="accent1"/>
+          </a:lnRef>
+          <a:fillRef idx="0">
+            <a:schemeClr val="accent1"/>
+          </a:fillRef>
+          <a:effectRef idx="1">
+            <a:schemeClr val="accent1"/>
+          </a:effectRef>
+          <a:fontRef idx="minor">
+            <a:schemeClr val="tx1"/>
+          </a:fontRef>
+        </p:style>
+      </p:cxnSp>
+      <p:cxnSp>
+        <p:nvCxnSpPr>
+          <p:cNvPr id="53" name="接點: 肘形 55">
+            <a:extLst>
+              <a:ext uri="{FF2B5EF4-FFF2-40B4-BE49-F238E27FC236}">
+                <a16:creationId xmlns:a16="http://schemas.microsoft.com/office/drawing/2014/main" id="{6461530F-4C1A-442A-ACC0-B77AB827CE06}"/>
+              </a:ext>
+            </a:extLst>
+          </p:cNvPr>
+          <p:cNvCxnSpPr>
+            <a:cxnSpLocks/>
+            <a:stCxn id="59" idx="2"/>
+            <a:endCxn id="41" idx="0"/>
+          </p:cNvCxnSpPr>
+          <p:nvPr/>
+        </p:nvCxnSpPr>
+        <p:spPr>
+          <a:xfrm rot="16200000" flipH="1">
+            <a:off x="3950671" y="4917514"/>
+            <a:ext cx="347293" cy="207082"/>
+          </a:xfrm>
+          <a:prstGeom prst="bentConnector3">
+            <a:avLst>
+              <a:gd name="adj1" fmla="val 50000"/>
+            </a:avLst>
+          </a:prstGeom>
+          <a:ln>
+            <a:tailEnd type="triangle"/>
+          </a:ln>
+        </p:spPr>
+        <p:style>
+          <a:lnRef idx="2">
+            <a:schemeClr val="accent1"/>
+          </a:lnRef>
+          <a:fillRef idx="0">
+            <a:schemeClr val="accent1"/>
+          </a:fillRef>
+          <a:effectRef idx="1">
+            <a:schemeClr val="accent1"/>
+          </a:effectRef>
+          <a:fontRef idx="minor">
+            <a:schemeClr val="tx1"/>
+          </a:fontRef>
+        </p:style>
+      </p:cxnSp>
+      <p:sp>
+        <p:nvSpPr>
+          <p:cNvPr id="58" name="矩形: 圓角 58">
+            <a:extLst>
+              <a:ext uri="{FF2B5EF4-FFF2-40B4-BE49-F238E27FC236}">
+                <a16:creationId xmlns:a16="http://schemas.microsoft.com/office/drawing/2014/main" id="{AD88F631-EEA9-42E8-92DA-123F78C6058C}"/>
+              </a:ext>
+            </a:extLst>
+          </p:cNvPr>
+          <p:cNvSpPr/>
+          <p:nvPr/>
+        </p:nvSpPr>
+        <p:spPr>
+          <a:xfrm>
+            <a:off x="5101379" y="5194701"/>
+            <a:ext cx="1337977" cy="638355"/>
+          </a:xfrm>
+          <a:prstGeom prst="roundRect">
+            <a:avLst/>
+          </a:prstGeom>
+        </p:spPr>
+        <p:style>
+          <a:lnRef idx="2">
+            <a:schemeClr val="accent1">
+              <a:shade val="15000"/>
+            </a:schemeClr>
+          </a:lnRef>
+          <a:fillRef idx="1">
+            <a:schemeClr val="accent1"/>
+          </a:fillRef>
+          <a:effectRef idx="0">
+            <a:schemeClr val="accent1"/>
+          </a:effectRef>
+          <a:fontRef idx="minor">
+            <a:schemeClr val="lt1"/>
+          </a:fontRef>
+        </p:style>
+        <p:txBody>
+          <a:bodyPr rtlCol="0" anchor="ctr"/>
+          <a:lstStyle/>
+          <a:p>
+            <a:pPr algn="ctr"/>
+            <a:r>
+              <a:rPr lang="zh-TW" altLang="en-US" dirty="0"/>
+              <a:t>取邊角的區域</a:t>
+            </a:r>
+          </a:p>
+        </p:txBody>
+      </p:sp>
+      <p:cxnSp>
+        <p:nvCxnSpPr>
+          <p:cNvPr id="61" name="接點: 肘形 55">
+            <a:extLst>
+              <a:ext uri="{FF2B5EF4-FFF2-40B4-BE49-F238E27FC236}">
+                <a16:creationId xmlns:a16="http://schemas.microsoft.com/office/drawing/2014/main" id="{650CCF7D-A85D-4D8F-9720-E46DE51E2601}"/>
+              </a:ext>
+            </a:extLst>
+          </p:cNvPr>
+          <p:cNvCxnSpPr>
+            <a:cxnSpLocks/>
+            <a:stCxn id="59" idx="2"/>
+            <a:endCxn id="58" idx="0"/>
+          </p:cNvCxnSpPr>
+          <p:nvPr/>
+        </p:nvCxnSpPr>
+        <p:spPr>
+          <a:xfrm rot="16200000" flipH="1">
+            <a:off x="4721926" y="4146259"/>
+            <a:ext cx="347292" cy="1749592"/>
+          </a:xfrm>
+          <a:prstGeom prst="bentConnector3">
+            <a:avLst>
+              <a:gd name="adj1" fmla="val 50000"/>
+            </a:avLst>
+          </a:prstGeom>
+          <a:ln>
+            <a:tailEnd type="triangle"/>
+          </a:ln>
+        </p:spPr>
+        <p:style>
+          <a:lnRef idx="2">
+            <a:schemeClr val="accent1"/>
+          </a:lnRef>
+          <a:fillRef idx="0">
+            <a:schemeClr val="accent1"/>
+          </a:fillRef>
+          <a:effectRef idx="1">
+            <a:schemeClr val="accent1"/>
+          </a:effectRef>
+          <a:fontRef idx="minor">
+            <a:schemeClr val="tx1"/>
+          </a:fontRef>
+        </p:style>
+      </p:cxnSp>
+      <p:sp>
+        <p:nvSpPr>
+          <p:cNvPr id="66" name="矩形: 圓角 58">
+            <a:extLst>
+              <a:ext uri="{FF2B5EF4-FFF2-40B4-BE49-F238E27FC236}">
+                <a16:creationId xmlns:a16="http://schemas.microsoft.com/office/drawing/2014/main" id="{F366FC31-DC55-49FF-97F6-C01E0E17DBB3}"/>
+              </a:ext>
+            </a:extLst>
+          </p:cNvPr>
+          <p:cNvSpPr/>
+          <p:nvPr/>
+        </p:nvSpPr>
+        <p:spPr>
+          <a:xfrm>
+            <a:off x="5101378" y="6081623"/>
+            <a:ext cx="1337977" cy="638355"/>
+          </a:xfrm>
+          <a:prstGeom prst="roundRect">
+            <a:avLst/>
+          </a:prstGeom>
+        </p:spPr>
+        <p:style>
+          <a:lnRef idx="2">
+            <a:schemeClr val="accent1">
+              <a:shade val="15000"/>
+            </a:schemeClr>
+          </a:lnRef>
+          <a:fillRef idx="1">
+            <a:schemeClr val="accent1"/>
+          </a:fillRef>
+          <a:effectRef idx="0">
+            <a:schemeClr val="accent1"/>
+          </a:effectRef>
+          <a:fontRef idx="minor">
+            <a:schemeClr val="lt1"/>
+          </a:fontRef>
+        </p:style>
+        <p:txBody>
+          <a:bodyPr rtlCol="0" anchor="ctr"/>
+          <a:lstStyle/>
+          <a:p>
+            <a:pPr algn="ctr"/>
+            <a:r>
+              <a:rPr lang="zh-TW" altLang="en-US" dirty="0"/>
+              <a:t>透視變換</a:t>
+            </a:r>
+          </a:p>
+        </p:txBody>
+      </p:sp>
+      <p:cxnSp>
+        <p:nvCxnSpPr>
+          <p:cNvPr id="67" name="接點: 肘形 90">
+            <a:extLst>
+              <a:ext uri="{FF2B5EF4-FFF2-40B4-BE49-F238E27FC236}">
+                <a16:creationId xmlns:a16="http://schemas.microsoft.com/office/drawing/2014/main" id="{F2EC17C0-DBB9-4EF0-BEAF-9676DB02719F}"/>
+              </a:ext>
+            </a:extLst>
+          </p:cNvPr>
+          <p:cNvCxnSpPr>
+            <a:cxnSpLocks/>
+            <a:stCxn id="58" idx="2"/>
+            <a:endCxn id="66" idx="0"/>
+          </p:cNvCxnSpPr>
+          <p:nvPr/>
+        </p:nvCxnSpPr>
+        <p:spPr>
+          <a:xfrm rot="5400000">
+            <a:off x="5646085" y="5957339"/>
+            <a:ext cx="248567" cy="1"/>
+          </a:xfrm>
+          <a:prstGeom prst="bentConnector3">
+            <a:avLst>
+              <a:gd name="adj1" fmla="val 50000"/>
+            </a:avLst>
+          </a:prstGeom>
+          <a:ln>
+            <a:tailEnd type="triangle"/>
+          </a:ln>
+        </p:spPr>
+        <p:style>
+          <a:lnRef idx="2">
+            <a:schemeClr val="accent1"/>
+          </a:lnRef>
+          <a:fillRef idx="0">
+            <a:schemeClr val="accent1"/>
+          </a:fillRef>
+          <a:effectRef idx="1">
+            <a:schemeClr val="accent1"/>
+          </a:effectRef>
+          <a:fontRef idx="minor">
+            <a:schemeClr val="tx1"/>
+          </a:fontRef>
+        </p:style>
+      </p:cxnSp>
     </p:spTree>
     <p:extLst>
       <p:ext uri="{BB962C8B-B14F-4D97-AF65-F5344CB8AC3E}">
         <p14:creationId xmlns:p14="http://schemas.microsoft.com/office/powerpoint/2010/main" val="1987447224"/>
+      </p:ext>
+    </p:extLst>
+  </p:cSld>
+  <p:clrMapOvr>
+    <a:masterClrMapping/>
+  </p:clrMapOvr>
+</p:sld>
+</file>
+
+<file path=ppt/slides/slide4.xml><?xml version="1.0" encoding="utf-8"?>
+<p:sld xmlns:a="http://schemas.openxmlformats.org/drawingml/2006/main" xmlns:r="http://schemas.openxmlformats.org/officeDocument/2006/relationships" xmlns:p="http://schemas.openxmlformats.org/presentationml/2006/main">
+  <p:cSld>
+    <p:spTree>
+      <p:nvGrpSpPr>
+        <p:cNvPr id="1" name=""/>
+        <p:cNvGrpSpPr/>
+        <p:nvPr/>
+      </p:nvGrpSpPr>
+      <p:grpSpPr>
+        <a:xfrm>
+          <a:off x="0" y="0"/>
+          <a:ext cx="0" cy="0"/>
+          <a:chOff x="0" y="0"/>
+          <a:chExt cx="0" cy="0"/>
+        </a:xfrm>
+      </p:grpSpPr>
+      <p:sp>
+        <p:nvSpPr>
+          <p:cNvPr id="2" name="Title 1">
+            <a:extLst>
+              <a:ext uri="{FF2B5EF4-FFF2-40B4-BE49-F238E27FC236}">
+                <a16:creationId xmlns:a16="http://schemas.microsoft.com/office/drawing/2014/main" id="{AD22C2BF-360B-447D-9936-0DE7A329720F}"/>
+              </a:ext>
+            </a:extLst>
+          </p:cNvPr>
+          <p:cNvSpPr>
+            <a:spLocks noGrp="1"/>
+          </p:cNvSpPr>
+          <p:nvPr>
+            <p:ph type="title"/>
+          </p:nvPr>
+        </p:nvSpPr>
+        <p:spPr/>
+        <p:txBody>
+          <a:bodyPr/>
+          <a:lstStyle/>
+          <a:p>
+            <a:r>
+              <a:rPr lang="en-US" altLang="zh-TW" dirty="0"/>
+              <a:t>Use Case</a:t>
+            </a:r>
+            <a:endParaRPr lang="zh-TW" altLang="en-US" dirty="0"/>
+          </a:p>
+        </p:txBody>
+      </p:sp>
+      <p:pic>
+        <p:nvPicPr>
+          <p:cNvPr id="5" name="Content Placeholder 4">
+            <a:extLst>
+              <a:ext uri="{FF2B5EF4-FFF2-40B4-BE49-F238E27FC236}">
+                <a16:creationId xmlns:a16="http://schemas.microsoft.com/office/drawing/2014/main" id="{8FBA6286-B345-4BD2-9885-C0FEA8CB76B0}"/>
+              </a:ext>
+            </a:extLst>
+          </p:cNvPr>
+          <p:cNvPicPr>
+            <a:picLocks noGrp="1" noChangeAspect="1"/>
+          </p:cNvPicPr>
+          <p:nvPr>
+            <p:ph idx="1"/>
+          </p:nvPr>
+        </p:nvPicPr>
+        <p:blipFill>
+          <a:blip r:embed="rId2">
+            <a:extLst>
+              <a:ext uri="{28A0092B-C50C-407E-A947-70E740481C1C}">
+                <a14:useLocalDpi xmlns:a14="http://schemas.microsoft.com/office/drawing/2010/main" val="0"/>
+              </a:ext>
+            </a:extLst>
+          </a:blip>
+          <a:stretch>
+            <a:fillRect/>
+          </a:stretch>
+        </p:blipFill>
+        <p:spPr>
+          <a:xfrm>
+            <a:off x="2228144" y="1825625"/>
+            <a:ext cx="7735712" cy="4351338"/>
+          </a:xfrm>
+        </p:spPr>
+      </p:pic>
+    </p:spTree>
+    <p:extLst>
+      <p:ext uri="{BB962C8B-B14F-4D97-AF65-F5344CB8AC3E}">
+        <p14:creationId xmlns:p14="http://schemas.microsoft.com/office/powerpoint/2010/main" val="1015567247"/>
       </p:ext>
     </p:extLst>
   </p:cSld>

--- a/poker.pptx
+++ b/poker.pptx
@@ -3670,31 +3670,384 @@
             <p:ph idx="1"/>
           </p:nvPr>
         </p:nvSpPr>
-        <p:spPr/>
+        <p:spPr>
+          <a:xfrm>
+            <a:off x="838200" y="1825625"/>
+            <a:ext cx="5257800" cy="4667250"/>
+          </a:xfrm>
+        </p:spPr>
         <p:txBody>
           <a:bodyPr>
+            <a:normAutofit fontScale="92500" lnSpcReduction="20000"/>
+          </a:bodyPr>
+          <a:lstStyle/>
+          <a:p>
+            <a:r>
+              <a:rPr lang="zh-TW" altLang="en-US" dirty="0"/>
+              <a:t>功能</a:t>
+            </a:r>
+            <a:endParaRPr lang="en-US" altLang="zh-TW" dirty="0"/>
+          </a:p>
+          <a:p>
+            <a:pPr lvl="1"/>
+            <a:r>
+              <a:rPr lang="en-US" altLang="zh-TW" dirty="0"/>
+              <a:t>Use case: </a:t>
+            </a:r>
+            <a:r>
+              <a:rPr lang="zh-TW" altLang="en-US" dirty="0"/>
+              <a:t>輸入德州撲克影片，分析畫面上的影片有哪幾張卡，玩家是否有組合 </a:t>
+            </a:r>
+            <a:endParaRPr lang="en-US" altLang="zh-TW" dirty="0"/>
+          </a:p>
+          <a:p>
+            <a:pPr lvl="1"/>
+            <a:r>
+              <a:rPr lang="en-US" altLang="zh-TW" dirty="0"/>
+              <a:t>2</a:t>
+            </a:r>
+            <a:r>
+              <a:rPr lang="zh-TW" altLang="en-US" dirty="0"/>
+              <a:t>張卡</a:t>
+            </a:r>
+            <a:r>
+              <a:rPr lang="en-US" altLang="zh-TW" dirty="0"/>
+              <a:t>45</a:t>
+            </a:r>
+            <a:r>
+              <a:rPr lang="zh-TW" altLang="en-US" dirty="0"/>
+              <a:t>度重疊的各個花色</a:t>
+            </a:r>
+            <a:endParaRPr lang="en-US" altLang="zh-TW" dirty="0"/>
+          </a:p>
+          <a:p>
+            <a:r>
+              <a:rPr lang="zh-TW" altLang="en-US" dirty="0"/>
+              <a:t>軟硬體規格：</a:t>
+            </a:r>
+            <a:endParaRPr lang="en-US" altLang="zh-TW" dirty="0"/>
+          </a:p>
+          <a:p>
+            <a:pPr lvl="1"/>
+            <a:r>
+              <a:rPr lang="zh-TW" altLang="en-US" dirty="0"/>
+              <a:t>軟體：</a:t>
+            </a:r>
+            <a:endParaRPr lang="en-US" altLang="zh-TW" dirty="0"/>
+          </a:p>
+          <a:p>
+            <a:pPr lvl="2"/>
+            <a:r>
+              <a:rPr lang="en-US" altLang="zh-TW" dirty="0"/>
+              <a:t>Python 3.4 </a:t>
+            </a:r>
+            <a:r>
+              <a:rPr lang="zh-TW" altLang="en-US" dirty="0"/>
+              <a:t>以上</a:t>
+            </a:r>
+            <a:endParaRPr lang="en-US" altLang="zh-TW" dirty="0"/>
+          </a:p>
+          <a:p>
+            <a:pPr lvl="2"/>
+            <a:r>
+              <a:rPr lang="en-US" altLang="zh-TW" dirty="0"/>
+              <a:t>OpenCV</a:t>
+            </a:r>
+            <a:r>
+              <a:rPr lang="zh-TW" altLang="en-US" dirty="0"/>
+              <a:t>套件</a:t>
+            </a:r>
+            <a:endParaRPr lang="en-US" altLang="zh-TW" dirty="0"/>
+          </a:p>
+          <a:p>
+            <a:pPr lvl="1"/>
+            <a:r>
+              <a:rPr lang="zh-TW" altLang="en-US" dirty="0"/>
+              <a:t>硬體：</a:t>
+            </a:r>
+            <a:endParaRPr lang="en-US" altLang="zh-TW" dirty="0"/>
+          </a:p>
+          <a:p>
+            <a:pPr lvl="2"/>
+            <a:r>
+              <a:rPr lang="en-US" altLang="zh-TW" dirty="0"/>
+              <a:t>CPU</a:t>
+            </a:r>
+            <a:r>
+              <a:rPr lang="zh-TW" altLang="en-US" dirty="0"/>
+              <a:t>運算能力 </a:t>
+            </a:r>
+            <a:r>
+              <a:rPr lang="en-US" altLang="zh-TW" dirty="0"/>
+              <a:t>(</a:t>
+            </a:r>
+            <a:r>
+              <a:rPr lang="zh-TW" altLang="en-US" dirty="0"/>
+              <a:t>不需要使用</a:t>
+            </a:r>
+            <a:r>
+              <a:rPr lang="en-US" altLang="zh-TW" dirty="0"/>
+              <a:t>GPU</a:t>
+            </a:r>
+            <a:r>
+              <a:rPr lang="zh-TW" altLang="en-US" dirty="0"/>
+              <a:t>運算</a:t>
+            </a:r>
+            <a:r>
+              <a:rPr lang="en-US" altLang="zh-TW" dirty="0"/>
+              <a:t>)</a:t>
+            </a:r>
+          </a:p>
+          <a:p>
+            <a:pPr lvl="2"/>
+            <a:r>
+              <a:rPr lang="zh-TW" altLang="en-US" dirty="0"/>
+              <a:t>樹梅派</a:t>
+            </a:r>
+            <a:r>
+              <a:rPr lang="en-US" altLang="zh-TW" dirty="0"/>
+              <a:t>3b</a:t>
+            </a:r>
+          </a:p>
+          <a:p>
+            <a:pPr lvl="2"/>
+            <a:r>
+              <a:rPr lang="zh-TW" altLang="en-US" dirty="0"/>
+              <a:t>攝影機 </a:t>
+            </a:r>
+            <a:r>
+              <a:rPr lang="en-US" altLang="zh-TW" dirty="0"/>
+              <a:t>(</a:t>
+            </a:r>
+            <a:r>
+              <a:rPr lang="zh-TW" altLang="en-US" dirty="0"/>
+              <a:t>或影片檔</a:t>
+            </a:r>
+            <a:r>
+              <a:rPr lang="en-US" altLang="zh-TW" dirty="0"/>
+              <a:t>)</a:t>
+            </a:r>
+          </a:p>
+          <a:p>
+            <a:pPr lvl="3"/>
+            <a:r>
+              <a:rPr lang="en-US" altLang="zh-TW" dirty="0"/>
+              <a:t>30FPS/720p</a:t>
+            </a:r>
+          </a:p>
+          <a:p>
+            <a:pPr lvl="3"/>
+            <a:r>
+              <a:rPr lang="en-US" altLang="zh-TW" dirty="0"/>
+              <a:t>FOV</a:t>
+            </a:r>
+            <a:r>
+              <a:rPr lang="zh-TW" altLang="en-US" dirty="0"/>
+              <a:t> 約 </a:t>
+            </a:r>
+            <a:r>
+              <a:rPr lang="en-US" altLang="zh-TW" dirty="0"/>
+              <a:t>55</a:t>
+            </a:r>
+            <a:r>
+              <a:rPr lang="zh-TW" altLang="en-US" dirty="0"/>
+              <a:t>度</a:t>
+            </a:r>
+            <a:endParaRPr lang="en-US" altLang="zh-TW" dirty="0"/>
+          </a:p>
+        </p:txBody>
+      </p:sp>
+      <p:sp>
+        <p:nvSpPr>
+          <p:cNvPr id="6" name="Content Placeholder 2">
+            <a:extLst>
+              <a:ext uri="{FF2B5EF4-FFF2-40B4-BE49-F238E27FC236}">
+                <a16:creationId xmlns:a16="http://schemas.microsoft.com/office/drawing/2014/main" id="{742194D7-8D65-4F41-8E1D-2611039D0CBA}"/>
+              </a:ext>
+            </a:extLst>
+          </p:cNvPr>
+          <p:cNvSpPr txBox="1">
+            <a:spLocks/>
+          </p:cNvSpPr>
+          <p:nvPr/>
+        </p:nvSpPr>
+        <p:spPr>
+          <a:xfrm>
+            <a:off x="6096000" y="1825625"/>
+            <a:ext cx="4945380" cy="4667250"/>
+          </a:xfrm>
+          <a:prstGeom prst="rect">
+            <a:avLst/>
+          </a:prstGeom>
+        </p:spPr>
+        <p:txBody>
+          <a:bodyPr vert="horz" lIns="91440" tIns="45720" rIns="91440" bIns="45720" rtlCol="0">
             <a:normAutofit fontScale="92500" lnSpcReduction="10000"/>
           </a:bodyPr>
-          <a:lstStyle/>
-          <a:p>
-            <a:r>
-              <a:rPr lang="zh-TW" altLang="en-US" dirty="0"/>
-              <a:t>功能</a:t>
-            </a:r>
-            <a:endParaRPr lang="en-US" altLang="zh-TW" dirty="0"/>
-          </a:p>
-          <a:p>
-            <a:pPr lvl="1"/>
-            <a:r>
-              <a:rPr lang="en-US" altLang="zh-TW" dirty="0"/>
-              <a:t>Use case: </a:t>
-            </a:r>
-            <a:r>
-              <a:rPr lang="zh-TW" altLang="en-US" dirty="0"/>
-              <a:t>輸入德州撲克影片，分析畫面上的影片有哪幾張卡，玩家是否有組合 </a:t>
-            </a:r>
-            <a:endParaRPr lang="en-US" altLang="zh-TW" dirty="0"/>
-          </a:p>
+          <a:lstStyle>
+            <a:lvl1pPr marL="228600" indent="-228600" algn="l" defTabSz="914400" rtl="0" eaLnBrk="1" latinLnBrk="0" hangingPunct="1">
+              <a:lnSpc>
+                <a:spcPct val="90000"/>
+              </a:lnSpc>
+              <a:spcBef>
+                <a:spcPts val="1000"/>
+              </a:spcBef>
+              <a:buFont typeface="Arial" panose="020B0604020202020204" pitchFamily="34" charset="0"/>
+              <a:buChar char="•"/>
+              <a:defRPr sz="2800" kern="1200">
+                <a:solidFill>
+                  <a:schemeClr val="tx1"/>
+                </a:solidFill>
+                <a:latin typeface="+mn-lt"/>
+                <a:ea typeface="+mn-ea"/>
+                <a:cs typeface="+mn-cs"/>
+              </a:defRPr>
+            </a:lvl1pPr>
+            <a:lvl2pPr marL="685800" indent="-228600" algn="l" defTabSz="914400" rtl="0" eaLnBrk="1" latinLnBrk="0" hangingPunct="1">
+              <a:lnSpc>
+                <a:spcPct val="90000"/>
+              </a:lnSpc>
+              <a:spcBef>
+                <a:spcPts val="500"/>
+              </a:spcBef>
+              <a:buFont typeface="Arial" panose="020B0604020202020204" pitchFamily="34" charset="0"/>
+              <a:buChar char="•"/>
+              <a:defRPr sz="2400" kern="1200">
+                <a:solidFill>
+                  <a:schemeClr val="tx1"/>
+                </a:solidFill>
+                <a:latin typeface="+mn-lt"/>
+                <a:ea typeface="+mn-ea"/>
+                <a:cs typeface="+mn-cs"/>
+              </a:defRPr>
+            </a:lvl2pPr>
+            <a:lvl3pPr marL="1143000" indent="-228600" algn="l" defTabSz="914400" rtl="0" eaLnBrk="1" latinLnBrk="0" hangingPunct="1">
+              <a:lnSpc>
+                <a:spcPct val="90000"/>
+              </a:lnSpc>
+              <a:spcBef>
+                <a:spcPts val="500"/>
+              </a:spcBef>
+              <a:buFont typeface="Arial" panose="020B0604020202020204" pitchFamily="34" charset="0"/>
+              <a:buChar char="•"/>
+              <a:defRPr sz="2000" kern="1200">
+                <a:solidFill>
+                  <a:schemeClr val="tx1"/>
+                </a:solidFill>
+                <a:latin typeface="+mn-lt"/>
+                <a:ea typeface="+mn-ea"/>
+                <a:cs typeface="+mn-cs"/>
+              </a:defRPr>
+            </a:lvl3pPr>
+            <a:lvl4pPr marL="1600200" indent="-228600" algn="l" defTabSz="914400" rtl="0" eaLnBrk="1" latinLnBrk="0" hangingPunct="1">
+              <a:lnSpc>
+                <a:spcPct val="90000"/>
+              </a:lnSpc>
+              <a:spcBef>
+                <a:spcPts val="500"/>
+              </a:spcBef>
+              <a:buFont typeface="Arial" panose="020B0604020202020204" pitchFamily="34" charset="0"/>
+              <a:buChar char="•"/>
+              <a:defRPr sz="1800" kern="1200">
+                <a:solidFill>
+                  <a:schemeClr val="tx1"/>
+                </a:solidFill>
+                <a:latin typeface="+mn-lt"/>
+                <a:ea typeface="+mn-ea"/>
+                <a:cs typeface="+mn-cs"/>
+              </a:defRPr>
+            </a:lvl4pPr>
+            <a:lvl5pPr marL="2057400" indent="-228600" algn="l" defTabSz="914400" rtl="0" eaLnBrk="1" latinLnBrk="0" hangingPunct="1">
+              <a:lnSpc>
+                <a:spcPct val="90000"/>
+              </a:lnSpc>
+              <a:spcBef>
+                <a:spcPts val="500"/>
+              </a:spcBef>
+              <a:buFont typeface="Arial" panose="020B0604020202020204" pitchFamily="34" charset="0"/>
+              <a:buChar char="•"/>
+              <a:defRPr sz="1800" kern="1200">
+                <a:solidFill>
+                  <a:schemeClr val="tx1"/>
+                </a:solidFill>
+                <a:latin typeface="+mn-lt"/>
+                <a:ea typeface="+mn-ea"/>
+                <a:cs typeface="+mn-cs"/>
+              </a:defRPr>
+            </a:lvl5pPr>
+            <a:lvl6pPr marL="2514600" indent="-228600" algn="l" defTabSz="914400" rtl="0" eaLnBrk="1" latinLnBrk="0" hangingPunct="1">
+              <a:lnSpc>
+                <a:spcPct val="90000"/>
+              </a:lnSpc>
+              <a:spcBef>
+                <a:spcPts val="500"/>
+              </a:spcBef>
+              <a:buFont typeface="Arial" panose="020B0604020202020204" pitchFamily="34" charset="0"/>
+              <a:buChar char="•"/>
+              <a:defRPr sz="1800" kern="1200">
+                <a:solidFill>
+                  <a:schemeClr val="tx1"/>
+                </a:solidFill>
+                <a:latin typeface="+mn-lt"/>
+                <a:ea typeface="+mn-ea"/>
+                <a:cs typeface="+mn-cs"/>
+              </a:defRPr>
+            </a:lvl6pPr>
+            <a:lvl7pPr marL="2971800" indent="-228600" algn="l" defTabSz="914400" rtl="0" eaLnBrk="1" latinLnBrk="0" hangingPunct="1">
+              <a:lnSpc>
+                <a:spcPct val="90000"/>
+              </a:lnSpc>
+              <a:spcBef>
+                <a:spcPts val="500"/>
+              </a:spcBef>
+              <a:buFont typeface="Arial" panose="020B0604020202020204" pitchFamily="34" charset="0"/>
+              <a:buChar char="•"/>
+              <a:defRPr sz="1800" kern="1200">
+                <a:solidFill>
+                  <a:schemeClr val="tx1"/>
+                </a:solidFill>
+                <a:latin typeface="+mn-lt"/>
+                <a:ea typeface="+mn-ea"/>
+                <a:cs typeface="+mn-cs"/>
+              </a:defRPr>
+            </a:lvl7pPr>
+            <a:lvl8pPr marL="3429000" indent="-228600" algn="l" defTabSz="914400" rtl="0" eaLnBrk="1" latinLnBrk="0" hangingPunct="1">
+              <a:lnSpc>
+                <a:spcPct val="90000"/>
+              </a:lnSpc>
+              <a:spcBef>
+                <a:spcPts val="500"/>
+              </a:spcBef>
+              <a:buFont typeface="Arial" panose="020B0604020202020204" pitchFamily="34" charset="0"/>
+              <a:buChar char="•"/>
+              <a:defRPr sz="1800" kern="1200">
+                <a:solidFill>
+                  <a:schemeClr val="tx1"/>
+                </a:solidFill>
+                <a:latin typeface="+mn-lt"/>
+                <a:ea typeface="+mn-ea"/>
+                <a:cs typeface="+mn-cs"/>
+              </a:defRPr>
+            </a:lvl8pPr>
+            <a:lvl9pPr marL="3886200" indent="-228600" algn="l" defTabSz="914400" rtl="0" eaLnBrk="1" latinLnBrk="0" hangingPunct="1">
+              <a:lnSpc>
+                <a:spcPct val="90000"/>
+              </a:lnSpc>
+              <a:spcBef>
+                <a:spcPts val="500"/>
+              </a:spcBef>
+              <a:buFont typeface="Arial" panose="020B0604020202020204" pitchFamily="34" charset="0"/>
+              <a:buChar char="•"/>
+              <a:defRPr sz="1800" kern="1200">
+                <a:solidFill>
+                  <a:schemeClr val="tx1"/>
+                </a:solidFill>
+                <a:latin typeface="+mn-lt"/>
+                <a:ea typeface="+mn-ea"/>
+                <a:cs typeface="+mn-cs"/>
+              </a:defRPr>
+            </a:lvl9pPr>
+          </a:lstStyle>
           <a:p>
             <a:r>
               <a:rPr lang="zh-TW" altLang="en-US" dirty="0"/>
@@ -3714,8 +4067,47 @@
             </a:r>
             <a:r>
               <a:rPr lang="en-US" altLang="zh-TW" dirty="0"/>
-              <a:t>10FPS</a:t>
-            </a:r>
+              <a:t>15FPS</a:t>
+            </a:r>
+          </a:p>
+          <a:p>
+            <a:r>
+              <a:rPr lang="zh-TW" altLang="en-US" dirty="0"/>
+              <a:t>限制</a:t>
+            </a:r>
+            <a:endParaRPr lang="en-US" altLang="zh-TW" dirty="0"/>
+          </a:p>
+          <a:p>
+            <a:pPr lvl="1"/>
+            <a:r>
+              <a:rPr lang="zh-TW" altLang="en-US" dirty="0"/>
+              <a:t>桌上畫面，非第一視角</a:t>
+            </a:r>
+            <a:endParaRPr lang="en-US" altLang="zh-TW" dirty="0"/>
+          </a:p>
+          <a:p>
+            <a:pPr lvl="1"/>
+            <a:r>
+              <a:rPr lang="zh-TW" altLang="en-US" dirty="0"/>
+              <a:t>桌面布色為深綠色或深藍色</a:t>
+            </a:r>
+            <a:endParaRPr lang="en-US" altLang="zh-TW" dirty="0"/>
+          </a:p>
+          <a:p>
+            <a:pPr lvl="1"/>
+            <a:r>
+              <a:rPr lang="zh-TW" altLang="en-US" dirty="0"/>
+              <a:t>著光相對均勻，桌面乾淨</a:t>
+            </a:r>
+            <a:endParaRPr lang="en-US" altLang="zh-TW" dirty="0"/>
+          </a:p>
+          <a:p>
+            <a:pPr lvl="1"/>
+            <a:r>
+              <a:rPr lang="zh-TW" altLang="en-US" dirty="0"/>
+              <a:t>撲克牌種類為邊角使用標準牌型</a:t>
+            </a:r>
+            <a:endParaRPr lang="en-US" altLang="zh-TW" dirty="0"/>
           </a:p>
           <a:p>
             <a:r>
@@ -3728,15 +4120,42 @@
             <a:pPr lvl="1"/>
             <a:r>
               <a:rPr lang="zh-TW" altLang="en-US" dirty="0"/>
-              <a:t>內部介面：</a:t>
+              <a:t>輸入</a:t>
+            </a:r>
+            <a:endParaRPr lang="en-US" altLang="zh-TW" dirty="0"/>
+          </a:p>
+          <a:p>
+            <a:pPr lvl="2"/>
+            <a:r>
+              <a:rPr lang="zh-TW" altLang="en-US" dirty="0"/>
+              <a:t>影片檔</a:t>
             </a:r>
             <a:r>
               <a:rPr lang="en-US" altLang="zh-TW" dirty="0"/>
-              <a:t>array</a:t>
+              <a:t>(.</a:t>
+            </a:r>
+            <a:r>
+              <a:rPr lang="en-US" altLang="zh-TW" dirty="0" err="1"/>
+              <a:t>mkv</a:t>
             </a:r>
             <a:r>
               <a:rPr lang="zh-TW" altLang="en-US" dirty="0"/>
-              <a:t>處理</a:t>
+              <a:t>或</a:t>
+            </a:r>
+            <a:r>
+              <a:rPr lang="en-US" altLang="zh-TW" dirty="0"/>
+              <a:t>.mp4)</a:t>
+            </a:r>
+          </a:p>
+          <a:p>
+            <a:pPr lvl="2"/>
+            <a:r>
+              <a:rPr lang="en-US" altLang="zh-TW" dirty="0"/>
+              <a:t>USB</a:t>
+            </a:r>
+            <a:r>
+              <a:rPr lang="zh-TW" altLang="en-US" dirty="0"/>
+              <a:t>攝影機傳輸</a:t>
             </a:r>
             <a:endParaRPr lang="en-US" altLang="zh-TW" dirty="0"/>
           </a:p>
@@ -3744,52 +4163,40 @@
             <a:pPr lvl="1"/>
             <a:r>
               <a:rPr lang="zh-TW" altLang="en-US" dirty="0"/>
-              <a:t>外部介面</a:t>
+              <a:t>輸出</a:t>
             </a:r>
             <a:endParaRPr lang="en-US" altLang="zh-TW" dirty="0"/>
           </a:p>
           <a:p>
             <a:pPr lvl="2"/>
             <a:r>
+              <a:rPr lang="en-US" altLang="zh-TW" dirty="0"/>
+              <a:t>OS</a:t>
+            </a:r>
+            <a:r>
               <a:rPr lang="zh-TW" altLang="en-US" dirty="0"/>
-              <a:t>輸入：影片檔案或</a:t>
+              <a:t>裡的</a:t>
+            </a:r>
+            <a:r>
+              <a:rPr lang="en-US" altLang="zh-TW" dirty="0" err="1"/>
+              <a:t>Videostream</a:t>
+            </a:r>
+            <a:r>
+              <a:rPr lang="zh-TW" altLang="en-US" dirty="0"/>
+              <a:t>畫面</a:t>
             </a:r>
             <a:r>
               <a:rPr lang="en-US" altLang="zh-TW" dirty="0"/>
-              <a:t>stream</a:t>
-            </a:r>
-          </a:p>
-          <a:p>
-            <a:pPr lvl="2"/>
+              <a:t>(720p</a:t>
+            </a:r>
             <a:r>
               <a:rPr lang="zh-TW" altLang="en-US" dirty="0"/>
-              <a:t>輸出：影片</a:t>
+              <a:t>視窗</a:t>
             </a:r>
             <a:r>
               <a:rPr lang="en-US" altLang="zh-TW" dirty="0"/>
-              <a:t>stream</a:t>
-            </a:r>
-          </a:p>
-          <a:p>
-            <a:r>
-              <a:rPr lang="zh-TW" altLang="en-US" dirty="0"/>
-              <a:t>限制</a:t>
-            </a:r>
-            <a:endParaRPr lang="en-US" altLang="zh-TW" dirty="0"/>
-          </a:p>
-          <a:p>
-            <a:pPr lvl="1"/>
-            <a:r>
-              <a:rPr lang="zh-TW" altLang="en-US" dirty="0"/>
-              <a:t>桌上畫面，非第一視角</a:t>
-            </a:r>
-            <a:endParaRPr lang="en-US" altLang="zh-TW" dirty="0"/>
-          </a:p>
-          <a:p>
-            <a:pPr marL="457200" lvl="1" indent="0">
-              <a:buNone/>
-            </a:pPr>
-            <a:endParaRPr lang="zh-TW" altLang="en-US" dirty="0"/>
+              <a:t>)</a:t>
+            </a:r>
           </a:p>
         </p:txBody>
       </p:sp>
@@ -3825,46 +4232,6 @@
       </p:grpSpPr>
       <p:sp>
         <p:nvSpPr>
-          <p:cNvPr id="12" name="文字方塊 11">
-            <a:extLst>
-              <a:ext uri="{FF2B5EF4-FFF2-40B4-BE49-F238E27FC236}">
-                <a16:creationId xmlns:a16="http://schemas.microsoft.com/office/drawing/2014/main" id="{454E3C3D-5AA7-3E92-7F72-BE19783456FE}"/>
-              </a:ext>
-            </a:extLst>
-          </p:cNvPr>
-          <p:cNvSpPr txBox="1"/>
-          <p:nvPr/>
-        </p:nvSpPr>
-        <p:spPr>
-          <a:xfrm>
-            <a:off x="2047335" y="776377"/>
-            <a:ext cx="3628845" cy="369332"/>
-          </a:xfrm>
-          <a:prstGeom prst="rect">
-            <a:avLst/>
-          </a:prstGeom>
-          <a:noFill/>
-        </p:spPr>
-        <p:txBody>
-          <a:bodyPr wrap="square" rtlCol="0">
-            <a:spAutoFit/>
-          </a:bodyPr>
-          <a:lstStyle/>
-          <a:p>
-            <a:r>
-              <a:rPr lang="zh-TW" altLang="en-US" dirty="0"/>
-              <a:t>功能</a:t>
-            </a:r>
-            <a:r>
-              <a:rPr lang="en-US" altLang="zh-TW" dirty="0"/>
-              <a:t>:</a:t>
-            </a:r>
-            <a:endParaRPr lang="zh-TW" altLang="en-US" dirty="0"/>
-          </a:p>
-        </p:txBody>
-      </p:sp>
-      <p:sp>
-        <p:nvSpPr>
           <p:cNvPr id="13" name="矩形: 圓角 12">
             <a:extLst>
               <a:ext uri="{FF2B5EF4-FFF2-40B4-BE49-F238E27FC236}">
@@ -4159,7 +4526,7 @@
         </p:nvSpPr>
         <p:spPr>
           <a:xfrm>
-            <a:off x="137631" y="4209054"/>
+            <a:off x="192999" y="4209053"/>
             <a:ext cx="1030520" cy="638355"/>
           </a:xfrm>
           <a:prstGeom prst="roundRect">
@@ -4288,10 +4655,6 @@
             <a:br>
               <a:rPr lang="en-US" altLang="zh-TW" dirty="0"/>
             </a:br>
-            <a:r>
-              <a:rPr lang="en-US" altLang="zh-TW" dirty="0"/>
-              <a:t>()</a:t>
-            </a:r>
             <a:endParaRPr lang="zh-TW" altLang="en-US" dirty="0"/>
           </a:p>
         </p:txBody>
@@ -4408,8 +4771,8 @@
         </p:nvCxnSpPr>
         <p:spPr>
           <a:xfrm rot="16200000" flipH="1">
-            <a:off x="6458548" y="811279"/>
-            <a:ext cx="1304827" cy="2881063"/>
+            <a:off x="5983366" y="1286461"/>
+            <a:ext cx="1304827" cy="1930699"/>
           </a:xfrm>
           <a:prstGeom prst="bentConnector3">
             <a:avLst>
@@ -4449,7 +4812,7 @@
         </p:nvSpPr>
         <p:spPr>
           <a:xfrm>
-            <a:off x="7792368" y="2904225"/>
+            <a:off x="6842004" y="2904225"/>
             <a:ext cx="1518249" cy="638355"/>
           </a:xfrm>
           <a:prstGeom prst="roundRect">
@@ -4484,57 +4847,12 @@
           </a:p>
         </p:txBody>
       </p:sp>
-      <p:cxnSp>
-        <p:nvCxnSpPr>
-          <p:cNvPr id="75" name="接點: 肘形 74">
-            <a:extLst>
-              <a:ext uri="{FF2B5EF4-FFF2-40B4-BE49-F238E27FC236}">
-                <a16:creationId xmlns:a16="http://schemas.microsoft.com/office/drawing/2014/main" id="{44E37B18-4E09-1B1A-0FD3-181894DA7F68}"/>
-              </a:ext>
-            </a:extLst>
-          </p:cNvPr>
-          <p:cNvCxnSpPr>
-            <a:cxnSpLocks/>
-            <a:stCxn id="65" idx="2"/>
-            <a:endCxn id="84" idx="0"/>
-          </p:cNvCxnSpPr>
-          <p:nvPr/>
-        </p:nvCxnSpPr>
-        <p:spPr>
-          <a:xfrm rot="5400000">
-            <a:off x="7426065" y="2980102"/>
-            <a:ext cx="562951" cy="1687906"/>
-          </a:xfrm>
-          <a:prstGeom prst="bentConnector3">
-            <a:avLst>
-              <a:gd name="adj1" fmla="val 50000"/>
-            </a:avLst>
-          </a:prstGeom>
-          <a:ln>
-            <a:tailEnd type="triangle"/>
-          </a:ln>
-        </p:spPr>
-        <p:style>
-          <a:lnRef idx="2">
-            <a:schemeClr val="accent1"/>
-          </a:lnRef>
-          <a:fillRef idx="0">
-            <a:schemeClr val="accent1"/>
-          </a:fillRef>
-          <a:effectRef idx="1">
-            <a:schemeClr val="accent1"/>
-          </a:effectRef>
-          <a:fontRef idx="minor">
-            <a:schemeClr val="tx1"/>
-          </a:fontRef>
-        </p:style>
-      </p:cxnSp>
-      <p:sp>
-        <p:nvSpPr>
-          <p:cNvPr id="84" name="矩形: 圓角 83">
-            <a:extLst>
-              <a:ext uri="{FF2B5EF4-FFF2-40B4-BE49-F238E27FC236}">
-                <a16:creationId xmlns:a16="http://schemas.microsoft.com/office/drawing/2014/main" id="{B71B3063-1A67-B140-4365-B4F9816953D1}"/>
+      <p:sp>
+        <p:nvSpPr>
+          <p:cNvPr id="85" name="矩形: 圓角 84">
+            <a:extLst>
+              <a:ext uri="{FF2B5EF4-FFF2-40B4-BE49-F238E27FC236}">
+                <a16:creationId xmlns:a16="http://schemas.microsoft.com/office/drawing/2014/main" id="{7867152F-DA74-2B78-B113-2E38ACB4A80C}"/>
               </a:ext>
             </a:extLst>
           </p:cNvPr>
@@ -4543,7 +4861,7 @@
         </p:nvSpPr>
         <p:spPr>
           <a:xfrm>
-            <a:off x="6104462" y="4105531"/>
+            <a:off x="6842005" y="4113834"/>
             <a:ext cx="1518249" cy="638355"/>
           </a:xfrm>
           <a:prstGeom prst="roundRect">
@@ -4573,55 +4891,6 @@
             <a:pPr algn="ctr"/>
             <a:r>
               <a:rPr lang="zh-TW" altLang="en-US" dirty="0"/>
-              <a:t>二值化</a:t>
-            </a:r>
-          </a:p>
-        </p:txBody>
-      </p:sp>
-      <p:sp>
-        <p:nvSpPr>
-          <p:cNvPr id="85" name="矩形: 圓角 84">
-            <a:extLst>
-              <a:ext uri="{FF2B5EF4-FFF2-40B4-BE49-F238E27FC236}">
-                <a16:creationId xmlns:a16="http://schemas.microsoft.com/office/drawing/2014/main" id="{7867152F-DA74-2B78-B113-2E38ACB4A80C}"/>
-              </a:ext>
-            </a:extLst>
-          </p:cNvPr>
-          <p:cNvSpPr/>
-          <p:nvPr/>
-        </p:nvSpPr>
-        <p:spPr>
-          <a:xfrm>
-            <a:off x="7792369" y="4113834"/>
-            <a:ext cx="1518249" cy="638355"/>
-          </a:xfrm>
-          <a:prstGeom prst="roundRect">
-            <a:avLst/>
-          </a:prstGeom>
-        </p:spPr>
-        <p:style>
-          <a:lnRef idx="2">
-            <a:schemeClr val="accent1">
-              <a:shade val="15000"/>
-            </a:schemeClr>
-          </a:lnRef>
-          <a:fillRef idx="1">
-            <a:schemeClr val="accent1"/>
-          </a:fillRef>
-          <a:effectRef idx="0">
-            <a:schemeClr val="accent1"/>
-          </a:effectRef>
-          <a:fontRef idx="minor">
-            <a:schemeClr val="lt1"/>
-          </a:fontRef>
-        </p:style>
-        <p:txBody>
-          <a:bodyPr rtlCol="0" anchor="ctr"/>
-          <a:lstStyle/>
-          <a:p>
-            <a:pPr algn="ctr"/>
-            <a:r>
-              <a:rPr lang="zh-TW" altLang="en-US" dirty="0"/>
               <a:t>跟對照</a:t>
             </a:r>
             <a:r>
@@ -4653,7 +4922,7 @@
         </p:nvCxnSpPr>
         <p:spPr>
           <a:xfrm rot="16200000" flipH="1">
-            <a:off x="8265866" y="3828206"/>
+            <a:off x="7315502" y="3828206"/>
             <a:ext cx="571254" cy="1"/>
           </a:xfrm>
           <a:prstGeom prst="bentConnector3">
@@ -4697,7 +4966,7 @@
         </p:nvCxnSpPr>
         <p:spPr>
           <a:xfrm rot="16200000" flipH="1">
-            <a:off x="8218893" y="5084789"/>
+            <a:off x="7268529" y="5084789"/>
             <a:ext cx="665203" cy="1"/>
           </a:xfrm>
           <a:prstGeom prst="bentConnector3">
@@ -4738,7 +5007,7 @@
         </p:nvSpPr>
         <p:spPr>
           <a:xfrm>
-            <a:off x="7792369" y="5417391"/>
+            <a:off x="6842005" y="5417391"/>
             <a:ext cx="1644770" cy="1023666"/>
           </a:xfrm>
           <a:prstGeom prst="roundRect">
@@ -4811,7 +5080,7 @@
         </p:nvSpPr>
         <p:spPr>
           <a:xfrm>
-            <a:off x="9667169" y="4113832"/>
+            <a:off x="8716805" y="4113832"/>
             <a:ext cx="1518249" cy="638355"/>
           </a:xfrm>
           <a:prstGeom prst="roundRect">
@@ -4861,7 +5130,7 @@
         </p:nvSpPr>
         <p:spPr>
           <a:xfrm>
-            <a:off x="9576602" y="5258601"/>
+            <a:off x="8626238" y="5258601"/>
             <a:ext cx="1012158" cy="638355"/>
           </a:xfrm>
           <a:prstGeom prst="roundRect">
@@ -4910,7 +5179,7 @@
         </p:nvSpPr>
         <p:spPr>
           <a:xfrm>
-            <a:off x="10728223" y="5258600"/>
+            <a:off x="9777859" y="5258600"/>
             <a:ext cx="1012158" cy="638355"/>
           </a:xfrm>
           <a:prstGeom prst="roundRect">
@@ -4968,7 +5237,7 @@
         </p:nvCxnSpPr>
         <p:spPr>
           <a:xfrm rot="16200000" flipH="1">
-            <a:off x="9203267" y="2890805"/>
+            <a:off x="8252903" y="2890805"/>
             <a:ext cx="571252" cy="1874801"/>
           </a:xfrm>
           <a:prstGeom prst="bentConnector3">
@@ -5011,7 +5280,7 @@
         </p:nvCxnSpPr>
         <p:spPr>
           <a:xfrm rot="16200000" flipH="1">
-            <a:off x="10577092" y="4601389"/>
+            <a:off x="9626728" y="4601389"/>
             <a:ext cx="506413" cy="808008"/>
           </a:xfrm>
           <a:prstGeom prst="bentConnector3">
@@ -5056,7 +5325,7 @@
         </p:nvCxnSpPr>
         <p:spPr>
           <a:xfrm rot="5400000">
-            <a:off x="10001281" y="4833588"/>
+            <a:off x="9050917" y="4833588"/>
             <a:ext cx="506414" cy="343613"/>
           </a:xfrm>
           <a:prstGeom prst="bentConnector3">
@@ -5101,8 +5370,8 @@
         </p:nvCxnSpPr>
         <p:spPr>
           <a:xfrm rot="16200000" flipH="1">
-            <a:off x="7858185" y="-588358"/>
-            <a:ext cx="1289012" cy="5664523"/>
+            <a:off x="7854759" y="-584932"/>
+            <a:ext cx="1289012" cy="5657671"/>
           </a:xfrm>
           <a:prstGeom prst="bentConnector3">
             <a:avLst>
@@ -5142,7 +5411,7 @@
         </p:nvSpPr>
         <p:spPr>
           <a:xfrm>
-            <a:off x="10575828" y="2888410"/>
+            <a:off x="10568976" y="2888410"/>
             <a:ext cx="1518249" cy="638355"/>
           </a:xfrm>
           <a:prstGeom prst="roundRect">
@@ -5191,8 +5460,8 @@
         </p:nvSpPr>
         <p:spPr>
           <a:xfrm>
-            <a:off x="183639" y="5194702"/>
-            <a:ext cx="1518249" cy="638355"/>
+            <a:off x="1780796" y="5203472"/>
+            <a:ext cx="744191" cy="638355"/>
           </a:xfrm>
           <a:prstGeom prst="roundRect">
             <a:avLst/>
@@ -5228,10 +5497,10 @@
       </p:sp>
       <p:sp>
         <p:nvSpPr>
-          <p:cNvPr id="40" name="矩形: 圓角 58">
-            <a:extLst>
-              <a:ext uri="{FF2B5EF4-FFF2-40B4-BE49-F238E27FC236}">
-                <a16:creationId xmlns:a16="http://schemas.microsoft.com/office/drawing/2014/main" id="{6CA52593-B10F-4BF3-B2CC-F60BDCC3B03A}"/>
+          <p:cNvPr id="41" name="矩形: 圓角 58">
+            <a:extLst>
+              <a:ext uri="{FF2B5EF4-FFF2-40B4-BE49-F238E27FC236}">
+                <a16:creationId xmlns:a16="http://schemas.microsoft.com/office/drawing/2014/main" id="{DEA39E87-3BC8-4245-8A7D-B7C56A09225A}"/>
               </a:ext>
             </a:extLst>
           </p:cNvPr>
@@ -5240,7 +5509,7 @@
         </p:nvSpPr>
         <p:spPr>
           <a:xfrm>
-            <a:off x="1809277" y="5194702"/>
+            <a:off x="3468733" y="5194702"/>
             <a:ext cx="1518249" cy="638355"/>
           </a:xfrm>
           <a:prstGeom prst="roundRect">
@@ -5270,55 +5539,6 @@
             <a:pPr algn="ctr"/>
             <a:r>
               <a:rPr lang="zh-TW" altLang="en-US" dirty="0"/>
-              <a:t>判斷非圓形</a:t>
-            </a:r>
-          </a:p>
-        </p:txBody>
-      </p:sp>
-      <p:sp>
-        <p:nvSpPr>
-          <p:cNvPr id="41" name="矩形: 圓角 58">
-            <a:extLst>
-              <a:ext uri="{FF2B5EF4-FFF2-40B4-BE49-F238E27FC236}">
-                <a16:creationId xmlns:a16="http://schemas.microsoft.com/office/drawing/2014/main" id="{DEA39E87-3BC8-4245-8A7D-B7C56A09225A}"/>
-              </a:ext>
-            </a:extLst>
-          </p:cNvPr>
-          <p:cNvSpPr/>
-          <p:nvPr/>
-        </p:nvSpPr>
-        <p:spPr>
-          <a:xfrm>
-            <a:off x="3468733" y="5194702"/>
-            <a:ext cx="1518249" cy="638355"/>
-          </a:xfrm>
-          <a:prstGeom prst="roundRect">
-            <a:avLst/>
-          </a:prstGeom>
-        </p:spPr>
-        <p:style>
-          <a:lnRef idx="2">
-            <a:schemeClr val="accent1">
-              <a:shade val="15000"/>
-            </a:schemeClr>
-          </a:lnRef>
-          <a:fillRef idx="1">
-            <a:schemeClr val="accent1"/>
-          </a:fillRef>
-          <a:effectRef idx="0">
-            <a:schemeClr val="accent1"/>
-          </a:effectRef>
-          <a:fontRef idx="minor">
-            <a:schemeClr val="lt1"/>
-          </a:fontRef>
-        </p:style>
-        <p:txBody>
-          <a:bodyPr rtlCol="0" anchor="ctr"/>
-          <a:lstStyle/>
-          <a:p>
-            <a:pPr algn="ctr"/>
-            <a:r>
-              <a:rPr lang="zh-TW" altLang="en-US" dirty="0"/>
               <a:t>取輪廓邊角</a:t>
             </a:r>
           </a:p>
@@ -5342,53 +5562,8 @@
         </p:nvCxnSpPr>
         <p:spPr>
           <a:xfrm rot="5400000">
-            <a:off x="1375099" y="4415075"/>
-            <a:ext cx="347293" cy="1211961"/>
-          </a:xfrm>
-          <a:prstGeom prst="bentConnector3">
-            <a:avLst>
-              <a:gd name="adj1" fmla="val 50000"/>
-            </a:avLst>
-          </a:prstGeom>
-          <a:ln>
-            <a:tailEnd type="triangle"/>
-          </a:ln>
-        </p:spPr>
-        <p:style>
-          <a:lnRef idx="2">
-            <a:schemeClr val="accent1"/>
-          </a:lnRef>
-          <a:fillRef idx="0">
-            <a:schemeClr val="accent1"/>
-          </a:fillRef>
-          <a:effectRef idx="1">
-            <a:schemeClr val="accent1"/>
-          </a:effectRef>
-          <a:fontRef idx="minor">
-            <a:schemeClr val="tx1"/>
-          </a:fontRef>
-        </p:style>
-      </p:cxnSp>
-      <p:cxnSp>
-        <p:nvCxnSpPr>
-          <p:cNvPr id="44" name="接點: 肘形 51">
-            <a:extLst>
-              <a:ext uri="{FF2B5EF4-FFF2-40B4-BE49-F238E27FC236}">
-                <a16:creationId xmlns:a16="http://schemas.microsoft.com/office/drawing/2014/main" id="{124EB5C0-2AA0-4489-98A6-680856A6EFCB}"/>
-              </a:ext>
-            </a:extLst>
-          </p:cNvPr>
-          <p:cNvCxnSpPr>
-            <a:cxnSpLocks/>
-            <a:stCxn id="55" idx="2"/>
-            <a:endCxn id="40" idx="0"/>
-          </p:cNvCxnSpPr>
-          <p:nvPr/>
-        </p:nvCxnSpPr>
-        <p:spPr>
-          <a:xfrm rot="16200000" flipH="1">
-            <a:off x="2187917" y="4814216"/>
-            <a:ext cx="347293" cy="413677"/>
+            <a:off x="1975778" y="5024524"/>
+            <a:ext cx="356063" cy="1833"/>
           </a:xfrm>
           <a:prstGeom prst="bentConnector3">
             <a:avLst>
@@ -5622,6 +5797,601 @@
           <a:xfrm rot="5400000">
             <a:off x="5646085" y="5957339"/>
             <a:ext cx="248567" cy="1"/>
+          </a:xfrm>
+          <a:prstGeom prst="bentConnector3">
+            <a:avLst>
+              <a:gd name="adj1" fmla="val 50000"/>
+            </a:avLst>
+          </a:prstGeom>
+          <a:ln>
+            <a:tailEnd type="triangle"/>
+          </a:ln>
+        </p:spPr>
+        <p:style>
+          <a:lnRef idx="2">
+            <a:schemeClr val="accent1"/>
+          </a:lnRef>
+          <a:fillRef idx="0">
+            <a:schemeClr val="accent1"/>
+          </a:fillRef>
+          <a:effectRef idx="1">
+            <a:schemeClr val="accent1"/>
+          </a:effectRef>
+          <a:fontRef idx="minor">
+            <a:schemeClr val="tx1"/>
+          </a:fontRef>
+        </p:style>
+      </p:cxnSp>
+      <p:sp>
+        <p:nvSpPr>
+          <p:cNvPr id="45" name="矩形: 圓角 41">
+            <a:extLst>
+              <a:ext uri="{FF2B5EF4-FFF2-40B4-BE49-F238E27FC236}">
+                <a16:creationId xmlns:a16="http://schemas.microsoft.com/office/drawing/2014/main" id="{39139F4F-9880-45E6-9EDC-4A4DE0F783DA}"/>
+              </a:ext>
+            </a:extLst>
+          </p:cNvPr>
+          <p:cNvSpPr/>
+          <p:nvPr/>
+        </p:nvSpPr>
+        <p:spPr>
+          <a:xfrm>
+            <a:off x="191258" y="5203472"/>
+            <a:ext cx="1030520" cy="638355"/>
+          </a:xfrm>
+          <a:prstGeom prst="roundRect">
+            <a:avLst/>
+          </a:prstGeom>
+        </p:spPr>
+        <p:style>
+          <a:lnRef idx="2">
+            <a:schemeClr val="accent1">
+              <a:shade val="15000"/>
+            </a:schemeClr>
+          </a:lnRef>
+          <a:fillRef idx="1">
+            <a:schemeClr val="accent1"/>
+          </a:fillRef>
+          <a:effectRef idx="0">
+            <a:schemeClr val="accent1"/>
+          </a:effectRef>
+          <a:fontRef idx="minor">
+            <a:schemeClr val="lt1"/>
+          </a:fontRef>
+        </p:style>
+        <p:txBody>
+          <a:bodyPr rtlCol="0" anchor="ctr"/>
+          <a:lstStyle/>
+          <a:p>
+            <a:pPr algn="ctr"/>
+            <a:r>
+              <a:rPr lang="zh-TW" altLang="en-US" dirty="0"/>
+              <a:t>二值化</a:t>
+            </a:r>
+          </a:p>
+        </p:txBody>
+      </p:sp>
+      <p:cxnSp>
+        <p:nvCxnSpPr>
+          <p:cNvPr id="50" name="接點: 肘形 37">
+            <a:extLst>
+              <a:ext uri="{FF2B5EF4-FFF2-40B4-BE49-F238E27FC236}">
+                <a16:creationId xmlns:a16="http://schemas.microsoft.com/office/drawing/2014/main" id="{C8E3FD3B-6F1B-4DA5-A5AE-6B23CC5882EA}"/>
+              </a:ext>
+            </a:extLst>
+          </p:cNvPr>
+          <p:cNvCxnSpPr>
+            <a:cxnSpLocks/>
+            <a:stCxn id="42" idx="2"/>
+            <a:endCxn id="45" idx="0"/>
+          </p:cNvCxnSpPr>
+          <p:nvPr/>
+        </p:nvCxnSpPr>
+        <p:spPr>
+          <a:xfrm rot="5400000">
+            <a:off x="529357" y="5024570"/>
+            <a:ext cx="356064" cy="1741"/>
+          </a:xfrm>
+          <a:prstGeom prst="bentConnector3">
+            <a:avLst>
+              <a:gd name="adj1" fmla="val 50000"/>
+            </a:avLst>
+          </a:prstGeom>
+          <a:ln>
+            <a:tailEnd type="triangle"/>
+          </a:ln>
+        </p:spPr>
+        <p:style>
+          <a:lnRef idx="2">
+            <a:schemeClr val="accent1"/>
+          </a:lnRef>
+          <a:fillRef idx="0">
+            <a:schemeClr val="accent1"/>
+          </a:fillRef>
+          <a:effectRef idx="1">
+            <a:schemeClr val="accent1"/>
+          </a:effectRef>
+          <a:fontRef idx="minor">
+            <a:schemeClr val="tx1"/>
+          </a:fontRef>
+        </p:style>
+      </p:cxnSp>
+      <p:sp>
+        <p:nvSpPr>
+          <p:cNvPr id="62" name="Title 1">
+            <a:extLst>
+              <a:ext uri="{FF2B5EF4-FFF2-40B4-BE49-F238E27FC236}">
+                <a16:creationId xmlns:a16="http://schemas.microsoft.com/office/drawing/2014/main" id="{E09FA32A-F490-49A2-8C70-C6E349D8A35B}"/>
+              </a:ext>
+            </a:extLst>
+          </p:cNvPr>
+          <p:cNvSpPr txBox="1">
+            <a:spLocks/>
+          </p:cNvSpPr>
+          <p:nvPr/>
+        </p:nvSpPr>
+        <p:spPr>
+          <a:xfrm>
+            <a:off x="838200" y="365125"/>
+            <a:ext cx="10515600" cy="1325563"/>
+          </a:xfrm>
+          <a:prstGeom prst="rect">
+            <a:avLst/>
+          </a:prstGeom>
+        </p:spPr>
+        <p:txBody>
+          <a:bodyPr vert="horz" lIns="91440" tIns="45720" rIns="91440" bIns="45720" rtlCol="0" anchor="ctr">
+            <a:normAutofit/>
+          </a:bodyPr>
+          <a:lstStyle>
+            <a:lvl1pPr algn="ctr" defTabSz="914400" rtl="0" eaLnBrk="1" latinLnBrk="0" hangingPunct="1">
+              <a:lnSpc>
+                <a:spcPct val="90000"/>
+              </a:lnSpc>
+              <a:spcBef>
+                <a:spcPct val="0"/>
+              </a:spcBef>
+              <a:buNone/>
+              <a:defRPr sz="6000" kern="1200">
+                <a:solidFill>
+                  <a:schemeClr val="tx1"/>
+                </a:solidFill>
+                <a:latin typeface="+mj-lt"/>
+                <a:ea typeface="+mj-ea"/>
+                <a:cs typeface="+mj-cs"/>
+              </a:defRPr>
+            </a:lvl1pPr>
+          </a:lstStyle>
+          <a:p>
+            <a:pPr algn="l"/>
+            <a:r>
+              <a:rPr lang="en-US" altLang="zh-TW" sz="4400" dirty="0"/>
+              <a:t>Breakdown</a:t>
+            </a:r>
+            <a:endParaRPr lang="zh-TW" altLang="en-US" sz="4400" dirty="0"/>
+          </a:p>
+        </p:txBody>
+      </p:sp>
+      <p:sp>
+        <p:nvSpPr>
+          <p:cNvPr id="17" name="Rectangle: Rounded Corners 16">
+            <a:extLst>
+              <a:ext uri="{FF2B5EF4-FFF2-40B4-BE49-F238E27FC236}">
+                <a16:creationId xmlns:a16="http://schemas.microsoft.com/office/drawing/2014/main" id="{9E7FFFF6-31D1-4450-827C-0C1FF668F4D1}"/>
+              </a:ext>
+            </a:extLst>
+          </p:cNvPr>
+          <p:cNvSpPr/>
+          <p:nvPr/>
+        </p:nvSpPr>
+        <p:spPr>
+          <a:xfrm>
+            <a:off x="104775" y="1819275"/>
+            <a:ext cx="1190577" cy="4533900"/>
+          </a:xfrm>
+          <a:prstGeom prst="roundRect">
+            <a:avLst/>
+          </a:prstGeom>
+          <a:noFill/>
+          <a:ln w="28575">
+            <a:solidFill>
+              <a:srgbClr val="FFC000"/>
+            </a:solidFill>
+          </a:ln>
+        </p:spPr>
+        <p:style>
+          <a:lnRef idx="2">
+            <a:schemeClr val="accent1">
+              <a:shade val="50000"/>
+            </a:schemeClr>
+          </a:lnRef>
+          <a:fillRef idx="1">
+            <a:schemeClr val="accent1"/>
+          </a:fillRef>
+          <a:effectRef idx="0">
+            <a:schemeClr val="accent1"/>
+          </a:effectRef>
+          <a:fontRef idx="minor">
+            <a:schemeClr val="lt1"/>
+          </a:fontRef>
+        </p:style>
+        <p:txBody>
+          <a:bodyPr rtlCol="0" anchor="ctr"/>
+          <a:lstStyle/>
+          <a:p>
+            <a:pPr algn="ctr"/>
+            <a:endParaRPr lang="zh-TW" altLang="en-US"/>
+          </a:p>
+        </p:txBody>
+      </p:sp>
+      <p:sp>
+        <p:nvSpPr>
+          <p:cNvPr id="63" name="Rectangle: Rounded Corners 62">
+            <a:extLst>
+              <a:ext uri="{FF2B5EF4-FFF2-40B4-BE49-F238E27FC236}">
+                <a16:creationId xmlns:a16="http://schemas.microsoft.com/office/drawing/2014/main" id="{81240C66-F3A1-44C1-94C4-B17ACD80C1FE}"/>
+              </a:ext>
+            </a:extLst>
+          </p:cNvPr>
+          <p:cNvSpPr/>
+          <p:nvPr/>
+        </p:nvSpPr>
+        <p:spPr>
+          <a:xfrm>
+            <a:off x="1353622" y="3762375"/>
+            <a:ext cx="2066226" cy="2678682"/>
+          </a:xfrm>
+          <a:prstGeom prst="roundRect">
+            <a:avLst/>
+          </a:prstGeom>
+          <a:noFill/>
+          <a:ln w="28575">
+            <a:solidFill>
+              <a:srgbClr val="FFC000"/>
+            </a:solidFill>
+          </a:ln>
+        </p:spPr>
+        <p:style>
+          <a:lnRef idx="2">
+            <a:schemeClr val="accent1">
+              <a:shade val="50000"/>
+            </a:schemeClr>
+          </a:lnRef>
+          <a:fillRef idx="1">
+            <a:schemeClr val="accent1"/>
+          </a:fillRef>
+          <a:effectRef idx="0">
+            <a:schemeClr val="accent1"/>
+          </a:effectRef>
+          <a:fontRef idx="minor">
+            <a:schemeClr val="lt1"/>
+          </a:fontRef>
+        </p:style>
+        <p:txBody>
+          <a:bodyPr rtlCol="0" anchor="ctr"/>
+          <a:lstStyle/>
+          <a:p>
+            <a:pPr algn="ctr"/>
+            <a:endParaRPr lang="zh-TW" altLang="en-US"/>
+          </a:p>
+        </p:txBody>
+      </p:sp>
+      <p:sp>
+        <p:nvSpPr>
+          <p:cNvPr id="64" name="Rectangle: Rounded Corners 63">
+            <a:extLst>
+              <a:ext uri="{FF2B5EF4-FFF2-40B4-BE49-F238E27FC236}">
+                <a16:creationId xmlns:a16="http://schemas.microsoft.com/office/drawing/2014/main" id="{647281EA-154D-4BD2-A45E-DEB0BFBC63CE}"/>
+              </a:ext>
+            </a:extLst>
+          </p:cNvPr>
+          <p:cNvSpPr/>
+          <p:nvPr/>
+        </p:nvSpPr>
+        <p:spPr>
+          <a:xfrm>
+            <a:off x="3410088" y="3722118"/>
+            <a:ext cx="3269452" cy="3135882"/>
+          </a:xfrm>
+          <a:prstGeom prst="roundRect">
+            <a:avLst/>
+          </a:prstGeom>
+          <a:noFill/>
+          <a:ln w="28575">
+            <a:solidFill>
+              <a:srgbClr val="FFC000"/>
+            </a:solidFill>
+          </a:ln>
+        </p:spPr>
+        <p:style>
+          <a:lnRef idx="2">
+            <a:schemeClr val="accent1">
+              <a:shade val="50000"/>
+            </a:schemeClr>
+          </a:lnRef>
+          <a:fillRef idx="1">
+            <a:schemeClr val="accent1"/>
+          </a:fillRef>
+          <a:effectRef idx="0">
+            <a:schemeClr val="accent1"/>
+          </a:effectRef>
+          <a:fontRef idx="minor">
+            <a:schemeClr val="lt1"/>
+          </a:fontRef>
+        </p:style>
+        <p:txBody>
+          <a:bodyPr rtlCol="0" anchor="ctr"/>
+          <a:lstStyle/>
+          <a:p>
+            <a:pPr algn="ctr"/>
+            <a:endParaRPr lang="zh-TW" altLang="en-US"/>
+          </a:p>
+        </p:txBody>
+      </p:sp>
+      <p:sp>
+        <p:nvSpPr>
+          <p:cNvPr id="68" name="Rectangle: Rounded Corners 67">
+            <a:extLst>
+              <a:ext uri="{FF2B5EF4-FFF2-40B4-BE49-F238E27FC236}">
+                <a16:creationId xmlns:a16="http://schemas.microsoft.com/office/drawing/2014/main" id="{4153C01A-9C5F-4AB4-9C25-D8A8AA182F68}"/>
+              </a:ext>
+            </a:extLst>
+          </p:cNvPr>
+          <p:cNvSpPr/>
+          <p:nvPr/>
+        </p:nvSpPr>
+        <p:spPr>
+          <a:xfrm>
+            <a:off x="6679540" y="2401649"/>
+            <a:ext cx="1891252" cy="4218225"/>
+          </a:xfrm>
+          <a:prstGeom prst="roundRect">
+            <a:avLst/>
+          </a:prstGeom>
+          <a:noFill/>
+          <a:ln w="28575">
+            <a:solidFill>
+              <a:srgbClr val="FFC000"/>
+            </a:solidFill>
+          </a:ln>
+        </p:spPr>
+        <p:style>
+          <a:lnRef idx="2">
+            <a:schemeClr val="accent1">
+              <a:shade val="50000"/>
+            </a:schemeClr>
+          </a:lnRef>
+          <a:fillRef idx="1">
+            <a:schemeClr val="accent1"/>
+          </a:fillRef>
+          <a:effectRef idx="0">
+            <a:schemeClr val="accent1"/>
+          </a:effectRef>
+          <a:fontRef idx="minor">
+            <a:schemeClr val="lt1"/>
+          </a:fontRef>
+        </p:style>
+        <p:txBody>
+          <a:bodyPr rtlCol="0" anchor="ctr"/>
+          <a:lstStyle/>
+          <a:p>
+            <a:pPr algn="ctr"/>
+            <a:endParaRPr lang="zh-TW" altLang="en-US"/>
+          </a:p>
+        </p:txBody>
+      </p:sp>
+      <p:sp>
+        <p:nvSpPr>
+          <p:cNvPr id="73" name="Rectangle: Rounded Corners 72">
+            <a:extLst>
+              <a:ext uri="{FF2B5EF4-FFF2-40B4-BE49-F238E27FC236}">
+                <a16:creationId xmlns:a16="http://schemas.microsoft.com/office/drawing/2014/main" id="{6C20E0A6-9344-4DBA-BE27-73FC24A9EBB3}"/>
+              </a:ext>
+            </a:extLst>
+          </p:cNvPr>
+          <p:cNvSpPr/>
+          <p:nvPr/>
+        </p:nvSpPr>
+        <p:spPr>
+          <a:xfrm>
+            <a:off x="10397517" y="2163522"/>
+            <a:ext cx="1689707" cy="2856153"/>
+          </a:xfrm>
+          <a:prstGeom prst="roundRect">
+            <a:avLst/>
+          </a:prstGeom>
+          <a:noFill/>
+          <a:ln w="28575">
+            <a:solidFill>
+              <a:srgbClr val="FFC000"/>
+            </a:solidFill>
+          </a:ln>
+        </p:spPr>
+        <p:style>
+          <a:lnRef idx="2">
+            <a:schemeClr val="accent1">
+              <a:shade val="50000"/>
+            </a:schemeClr>
+          </a:lnRef>
+          <a:fillRef idx="1">
+            <a:schemeClr val="accent1"/>
+          </a:fillRef>
+          <a:effectRef idx="0">
+            <a:schemeClr val="accent1"/>
+          </a:effectRef>
+          <a:fontRef idx="minor">
+            <a:schemeClr val="lt1"/>
+          </a:fontRef>
+        </p:style>
+        <p:txBody>
+          <a:bodyPr rtlCol="0" anchor="ctr"/>
+          <a:lstStyle/>
+          <a:p>
+            <a:pPr algn="ctr"/>
+            <a:endParaRPr lang="zh-TW" altLang="en-US"/>
+          </a:p>
+        </p:txBody>
+      </p:sp>
+      <p:sp>
+        <p:nvSpPr>
+          <p:cNvPr id="74" name="Rectangle: Rounded Corners 73">
+            <a:extLst>
+              <a:ext uri="{FF2B5EF4-FFF2-40B4-BE49-F238E27FC236}">
+                <a16:creationId xmlns:a16="http://schemas.microsoft.com/office/drawing/2014/main" id="{953C1620-0032-47A8-AAB1-386CC99092D7}"/>
+              </a:ext>
+            </a:extLst>
+          </p:cNvPr>
+          <p:cNvSpPr/>
+          <p:nvPr/>
+        </p:nvSpPr>
+        <p:spPr>
+          <a:xfrm>
+            <a:off x="8596225" y="3833413"/>
+            <a:ext cx="2242153" cy="2607644"/>
+          </a:xfrm>
+          <a:prstGeom prst="roundRect">
+            <a:avLst/>
+          </a:prstGeom>
+          <a:noFill/>
+          <a:ln w="28575">
+            <a:solidFill>
+              <a:srgbClr val="FFC000"/>
+            </a:solidFill>
+          </a:ln>
+        </p:spPr>
+        <p:style>
+          <a:lnRef idx="2">
+            <a:schemeClr val="accent1">
+              <a:shade val="50000"/>
+            </a:schemeClr>
+          </a:lnRef>
+          <a:fillRef idx="1">
+            <a:schemeClr val="accent1"/>
+          </a:fillRef>
+          <a:effectRef idx="0">
+            <a:schemeClr val="accent1"/>
+          </a:effectRef>
+          <a:fontRef idx="minor">
+            <a:schemeClr val="lt1"/>
+          </a:fontRef>
+        </p:style>
+        <p:txBody>
+          <a:bodyPr rtlCol="0" anchor="ctr"/>
+          <a:lstStyle/>
+          <a:p>
+            <a:pPr algn="ctr"/>
+            <a:endParaRPr lang="zh-TW" altLang="en-US"/>
+          </a:p>
+        </p:txBody>
+      </p:sp>
+      <p:sp>
+        <p:nvSpPr>
+          <p:cNvPr id="22" name="TextBox 21">
+            <a:extLst>
+              <a:ext uri="{FF2B5EF4-FFF2-40B4-BE49-F238E27FC236}">
+                <a16:creationId xmlns:a16="http://schemas.microsoft.com/office/drawing/2014/main" id="{593CF521-07B5-45EE-8A5E-1A0B7AD82B2B}"/>
+              </a:ext>
+            </a:extLst>
+          </p:cNvPr>
+          <p:cNvSpPr txBox="1"/>
+          <p:nvPr/>
+        </p:nvSpPr>
+        <p:spPr>
+          <a:xfrm>
+            <a:off x="-24317" y="-20219"/>
+            <a:ext cx="2411052" cy="369332"/>
+          </a:xfrm>
+          <a:prstGeom prst="rect">
+            <a:avLst/>
+          </a:prstGeom>
+          <a:noFill/>
+        </p:spPr>
+        <p:txBody>
+          <a:bodyPr wrap="square" rtlCol="0">
+            <a:spAutoFit/>
+          </a:bodyPr>
+          <a:lstStyle/>
+          <a:p>
+            <a:r>
+              <a:rPr lang="zh-TW" altLang="en-US" dirty="0"/>
+              <a:t>黃色為工作區域</a:t>
+            </a:r>
+          </a:p>
+        </p:txBody>
+      </p:sp>
+      <p:sp>
+        <p:nvSpPr>
+          <p:cNvPr id="77" name="矩形: 圓角 129">
+            <a:extLst>
+              <a:ext uri="{FF2B5EF4-FFF2-40B4-BE49-F238E27FC236}">
+                <a16:creationId xmlns:a16="http://schemas.microsoft.com/office/drawing/2014/main" id="{EAF0C4B8-B5C9-4476-BE27-F9B148416FE4}"/>
+              </a:ext>
+            </a:extLst>
+          </p:cNvPr>
+          <p:cNvSpPr/>
+          <p:nvPr/>
+        </p:nvSpPr>
+        <p:spPr>
+          <a:xfrm>
+            <a:off x="10578501" y="4086225"/>
+            <a:ext cx="1518249" cy="638355"/>
+          </a:xfrm>
+          <a:prstGeom prst="roundRect">
+            <a:avLst/>
+          </a:prstGeom>
+        </p:spPr>
+        <p:style>
+          <a:lnRef idx="2">
+            <a:schemeClr val="accent1">
+              <a:shade val="15000"/>
+            </a:schemeClr>
+          </a:lnRef>
+          <a:fillRef idx="1">
+            <a:schemeClr val="accent1"/>
+          </a:fillRef>
+          <a:effectRef idx="0">
+            <a:schemeClr val="accent1"/>
+          </a:effectRef>
+          <a:fontRef idx="minor">
+            <a:schemeClr val="lt1"/>
+          </a:fontRef>
+        </p:style>
+        <p:txBody>
+          <a:bodyPr rtlCol="0" anchor="ctr"/>
+          <a:lstStyle/>
+          <a:p>
+            <a:pPr algn="ctr"/>
+            <a:r>
+              <a:rPr lang="en-US" altLang="zh-TW" dirty="0" err="1"/>
+              <a:t>VideoStream</a:t>
+            </a:r>
+            <a:r>
+              <a:rPr lang="zh-TW" altLang="en-US" dirty="0"/>
+              <a:t>畫框及算牌</a:t>
+            </a:r>
+          </a:p>
+        </p:txBody>
+      </p:sp>
+      <p:cxnSp>
+        <p:nvCxnSpPr>
+          <p:cNvPr id="78" name="接點: 肘形 34">
+            <a:extLst>
+              <a:ext uri="{FF2B5EF4-FFF2-40B4-BE49-F238E27FC236}">
+                <a16:creationId xmlns:a16="http://schemas.microsoft.com/office/drawing/2014/main" id="{A5F5ACFE-ACC9-4D87-B031-E18BE571870B}"/>
+              </a:ext>
+            </a:extLst>
+          </p:cNvPr>
+          <p:cNvCxnSpPr>
+            <a:cxnSpLocks/>
+            <a:stCxn id="130" idx="2"/>
+            <a:endCxn id="77" idx="0"/>
+          </p:cNvCxnSpPr>
+          <p:nvPr/>
+        </p:nvCxnSpPr>
+        <p:spPr>
+          <a:xfrm rot="16200000" flipH="1">
+            <a:off x="11053133" y="3801732"/>
+            <a:ext cx="559460" cy="9525"/>
           </a:xfrm>
           <a:prstGeom prst="bentConnector3">
             <a:avLst>

--- a/poker.pptx
+++ b/poker.pptx
@@ -3678,7 +3678,7 @@
         </p:spPr>
         <p:txBody>
           <a:bodyPr>
-            <a:normAutofit fontScale="92500" lnSpcReduction="20000"/>
+            <a:normAutofit fontScale="85000" lnSpcReduction="20000"/>
           </a:bodyPr>
           <a:lstStyle/>
           <a:p>
@@ -3696,7 +3696,7 @@
             </a:r>
             <a:r>
               <a:rPr lang="zh-TW" altLang="en-US" dirty="0"/>
-              <a:t>輸入德州撲克影片，分析畫面上的影片有哪幾張卡，玩家是否有組合 </a:t>
+              <a:t>輸入德州撲克影片，分類畫面上的影片有哪幾張卡，玩家是否有組合 </a:t>
             </a:r>
             <a:endParaRPr lang="en-US" altLang="zh-TW" dirty="0"/>
           </a:p>
@@ -3853,6 +3853,61 @@
               <a:rPr lang="zh-TW" altLang="en-US" dirty="0"/>
               <a:t>度</a:t>
             </a:r>
+            <a:endParaRPr lang="en-US" altLang="zh-TW" dirty="0"/>
+          </a:p>
+          <a:p>
+            <a:pPr lvl="3"/>
+            <a:r>
+              <a:rPr lang="zh-TW" altLang="en-US" dirty="0"/>
+              <a:t>擺設高度約</a:t>
+            </a:r>
+            <a:r>
+              <a:rPr lang="en-US" altLang="zh-TW" dirty="0"/>
+              <a:t>95</a:t>
+            </a:r>
+            <a:r>
+              <a:rPr lang="zh-TW" altLang="en-US" dirty="0"/>
+              <a:t>公分 </a:t>
+            </a:r>
+            <a:endParaRPr lang="en-US" altLang="zh-TW" dirty="0"/>
+          </a:p>
+          <a:p>
+            <a:pPr lvl="2"/>
+            <a:r>
+              <a:rPr lang="zh-TW" altLang="en-US" dirty="0"/>
+              <a:t>桌面布色為長方形深綠色或深藍色，可</a:t>
+            </a:r>
+            <a:r>
+              <a:rPr lang="en-US" altLang="zh-TW" dirty="0"/>
+              <a:t>3</a:t>
+            </a:r>
+            <a:r>
+              <a:rPr lang="zh-TW" altLang="en-US" dirty="0"/>
+              <a:t>人玩的空間</a:t>
+            </a:r>
+            <a:r>
+              <a:rPr lang="en-US" altLang="zh-TW" dirty="0"/>
+              <a:t>&amp;</a:t>
+            </a:r>
+            <a:r>
+              <a:rPr lang="zh-TW" altLang="en-US" dirty="0"/>
+              <a:t>大小 </a:t>
+            </a:r>
+            <a:r>
+              <a:rPr lang="en-US" altLang="zh-TW" dirty="0"/>
+              <a:t>(</a:t>
+            </a:r>
+            <a:r>
+              <a:rPr lang="zh-TW" altLang="en-US" dirty="0"/>
+              <a:t>照攝直徑約</a:t>
+            </a:r>
+            <a:r>
+              <a:rPr lang="en-US" altLang="zh-TW" dirty="0"/>
+              <a:t>100cm)</a:t>
+            </a:r>
+          </a:p>
+          <a:p>
+            <a:pPr lvl="3"/>
             <a:endParaRPr lang="en-US" altLang="zh-TW" dirty="0"/>
           </a:p>
         </p:txBody>
@@ -3882,7 +3937,7 @@
         </p:spPr>
         <p:txBody>
           <a:bodyPr vert="horz" lIns="91440" tIns="45720" rIns="91440" bIns="45720" rtlCol="0">
-            <a:normAutofit fontScale="92500" lnSpcReduction="10000"/>
+            <a:normAutofit fontScale="92500"/>
           </a:bodyPr>
           <a:lstStyle>
             <a:lvl1pPr marL="228600" indent="-228600" algn="l" defTabSz="914400" rtl="0" eaLnBrk="1" latinLnBrk="0" hangingPunct="1">
@@ -4082,14 +4137,6 @@
             <a:r>
               <a:rPr lang="zh-TW" altLang="en-US" dirty="0"/>
               <a:t>桌上畫面，非第一視角</a:t>
-            </a:r>
-            <a:endParaRPr lang="en-US" altLang="zh-TW" dirty="0"/>
-          </a:p>
-          <a:p>
-            <a:pPr lvl="1"/>
-            <a:r>
-              <a:rPr lang="zh-TW" altLang="en-US" dirty="0"/>
-              <a:t>桌面布色為深綠色或深藍色</a:t>
             </a:r>
             <a:endParaRPr lang="en-US" altLang="zh-TW" dirty="0"/>
           </a:p>

--- a/poker.pptx
+++ b/poker.pptx
@@ -8,7 +8,14 @@
     <p:sldId id="259" r:id="rId2"/>
     <p:sldId id="257" r:id="rId3"/>
     <p:sldId id="256" r:id="rId4"/>
-    <p:sldId id="260" r:id="rId5"/>
+    <p:sldId id="268" r:id="rId5"/>
+    <p:sldId id="260" r:id="rId6"/>
+    <p:sldId id="261" r:id="rId7"/>
+    <p:sldId id="262" r:id="rId8"/>
+    <p:sldId id="263" r:id="rId9"/>
+    <p:sldId id="264" r:id="rId10"/>
+    <p:sldId id="265" r:id="rId11"/>
+    <p:sldId id="266" r:id="rId12"/>
   </p:sldIdLst>
   <p:sldSz cx="12192000" cy="6858000"/>
   <p:notesSz cx="6858000" cy="9144000"/>
@@ -262,7 +269,7 @@
           <a:p>
             <a:fld id="{C55749CE-61EB-4CCC-8A7C-8BB63C6169E2}" type="datetimeFigureOut">
               <a:rPr lang="zh-TW" altLang="en-US" smtClean="0"/>
-              <a:t>2024/12/5</a:t>
+              <a:t>2024/12/19</a:t>
             </a:fld>
             <a:endParaRPr lang="zh-TW" altLang="en-US"/>
           </a:p>
@@ -460,7 +467,7 @@
           <a:p>
             <a:fld id="{C55749CE-61EB-4CCC-8A7C-8BB63C6169E2}" type="datetimeFigureOut">
               <a:rPr lang="zh-TW" altLang="en-US" smtClean="0"/>
-              <a:t>2024/12/5</a:t>
+              <a:t>2024/12/19</a:t>
             </a:fld>
             <a:endParaRPr lang="zh-TW" altLang="en-US"/>
           </a:p>
@@ -668,7 +675,7 @@
           <a:p>
             <a:fld id="{C55749CE-61EB-4CCC-8A7C-8BB63C6169E2}" type="datetimeFigureOut">
               <a:rPr lang="zh-TW" altLang="en-US" smtClean="0"/>
-              <a:t>2024/12/5</a:t>
+              <a:t>2024/12/19</a:t>
             </a:fld>
             <a:endParaRPr lang="zh-TW" altLang="en-US"/>
           </a:p>
@@ -866,7 +873,7 @@
           <a:p>
             <a:fld id="{C55749CE-61EB-4CCC-8A7C-8BB63C6169E2}" type="datetimeFigureOut">
               <a:rPr lang="zh-TW" altLang="en-US" smtClean="0"/>
-              <a:t>2024/12/5</a:t>
+              <a:t>2024/12/19</a:t>
             </a:fld>
             <a:endParaRPr lang="zh-TW" altLang="en-US"/>
           </a:p>
@@ -1141,7 +1148,7 @@
           <a:p>
             <a:fld id="{C55749CE-61EB-4CCC-8A7C-8BB63C6169E2}" type="datetimeFigureOut">
               <a:rPr lang="zh-TW" altLang="en-US" smtClean="0"/>
-              <a:t>2024/12/5</a:t>
+              <a:t>2024/12/19</a:t>
             </a:fld>
             <a:endParaRPr lang="zh-TW" altLang="en-US"/>
           </a:p>
@@ -1406,7 +1413,7 @@
           <a:p>
             <a:fld id="{C55749CE-61EB-4CCC-8A7C-8BB63C6169E2}" type="datetimeFigureOut">
               <a:rPr lang="zh-TW" altLang="en-US" smtClean="0"/>
-              <a:t>2024/12/5</a:t>
+              <a:t>2024/12/19</a:t>
             </a:fld>
             <a:endParaRPr lang="zh-TW" altLang="en-US"/>
           </a:p>
@@ -1818,7 +1825,7 @@
           <a:p>
             <a:fld id="{C55749CE-61EB-4CCC-8A7C-8BB63C6169E2}" type="datetimeFigureOut">
               <a:rPr lang="zh-TW" altLang="en-US" smtClean="0"/>
-              <a:t>2024/12/5</a:t>
+              <a:t>2024/12/19</a:t>
             </a:fld>
             <a:endParaRPr lang="zh-TW" altLang="en-US"/>
           </a:p>
@@ -1959,7 +1966,7 @@
           <a:p>
             <a:fld id="{C55749CE-61EB-4CCC-8A7C-8BB63C6169E2}" type="datetimeFigureOut">
               <a:rPr lang="zh-TW" altLang="en-US" smtClean="0"/>
-              <a:t>2024/12/5</a:t>
+              <a:t>2024/12/19</a:t>
             </a:fld>
             <a:endParaRPr lang="zh-TW" altLang="en-US"/>
           </a:p>
@@ -2072,7 +2079,7 @@
           <a:p>
             <a:fld id="{C55749CE-61EB-4CCC-8A7C-8BB63C6169E2}" type="datetimeFigureOut">
               <a:rPr lang="zh-TW" altLang="en-US" smtClean="0"/>
-              <a:t>2024/12/5</a:t>
+              <a:t>2024/12/19</a:t>
             </a:fld>
             <a:endParaRPr lang="zh-TW" altLang="en-US"/>
           </a:p>
@@ -2383,7 +2390,7 @@
           <a:p>
             <a:fld id="{C55749CE-61EB-4CCC-8A7C-8BB63C6169E2}" type="datetimeFigureOut">
               <a:rPr lang="zh-TW" altLang="en-US" smtClean="0"/>
-              <a:t>2024/12/5</a:t>
+              <a:t>2024/12/19</a:t>
             </a:fld>
             <a:endParaRPr lang="zh-TW" altLang="en-US"/>
           </a:p>
@@ -2671,7 +2678,7 @@
           <a:p>
             <a:fld id="{C55749CE-61EB-4CCC-8A7C-8BB63C6169E2}" type="datetimeFigureOut">
               <a:rPr lang="zh-TW" altLang="en-US" smtClean="0"/>
-              <a:t>2024/12/5</a:t>
+              <a:t>2024/12/19</a:t>
             </a:fld>
             <a:endParaRPr lang="zh-TW" altLang="en-US"/>
           </a:p>
@@ -2912,7 +2919,7 @@
           <a:p>
             <a:fld id="{C55749CE-61EB-4CCC-8A7C-8BB63C6169E2}" type="datetimeFigureOut">
               <a:rPr lang="zh-TW" altLang="en-US" smtClean="0"/>
-              <a:t>2024/12/5</a:t>
+              <a:t>2024/12/19</a:t>
             </a:fld>
             <a:endParaRPr lang="zh-TW" altLang="en-US"/>
           </a:p>
@@ -3609,6 +3616,1047 @@
 </p:sld>
 </file>
 
+<file path=ppt/slides/slide10.xml><?xml version="1.0" encoding="utf-8"?>
+<p:sld xmlns:a="http://schemas.openxmlformats.org/drawingml/2006/main" xmlns:r="http://schemas.openxmlformats.org/officeDocument/2006/relationships" xmlns:p="http://schemas.openxmlformats.org/presentationml/2006/main">
+  <p:cSld>
+    <p:spTree>
+      <p:nvGrpSpPr>
+        <p:cNvPr id="1" name=""/>
+        <p:cNvGrpSpPr/>
+        <p:nvPr/>
+      </p:nvGrpSpPr>
+      <p:grpSpPr>
+        <a:xfrm>
+          <a:off x="0" y="0"/>
+          <a:ext cx="0" cy="0"/>
+          <a:chOff x="0" y="0"/>
+          <a:chExt cx="0" cy="0"/>
+        </a:xfrm>
+      </p:grpSpPr>
+      <p:sp>
+        <p:nvSpPr>
+          <p:cNvPr id="2" name="標題 1">
+            <a:extLst>
+              <a:ext uri="{FF2B5EF4-FFF2-40B4-BE49-F238E27FC236}">
+                <a16:creationId xmlns:a16="http://schemas.microsoft.com/office/drawing/2014/main" id="{616DE70A-29B5-458B-B996-E8F6787D9676}"/>
+              </a:ext>
+            </a:extLst>
+          </p:cNvPr>
+          <p:cNvSpPr>
+            <a:spLocks noGrp="1"/>
+          </p:cNvSpPr>
+          <p:nvPr>
+            <p:ph type="title"/>
+          </p:nvPr>
+        </p:nvSpPr>
+        <p:spPr/>
+        <p:txBody>
+          <a:bodyPr/>
+          <a:lstStyle/>
+          <a:p>
+            <a:r>
+              <a:rPr lang="en-US" altLang="zh-TW" dirty="0"/>
+              <a:t>API</a:t>
+            </a:r>
+            <a:endParaRPr lang="zh-TW" altLang="en-US" dirty="0"/>
+          </a:p>
+        </p:txBody>
+      </p:sp>
+      <p:sp>
+        <p:nvSpPr>
+          <p:cNvPr id="4" name="文字方塊 3">
+            <a:extLst>
+              <a:ext uri="{FF2B5EF4-FFF2-40B4-BE49-F238E27FC236}">
+                <a16:creationId xmlns:a16="http://schemas.microsoft.com/office/drawing/2014/main" id="{0D9BC1E6-74E0-174D-DB2F-87072D50D087}"/>
+              </a:ext>
+            </a:extLst>
+          </p:cNvPr>
+          <p:cNvSpPr txBox="1"/>
+          <p:nvPr/>
+        </p:nvSpPr>
+        <p:spPr>
+          <a:xfrm>
+            <a:off x="621383" y="1408933"/>
+            <a:ext cx="2432901" cy="369332"/>
+          </a:xfrm>
+          <a:prstGeom prst="rect">
+            <a:avLst/>
+          </a:prstGeom>
+          <a:noFill/>
+        </p:spPr>
+        <p:txBody>
+          <a:bodyPr wrap="square" rtlCol="0">
+            <a:spAutoFit/>
+          </a:bodyPr>
+          <a:lstStyle/>
+          <a:p>
+            <a:r>
+              <a:rPr lang="zh-TW" altLang="en-US" dirty="0"/>
+              <a:t>透視變換</a:t>
+            </a:r>
+          </a:p>
+        </p:txBody>
+      </p:sp>
+      <p:graphicFrame>
+        <p:nvGraphicFramePr>
+          <p:cNvPr id="5" name="表格 4">
+            <a:extLst>
+              <a:ext uri="{FF2B5EF4-FFF2-40B4-BE49-F238E27FC236}">
+                <a16:creationId xmlns:a16="http://schemas.microsoft.com/office/drawing/2014/main" id="{488F1C4E-BFA3-14CB-6D3C-624480B4140E}"/>
+              </a:ext>
+            </a:extLst>
+          </p:cNvPr>
+          <p:cNvGraphicFramePr>
+            <a:graphicFrameLocks noGrp="1"/>
+          </p:cNvGraphicFramePr>
+          <p:nvPr>
+            <p:extLst>
+              <p:ext uri="{D42A27DB-BD31-4B8C-83A1-F6EECF244321}">
+                <p14:modId xmlns:p14="http://schemas.microsoft.com/office/powerpoint/2010/main" val="1475246919"/>
+              </p:ext>
+            </p:extLst>
+          </p:nvPr>
+        </p:nvGraphicFramePr>
+        <p:xfrm>
+          <a:off x="838200" y="1836165"/>
+          <a:ext cx="9088226" cy="1423534"/>
+        </p:xfrm>
+        <a:graphic>
+          <a:graphicData uri="http://schemas.openxmlformats.org/drawingml/2006/table">
+            <a:tbl>
+              <a:tblPr firstRow="1" bandRow="1">
+                <a:tableStyleId>{5C22544A-7EE6-4342-B048-85BDC9FD1C3A}</a:tableStyleId>
+              </a:tblPr>
+              <a:tblGrid>
+                <a:gridCol w="4544113">
+                  <a:extLst>
+                    <a:ext uri="{9D8B030D-6E8A-4147-A177-3AD203B41FA5}">
+                      <a16:colId xmlns:a16="http://schemas.microsoft.com/office/drawing/2014/main" val="3762263208"/>
+                    </a:ext>
+                  </a:extLst>
+                </a:gridCol>
+                <a:gridCol w="4544113">
+                  <a:extLst>
+                    <a:ext uri="{9D8B030D-6E8A-4147-A177-3AD203B41FA5}">
+                      <a16:colId xmlns:a16="http://schemas.microsoft.com/office/drawing/2014/main" val="2372617071"/>
+                    </a:ext>
+                  </a:extLst>
+                </a:gridCol>
+              </a:tblGrid>
+              <a:tr h="412614">
+                <a:tc>
+                  <a:txBody>
+                    <a:bodyPr/>
+                    <a:lstStyle/>
+                    <a:p>
+                      <a:r>
+                        <a:rPr lang="zh-TW" altLang="en-US" dirty="0"/>
+                        <a:t>輸入</a:t>
+                      </a:r>
+                    </a:p>
+                  </a:txBody>
+                  <a:tcPr/>
+                </a:tc>
+                <a:tc>
+                  <a:txBody>
+                    <a:bodyPr/>
+                    <a:lstStyle/>
+                    <a:p>
+                      <a:r>
+                        <a:rPr lang="zh-TW" altLang="en-US" dirty="0"/>
+                        <a:t>抓到面積的撲克牌</a:t>
+                      </a:r>
+                    </a:p>
+                  </a:txBody>
+                  <a:tcPr/>
+                </a:tc>
+                <a:extLst>
+                  <a:ext uri="{0D108BD9-81ED-4DB2-BD59-A6C34878D82A}">
+                    <a16:rowId xmlns:a16="http://schemas.microsoft.com/office/drawing/2014/main" val="590959509"/>
+                  </a:ext>
+                </a:extLst>
+              </a:tr>
+              <a:tr h="370840">
+                <a:tc>
+                  <a:txBody>
+                    <a:bodyPr/>
+                    <a:lstStyle/>
+                    <a:p>
+                      <a:r>
+                        <a:rPr lang="zh-TW" altLang="en-US" dirty="0"/>
+                        <a:t>輸出</a:t>
+                      </a:r>
+                    </a:p>
+                  </a:txBody>
+                  <a:tcPr/>
+                </a:tc>
+                <a:tc>
+                  <a:txBody>
+                    <a:bodyPr/>
+                    <a:lstStyle/>
+                    <a:p>
+                      <a:r>
+                        <a:rPr lang="zh-TW" altLang="en-US" sz="1800" b="0" i="0" kern="1200" dirty="0">
+                          <a:solidFill>
+                            <a:schemeClr val="dk1"/>
+                          </a:solidFill>
+                          <a:effectLst/>
+                          <a:latin typeface="+mn-lt"/>
+                          <a:ea typeface="+mn-ea"/>
+                          <a:cs typeface="+mn-cs"/>
+                        </a:rPr>
+                        <a:t>計算頂點將撲克牌拉直</a:t>
+                      </a:r>
+                      <a:endParaRPr lang="zh-TW" altLang="en-US" dirty="0"/>
+                    </a:p>
+                  </a:txBody>
+                  <a:tcPr/>
+                </a:tc>
+                <a:extLst>
+                  <a:ext uri="{0D108BD9-81ED-4DB2-BD59-A6C34878D82A}">
+                    <a16:rowId xmlns:a16="http://schemas.microsoft.com/office/drawing/2014/main" val="243461442"/>
+                  </a:ext>
+                </a:extLst>
+              </a:tr>
+              <a:tr h="370840">
+                <a:tc>
+                  <a:txBody>
+                    <a:bodyPr/>
+                    <a:lstStyle/>
+                    <a:p>
+                      <a:r>
+                        <a:rPr lang="zh-TW" altLang="en-US" dirty="0"/>
+                        <a:t>程式碼</a:t>
+                      </a:r>
+                    </a:p>
+                  </a:txBody>
+                  <a:tcPr/>
+                </a:tc>
+                <a:tc>
+                  <a:txBody>
+                    <a:bodyPr/>
+                    <a:lstStyle/>
+                    <a:p>
+                      <a:r>
+                        <a:rPr lang="en-US" altLang="zh-TW" sz="1800" b="0" i="0" kern="1200" dirty="0">
+                          <a:solidFill>
+                            <a:schemeClr val="dk1"/>
+                          </a:solidFill>
+                          <a:effectLst/>
+                          <a:latin typeface="+mn-lt"/>
+                          <a:ea typeface="+mn-ea"/>
+                          <a:cs typeface="+mn-cs"/>
+                        </a:rPr>
+                        <a:t>cv2.getPerspectiveTransform(</a:t>
+                      </a:r>
+                      <a:r>
+                        <a:rPr lang="en-US" altLang="zh-TW" sz="1800" b="0" i="0" kern="1200" dirty="0" err="1">
+                          <a:solidFill>
+                            <a:schemeClr val="dk1"/>
+                          </a:solidFill>
+                          <a:effectLst/>
+                          <a:latin typeface="+mn-lt"/>
+                          <a:ea typeface="+mn-ea"/>
+                          <a:cs typeface="+mn-cs"/>
+                        </a:rPr>
+                        <a:t>rect</a:t>
+                      </a:r>
+                      <a:r>
+                        <a:rPr lang="en-US" altLang="zh-TW" sz="1800" b="0" i="0" kern="1200" dirty="0">
+                          <a:solidFill>
+                            <a:schemeClr val="dk1"/>
+                          </a:solidFill>
+                          <a:effectLst/>
+                          <a:latin typeface="+mn-lt"/>
+                          <a:ea typeface="+mn-ea"/>
+                          <a:cs typeface="+mn-cs"/>
+                        </a:rPr>
+                        <a:t>, </a:t>
+                      </a:r>
+                      <a:r>
+                        <a:rPr lang="en-US" altLang="zh-TW" sz="1800" b="0" i="0" kern="1200" dirty="0" err="1">
+                          <a:solidFill>
+                            <a:schemeClr val="dk1"/>
+                          </a:solidFill>
+                          <a:effectLst/>
+                          <a:latin typeface="+mn-lt"/>
+                          <a:ea typeface="+mn-ea"/>
+                          <a:cs typeface="+mn-cs"/>
+                        </a:rPr>
+                        <a:t>dst</a:t>
+                      </a:r>
+                      <a:r>
+                        <a:rPr lang="en-US" altLang="zh-TW" sz="1800" b="0" i="0" kern="1200" dirty="0">
+                          <a:solidFill>
+                            <a:schemeClr val="dk1"/>
+                          </a:solidFill>
+                          <a:effectLst/>
+                          <a:latin typeface="+mn-lt"/>
+                          <a:ea typeface="+mn-ea"/>
+                          <a:cs typeface="+mn-cs"/>
+                        </a:rPr>
+                        <a:t>)</a:t>
+                      </a:r>
+                    </a:p>
+                    <a:p>
+                      <a:r>
+                        <a:rPr lang="en-US" altLang="zh-TW" sz="1800" b="0" i="0" kern="1200" dirty="0">
+                          <a:solidFill>
+                            <a:schemeClr val="dk1"/>
+                          </a:solidFill>
+                          <a:effectLst/>
+                          <a:latin typeface="+mn-lt"/>
+                          <a:ea typeface="+mn-ea"/>
+                          <a:cs typeface="+mn-cs"/>
+                        </a:rPr>
+                        <a:t>cv2.warpPerspective(</a:t>
+                      </a:r>
+                      <a:r>
+                        <a:rPr lang="en-US" altLang="zh-TW" sz="1800" b="0" i="0" kern="1200" dirty="0" err="1">
+                          <a:solidFill>
+                            <a:schemeClr val="dk1"/>
+                          </a:solidFill>
+                          <a:effectLst/>
+                          <a:latin typeface="+mn-lt"/>
+                          <a:ea typeface="+mn-ea"/>
+                          <a:cs typeface="+mn-cs"/>
+                        </a:rPr>
+                        <a:t>img</a:t>
+                      </a:r>
+                      <a:r>
+                        <a:rPr lang="en-US" altLang="zh-TW" sz="1800" b="0" i="0" kern="1200" dirty="0">
+                          <a:solidFill>
+                            <a:schemeClr val="dk1"/>
+                          </a:solidFill>
+                          <a:effectLst/>
+                          <a:latin typeface="+mn-lt"/>
+                          <a:ea typeface="+mn-ea"/>
+                          <a:cs typeface="+mn-cs"/>
+                        </a:rPr>
+                        <a:t>, M, (width, height))</a:t>
+                      </a:r>
+                      <a:endParaRPr lang="zh-TW" altLang="en-US" dirty="0"/>
+                    </a:p>
+                  </a:txBody>
+                  <a:tcPr/>
+                </a:tc>
+                <a:extLst>
+                  <a:ext uri="{0D108BD9-81ED-4DB2-BD59-A6C34878D82A}">
+                    <a16:rowId xmlns:a16="http://schemas.microsoft.com/office/drawing/2014/main" val="688274193"/>
+                  </a:ext>
+                </a:extLst>
+              </a:tr>
+            </a:tbl>
+          </a:graphicData>
+        </a:graphic>
+      </p:graphicFrame>
+      <p:sp>
+        <p:nvSpPr>
+          <p:cNvPr id="6" name="文字方塊 5">
+            <a:extLst>
+              <a:ext uri="{FF2B5EF4-FFF2-40B4-BE49-F238E27FC236}">
+                <a16:creationId xmlns:a16="http://schemas.microsoft.com/office/drawing/2014/main" id="{6686A7BD-F9E5-B57F-FBC2-89FC898B8729}"/>
+              </a:ext>
+            </a:extLst>
+          </p:cNvPr>
+          <p:cNvSpPr txBox="1"/>
+          <p:nvPr/>
+        </p:nvSpPr>
+        <p:spPr>
+          <a:xfrm>
+            <a:off x="621383" y="3688439"/>
+            <a:ext cx="4601066" cy="369332"/>
+          </a:xfrm>
+          <a:prstGeom prst="rect">
+            <a:avLst/>
+          </a:prstGeom>
+          <a:noFill/>
+        </p:spPr>
+        <p:txBody>
+          <a:bodyPr wrap="square" rtlCol="0">
+            <a:spAutoFit/>
+          </a:bodyPr>
+          <a:lstStyle/>
+          <a:p>
+            <a:r>
+              <a:rPr lang="zh-TW" altLang="en-US" dirty="0"/>
+              <a:t>花色及數值比對</a:t>
+            </a:r>
+          </a:p>
+        </p:txBody>
+      </p:sp>
+      <p:graphicFrame>
+        <p:nvGraphicFramePr>
+          <p:cNvPr id="7" name="表格 6">
+            <a:extLst>
+              <a:ext uri="{FF2B5EF4-FFF2-40B4-BE49-F238E27FC236}">
+                <a16:creationId xmlns:a16="http://schemas.microsoft.com/office/drawing/2014/main" id="{B1C53495-D006-31E5-9DA1-24051AB9E470}"/>
+              </a:ext>
+            </a:extLst>
+          </p:cNvPr>
+          <p:cNvGraphicFramePr>
+            <a:graphicFrameLocks noGrp="1"/>
+          </p:cNvGraphicFramePr>
+          <p:nvPr>
+            <p:extLst>
+              <p:ext uri="{D42A27DB-BD31-4B8C-83A1-F6EECF244321}">
+                <p14:modId xmlns:p14="http://schemas.microsoft.com/office/powerpoint/2010/main" val="149806666"/>
+              </p:ext>
+            </p:extLst>
+          </p:nvPr>
+        </p:nvGraphicFramePr>
+        <p:xfrm>
+          <a:off x="838200" y="4098412"/>
+          <a:ext cx="9088226" cy="1442301"/>
+        </p:xfrm>
+        <a:graphic>
+          <a:graphicData uri="http://schemas.openxmlformats.org/drawingml/2006/table">
+            <a:tbl>
+              <a:tblPr firstRow="1" bandRow="1">
+                <a:tableStyleId>{5C22544A-7EE6-4342-B048-85BDC9FD1C3A}</a:tableStyleId>
+              </a:tblPr>
+              <a:tblGrid>
+                <a:gridCol w="4544113">
+                  <a:extLst>
+                    <a:ext uri="{9D8B030D-6E8A-4147-A177-3AD203B41FA5}">
+                      <a16:colId xmlns:a16="http://schemas.microsoft.com/office/drawing/2014/main" val="3762263208"/>
+                    </a:ext>
+                  </a:extLst>
+                </a:gridCol>
+                <a:gridCol w="4544113">
+                  <a:extLst>
+                    <a:ext uri="{9D8B030D-6E8A-4147-A177-3AD203B41FA5}">
+                      <a16:colId xmlns:a16="http://schemas.microsoft.com/office/drawing/2014/main" val="2372617071"/>
+                    </a:ext>
+                  </a:extLst>
+                </a:gridCol>
+              </a:tblGrid>
+              <a:tr h="507017">
+                <a:tc>
+                  <a:txBody>
+                    <a:bodyPr/>
+                    <a:lstStyle/>
+                    <a:p>
+                      <a:r>
+                        <a:rPr lang="zh-TW" altLang="en-US" dirty="0"/>
+                        <a:t>輸入</a:t>
+                      </a:r>
+                    </a:p>
+                  </a:txBody>
+                  <a:tcPr/>
+                </a:tc>
+                <a:tc>
+                  <a:txBody>
+                    <a:bodyPr/>
+                    <a:lstStyle/>
+                    <a:p>
+                      <a:r>
+                        <a:rPr lang="zh-TW" altLang="en-US" dirty="0"/>
+                        <a:t>拉直撲克牌</a:t>
+                      </a:r>
+                    </a:p>
+                  </a:txBody>
+                  <a:tcPr/>
+                </a:tc>
+                <a:extLst>
+                  <a:ext uri="{0D108BD9-81ED-4DB2-BD59-A6C34878D82A}">
+                    <a16:rowId xmlns:a16="http://schemas.microsoft.com/office/drawing/2014/main" val="590959509"/>
+                  </a:ext>
+                </a:extLst>
+              </a:tr>
+              <a:tr h="467642">
+                <a:tc>
+                  <a:txBody>
+                    <a:bodyPr/>
+                    <a:lstStyle/>
+                    <a:p>
+                      <a:r>
+                        <a:rPr lang="zh-TW" altLang="en-US" dirty="0"/>
+                        <a:t>輸出</a:t>
+                      </a:r>
+                    </a:p>
+                  </a:txBody>
+                  <a:tcPr/>
+                </a:tc>
+                <a:tc>
+                  <a:txBody>
+                    <a:bodyPr/>
+                    <a:lstStyle/>
+                    <a:p>
+                      <a:r>
+                        <a:rPr lang="zh-TW" altLang="en-US" dirty="0"/>
+                        <a:t>花色跟數值</a:t>
+                      </a:r>
+                    </a:p>
+                  </a:txBody>
+                  <a:tcPr/>
+                </a:tc>
+                <a:extLst>
+                  <a:ext uri="{0D108BD9-81ED-4DB2-BD59-A6C34878D82A}">
+                    <a16:rowId xmlns:a16="http://schemas.microsoft.com/office/drawing/2014/main" val="243461442"/>
+                  </a:ext>
+                </a:extLst>
+              </a:tr>
+              <a:tr h="467642">
+                <a:tc>
+                  <a:txBody>
+                    <a:bodyPr/>
+                    <a:lstStyle/>
+                    <a:p>
+                      <a:r>
+                        <a:rPr lang="zh-TW" altLang="en-US" dirty="0"/>
+                        <a:t>程式碼</a:t>
+                      </a:r>
+                    </a:p>
+                  </a:txBody>
+                  <a:tcPr/>
+                </a:tc>
+                <a:tc>
+                  <a:txBody>
+                    <a:bodyPr/>
+                    <a:lstStyle/>
+                    <a:p>
+                      <a:pPr fontAlgn="base"/>
+                      <a:r>
+                        <a:rPr lang="en-US" altLang="zh-TW" sz="1800" b="0" i="0" kern="1200" dirty="0">
+                          <a:solidFill>
+                            <a:schemeClr val="dk1"/>
+                          </a:solidFill>
+                          <a:effectLst/>
+                          <a:latin typeface="+mn-lt"/>
+                          <a:ea typeface="+mn-ea"/>
+                          <a:cs typeface="+mn-cs"/>
+                        </a:rPr>
+                        <a:t>cv2.resize</a:t>
+                      </a:r>
+                      <a:r>
+                        <a:rPr lang="zh-TW" altLang="en-US" sz="1800" b="0" i="0" kern="1200" dirty="0">
+                          <a:solidFill>
+                            <a:schemeClr val="dk1"/>
+                          </a:solidFill>
+                          <a:effectLst/>
+                          <a:latin typeface="+mn-lt"/>
+                          <a:ea typeface="+mn-ea"/>
+                          <a:cs typeface="+mn-cs"/>
+                        </a:rPr>
+                        <a:t>分辨率一致化</a:t>
+                      </a:r>
+                    </a:p>
+                  </a:txBody>
+                  <a:tcPr/>
+                </a:tc>
+                <a:extLst>
+                  <a:ext uri="{0D108BD9-81ED-4DB2-BD59-A6C34878D82A}">
+                    <a16:rowId xmlns:a16="http://schemas.microsoft.com/office/drawing/2014/main" val="688274193"/>
+                  </a:ext>
+                </a:extLst>
+              </a:tr>
+            </a:tbl>
+          </a:graphicData>
+        </a:graphic>
+      </p:graphicFrame>
+    </p:spTree>
+    <p:extLst>
+      <p:ext uri="{BB962C8B-B14F-4D97-AF65-F5344CB8AC3E}">
+        <p14:creationId xmlns:p14="http://schemas.microsoft.com/office/powerpoint/2010/main" val="3850097487"/>
+      </p:ext>
+    </p:extLst>
+  </p:cSld>
+  <p:clrMapOvr>
+    <a:masterClrMapping/>
+  </p:clrMapOvr>
+</p:sld>
+</file>
+
+<file path=ppt/slides/slide11.xml><?xml version="1.0" encoding="utf-8"?>
+<p:sld xmlns:a="http://schemas.openxmlformats.org/drawingml/2006/main" xmlns:r="http://schemas.openxmlformats.org/officeDocument/2006/relationships" xmlns:p="http://schemas.openxmlformats.org/presentationml/2006/main">
+  <p:cSld>
+    <p:spTree>
+      <p:nvGrpSpPr>
+        <p:cNvPr id="1" name=""/>
+        <p:cNvGrpSpPr/>
+        <p:nvPr/>
+      </p:nvGrpSpPr>
+      <p:grpSpPr>
+        <a:xfrm>
+          <a:off x="0" y="0"/>
+          <a:ext cx="0" cy="0"/>
+          <a:chOff x="0" y="0"/>
+          <a:chExt cx="0" cy="0"/>
+        </a:xfrm>
+      </p:grpSpPr>
+      <p:sp>
+        <p:nvSpPr>
+          <p:cNvPr id="2" name="標題 1">
+            <a:extLst>
+              <a:ext uri="{FF2B5EF4-FFF2-40B4-BE49-F238E27FC236}">
+                <a16:creationId xmlns:a16="http://schemas.microsoft.com/office/drawing/2014/main" id="{616DE70A-29B5-458B-B996-E8F6787D9676}"/>
+              </a:ext>
+            </a:extLst>
+          </p:cNvPr>
+          <p:cNvSpPr>
+            <a:spLocks noGrp="1"/>
+          </p:cNvSpPr>
+          <p:nvPr>
+            <p:ph type="title"/>
+          </p:nvPr>
+        </p:nvSpPr>
+        <p:spPr>
+          <a:xfrm>
+            <a:off x="838200" y="346075"/>
+            <a:ext cx="10515600" cy="1325563"/>
+          </a:xfrm>
+        </p:spPr>
+        <p:txBody>
+          <a:bodyPr/>
+          <a:lstStyle/>
+          <a:p>
+            <a:r>
+              <a:rPr lang="en-US" altLang="zh-TW" dirty="0"/>
+              <a:t>API</a:t>
+            </a:r>
+            <a:endParaRPr lang="zh-TW" altLang="en-US" dirty="0"/>
+          </a:p>
+        </p:txBody>
+      </p:sp>
+      <p:sp>
+        <p:nvSpPr>
+          <p:cNvPr id="4" name="文字方塊 3">
+            <a:extLst>
+              <a:ext uri="{FF2B5EF4-FFF2-40B4-BE49-F238E27FC236}">
+                <a16:creationId xmlns:a16="http://schemas.microsoft.com/office/drawing/2014/main" id="{0D9BC1E6-74E0-174D-DB2F-87072D50D087}"/>
+              </a:ext>
+            </a:extLst>
+          </p:cNvPr>
+          <p:cNvSpPr txBox="1"/>
+          <p:nvPr/>
+        </p:nvSpPr>
+        <p:spPr>
+          <a:xfrm>
+            <a:off x="1047511" y="1506022"/>
+            <a:ext cx="2432901" cy="369332"/>
+          </a:xfrm>
+          <a:prstGeom prst="rect">
+            <a:avLst/>
+          </a:prstGeom>
+          <a:noFill/>
+        </p:spPr>
+        <p:txBody>
+          <a:bodyPr wrap="square" rtlCol="0">
+            <a:spAutoFit/>
+          </a:bodyPr>
+          <a:lstStyle/>
+          <a:p>
+            <a:r>
+              <a:rPr lang="zh-TW" altLang="en-US" sz="1800" dirty="0"/>
+              <a:t>花色及</a:t>
+            </a:r>
+            <a:r>
+              <a:rPr lang="zh-TW" altLang="en-US" sz="1800"/>
+              <a:t>數值比對</a:t>
+            </a:r>
+            <a:endParaRPr lang="zh-TW" altLang="en-US" sz="1800" dirty="0"/>
+          </a:p>
+        </p:txBody>
+      </p:sp>
+      <p:graphicFrame>
+        <p:nvGraphicFramePr>
+          <p:cNvPr id="5" name="表格 4">
+            <a:extLst>
+              <a:ext uri="{FF2B5EF4-FFF2-40B4-BE49-F238E27FC236}">
+                <a16:creationId xmlns:a16="http://schemas.microsoft.com/office/drawing/2014/main" id="{488F1C4E-BFA3-14CB-6D3C-624480B4140E}"/>
+              </a:ext>
+            </a:extLst>
+          </p:cNvPr>
+          <p:cNvGraphicFramePr>
+            <a:graphicFrameLocks noGrp="1"/>
+          </p:cNvGraphicFramePr>
+          <p:nvPr>
+            <p:extLst>
+              <p:ext uri="{D42A27DB-BD31-4B8C-83A1-F6EECF244321}">
+                <p14:modId xmlns:p14="http://schemas.microsoft.com/office/powerpoint/2010/main" val="764329554"/>
+              </p:ext>
+            </p:extLst>
+          </p:nvPr>
+        </p:nvGraphicFramePr>
+        <p:xfrm>
+          <a:off x="838200" y="2060020"/>
+          <a:ext cx="9088226" cy="1967094"/>
+        </p:xfrm>
+        <a:graphic>
+          <a:graphicData uri="http://schemas.openxmlformats.org/drawingml/2006/table">
+            <a:tbl>
+              <a:tblPr firstRow="1" bandRow="1">
+                <a:tableStyleId>{5C22544A-7EE6-4342-B048-85BDC9FD1C3A}</a:tableStyleId>
+              </a:tblPr>
+              <a:tblGrid>
+                <a:gridCol w="4544113">
+                  <a:extLst>
+                    <a:ext uri="{9D8B030D-6E8A-4147-A177-3AD203B41FA5}">
+                      <a16:colId xmlns:a16="http://schemas.microsoft.com/office/drawing/2014/main" val="3762263208"/>
+                    </a:ext>
+                  </a:extLst>
+                </a:gridCol>
+                <a:gridCol w="4544113">
+                  <a:extLst>
+                    <a:ext uri="{9D8B030D-6E8A-4147-A177-3AD203B41FA5}">
+                      <a16:colId xmlns:a16="http://schemas.microsoft.com/office/drawing/2014/main" val="2372617071"/>
+                    </a:ext>
+                  </a:extLst>
+                </a:gridCol>
+              </a:tblGrid>
+              <a:tr h="412614">
+                <a:tc>
+                  <a:txBody>
+                    <a:bodyPr/>
+                    <a:lstStyle/>
+                    <a:p>
+                      <a:r>
+                        <a:rPr lang="zh-TW" altLang="en-US" dirty="0"/>
+                        <a:t>輸入</a:t>
+                      </a:r>
+                    </a:p>
+                  </a:txBody>
+                  <a:tcPr/>
+                </a:tc>
+                <a:tc>
+                  <a:txBody>
+                    <a:bodyPr/>
+                    <a:lstStyle/>
+                    <a:p>
+                      <a:r>
+                        <a:rPr lang="zh-TW" altLang="en-US" dirty="0"/>
+                        <a:t>兩個圖像</a:t>
+                      </a:r>
+                    </a:p>
+                  </a:txBody>
+                  <a:tcPr/>
+                </a:tc>
+                <a:extLst>
+                  <a:ext uri="{0D108BD9-81ED-4DB2-BD59-A6C34878D82A}">
+                    <a16:rowId xmlns:a16="http://schemas.microsoft.com/office/drawing/2014/main" val="590959509"/>
+                  </a:ext>
+                </a:extLst>
+              </a:tr>
+              <a:tr h="370840">
+                <a:tc>
+                  <a:txBody>
+                    <a:bodyPr/>
+                    <a:lstStyle/>
+                    <a:p>
+                      <a:r>
+                        <a:rPr lang="zh-TW" altLang="en-US" dirty="0"/>
+                        <a:t>輸出</a:t>
+                      </a:r>
+                    </a:p>
+                  </a:txBody>
+                  <a:tcPr/>
+                </a:tc>
+                <a:tc>
+                  <a:txBody>
+                    <a:bodyPr/>
+                    <a:lstStyle/>
+                    <a:p>
+                      <a:r>
+                        <a:rPr lang="zh-TW" altLang="en-US" dirty="0"/>
+                        <a:t>對兩個圖像或陣列進行逐像素相減，並且確保結果在範圍內（避免負值變成非預期值）。</a:t>
+                      </a:r>
+                    </a:p>
+                  </a:txBody>
+                  <a:tcPr/>
+                </a:tc>
+                <a:extLst>
+                  <a:ext uri="{0D108BD9-81ED-4DB2-BD59-A6C34878D82A}">
+                    <a16:rowId xmlns:a16="http://schemas.microsoft.com/office/drawing/2014/main" val="243461442"/>
+                  </a:ext>
+                </a:extLst>
+              </a:tr>
+              <a:tr h="370840">
+                <a:tc>
+                  <a:txBody>
+                    <a:bodyPr/>
+                    <a:lstStyle/>
+                    <a:p>
+                      <a:r>
+                        <a:rPr lang="zh-TW" altLang="en-US" dirty="0"/>
+                        <a:t>程式碼</a:t>
+                      </a:r>
+                    </a:p>
+                  </a:txBody>
+                  <a:tcPr/>
+                </a:tc>
+                <a:tc>
+                  <a:txBody>
+                    <a:bodyPr/>
+                    <a:lstStyle/>
+                    <a:p>
+                      <a:pPr fontAlgn="base"/>
+                      <a:r>
+                        <a:rPr lang="fr-FR" altLang="zh-TW" sz="1800" b="0" i="0" kern="1200" dirty="0" err="1">
+                          <a:solidFill>
+                            <a:schemeClr val="dk1"/>
+                          </a:solidFill>
+                          <a:effectLst/>
+                          <a:latin typeface="+mn-lt"/>
+                          <a:ea typeface="+mn-ea"/>
+                          <a:cs typeface="+mn-cs"/>
+                        </a:rPr>
+                        <a:t>min_diff</a:t>
+                      </a:r>
+                      <a:r>
+                        <a:rPr lang="fr-FR" altLang="zh-TW" sz="1800" b="0" i="0" kern="1200" dirty="0">
+                          <a:solidFill>
+                            <a:schemeClr val="dk1"/>
+                          </a:solidFill>
+                          <a:effectLst/>
+                          <a:latin typeface="+mn-lt"/>
+                          <a:ea typeface="+mn-ea"/>
+                          <a:cs typeface="+mn-cs"/>
+                        </a:rPr>
+                        <a:t> = </a:t>
+                      </a:r>
+                      <a:r>
+                        <a:rPr lang="fr-FR" altLang="zh-TW" sz="1800" b="0" i="0" kern="1200" dirty="0" err="1">
+                          <a:solidFill>
+                            <a:schemeClr val="dk1"/>
+                          </a:solidFill>
+                          <a:effectLst/>
+                          <a:latin typeface="+mn-lt"/>
+                          <a:ea typeface="+mn-ea"/>
+                          <a:cs typeface="+mn-cs"/>
+                        </a:rPr>
+                        <a:t>sum</a:t>
+                      </a:r>
+                      <a:r>
+                        <a:rPr lang="fr-FR" altLang="zh-TW" sz="1800" b="0" i="0" kern="1200" dirty="0">
+                          <a:solidFill>
+                            <a:schemeClr val="dk1"/>
+                          </a:solidFill>
+                          <a:effectLst/>
+                          <a:latin typeface="+mn-lt"/>
+                          <a:ea typeface="+mn-ea"/>
+                          <a:cs typeface="+mn-cs"/>
+                        </a:rPr>
+                        <a:t>(Cv2.absdiff(</a:t>
+                      </a:r>
+                      <a:r>
+                        <a:rPr lang="zh-TW" altLang="fr-FR" sz="1800" b="0" i="0" kern="1200" dirty="0">
+                          <a:solidFill>
+                            <a:schemeClr val="dk1"/>
+                          </a:solidFill>
+                          <a:effectLst/>
+                          <a:latin typeface="+mn-lt"/>
+                          <a:ea typeface="+mn-ea"/>
+                          <a:cs typeface="+mn-cs"/>
+                        </a:rPr>
+                        <a:t>模板</a:t>
+                      </a:r>
+                      <a:r>
+                        <a:rPr lang="fr-FR" altLang="zh-TW" sz="1800" b="0" i="0" kern="1200" dirty="0">
+                          <a:solidFill>
+                            <a:schemeClr val="dk1"/>
+                          </a:solidFill>
+                          <a:effectLst/>
+                          <a:latin typeface="+mn-lt"/>
+                          <a:ea typeface="+mn-ea"/>
+                          <a:cs typeface="+mn-cs"/>
+                        </a:rPr>
+                        <a:t>1,</a:t>
+                      </a:r>
+                      <a:r>
+                        <a:rPr lang="zh-TW" altLang="fr-FR" sz="1800" b="0" i="0" kern="1200" dirty="0">
+                          <a:solidFill>
+                            <a:schemeClr val="dk1"/>
+                          </a:solidFill>
+                          <a:effectLst/>
+                          <a:latin typeface="+mn-lt"/>
+                          <a:ea typeface="+mn-ea"/>
+                          <a:cs typeface="+mn-cs"/>
+                        </a:rPr>
+                        <a:t>模板</a:t>
+                      </a:r>
+                      <a:r>
+                        <a:rPr lang="fr-FR" altLang="zh-TW" sz="1800" b="0" i="0" kern="1200" dirty="0">
+                          <a:solidFill>
+                            <a:schemeClr val="dk1"/>
+                          </a:solidFill>
+                          <a:effectLst/>
+                          <a:latin typeface="+mn-lt"/>
+                          <a:ea typeface="+mn-ea"/>
+                          <a:cs typeface="+mn-cs"/>
+                        </a:rPr>
+                        <a:t>2)</a:t>
+                      </a:r>
+                      <a:endParaRPr lang="zh-TW" altLang="en-US" sz="1800" b="1" i="0" kern="1200" cap="all" dirty="0">
+                        <a:solidFill>
+                          <a:schemeClr val="dk1"/>
+                        </a:solidFill>
+                        <a:effectLst/>
+                        <a:latin typeface="+mn-lt"/>
+                        <a:ea typeface="+mn-ea"/>
+                        <a:cs typeface="+mn-cs"/>
+                      </a:endParaRPr>
+                    </a:p>
+                    <a:p>
+                      <a:pPr marL="0" marR="0" lvl="0" indent="0" algn="l" defTabSz="914400" rtl="0" eaLnBrk="1" fontAlgn="base" latinLnBrk="0" hangingPunct="1">
+                        <a:lnSpc>
+                          <a:spcPct val="100000"/>
+                        </a:lnSpc>
+                        <a:spcBef>
+                          <a:spcPts val="0"/>
+                        </a:spcBef>
+                        <a:spcAft>
+                          <a:spcPts val="0"/>
+                        </a:spcAft>
+                        <a:buClrTx/>
+                        <a:buSzTx/>
+                        <a:buFontTx/>
+                        <a:buNone/>
+                        <a:tabLst/>
+                        <a:defRPr/>
+                      </a:pPr>
+                      <a:r>
+                        <a:rPr lang="en-US" altLang="zh-TW" sz="1800" b="0" i="0" kern="1200" dirty="0">
+                          <a:solidFill>
+                            <a:schemeClr val="dk1"/>
+                          </a:solidFill>
+                          <a:effectLst/>
+                          <a:latin typeface="+mn-lt"/>
+                          <a:ea typeface="+mn-ea"/>
+                          <a:cs typeface="+mn-cs"/>
+                        </a:rPr>
+                        <a:t>threshold = 5000</a:t>
+                      </a:r>
+                    </a:p>
+                    <a:p>
+                      <a:pPr marL="0" marR="0" lvl="0" indent="0" algn="l" defTabSz="914400" rtl="0" eaLnBrk="1" fontAlgn="base" latinLnBrk="0" hangingPunct="1">
+                        <a:lnSpc>
+                          <a:spcPct val="100000"/>
+                        </a:lnSpc>
+                        <a:spcBef>
+                          <a:spcPts val="0"/>
+                        </a:spcBef>
+                        <a:spcAft>
+                          <a:spcPts val="0"/>
+                        </a:spcAft>
+                        <a:buClrTx/>
+                        <a:buSzTx/>
+                        <a:buFontTx/>
+                        <a:buNone/>
+                        <a:tabLst/>
+                        <a:defRPr/>
+                      </a:pPr>
+                      <a:r>
+                        <a:rPr lang="en-US" altLang="zh-TW" sz="1800" b="0" i="0" kern="1200" dirty="0">
+                          <a:solidFill>
+                            <a:schemeClr val="dk1"/>
+                          </a:solidFill>
+                          <a:effectLst/>
+                          <a:latin typeface="+mn-lt"/>
+                          <a:ea typeface="+mn-ea"/>
+                          <a:cs typeface="+mn-cs"/>
+                        </a:rPr>
+                        <a:t>if </a:t>
+                      </a:r>
+                      <a:r>
+                        <a:rPr lang="en-US" altLang="zh-TW" sz="1800" b="0" i="0" kern="1200" dirty="0" err="1">
+                          <a:solidFill>
+                            <a:schemeClr val="dk1"/>
+                          </a:solidFill>
+                          <a:effectLst/>
+                          <a:latin typeface="+mn-lt"/>
+                          <a:ea typeface="+mn-ea"/>
+                          <a:cs typeface="+mn-cs"/>
+                        </a:rPr>
+                        <a:t>min_diff</a:t>
+                      </a:r>
+                      <a:r>
+                        <a:rPr lang="en-US" altLang="zh-TW" sz="1800" b="0" i="0" kern="1200" dirty="0">
+                          <a:solidFill>
+                            <a:schemeClr val="dk1"/>
+                          </a:solidFill>
+                          <a:effectLst/>
+                          <a:latin typeface="+mn-lt"/>
+                          <a:ea typeface="+mn-ea"/>
+                          <a:cs typeface="+mn-cs"/>
+                        </a:rPr>
+                        <a:t> &lt; threshold -&gt; </a:t>
+                      </a:r>
+                      <a:r>
+                        <a:rPr lang="zh-TW" altLang="en-US" sz="1800" b="0" i="0" kern="1200" dirty="0">
+                          <a:solidFill>
+                            <a:schemeClr val="dk1"/>
+                          </a:solidFill>
+                          <a:effectLst/>
+                          <a:latin typeface="+mn-lt"/>
+                          <a:ea typeface="+mn-ea"/>
+                          <a:cs typeface="+mn-cs"/>
+                        </a:rPr>
+                        <a:t>取最小</a:t>
+                      </a:r>
+                      <a:r>
+                        <a:rPr lang="en-US" altLang="zh-TW" sz="1800" b="0" i="0" kern="1200" dirty="0">
+                          <a:solidFill>
+                            <a:schemeClr val="dk1"/>
+                          </a:solidFill>
+                          <a:effectLst/>
+                          <a:latin typeface="+mn-lt"/>
+                          <a:ea typeface="+mn-ea"/>
+                          <a:cs typeface="+mn-cs"/>
+                        </a:rPr>
+                        <a:t>(</a:t>
+                      </a:r>
+                      <a:r>
+                        <a:rPr lang="en-US" altLang="zh-TW" sz="1800" b="0" i="0" kern="1200" dirty="0" err="1">
+                          <a:solidFill>
+                            <a:schemeClr val="dk1"/>
+                          </a:solidFill>
+                          <a:effectLst/>
+                          <a:latin typeface="+mn-lt"/>
+                          <a:ea typeface="+mn-ea"/>
+                          <a:cs typeface="+mn-cs"/>
+                        </a:rPr>
+                        <a:t>num_result</a:t>
+                      </a:r>
+                      <a:r>
+                        <a:rPr lang="en-US" altLang="zh-TW" sz="1800" b="0" i="0" kern="1200" dirty="0">
+                          <a:solidFill>
+                            <a:schemeClr val="dk1"/>
+                          </a:solidFill>
+                          <a:effectLst/>
+                          <a:latin typeface="+mn-lt"/>
+                          <a:ea typeface="+mn-ea"/>
+                          <a:cs typeface="+mn-cs"/>
+                        </a:rPr>
+                        <a:t>)</a:t>
+                      </a:r>
+                    </a:p>
+                  </a:txBody>
+                  <a:tcPr/>
+                </a:tc>
+                <a:extLst>
+                  <a:ext uri="{0D108BD9-81ED-4DB2-BD59-A6C34878D82A}">
+                    <a16:rowId xmlns:a16="http://schemas.microsoft.com/office/drawing/2014/main" val="688274193"/>
+                  </a:ext>
+                </a:extLst>
+              </a:tr>
+            </a:tbl>
+          </a:graphicData>
+        </a:graphic>
+      </p:graphicFrame>
+    </p:spTree>
+    <p:extLst>
+      <p:ext uri="{BB962C8B-B14F-4D97-AF65-F5344CB8AC3E}">
+        <p14:creationId xmlns:p14="http://schemas.microsoft.com/office/powerpoint/2010/main" val="1122094281"/>
+      </p:ext>
+    </p:extLst>
+  </p:cSld>
+  <p:clrMapOvr>
+    <a:masterClrMapping/>
+  </p:clrMapOvr>
+</p:sld>
+</file>
+
 <file path=ppt/slides/slide2.xml><?xml version="1.0" encoding="utf-8"?>
 <p:sld xmlns:a="http://schemas.openxmlformats.org/drawingml/2006/main" xmlns:r="http://schemas.openxmlformats.org/officeDocument/2006/relationships" xmlns:p="http://schemas.openxmlformats.org/presentationml/2006/main">
   <p:cSld>
@@ -3672,7 +4720,7 @@
         </p:nvSpPr>
         <p:spPr>
           <a:xfrm>
-            <a:off x="838200" y="1825625"/>
+            <a:off x="769620" y="1825625"/>
             <a:ext cx="5257800" cy="4667250"/>
           </a:xfrm>
         </p:spPr>
@@ -3847,7 +4895,7 @@
             </a:r>
             <a:r>
               <a:rPr lang="en-US" altLang="zh-TW" dirty="0"/>
-              <a:t>55</a:t>
+              <a:t>50</a:t>
             </a:r>
             <a:r>
               <a:rPr lang="zh-TW" altLang="en-US" dirty="0"/>
@@ -4699,10 +5747,6 @@
               <a:rPr lang="zh-TW" altLang="en-US" dirty="0"/>
               <a:t>分割撲克牌</a:t>
             </a:r>
-            <a:br>
-              <a:rPr lang="en-US" altLang="zh-TW" dirty="0"/>
-            </a:br>
-            <a:endParaRPr lang="zh-TW" altLang="en-US" dirty="0"/>
           </a:p>
         </p:txBody>
       </p:sp>
@@ -6327,7 +7371,7 @@
           <a:lstStyle/>
           <a:p>
             <a:pPr algn="ctr"/>
-            <a:endParaRPr lang="zh-TW" altLang="en-US"/>
+            <a:endParaRPr lang="zh-TW" altLang="en-US" dirty="0"/>
           </a:p>
         </p:txBody>
       </p:sp>
@@ -6510,6 +7554,3705 @@
             <p:ph type="title"/>
           </p:nvPr>
         </p:nvSpPr>
+        <p:spPr>
+          <a:xfrm>
+            <a:off x="0" y="-123145"/>
+            <a:ext cx="1837678" cy="886626"/>
+          </a:xfrm>
+        </p:spPr>
+        <p:txBody>
+          <a:bodyPr>
+            <a:normAutofit/>
+          </a:bodyPr>
+          <a:lstStyle/>
+          <a:p>
+            <a:r>
+              <a:rPr lang="zh-TW" altLang="en-US" sz="3200" dirty="0"/>
+              <a:t>架構圖</a:t>
+            </a:r>
+          </a:p>
+        </p:txBody>
+      </p:sp>
+      <p:sp>
+        <p:nvSpPr>
+          <p:cNvPr id="6" name="矩形 5">
+            <a:extLst>
+              <a:ext uri="{FF2B5EF4-FFF2-40B4-BE49-F238E27FC236}">
+                <a16:creationId xmlns:a16="http://schemas.microsoft.com/office/drawing/2014/main" id="{E8C12CF8-4575-4C87-94E8-D0FA65CDC0E2}"/>
+              </a:ext>
+            </a:extLst>
+          </p:cNvPr>
+          <p:cNvSpPr/>
+          <p:nvPr/>
+        </p:nvSpPr>
+        <p:spPr>
+          <a:xfrm>
+            <a:off x="220969" y="776277"/>
+            <a:ext cx="4919217" cy="1095603"/>
+          </a:xfrm>
+          <a:prstGeom prst="rect">
+            <a:avLst/>
+          </a:prstGeom>
+          <a:noFill/>
+          <a:ln>
+            <a:solidFill>
+              <a:schemeClr val="tx1"/>
+            </a:solidFill>
+          </a:ln>
+        </p:spPr>
+        <p:style>
+          <a:lnRef idx="2">
+            <a:schemeClr val="accent1">
+              <a:shade val="50000"/>
+            </a:schemeClr>
+          </a:lnRef>
+          <a:fillRef idx="1">
+            <a:schemeClr val="accent1"/>
+          </a:fillRef>
+          <a:effectRef idx="0">
+            <a:schemeClr val="accent1"/>
+          </a:effectRef>
+          <a:fontRef idx="minor">
+            <a:schemeClr val="lt1"/>
+          </a:fontRef>
+        </p:style>
+        <p:txBody>
+          <a:bodyPr rtlCol="0" anchor="ctr"/>
+          <a:lstStyle/>
+          <a:p>
+            <a:pPr algn="ctr"/>
+            <a:endParaRPr lang="zh-TW" altLang="en-US"/>
+          </a:p>
+        </p:txBody>
+      </p:sp>
+      <p:grpSp>
+        <p:nvGrpSpPr>
+          <p:cNvPr id="12" name="群組 11">
+            <a:extLst>
+              <a:ext uri="{FF2B5EF4-FFF2-40B4-BE49-F238E27FC236}">
+                <a16:creationId xmlns:a16="http://schemas.microsoft.com/office/drawing/2014/main" id="{6E85CFA1-F31E-4C68-FE8A-65A46EE587F0}"/>
+              </a:ext>
+            </a:extLst>
+          </p:cNvPr>
+          <p:cNvGrpSpPr/>
+          <p:nvPr/>
+        </p:nvGrpSpPr>
+        <p:grpSpPr>
+          <a:xfrm>
+            <a:off x="2015251" y="1022867"/>
+            <a:ext cx="1111188" cy="559289"/>
+            <a:chOff x="2154687" y="1597275"/>
+            <a:chExt cx="1111188" cy="559289"/>
+          </a:xfrm>
+        </p:grpSpPr>
+        <p:sp>
+          <p:nvSpPr>
+            <p:cNvPr id="15" name="矩形 14">
+              <a:extLst>
+                <a:ext uri="{FF2B5EF4-FFF2-40B4-BE49-F238E27FC236}">
+                  <a16:creationId xmlns:a16="http://schemas.microsoft.com/office/drawing/2014/main" id="{0AB5C9A2-2042-41D0-B469-A1C191EF65E4}"/>
+                </a:ext>
+              </a:extLst>
+            </p:cNvPr>
+            <p:cNvSpPr/>
+            <p:nvPr/>
+          </p:nvSpPr>
+          <p:spPr>
+            <a:xfrm>
+              <a:off x="2210540" y="1597275"/>
+              <a:ext cx="999481" cy="559289"/>
+            </a:xfrm>
+            <a:prstGeom prst="rect">
+              <a:avLst/>
+            </a:prstGeom>
+            <a:noFill/>
+            <a:ln>
+              <a:solidFill>
+                <a:srgbClr val="002060"/>
+              </a:solidFill>
+            </a:ln>
+          </p:spPr>
+          <p:style>
+            <a:lnRef idx="2">
+              <a:schemeClr val="accent1">
+                <a:shade val="50000"/>
+              </a:schemeClr>
+            </a:lnRef>
+            <a:fillRef idx="1">
+              <a:schemeClr val="accent1"/>
+            </a:fillRef>
+            <a:effectRef idx="0">
+              <a:schemeClr val="accent1"/>
+            </a:effectRef>
+            <a:fontRef idx="minor">
+              <a:schemeClr val="lt1"/>
+            </a:fontRef>
+          </p:style>
+          <p:txBody>
+            <a:bodyPr rtlCol="0" anchor="ctr"/>
+            <a:lstStyle/>
+            <a:p>
+              <a:pPr algn="ctr"/>
+              <a:endParaRPr lang="zh-TW" altLang="en-US"/>
+            </a:p>
+          </p:txBody>
+        </p:sp>
+        <p:sp>
+          <p:nvSpPr>
+            <p:cNvPr id="16" name="文字方塊 15">
+              <a:extLst>
+                <a:ext uri="{FF2B5EF4-FFF2-40B4-BE49-F238E27FC236}">
+                  <a16:creationId xmlns:a16="http://schemas.microsoft.com/office/drawing/2014/main" id="{C4A66357-7A39-4686-9EA9-CA1F8A827DEF}"/>
+                </a:ext>
+              </a:extLst>
+            </p:cNvPr>
+            <p:cNvSpPr txBox="1"/>
+            <p:nvPr/>
+          </p:nvSpPr>
+          <p:spPr>
+            <a:xfrm>
+              <a:off x="2154687" y="1684708"/>
+              <a:ext cx="1111188" cy="369332"/>
+            </a:xfrm>
+            <a:prstGeom prst="rect">
+              <a:avLst/>
+            </a:prstGeom>
+            <a:noFill/>
+            <a:ln>
+              <a:noFill/>
+            </a:ln>
+          </p:spPr>
+          <p:txBody>
+            <a:bodyPr wrap="square" rtlCol="0">
+              <a:spAutoFit/>
+            </a:bodyPr>
+            <a:lstStyle/>
+            <a:p>
+              <a:pPr algn="ctr"/>
+              <a:r>
+                <a:rPr lang="zh-TW" altLang="en-US" dirty="0"/>
+                <a:t>灰階</a:t>
+              </a:r>
+            </a:p>
+          </p:txBody>
+        </p:sp>
+      </p:grpSp>
+      <p:sp>
+        <p:nvSpPr>
+          <p:cNvPr id="18" name="矩形 17">
+            <a:extLst>
+              <a:ext uri="{FF2B5EF4-FFF2-40B4-BE49-F238E27FC236}">
+                <a16:creationId xmlns:a16="http://schemas.microsoft.com/office/drawing/2014/main" id="{1F72E754-D176-49A4-A3C9-BA092E6A7272}"/>
+              </a:ext>
+            </a:extLst>
+          </p:cNvPr>
+          <p:cNvSpPr/>
+          <p:nvPr/>
+        </p:nvSpPr>
+        <p:spPr>
+          <a:xfrm>
+            <a:off x="3783268" y="1022867"/>
+            <a:ext cx="999481" cy="559289"/>
+          </a:xfrm>
+          <a:prstGeom prst="rect">
+            <a:avLst/>
+          </a:prstGeom>
+          <a:noFill/>
+          <a:ln>
+            <a:solidFill>
+              <a:srgbClr val="002060"/>
+            </a:solidFill>
+          </a:ln>
+        </p:spPr>
+        <p:style>
+          <a:lnRef idx="2">
+            <a:schemeClr val="accent1">
+              <a:shade val="50000"/>
+            </a:schemeClr>
+          </a:lnRef>
+          <a:fillRef idx="1">
+            <a:schemeClr val="accent1"/>
+          </a:fillRef>
+          <a:effectRef idx="0">
+            <a:schemeClr val="accent1"/>
+          </a:effectRef>
+          <a:fontRef idx="minor">
+            <a:schemeClr val="lt1"/>
+          </a:fontRef>
+        </p:style>
+        <p:txBody>
+          <a:bodyPr rtlCol="0" anchor="ctr"/>
+          <a:lstStyle/>
+          <a:p>
+            <a:pPr algn="ctr"/>
+            <a:r>
+              <a:rPr lang="zh-TW" altLang="en-US"/>
+              <a:t>分割撲克牌</a:t>
+            </a:r>
+            <a:endParaRPr lang="zh-TW" altLang="en-US" dirty="0"/>
+          </a:p>
+        </p:txBody>
+      </p:sp>
+      <p:sp>
+        <p:nvSpPr>
+          <p:cNvPr id="19" name="文字方塊 18">
+            <a:extLst>
+              <a:ext uri="{FF2B5EF4-FFF2-40B4-BE49-F238E27FC236}">
+                <a16:creationId xmlns:a16="http://schemas.microsoft.com/office/drawing/2014/main" id="{8A45A52D-05ED-4EE1-98CE-901978663B2D}"/>
+              </a:ext>
+            </a:extLst>
+          </p:cNvPr>
+          <p:cNvSpPr txBox="1"/>
+          <p:nvPr/>
+        </p:nvSpPr>
+        <p:spPr>
+          <a:xfrm>
+            <a:off x="3744428" y="1117846"/>
+            <a:ext cx="1111188" cy="369332"/>
+          </a:xfrm>
+          <a:prstGeom prst="rect">
+            <a:avLst/>
+          </a:prstGeom>
+          <a:noFill/>
+          <a:ln>
+            <a:noFill/>
+          </a:ln>
+        </p:spPr>
+        <p:txBody>
+          <a:bodyPr wrap="square" rtlCol="0">
+            <a:spAutoFit/>
+          </a:bodyPr>
+          <a:lstStyle/>
+          <a:p>
+            <a:pPr algn="ctr"/>
+            <a:r>
+              <a:rPr lang="zh-TW" altLang="en-US" dirty="0"/>
+              <a:t>二值化</a:t>
+            </a:r>
+          </a:p>
+        </p:txBody>
+      </p:sp>
+      <p:cxnSp>
+        <p:nvCxnSpPr>
+          <p:cNvPr id="21" name="直線單箭頭接點 20">
+            <a:extLst>
+              <a:ext uri="{FF2B5EF4-FFF2-40B4-BE49-F238E27FC236}">
+                <a16:creationId xmlns:a16="http://schemas.microsoft.com/office/drawing/2014/main" id="{C4F75F72-79C7-465A-B69D-55340201698F}"/>
+              </a:ext>
+            </a:extLst>
+          </p:cNvPr>
+          <p:cNvCxnSpPr>
+            <a:cxnSpLocks/>
+            <a:stCxn id="16" idx="3"/>
+            <a:endCxn id="19" idx="1"/>
+          </p:cNvCxnSpPr>
+          <p:nvPr/>
+        </p:nvCxnSpPr>
+        <p:spPr>
+          <a:xfrm>
+            <a:off x="3126439" y="1294966"/>
+            <a:ext cx="617989" cy="7546"/>
+          </a:xfrm>
+          <a:prstGeom prst="straightConnector1">
+            <a:avLst/>
+          </a:prstGeom>
+          <a:ln>
+            <a:tailEnd type="triangle"/>
+          </a:ln>
+        </p:spPr>
+        <p:style>
+          <a:lnRef idx="2">
+            <a:schemeClr val="accent1"/>
+          </a:lnRef>
+          <a:fillRef idx="0">
+            <a:schemeClr val="accent1"/>
+          </a:fillRef>
+          <a:effectRef idx="1">
+            <a:schemeClr val="accent1"/>
+          </a:effectRef>
+          <a:fontRef idx="minor">
+            <a:schemeClr val="tx1"/>
+          </a:fontRef>
+        </p:style>
+      </p:cxnSp>
+      <p:cxnSp>
+        <p:nvCxnSpPr>
+          <p:cNvPr id="26" name="直線單箭頭接點 25">
+            <a:extLst>
+              <a:ext uri="{FF2B5EF4-FFF2-40B4-BE49-F238E27FC236}">
+                <a16:creationId xmlns:a16="http://schemas.microsoft.com/office/drawing/2014/main" id="{7D6AF49E-B100-442E-A49F-5FBF7E2B6177}"/>
+              </a:ext>
+            </a:extLst>
+          </p:cNvPr>
+          <p:cNvCxnSpPr>
+            <a:cxnSpLocks/>
+            <a:stCxn id="6" idx="3"/>
+            <a:endCxn id="27" idx="1"/>
+          </p:cNvCxnSpPr>
+          <p:nvPr/>
+        </p:nvCxnSpPr>
+        <p:spPr>
+          <a:xfrm>
+            <a:off x="5140186" y="1324079"/>
+            <a:ext cx="1003146" cy="713"/>
+          </a:xfrm>
+          <a:prstGeom prst="straightConnector1">
+            <a:avLst/>
+          </a:prstGeom>
+          <a:ln>
+            <a:tailEnd type="triangle"/>
+          </a:ln>
+        </p:spPr>
+        <p:style>
+          <a:lnRef idx="2">
+            <a:schemeClr val="accent1"/>
+          </a:lnRef>
+          <a:fillRef idx="0">
+            <a:schemeClr val="accent1"/>
+          </a:fillRef>
+          <a:effectRef idx="1">
+            <a:schemeClr val="accent1"/>
+          </a:effectRef>
+          <a:fontRef idx="minor">
+            <a:schemeClr val="tx1"/>
+          </a:fontRef>
+        </p:style>
+      </p:cxnSp>
+      <p:sp>
+        <p:nvSpPr>
+          <p:cNvPr id="27" name="矩形 26">
+            <a:extLst>
+              <a:ext uri="{FF2B5EF4-FFF2-40B4-BE49-F238E27FC236}">
+                <a16:creationId xmlns:a16="http://schemas.microsoft.com/office/drawing/2014/main" id="{1E2D9BE7-0072-460D-9FF7-9EB3E414C74C}"/>
+              </a:ext>
+            </a:extLst>
+          </p:cNvPr>
+          <p:cNvSpPr/>
+          <p:nvPr/>
+        </p:nvSpPr>
+        <p:spPr>
+          <a:xfrm>
+            <a:off x="6143332" y="115295"/>
+            <a:ext cx="5680906" cy="2418993"/>
+          </a:xfrm>
+          <a:prstGeom prst="rect">
+            <a:avLst/>
+          </a:prstGeom>
+          <a:noFill/>
+          <a:ln>
+            <a:solidFill>
+              <a:schemeClr val="tx1"/>
+            </a:solidFill>
+          </a:ln>
+        </p:spPr>
+        <p:style>
+          <a:lnRef idx="2">
+            <a:schemeClr val="accent1">
+              <a:shade val="50000"/>
+            </a:schemeClr>
+          </a:lnRef>
+          <a:fillRef idx="1">
+            <a:schemeClr val="accent1"/>
+          </a:fillRef>
+          <a:effectRef idx="0">
+            <a:schemeClr val="accent1"/>
+          </a:effectRef>
+          <a:fontRef idx="minor">
+            <a:schemeClr val="lt1"/>
+          </a:fontRef>
+        </p:style>
+        <p:txBody>
+          <a:bodyPr rtlCol="0" anchor="ctr"/>
+          <a:lstStyle/>
+          <a:p>
+            <a:pPr algn="ctr"/>
+            <a:endParaRPr lang="zh-TW" altLang="en-US"/>
+          </a:p>
+        </p:txBody>
+      </p:sp>
+      <p:grpSp>
+        <p:nvGrpSpPr>
+          <p:cNvPr id="43" name="Group 42">
+            <a:extLst>
+              <a:ext uri="{FF2B5EF4-FFF2-40B4-BE49-F238E27FC236}">
+                <a16:creationId xmlns:a16="http://schemas.microsoft.com/office/drawing/2014/main" id="{E0952A9F-A316-4878-8C75-7B6B9F0C0334}"/>
+              </a:ext>
+            </a:extLst>
+          </p:cNvPr>
+          <p:cNvGrpSpPr/>
+          <p:nvPr/>
+        </p:nvGrpSpPr>
+        <p:grpSpPr>
+          <a:xfrm>
+            <a:off x="9974526" y="1207695"/>
+            <a:ext cx="1246088" cy="591070"/>
+            <a:chOff x="8399932" y="3391926"/>
+            <a:chExt cx="1246088" cy="591070"/>
+          </a:xfrm>
+        </p:grpSpPr>
+        <p:sp>
+          <p:nvSpPr>
+            <p:cNvPr id="34" name="矩形 33">
+              <a:extLst>
+                <a:ext uri="{FF2B5EF4-FFF2-40B4-BE49-F238E27FC236}">
+                  <a16:creationId xmlns:a16="http://schemas.microsoft.com/office/drawing/2014/main" id="{D794B778-D0A2-446C-9EA7-0F8E174EB6B7}"/>
+                </a:ext>
+              </a:extLst>
+            </p:cNvPr>
+            <p:cNvSpPr/>
+            <p:nvPr/>
+          </p:nvSpPr>
+          <p:spPr>
+            <a:xfrm>
+              <a:off x="8420809" y="3391926"/>
+              <a:ext cx="1204334" cy="582642"/>
+            </a:xfrm>
+            <a:prstGeom prst="rect">
+              <a:avLst/>
+            </a:prstGeom>
+            <a:noFill/>
+            <a:ln>
+              <a:solidFill>
+                <a:srgbClr val="002060"/>
+              </a:solidFill>
+            </a:ln>
+          </p:spPr>
+          <p:style>
+            <a:lnRef idx="2">
+              <a:schemeClr val="accent1">
+                <a:shade val="50000"/>
+              </a:schemeClr>
+            </a:lnRef>
+            <a:fillRef idx="1">
+              <a:schemeClr val="accent1"/>
+            </a:fillRef>
+            <a:effectRef idx="0">
+              <a:schemeClr val="accent1"/>
+            </a:effectRef>
+            <a:fontRef idx="minor">
+              <a:schemeClr val="lt1"/>
+            </a:fontRef>
+          </p:style>
+          <p:txBody>
+            <a:bodyPr rtlCol="0" anchor="ctr"/>
+            <a:lstStyle/>
+            <a:p>
+              <a:pPr algn="ctr"/>
+              <a:endParaRPr lang="zh-TW" altLang="en-US"/>
+            </a:p>
+          </p:txBody>
+        </p:sp>
+        <p:sp>
+          <p:nvSpPr>
+            <p:cNvPr id="45" name="文字方塊 44">
+              <a:extLst>
+                <a:ext uri="{FF2B5EF4-FFF2-40B4-BE49-F238E27FC236}">
+                  <a16:creationId xmlns:a16="http://schemas.microsoft.com/office/drawing/2014/main" id="{C15EA0B8-6B05-4CF5-95B2-DBCB43C82D54}"/>
+                </a:ext>
+              </a:extLst>
+            </p:cNvPr>
+            <p:cNvSpPr txBox="1"/>
+            <p:nvPr/>
+          </p:nvSpPr>
+          <p:spPr>
+            <a:xfrm>
+              <a:off x="8399932" y="3398221"/>
+              <a:ext cx="1246088" cy="584775"/>
+            </a:xfrm>
+            <a:prstGeom prst="rect">
+              <a:avLst/>
+            </a:prstGeom>
+            <a:noFill/>
+            <a:ln>
+              <a:noFill/>
+            </a:ln>
+          </p:spPr>
+          <p:txBody>
+            <a:bodyPr wrap="square" rtlCol="0">
+              <a:spAutoFit/>
+            </a:bodyPr>
+            <a:lstStyle/>
+            <a:p>
+              <a:pPr algn="ctr"/>
+              <a:r>
+                <a:rPr lang="zh-TW" altLang="en-US" sz="1600" dirty="0"/>
+                <a:t>分割</a:t>
+              </a:r>
+              <a:endParaRPr lang="en-US" altLang="zh-TW" sz="1600" dirty="0"/>
+            </a:p>
+            <a:p>
+              <a:pPr algn="ctr"/>
+              <a:r>
+                <a:rPr lang="zh-TW" altLang="en-US" sz="1600" dirty="0"/>
+                <a:t>花色、數字</a:t>
+              </a:r>
+            </a:p>
+          </p:txBody>
+        </p:sp>
+      </p:grpSp>
+      <p:grpSp>
+        <p:nvGrpSpPr>
+          <p:cNvPr id="38" name="群組 37">
+            <a:extLst>
+              <a:ext uri="{FF2B5EF4-FFF2-40B4-BE49-F238E27FC236}">
+                <a16:creationId xmlns:a16="http://schemas.microsoft.com/office/drawing/2014/main" id="{BEB6672A-274E-6F46-8613-EC702759A117}"/>
+              </a:ext>
+            </a:extLst>
+          </p:cNvPr>
+          <p:cNvGrpSpPr/>
+          <p:nvPr/>
+        </p:nvGrpSpPr>
+        <p:grpSpPr>
+          <a:xfrm>
+            <a:off x="8000407" y="256790"/>
+            <a:ext cx="1007182" cy="497058"/>
+            <a:chOff x="7963018" y="122226"/>
+            <a:chExt cx="1090690" cy="582642"/>
+          </a:xfrm>
+        </p:grpSpPr>
+        <p:sp>
+          <p:nvSpPr>
+            <p:cNvPr id="48" name="矩形 47">
+              <a:extLst>
+                <a:ext uri="{FF2B5EF4-FFF2-40B4-BE49-F238E27FC236}">
+                  <a16:creationId xmlns:a16="http://schemas.microsoft.com/office/drawing/2014/main" id="{9AEF5D24-F31F-4507-9F7B-BD4B09A07735}"/>
+                </a:ext>
+              </a:extLst>
+            </p:cNvPr>
+            <p:cNvSpPr/>
+            <p:nvPr/>
+          </p:nvSpPr>
+          <p:spPr>
+            <a:xfrm>
+              <a:off x="7986240" y="122226"/>
+              <a:ext cx="1007182" cy="582642"/>
+            </a:xfrm>
+            <a:prstGeom prst="rect">
+              <a:avLst/>
+            </a:prstGeom>
+            <a:noFill/>
+            <a:ln>
+              <a:solidFill>
+                <a:srgbClr val="002060"/>
+              </a:solidFill>
+            </a:ln>
+          </p:spPr>
+          <p:style>
+            <a:lnRef idx="2">
+              <a:schemeClr val="accent1">
+                <a:shade val="50000"/>
+              </a:schemeClr>
+            </a:lnRef>
+            <a:fillRef idx="1">
+              <a:schemeClr val="accent1"/>
+            </a:fillRef>
+            <a:effectRef idx="0">
+              <a:schemeClr val="accent1"/>
+            </a:effectRef>
+            <a:fontRef idx="minor">
+              <a:schemeClr val="lt1"/>
+            </a:fontRef>
+          </p:style>
+          <p:txBody>
+            <a:bodyPr rtlCol="0" anchor="ctr"/>
+            <a:lstStyle/>
+            <a:p>
+              <a:pPr algn="ctr"/>
+              <a:endParaRPr lang="zh-TW" altLang="en-US"/>
+            </a:p>
+          </p:txBody>
+        </p:sp>
+        <p:sp>
+          <p:nvSpPr>
+            <p:cNvPr id="49" name="文字方塊 48">
+              <a:extLst>
+                <a:ext uri="{FF2B5EF4-FFF2-40B4-BE49-F238E27FC236}">
+                  <a16:creationId xmlns:a16="http://schemas.microsoft.com/office/drawing/2014/main" id="{B156F1B5-4C41-4E23-9C6C-2891DD69276E}"/>
+                </a:ext>
+              </a:extLst>
+            </p:cNvPr>
+            <p:cNvSpPr txBox="1"/>
+            <p:nvPr/>
+          </p:nvSpPr>
+          <p:spPr>
+            <a:xfrm>
+              <a:off x="7963018" y="225227"/>
+              <a:ext cx="1090690" cy="338554"/>
+            </a:xfrm>
+            <a:prstGeom prst="rect">
+              <a:avLst/>
+            </a:prstGeom>
+            <a:noFill/>
+            <a:ln>
+              <a:noFill/>
+            </a:ln>
+          </p:spPr>
+          <p:txBody>
+            <a:bodyPr wrap="square" rtlCol="0">
+              <a:spAutoFit/>
+            </a:bodyPr>
+            <a:lstStyle/>
+            <a:p>
+              <a:pPr algn="ctr"/>
+              <a:r>
+                <a:rPr lang="zh-TW" altLang="en-US" sz="1600" dirty="0"/>
+                <a:t>判斷面積</a:t>
+              </a:r>
+            </a:p>
+          </p:txBody>
+        </p:sp>
+      </p:grpSp>
+      <p:sp>
+        <p:nvSpPr>
+          <p:cNvPr id="4" name="矩形 3">
+            <a:extLst>
+              <a:ext uri="{FF2B5EF4-FFF2-40B4-BE49-F238E27FC236}">
+                <a16:creationId xmlns:a16="http://schemas.microsoft.com/office/drawing/2014/main" id="{9F0F9398-9DE1-0BE0-8B11-5B9B3DA49545}"/>
+              </a:ext>
+            </a:extLst>
+          </p:cNvPr>
+          <p:cNvSpPr/>
+          <p:nvPr/>
+        </p:nvSpPr>
+        <p:spPr>
+          <a:xfrm>
+            <a:off x="367762" y="1014744"/>
+            <a:ext cx="999481" cy="559289"/>
+          </a:xfrm>
+          <a:prstGeom prst="rect">
+            <a:avLst/>
+          </a:prstGeom>
+          <a:noFill/>
+          <a:ln>
+            <a:solidFill>
+              <a:srgbClr val="002060"/>
+            </a:solidFill>
+          </a:ln>
+        </p:spPr>
+        <p:style>
+          <a:lnRef idx="2">
+            <a:schemeClr val="accent1">
+              <a:shade val="50000"/>
+            </a:schemeClr>
+          </a:lnRef>
+          <a:fillRef idx="1">
+            <a:schemeClr val="accent1"/>
+          </a:fillRef>
+          <a:effectRef idx="0">
+            <a:schemeClr val="accent1"/>
+          </a:effectRef>
+          <a:fontRef idx="minor">
+            <a:schemeClr val="lt1"/>
+          </a:fontRef>
+        </p:style>
+        <p:txBody>
+          <a:bodyPr rtlCol="0" anchor="ctr"/>
+          <a:lstStyle/>
+          <a:p>
+            <a:pPr algn="ctr"/>
+            <a:endParaRPr lang="zh-TW" altLang="en-US"/>
+          </a:p>
+        </p:txBody>
+      </p:sp>
+      <p:sp>
+        <p:nvSpPr>
+          <p:cNvPr id="5" name="文字方塊 4">
+            <a:extLst>
+              <a:ext uri="{FF2B5EF4-FFF2-40B4-BE49-F238E27FC236}">
+                <a16:creationId xmlns:a16="http://schemas.microsoft.com/office/drawing/2014/main" id="{735EC306-7399-2819-2C6A-A7E6C85F9852}"/>
+              </a:ext>
+            </a:extLst>
+          </p:cNvPr>
+          <p:cNvSpPr txBox="1"/>
+          <p:nvPr/>
+        </p:nvSpPr>
+        <p:spPr>
+          <a:xfrm>
+            <a:off x="311909" y="1102177"/>
+            <a:ext cx="1111188" cy="369332"/>
+          </a:xfrm>
+          <a:prstGeom prst="rect">
+            <a:avLst/>
+          </a:prstGeom>
+          <a:noFill/>
+          <a:ln>
+            <a:noFill/>
+          </a:ln>
+        </p:spPr>
+        <p:txBody>
+          <a:bodyPr wrap="square" rtlCol="0">
+            <a:spAutoFit/>
+          </a:bodyPr>
+          <a:lstStyle/>
+          <a:p>
+            <a:pPr algn="ctr"/>
+            <a:r>
+              <a:rPr lang="en-US" altLang="zh-TW" dirty="0"/>
+              <a:t>CAM</a:t>
+            </a:r>
+            <a:endParaRPr lang="zh-TW" altLang="en-US" dirty="0"/>
+          </a:p>
+        </p:txBody>
+      </p:sp>
+      <p:cxnSp>
+        <p:nvCxnSpPr>
+          <p:cNvPr id="7" name="直線單箭頭接點 6">
+            <a:extLst>
+              <a:ext uri="{FF2B5EF4-FFF2-40B4-BE49-F238E27FC236}">
+                <a16:creationId xmlns:a16="http://schemas.microsoft.com/office/drawing/2014/main" id="{66078CE8-C3B8-C6F1-B22D-FE447EC4998A}"/>
+              </a:ext>
+            </a:extLst>
+          </p:cNvPr>
+          <p:cNvCxnSpPr>
+            <a:cxnSpLocks/>
+            <a:stCxn id="5" idx="3"/>
+            <a:endCxn id="16" idx="1"/>
+          </p:cNvCxnSpPr>
+          <p:nvPr/>
+        </p:nvCxnSpPr>
+        <p:spPr>
+          <a:xfrm>
+            <a:off x="1423097" y="1286843"/>
+            <a:ext cx="592154" cy="8123"/>
+          </a:xfrm>
+          <a:prstGeom prst="straightConnector1">
+            <a:avLst/>
+          </a:prstGeom>
+          <a:ln>
+            <a:tailEnd type="triangle"/>
+          </a:ln>
+        </p:spPr>
+        <p:style>
+          <a:lnRef idx="2">
+            <a:schemeClr val="accent1"/>
+          </a:lnRef>
+          <a:fillRef idx="0">
+            <a:schemeClr val="accent1"/>
+          </a:fillRef>
+          <a:effectRef idx="1">
+            <a:schemeClr val="accent1"/>
+          </a:effectRef>
+          <a:fontRef idx="minor">
+            <a:schemeClr val="tx1"/>
+          </a:fontRef>
+        </p:style>
+      </p:cxnSp>
+      <p:sp>
+        <p:nvSpPr>
+          <p:cNvPr id="17" name="文字方塊 16">
+            <a:extLst>
+              <a:ext uri="{FF2B5EF4-FFF2-40B4-BE49-F238E27FC236}">
+                <a16:creationId xmlns:a16="http://schemas.microsoft.com/office/drawing/2014/main" id="{E98D8547-8F31-8D37-97DD-40D5F05B7136}"/>
+              </a:ext>
+            </a:extLst>
+          </p:cNvPr>
+          <p:cNvSpPr txBox="1"/>
+          <p:nvPr/>
+        </p:nvSpPr>
+        <p:spPr>
+          <a:xfrm>
+            <a:off x="945172" y="744933"/>
+            <a:ext cx="1478360" cy="307777"/>
+          </a:xfrm>
+          <a:prstGeom prst="rect">
+            <a:avLst/>
+          </a:prstGeom>
+          <a:noFill/>
+        </p:spPr>
+        <p:txBody>
+          <a:bodyPr wrap="square">
+            <a:spAutoFit/>
+          </a:bodyPr>
+          <a:lstStyle/>
+          <a:p>
+            <a:pPr algn="ctr"/>
+            <a:r>
+              <a:rPr lang="zh-TW" altLang="en-US" sz="1400" dirty="0"/>
+              <a:t>影像輸入</a:t>
+            </a:r>
+          </a:p>
+        </p:txBody>
+      </p:sp>
+      <p:sp>
+        <p:nvSpPr>
+          <p:cNvPr id="31" name="文字方塊 30">
+            <a:extLst>
+              <a:ext uri="{FF2B5EF4-FFF2-40B4-BE49-F238E27FC236}">
+                <a16:creationId xmlns:a16="http://schemas.microsoft.com/office/drawing/2014/main" id="{ECF470CE-ABB7-F7F2-2C01-93CBD59F0D90}"/>
+              </a:ext>
+            </a:extLst>
+          </p:cNvPr>
+          <p:cNvSpPr txBox="1"/>
+          <p:nvPr/>
+        </p:nvSpPr>
+        <p:spPr>
+          <a:xfrm>
+            <a:off x="5556265" y="4597672"/>
+            <a:ext cx="1478360" cy="307777"/>
+          </a:xfrm>
+          <a:prstGeom prst="rect">
+            <a:avLst/>
+          </a:prstGeom>
+          <a:noFill/>
+        </p:spPr>
+        <p:txBody>
+          <a:bodyPr wrap="square">
+            <a:spAutoFit/>
+          </a:bodyPr>
+          <a:lstStyle/>
+          <a:p>
+            <a:pPr algn="ctr"/>
+            <a:r>
+              <a:rPr lang="zh-TW" altLang="en-US" sz="1400" dirty="0"/>
+              <a:t>原影像</a:t>
+            </a:r>
+          </a:p>
+        </p:txBody>
+      </p:sp>
+      <p:sp>
+        <p:nvSpPr>
+          <p:cNvPr id="36" name="文字方塊 35">
+            <a:extLst>
+              <a:ext uri="{FF2B5EF4-FFF2-40B4-BE49-F238E27FC236}">
+                <a16:creationId xmlns:a16="http://schemas.microsoft.com/office/drawing/2014/main" id="{E3515F86-A25B-ED08-091E-0FB25C925A4D}"/>
+              </a:ext>
+            </a:extLst>
+          </p:cNvPr>
+          <p:cNvSpPr txBox="1"/>
+          <p:nvPr/>
+        </p:nvSpPr>
+        <p:spPr>
+          <a:xfrm>
+            <a:off x="1855447" y="1850500"/>
+            <a:ext cx="1478360" cy="307777"/>
+          </a:xfrm>
+          <a:prstGeom prst="rect">
+            <a:avLst/>
+          </a:prstGeom>
+          <a:noFill/>
+        </p:spPr>
+        <p:txBody>
+          <a:bodyPr wrap="square">
+            <a:spAutoFit/>
+          </a:bodyPr>
+          <a:lstStyle/>
+          <a:p>
+            <a:pPr algn="ctr"/>
+            <a:r>
+              <a:rPr lang="zh-TW" altLang="en-US" sz="1400" dirty="0"/>
+              <a:t>前處理</a:t>
+            </a:r>
+          </a:p>
+        </p:txBody>
+      </p:sp>
+      <p:sp>
+        <p:nvSpPr>
+          <p:cNvPr id="37" name="文字方塊 36">
+            <a:extLst>
+              <a:ext uri="{FF2B5EF4-FFF2-40B4-BE49-F238E27FC236}">
+                <a16:creationId xmlns:a16="http://schemas.microsoft.com/office/drawing/2014/main" id="{B117BE6C-9D73-FAFE-6A84-A95A243618BD}"/>
+              </a:ext>
+            </a:extLst>
+          </p:cNvPr>
+          <p:cNvSpPr txBox="1"/>
+          <p:nvPr/>
+        </p:nvSpPr>
+        <p:spPr>
+          <a:xfrm>
+            <a:off x="6703120" y="315909"/>
+            <a:ext cx="825797" cy="307777"/>
+          </a:xfrm>
+          <a:prstGeom prst="rect">
+            <a:avLst/>
+          </a:prstGeom>
+          <a:noFill/>
+        </p:spPr>
+        <p:txBody>
+          <a:bodyPr wrap="square">
+            <a:spAutoFit/>
+          </a:bodyPr>
+          <a:lstStyle/>
+          <a:p>
+            <a:pPr algn="ctr"/>
+            <a:r>
+              <a:rPr lang="zh-TW" altLang="en-US" sz="1400" dirty="0"/>
+              <a:t>找輪廓</a:t>
+            </a:r>
+          </a:p>
+        </p:txBody>
+      </p:sp>
+      <p:grpSp>
+        <p:nvGrpSpPr>
+          <p:cNvPr id="39" name="群組 38">
+            <a:extLst>
+              <a:ext uri="{FF2B5EF4-FFF2-40B4-BE49-F238E27FC236}">
+                <a16:creationId xmlns:a16="http://schemas.microsoft.com/office/drawing/2014/main" id="{7C9C3310-5EA5-EC5D-4C05-0171EAA79DAD}"/>
+              </a:ext>
+            </a:extLst>
+          </p:cNvPr>
+          <p:cNvGrpSpPr/>
+          <p:nvPr/>
+        </p:nvGrpSpPr>
+        <p:grpSpPr>
+          <a:xfrm>
+            <a:off x="8206867" y="1283936"/>
+            <a:ext cx="1238973" cy="416855"/>
+            <a:chOff x="7963016" y="122226"/>
+            <a:chExt cx="1090690" cy="616941"/>
+          </a:xfrm>
+        </p:grpSpPr>
+        <p:sp>
+          <p:nvSpPr>
+            <p:cNvPr id="40" name="矩形 39">
+              <a:extLst>
+                <a:ext uri="{FF2B5EF4-FFF2-40B4-BE49-F238E27FC236}">
+                  <a16:creationId xmlns:a16="http://schemas.microsoft.com/office/drawing/2014/main" id="{BFB1A0FD-2603-2B57-2D9C-E15C5605AD29}"/>
+                </a:ext>
+              </a:extLst>
+            </p:cNvPr>
+            <p:cNvSpPr/>
+            <p:nvPr/>
+          </p:nvSpPr>
+          <p:spPr>
+            <a:xfrm>
+              <a:off x="7986243" y="122226"/>
+              <a:ext cx="1007182" cy="582642"/>
+            </a:xfrm>
+            <a:prstGeom prst="rect">
+              <a:avLst/>
+            </a:prstGeom>
+            <a:noFill/>
+            <a:ln>
+              <a:solidFill>
+                <a:srgbClr val="002060"/>
+              </a:solidFill>
+            </a:ln>
+          </p:spPr>
+          <p:style>
+            <a:lnRef idx="2">
+              <a:schemeClr val="accent1">
+                <a:shade val="50000"/>
+              </a:schemeClr>
+            </a:lnRef>
+            <a:fillRef idx="1">
+              <a:schemeClr val="accent1"/>
+            </a:fillRef>
+            <a:effectRef idx="0">
+              <a:schemeClr val="accent1"/>
+            </a:effectRef>
+            <a:fontRef idx="minor">
+              <a:schemeClr val="lt1"/>
+            </a:fontRef>
+          </p:style>
+          <p:txBody>
+            <a:bodyPr rtlCol="0" anchor="ctr"/>
+            <a:lstStyle/>
+            <a:p>
+              <a:pPr algn="ctr"/>
+              <a:endParaRPr lang="zh-TW" altLang="en-US"/>
+            </a:p>
+          </p:txBody>
+        </p:sp>
+        <p:sp>
+          <p:nvSpPr>
+            <p:cNvPr id="41" name="文字方塊 40">
+              <a:extLst>
+                <a:ext uri="{FF2B5EF4-FFF2-40B4-BE49-F238E27FC236}">
+                  <a16:creationId xmlns:a16="http://schemas.microsoft.com/office/drawing/2014/main" id="{19CDF1AD-B1E3-9294-CAA4-BB37C8F5B5C5}"/>
+                </a:ext>
+              </a:extLst>
+            </p:cNvPr>
+            <p:cNvSpPr txBox="1"/>
+            <p:nvPr/>
+          </p:nvSpPr>
+          <p:spPr>
+            <a:xfrm>
+              <a:off x="7963016" y="154392"/>
+              <a:ext cx="1090690" cy="584775"/>
+            </a:xfrm>
+            <a:prstGeom prst="rect">
+              <a:avLst/>
+            </a:prstGeom>
+            <a:noFill/>
+            <a:ln>
+              <a:noFill/>
+            </a:ln>
+          </p:spPr>
+          <p:txBody>
+            <a:bodyPr wrap="square" rtlCol="0">
+              <a:spAutoFit/>
+            </a:bodyPr>
+            <a:lstStyle/>
+            <a:p>
+              <a:pPr algn="ctr"/>
+              <a:r>
+                <a:rPr lang="zh-TW" altLang="en-US" sz="1600" dirty="0"/>
+                <a:t>取邊角區域</a:t>
+              </a:r>
+            </a:p>
+          </p:txBody>
+        </p:sp>
+      </p:grpSp>
+      <p:grpSp>
+        <p:nvGrpSpPr>
+          <p:cNvPr id="42" name="群組 41">
+            <a:extLst>
+              <a:ext uri="{FF2B5EF4-FFF2-40B4-BE49-F238E27FC236}">
+                <a16:creationId xmlns:a16="http://schemas.microsoft.com/office/drawing/2014/main" id="{3A9FF710-5CA7-48AE-8BE5-F338CDF619E2}"/>
+              </a:ext>
+            </a:extLst>
+          </p:cNvPr>
+          <p:cNvGrpSpPr/>
+          <p:nvPr/>
+        </p:nvGrpSpPr>
+        <p:grpSpPr>
+          <a:xfrm>
+            <a:off x="6819198" y="1233235"/>
+            <a:ext cx="1090690" cy="582642"/>
+            <a:chOff x="7963016" y="122226"/>
+            <a:chExt cx="1090690" cy="582642"/>
+          </a:xfrm>
+        </p:grpSpPr>
+        <p:sp>
+          <p:nvSpPr>
+            <p:cNvPr id="46" name="矩形 45">
+              <a:extLst>
+                <a:ext uri="{FF2B5EF4-FFF2-40B4-BE49-F238E27FC236}">
+                  <a16:creationId xmlns:a16="http://schemas.microsoft.com/office/drawing/2014/main" id="{62436222-61C4-E4F5-880B-9244D18FC232}"/>
+                </a:ext>
+              </a:extLst>
+            </p:cNvPr>
+            <p:cNvSpPr/>
+            <p:nvPr/>
+          </p:nvSpPr>
+          <p:spPr>
+            <a:xfrm>
+              <a:off x="7986243" y="122226"/>
+              <a:ext cx="1007182" cy="582642"/>
+            </a:xfrm>
+            <a:prstGeom prst="rect">
+              <a:avLst/>
+            </a:prstGeom>
+            <a:noFill/>
+            <a:ln>
+              <a:solidFill>
+                <a:srgbClr val="002060"/>
+              </a:solidFill>
+            </a:ln>
+          </p:spPr>
+          <p:style>
+            <a:lnRef idx="2">
+              <a:schemeClr val="accent1">
+                <a:shade val="50000"/>
+              </a:schemeClr>
+            </a:lnRef>
+            <a:fillRef idx="1">
+              <a:schemeClr val="accent1"/>
+            </a:fillRef>
+            <a:effectRef idx="0">
+              <a:schemeClr val="accent1"/>
+            </a:effectRef>
+            <a:fontRef idx="minor">
+              <a:schemeClr val="lt1"/>
+            </a:fontRef>
+          </p:style>
+          <p:txBody>
+            <a:bodyPr rtlCol="0" anchor="ctr"/>
+            <a:lstStyle/>
+            <a:p>
+              <a:pPr algn="ctr"/>
+              <a:endParaRPr lang="zh-TW" altLang="en-US"/>
+            </a:p>
+          </p:txBody>
+        </p:sp>
+        <p:sp>
+          <p:nvSpPr>
+            <p:cNvPr id="47" name="文字方塊 46">
+              <a:extLst>
+                <a:ext uri="{FF2B5EF4-FFF2-40B4-BE49-F238E27FC236}">
+                  <a16:creationId xmlns:a16="http://schemas.microsoft.com/office/drawing/2014/main" id="{49279B5B-CFFC-911D-AC59-90DA5CA0B6B9}"/>
+                </a:ext>
+              </a:extLst>
+            </p:cNvPr>
+            <p:cNvSpPr txBox="1"/>
+            <p:nvPr/>
+          </p:nvSpPr>
+          <p:spPr>
+            <a:xfrm>
+              <a:off x="7963016" y="225227"/>
+              <a:ext cx="1090690" cy="338554"/>
+            </a:xfrm>
+            <a:prstGeom prst="rect">
+              <a:avLst/>
+            </a:prstGeom>
+            <a:noFill/>
+            <a:ln>
+              <a:noFill/>
+            </a:ln>
+          </p:spPr>
+          <p:txBody>
+            <a:bodyPr wrap="square" rtlCol="0">
+              <a:spAutoFit/>
+            </a:bodyPr>
+            <a:lstStyle/>
+            <a:p>
+              <a:pPr algn="ctr"/>
+              <a:r>
+                <a:rPr lang="zh-TW" altLang="en-US" sz="1600" dirty="0"/>
+                <a:t>透視變換</a:t>
+              </a:r>
+            </a:p>
+          </p:txBody>
+        </p:sp>
+      </p:grpSp>
+      <p:grpSp>
+        <p:nvGrpSpPr>
+          <p:cNvPr id="50" name="群組 49">
+            <a:extLst>
+              <a:ext uri="{FF2B5EF4-FFF2-40B4-BE49-F238E27FC236}">
+                <a16:creationId xmlns:a16="http://schemas.microsoft.com/office/drawing/2014/main" id="{CD21170D-30ED-0328-1675-7CCD3A0C3C3E}"/>
+              </a:ext>
+            </a:extLst>
+          </p:cNvPr>
+          <p:cNvGrpSpPr/>
+          <p:nvPr/>
+        </p:nvGrpSpPr>
+        <p:grpSpPr>
+          <a:xfrm>
+            <a:off x="9765024" y="280914"/>
+            <a:ext cx="1437779" cy="450632"/>
+            <a:chOff x="7944489" y="108999"/>
+            <a:chExt cx="1090690" cy="595869"/>
+          </a:xfrm>
+        </p:grpSpPr>
+        <p:sp>
+          <p:nvSpPr>
+            <p:cNvPr id="51" name="矩形 50">
+              <a:extLst>
+                <a:ext uri="{FF2B5EF4-FFF2-40B4-BE49-F238E27FC236}">
+                  <a16:creationId xmlns:a16="http://schemas.microsoft.com/office/drawing/2014/main" id="{951A34D8-2678-36F6-E5C9-F8024EA06AAC}"/>
+                </a:ext>
+              </a:extLst>
+            </p:cNvPr>
+            <p:cNvSpPr/>
+            <p:nvPr/>
+          </p:nvSpPr>
+          <p:spPr>
+            <a:xfrm>
+              <a:off x="7986243" y="122226"/>
+              <a:ext cx="1007182" cy="582642"/>
+            </a:xfrm>
+            <a:prstGeom prst="rect">
+              <a:avLst/>
+            </a:prstGeom>
+            <a:noFill/>
+            <a:ln>
+              <a:solidFill>
+                <a:srgbClr val="002060"/>
+              </a:solidFill>
+            </a:ln>
+          </p:spPr>
+          <p:style>
+            <a:lnRef idx="2">
+              <a:schemeClr val="accent1">
+                <a:shade val="50000"/>
+              </a:schemeClr>
+            </a:lnRef>
+            <a:fillRef idx="1">
+              <a:schemeClr val="accent1"/>
+            </a:fillRef>
+            <a:effectRef idx="0">
+              <a:schemeClr val="accent1"/>
+            </a:effectRef>
+            <a:fontRef idx="minor">
+              <a:schemeClr val="lt1"/>
+            </a:fontRef>
+          </p:style>
+          <p:txBody>
+            <a:bodyPr rtlCol="0" anchor="ctr"/>
+            <a:lstStyle/>
+            <a:p>
+              <a:pPr algn="ctr"/>
+              <a:endParaRPr lang="zh-TW" altLang="en-US"/>
+            </a:p>
+          </p:txBody>
+        </p:sp>
+        <p:sp>
+          <p:nvSpPr>
+            <p:cNvPr id="52" name="文字方塊 51">
+              <a:extLst>
+                <a:ext uri="{FF2B5EF4-FFF2-40B4-BE49-F238E27FC236}">
+                  <a16:creationId xmlns:a16="http://schemas.microsoft.com/office/drawing/2014/main" id="{1E74C336-96C5-E91A-263C-B601F09B13C3}"/>
+                </a:ext>
+              </a:extLst>
+            </p:cNvPr>
+            <p:cNvSpPr txBox="1"/>
+            <p:nvPr/>
+          </p:nvSpPr>
+          <p:spPr>
+            <a:xfrm>
+              <a:off x="7944489" y="108999"/>
+              <a:ext cx="1090690" cy="584775"/>
+            </a:xfrm>
+            <a:prstGeom prst="rect">
+              <a:avLst/>
+            </a:prstGeom>
+            <a:noFill/>
+            <a:ln>
+              <a:noFill/>
+            </a:ln>
+          </p:spPr>
+          <p:txBody>
+            <a:bodyPr wrap="square" rtlCol="0">
+              <a:spAutoFit/>
+            </a:bodyPr>
+            <a:lstStyle/>
+            <a:p>
+              <a:pPr algn="ctr"/>
+              <a:r>
+                <a:rPr lang="zh-TW" altLang="en-US" sz="1600" dirty="0"/>
+                <a:t>取輪廓邊角</a:t>
+              </a:r>
+            </a:p>
+          </p:txBody>
+        </p:sp>
+      </p:grpSp>
+      <p:sp>
+        <p:nvSpPr>
+          <p:cNvPr id="77" name="矩形 76">
+            <a:extLst>
+              <a:ext uri="{FF2B5EF4-FFF2-40B4-BE49-F238E27FC236}">
+                <a16:creationId xmlns:a16="http://schemas.microsoft.com/office/drawing/2014/main" id="{FEAC4902-3009-AE22-7C04-A06BFEDA3EE5}"/>
+              </a:ext>
+            </a:extLst>
+          </p:cNvPr>
+          <p:cNvSpPr/>
+          <p:nvPr/>
+        </p:nvSpPr>
+        <p:spPr>
+          <a:xfrm>
+            <a:off x="584676" y="3561444"/>
+            <a:ext cx="4919218" cy="2814844"/>
+          </a:xfrm>
+          <a:prstGeom prst="rect">
+            <a:avLst/>
+          </a:prstGeom>
+          <a:noFill/>
+          <a:ln>
+            <a:solidFill>
+              <a:schemeClr val="tx1"/>
+            </a:solidFill>
+          </a:ln>
+        </p:spPr>
+        <p:style>
+          <a:lnRef idx="2">
+            <a:schemeClr val="accent1">
+              <a:shade val="50000"/>
+            </a:schemeClr>
+          </a:lnRef>
+          <a:fillRef idx="1">
+            <a:schemeClr val="accent1"/>
+          </a:fillRef>
+          <a:effectRef idx="0">
+            <a:schemeClr val="accent1"/>
+          </a:effectRef>
+          <a:fontRef idx="minor">
+            <a:schemeClr val="lt1"/>
+          </a:fontRef>
+        </p:style>
+        <p:txBody>
+          <a:bodyPr rtlCol="0" anchor="ctr"/>
+          <a:lstStyle/>
+          <a:p>
+            <a:pPr algn="ctr"/>
+            <a:endParaRPr lang="zh-TW" altLang="en-US"/>
+          </a:p>
+        </p:txBody>
+      </p:sp>
+      <p:sp>
+        <p:nvSpPr>
+          <p:cNvPr id="78" name="矩形 77">
+            <a:extLst>
+              <a:ext uri="{FF2B5EF4-FFF2-40B4-BE49-F238E27FC236}">
+                <a16:creationId xmlns:a16="http://schemas.microsoft.com/office/drawing/2014/main" id="{A6757F22-81DD-F208-771F-2B6749D26064}"/>
+              </a:ext>
+            </a:extLst>
+          </p:cNvPr>
+          <p:cNvSpPr/>
+          <p:nvPr/>
+        </p:nvSpPr>
+        <p:spPr>
+          <a:xfrm>
+            <a:off x="1295602" y="3844992"/>
+            <a:ext cx="1007182" cy="666106"/>
+          </a:xfrm>
+          <a:prstGeom prst="rect">
+            <a:avLst/>
+          </a:prstGeom>
+          <a:noFill/>
+          <a:ln>
+            <a:solidFill>
+              <a:srgbClr val="002060"/>
+            </a:solidFill>
+          </a:ln>
+        </p:spPr>
+        <p:style>
+          <a:lnRef idx="2">
+            <a:schemeClr val="accent1">
+              <a:shade val="50000"/>
+            </a:schemeClr>
+          </a:lnRef>
+          <a:fillRef idx="1">
+            <a:schemeClr val="accent1"/>
+          </a:fillRef>
+          <a:effectRef idx="0">
+            <a:schemeClr val="accent1"/>
+          </a:effectRef>
+          <a:fontRef idx="minor">
+            <a:schemeClr val="lt1"/>
+          </a:fontRef>
+        </p:style>
+        <p:txBody>
+          <a:bodyPr rtlCol="0" anchor="ctr"/>
+          <a:lstStyle/>
+          <a:p>
+            <a:pPr algn="ctr"/>
+            <a:endParaRPr lang="zh-TW" altLang="en-US"/>
+          </a:p>
+        </p:txBody>
+      </p:sp>
+      <p:sp>
+        <p:nvSpPr>
+          <p:cNvPr id="79" name="矩形 78">
+            <a:extLst>
+              <a:ext uri="{FF2B5EF4-FFF2-40B4-BE49-F238E27FC236}">
+                <a16:creationId xmlns:a16="http://schemas.microsoft.com/office/drawing/2014/main" id="{85278458-1595-357E-00C8-3FE42CB7878B}"/>
+              </a:ext>
+            </a:extLst>
+          </p:cNvPr>
+          <p:cNvSpPr/>
+          <p:nvPr/>
+        </p:nvSpPr>
+        <p:spPr>
+          <a:xfrm>
+            <a:off x="634683" y="5281044"/>
+            <a:ext cx="1204334" cy="582642"/>
+          </a:xfrm>
+          <a:prstGeom prst="rect">
+            <a:avLst/>
+          </a:prstGeom>
+          <a:noFill/>
+          <a:ln>
+            <a:solidFill>
+              <a:srgbClr val="002060"/>
+            </a:solidFill>
+          </a:ln>
+        </p:spPr>
+        <p:style>
+          <a:lnRef idx="2">
+            <a:schemeClr val="accent1">
+              <a:shade val="50000"/>
+            </a:schemeClr>
+          </a:lnRef>
+          <a:fillRef idx="1">
+            <a:schemeClr val="accent1"/>
+          </a:fillRef>
+          <a:effectRef idx="0">
+            <a:schemeClr val="accent1"/>
+          </a:effectRef>
+          <a:fontRef idx="minor">
+            <a:schemeClr val="lt1"/>
+          </a:fontRef>
+        </p:style>
+        <p:txBody>
+          <a:bodyPr rtlCol="0" anchor="ctr"/>
+          <a:lstStyle/>
+          <a:p>
+            <a:pPr algn="ctr"/>
+            <a:endParaRPr lang="zh-TW" altLang="en-US"/>
+          </a:p>
+        </p:txBody>
+      </p:sp>
+      <p:sp>
+        <p:nvSpPr>
+          <p:cNvPr id="81" name="文字方塊 80">
+            <a:extLst>
+              <a:ext uri="{FF2B5EF4-FFF2-40B4-BE49-F238E27FC236}">
+                <a16:creationId xmlns:a16="http://schemas.microsoft.com/office/drawing/2014/main" id="{3EC9135F-C84C-69CA-4102-35BB08644653}"/>
+              </a:ext>
+            </a:extLst>
+          </p:cNvPr>
+          <p:cNvSpPr txBox="1"/>
+          <p:nvPr/>
+        </p:nvSpPr>
+        <p:spPr>
+          <a:xfrm>
+            <a:off x="1248740" y="3864848"/>
+            <a:ext cx="1090690" cy="584775"/>
+          </a:xfrm>
+          <a:prstGeom prst="rect">
+            <a:avLst/>
+          </a:prstGeom>
+          <a:noFill/>
+          <a:ln>
+            <a:noFill/>
+          </a:ln>
+        </p:spPr>
+        <p:txBody>
+          <a:bodyPr wrap="square" rtlCol="0">
+            <a:spAutoFit/>
+          </a:bodyPr>
+          <a:lstStyle/>
+          <a:p>
+            <a:pPr algn="ctr"/>
+            <a:r>
+              <a:rPr lang="zh-TW" altLang="en-US" sz="1600" dirty="0"/>
+              <a:t>跟對照組</a:t>
+            </a:r>
+            <a:r>
+              <a:rPr lang="en-US" altLang="zh-TW" sz="1600" dirty="0"/>
+              <a:t>array</a:t>
+            </a:r>
+            <a:r>
+              <a:rPr lang="zh-TW" altLang="en-US" sz="1600" dirty="0"/>
+              <a:t>相減</a:t>
+            </a:r>
+          </a:p>
+        </p:txBody>
+      </p:sp>
+      <p:sp>
+        <p:nvSpPr>
+          <p:cNvPr id="82" name="文字方塊 81">
+            <a:extLst>
+              <a:ext uri="{FF2B5EF4-FFF2-40B4-BE49-F238E27FC236}">
+                <a16:creationId xmlns:a16="http://schemas.microsoft.com/office/drawing/2014/main" id="{E68AF2FC-864B-3162-A48F-6D191225B04D}"/>
+              </a:ext>
+            </a:extLst>
+          </p:cNvPr>
+          <p:cNvSpPr txBox="1"/>
+          <p:nvPr/>
+        </p:nvSpPr>
+        <p:spPr>
+          <a:xfrm>
+            <a:off x="613806" y="5403088"/>
+            <a:ext cx="1246088" cy="338554"/>
+          </a:xfrm>
+          <a:prstGeom prst="rect">
+            <a:avLst/>
+          </a:prstGeom>
+          <a:noFill/>
+          <a:ln>
+            <a:noFill/>
+          </a:ln>
+        </p:spPr>
+        <p:txBody>
+          <a:bodyPr wrap="square" rtlCol="0">
+            <a:spAutoFit/>
+          </a:bodyPr>
+          <a:lstStyle/>
+          <a:p>
+            <a:pPr algn="ctr"/>
+            <a:r>
+              <a:rPr lang="zh-TW" altLang="en-US" sz="1600" dirty="0"/>
+              <a:t>誤差值比對</a:t>
+            </a:r>
+          </a:p>
+        </p:txBody>
+      </p:sp>
+      <p:grpSp>
+        <p:nvGrpSpPr>
+          <p:cNvPr id="83" name="群組 82">
+            <a:extLst>
+              <a:ext uri="{FF2B5EF4-FFF2-40B4-BE49-F238E27FC236}">
+                <a16:creationId xmlns:a16="http://schemas.microsoft.com/office/drawing/2014/main" id="{03E3BE07-07D7-9A86-A019-68B6E7297E0F}"/>
+              </a:ext>
+            </a:extLst>
+          </p:cNvPr>
+          <p:cNvGrpSpPr/>
+          <p:nvPr/>
+        </p:nvGrpSpPr>
+        <p:grpSpPr>
+          <a:xfrm>
+            <a:off x="2949217" y="3759815"/>
+            <a:ext cx="1441405" cy="838332"/>
+            <a:chOff x="7986243" y="122226"/>
+            <a:chExt cx="1007182" cy="582642"/>
+          </a:xfrm>
+        </p:grpSpPr>
+        <p:sp>
+          <p:nvSpPr>
+            <p:cNvPr id="84" name="矩形 83">
+              <a:extLst>
+                <a:ext uri="{FF2B5EF4-FFF2-40B4-BE49-F238E27FC236}">
+                  <a16:creationId xmlns:a16="http://schemas.microsoft.com/office/drawing/2014/main" id="{3730C928-7DCA-6F25-B3C3-C7D5BE7F75DE}"/>
+                </a:ext>
+              </a:extLst>
+            </p:cNvPr>
+            <p:cNvSpPr/>
+            <p:nvPr/>
+          </p:nvSpPr>
+          <p:spPr>
+            <a:xfrm>
+              <a:off x="7986243" y="122226"/>
+              <a:ext cx="1007182" cy="582642"/>
+            </a:xfrm>
+            <a:prstGeom prst="rect">
+              <a:avLst/>
+            </a:prstGeom>
+            <a:noFill/>
+            <a:ln>
+              <a:solidFill>
+                <a:srgbClr val="002060"/>
+              </a:solidFill>
+            </a:ln>
+          </p:spPr>
+          <p:style>
+            <a:lnRef idx="2">
+              <a:schemeClr val="accent1">
+                <a:shade val="50000"/>
+              </a:schemeClr>
+            </a:lnRef>
+            <a:fillRef idx="1">
+              <a:schemeClr val="accent1"/>
+            </a:fillRef>
+            <a:effectRef idx="0">
+              <a:schemeClr val="accent1"/>
+            </a:effectRef>
+            <a:fontRef idx="minor">
+              <a:schemeClr val="lt1"/>
+            </a:fontRef>
+          </p:style>
+          <p:txBody>
+            <a:bodyPr rtlCol="0" anchor="ctr"/>
+            <a:lstStyle/>
+            <a:p>
+              <a:pPr algn="ctr"/>
+              <a:endParaRPr lang="zh-TW" altLang="en-US"/>
+            </a:p>
+          </p:txBody>
+        </p:sp>
+        <p:sp>
+          <p:nvSpPr>
+            <p:cNvPr id="85" name="文字方塊 84">
+              <a:extLst>
+                <a:ext uri="{FF2B5EF4-FFF2-40B4-BE49-F238E27FC236}">
+                  <a16:creationId xmlns:a16="http://schemas.microsoft.com/office/drawing/2014/main" id="{CA45DCB9-0372-3806-99F5-9596EDBE11E0}"/>
+                </a:ext>
+              </a:extLst>
+            </p:cNvPr>
+            <p:cNvSpPr txBox="1"/>
+            <p:nvPr/>
+          </p:nvSpPr>
+          <p:spPr>
+            <a:xfrm>
+              <a:off x="8018988" y="152222"/>
+              <a:ext cx="910144" cy="499666"/>
+            </a:xfrm>
+            <a:prstGeom prst="rect">
+              <a:avLst/>
+            </a:prstGeom>
+            <a:noFill/>
+            <a:ln>
+              <a:noFill/>
+            </a:ln>
+          </p:spPr>
+          <p:txBody>
+            <a:bodyPr wrap="square" rtlCol="0">
+              <a:spAutoFit/>
+            </a:bodyPr>
+            <a:lstStyle/>
+            <a:p>
+              <a:pPr algn="ctr"/>
+              <a:r>
+                <a:rPr lang="zh-TW" altLang="en-US" sz="1600" dirty="0"/>
+                <a:t>取得新</a:t>
+              </a:r>
+              <a:r>
+                <a:rPr lang="en-US" altLang="zh-TW" sz="1600" dirty="0"/>
+                <a:t>array</a:t>
+              </a:r>
+              <a:r>
+                <a:rPr lang="zh-TW" altLang="en-US" sz="1600" dirty="0"/>
+                <a:t>數值做絕對值並相加</a:t>
+              </a:r>
+            </a:p>
+          </p:txBody>
+        </p:sp>
+      </p:grpSp>
+      <p:cxnSp>
+        <p:nvCxnSpPr>
+          <p:cNvPr id="86" name="直線單箭頭接點 85">
+            <a:extLst>
+              <a:ext uri="{FF2B5EF4-FFF2-40B4-BE49-F238E27FC236}">
+                <a16:creationId xmlns:a16="http://schemas.microsoft.com/office/drawing/2014/main" id="{5E5AEE53-DACD-384E-DC55-972C8FFFE435}"/>
+              </a:ext>
+            </a:extLst>
+          </p:cNvPr>
+          <p:cNvCxnSpPr>
+            <a:cxnSpLocks/>
+            <a:stCxn id="78" idx="3"/>
+            <a:endCxn id="84" idx="1"/>
+          </p:cNvCxnSpPr>
+          <p:nvPr/>
+        </p:nvCxnSpPr>
+        <p:spPr>
+          <a:xfrm>
+            <a:off x="2302784" y="4178045"/>
+            <a:ext cx="646433" cy="936"/>
+          </a:xfrm>
+          <a:prstGeom prst="straightConnector1">
+            <a:avLst/>
+          </a:prstGeom>
+          <a:ln>
+            <a:tailEnd type="triangle"/>
+          </a:ln>
+        </p:spPr>
+        <p:style>
+          <a:lnRef idx="2">
+            <a:schemeClr val="accent1"/>
+          </a:lnRef>
+          <a:fillRef idx="0">
+            <a:schemeClr val="accent1"/>
+          </a:fillRef>
+          <a:effectRef idx="1">
+            <a:schemeClr val="accent1"/>
+          </a:effectRef>
+          <a:fontRef idx="minor">
+            <a:schemeClr val="tx1"/>
+          </a:fontRef>
+        </p:style>
+      </p:cxnSp>
+      <p:sp>
+        <p:nvSpPr>
+          <p:cNvPr id="87" name="文字方塊 86">
+            <a:extLst>
+              <a:ext uri="{FF2B5EF4-FFF2-40B4-BE49-F238E27FC236}">
+                <a16:creationId xmlns:a16="http://schemas.microsoft.com/office/drawing/2014/main" id="{DAD52F62-DBC2-798D-0235-119D1A03303B}"/>
+              </a:ext>
+            </a:extLst>
+          </p:cNvPr>
+          <p:cNvSpPr txBox="1"/>
+          <p:nvPr/>
+        </p:nvSpPr>
+        <p:spPr>
+          <a:xfrm>
+            <a:off x="2231543" y="6376288"/>
+            <a:ext cx="1478360" cy="307777"/>
+          </a:xfrm>
+          <a:prstGeom prst="rect">
+            <a:avLst/>
+          </a:prstGeom>
+          <a:noFill/>
+        </p:spPr>
+        <p:txBody>
+          <a:bodyPr wrap="square">
+            <a:spAutoFit/>
+          </a:bodyPr>
+          <a:lstStyle/>
+          <a:p>
+            <a:pPr algn="ctr"/>
+            <a:r>
+              <a:rPr lang="zh-TW" altLang="en-US" sz="1400" dirty="0"/>
+              <a:t>花色及數值比對</a:t>
+            </a:r>
+          </a:p>
+        </p:txBody>
+      </p:sp>
+      <p:cxnSp>
+        <p:nvCxnSpPr>
+          <p:cNvPr id="102" name="接點: 肘形 101">
+            <a:extLst>
+              <a:ext uri="{FF2B5EF4-FFF2-40B4-BE49-F238E27FC236}">
+                <a16:creationId xmlns:a16="http://schemas.microsoft.com/office/drawing/2014/main" id="{EC634956-5B55-0500-33E3-BFB20CB9618C}"/>
+              </a:ext>
+            </a:extLst>
+          </p:cNvPr>
+          <p:cNvCxnSpPr>
+            <a:cxnSpLocks/>
+            <a:stCxn id="27" idx="3"/>
+            <a:endCxn id="77" idx="1"/>
+          </p:cNvCxnSpPr>
+          <p:nvPr/>
+        </p:nvCxnSpPr>
+        <p:spPr>
+          <a:xfrm flipH="1">
+            <a:off x="584676" y="1324792"/>
+            <a:ext cx="11239562" cy="3644074"/>
+          </a:xfrm>
+          <a:prstGeom prst="bentConnector5">
+            <a:avLst>
+              <a:gd name="adj1" fmla="val -2034"/>
+              <a:gd name="adj2" fmla="val 48678"/>
+              <a:gd name="adj3" fmla="val 102034"/>
+            </a:avLst>
+          </a:prstGeom>
+          <a:ln>
+            <a:tailEnd type="triangle"/>
+          </a:ln>
+        </p:spPr>
+        <p:style>
+          <a:lnRef idx="2">
+            <a:schemeClr val="accent1"/>
+          </a:lnRef>
+          <a:fillRef idx="0">
+            <a:schemeClr val="accent1"/>
+          </a:fillRef>
+          <a:effectRef idx="1">
+            <a:schemeClr val="accent1"/>
+          </a:effectRef>
+          <a:fontRef idx="minor">
+            <a:schemeClr val="tx1"/>
+          </a:fontRef>
+        </p:style>
+      </p:cxnSp>
+      <p:sp>
+        <p:nvSpPr>
+          <p:cNvPr id="106" name="矩形 105">
+            <a:extLst>
+              <a:ext uri="{FF2B5EF4-FFF2-40B4-BE49-F238E27FC236}">
+                <a16:creationId xmlns:a16="http://schemas.microsoft.com/office/drawing/2014/main" id="{8A3249F0-E015-8185-CBC9-CABC22885F2C}"/>
+              </a:ext>
+            </a:extLst>
+          </p:cNvPr>
+          <p:cNvSpPr/>
+          <p:nvPr/>
+        </p:nvSpPr>
+        <p:spPr>
+          <a:xfrm>
+            <a:off x="6943725" y="3932571"/>
+            <a:ext cx="3216324" cy="2072590"/>
+          </a:xfrm>
+          <a:prstGeom prst="rect">
+            <a:avLst/>
+          </a:prstGeom>
+          <a:noFill/>
+          <a:ln>
+            <a:solidFill>
+              <a:schemeClr val="tx1"/>
+            </a:solidFill>
+          </a:ln>
+        </p:spPr>
+        <p:style>
+          <a:lnRef idx="2">
+            <a:schemeClr val="accent1">
+              <a:shade val="50000"/>
+            </a:schemeClr>
+          </a:lnRef>
+          <a:fillRef idx="1">
+            <a:schemeClr val="accent1"/>
+          </a:fillRef>
+          <a:effectRef idx="0">
+            <a:schemeClr val="accent1"/>
+          </a:effectRef>
+          <a:fontRef idx="minor">
+            <a:schemeClr val="lt1"/>
+          </a:fontRef>
+        </p:style>
+        <p:txBody>
+          <a:bodyPr rtlCol="0" anchor="ctr"/>
+          <a:lstStyle/>
+          <a:p>
+            <a:pPr algn="ctr"/>
+            <a:endParaRPr lang="zh-TW" altLang="en-US"/>
+          </a:p>
+        </p:txBody>
+      </p:sp>
+      <p:cxnSp>
+        <p:nvCxnSpPr>
+          <p:cNvPr id="148" name="接點: 肘形 147">
+            <a:extLst>
+              <a:ext uri="{FF2B5EF4-FFF2-40B4-BE49-F238E27FC236}">
+                <a16:creationId xmlns:a16="http://schemas.microsoft.com/office/drawing/2014/main" id="{4220FED9-B9BB-19BC-BED9-C91949119724}"/>
+              </a:ext>
+            </a:extLst>
+          </p:cNvPr>
+          <p:cNvCxnSpPr>
+            <a:stCxn id="84" idx="3"/>
+            <a:endCxn id="79" idx="0"/>
+          </p:cNvCxnSpPr>
+          <p:nvPr/>
+        </p:nvCxnSpPr>
+        <p:spPr>
+          <a:xfrm flipH="1">
+            <a:off x="1236850" y="4178981"/>
+            <a:ext cx="3153772" cy="1102063"/>
+          </a:xfrm>
+          <a:prstGeom prst="bentConnector4">
+            <a:avLst>
+              <a:gd name="adj1" fmla="val -7248"/>
+              <a:gd name="adj2" fmla="val 69017"/>
+            </a:avLst>
+          </a:prstGeom>
+          <a:ln>
+            <a:tailEnd type="triangle"/>
+          </a:ln>
+        </p:spPr>
+        <p:style>
+          <a:lnRef idx="2">
+            <a:schemeClr val="accent1"/>
+          </a:lnRef>
+          <a:fillRef idx="0">
+            <a:schemeClr val="accent1"/>
+          </a:fillRef>
+          <a:effectRef idx="1">
+            <a:schemeClr val="accent1"/>
+          </a:effectRef>
+          <a:fontRef idx="minor">
+            <a:schemeClr val="tx1"/>
+          </a:fontRef>
+        </p:style>
+      </p:cxnSp>
+      <p:sp>
+        <p:nvSpPr>
+          <p:cNvPr id="154" name="文字方塊 153">
+            <a:extLst>
+              <a:ext uri="{FF2B5EF4-FFF2-40B4-BE49-F238E27FC236}">
+                <a16:creationId xmlns:a16="http://schemas.microsoft.com/office/drawing/2014/main" id="{25331E59-BA3E-9710-1AE3-66433FA0D362}"/>
+              </a:ext>
+            </a:extLst>
+          </p:cNvPr>
+          <p:cNvSpPr txBox="1"/>
+          <p:nvPr/>
+        </p:nvSpPr>
+        <p:spPr>
+          <a:xfrm>
+            <a:off x="2231543" y="5394014"/>
+            <a:ext cx="1289290" cy="338554"/>
+          </a:xfrm>
+          <a:prstGeom prst="rect">
+            <a:avLst/>
+          </a:prstGeom>
+          <a:noFill/>
+          <a:ln>
+            <a:noFill/>
+          </a:ln>
+        </p:spPr>
+        <p:txBody>
+          <a:bodyPr wrap="square" rtlCol="0">
+            <a:spAutoFit/>
+          </a:bodyPr>
+          <a:lstStyle/>
+          <a:p>
+            <a:pPr algn="ctr"/>
+            <a:r>
+              <a:rPr lang="zh-TW" altLang="en-US" sz="1600" dirty="0"/>
+              <a:t>是否過閥值</a:t>
+            </a:r>
+          </a:p>
+        </p:txBody>
+      </p:sp>
+      <p:grpSp>
+        <p:nvGrpSpPr>
+          <p:cNvPr id="167" name="群組 166">
+            <a:extLst>
+              <a:ext uri="{FF2B5EF4-FFF2-40B4-BE49-F238E27FC236}">
+                <a16:creationId xmlns:a16="http://schemas.microsoft.com/office/drawing/2014/main" id="{28B98DFA-1FE0-BF83-95FE-8D9F24EB535A}"/>
+              </a:ext>
+            </a:extLst>
+          </p:cNvPr>
+          <p:cNvGrpSpPr/>
+          <p:nvPr/>
+        </p:nvGrpSpPr>
+        <p:grpSpPr>
+          <a:xfrm>
+            <a:off x="3772210" y="5332278"/>
+            <a:ext cx="1289290" cy="512792"/>
+            <a:chOff x="2080021" y="5750001"/>
+            <a:chExt cx="1289290" cy="530159"/>
+          </a:xfrm>
+        </p:grpSpPr>
+        <p:sp>
+          <p:nvSpPr>
+            <p:cNvPr id="155" name="矩形 154">
+              <a:extLst>
+                <a:ext uri="{FF2B5EF4-FFF2-40B4-BE49-F238E27FC236}">
+                  <a16:creationId xmlns:a16="http://schemas.microsoft.com/office/drawing/2014/main" id="{4ED21F3B-D76D-9FF1-744A-D7414912E9CA}"/>
+                </a:ext>
+              </a:extLst>
+            </p:cNvPr>
+            <p:cNvSpPr/>
+            <p:nvPr/>
+          </p:nvSpPr>
+          <p:spPr>
+            <a:xfrm>
+              <a:off x="2112956" y="5750001"/>
+              <a:ext cx="1246088" cy="530159"/>
+            </a:xfrm>
+            <a:prstGeom prst="rect">
+              <a:avLst/>
+            </a:prstGeom>
+            <a:noFill/>
+            <a:ln>
+              <a:solidFill>
+                <a:srgbClr val="002060"/>
+              </a:solidFill>
+            </a:ln>
+          </p:spPr>
+          <p:style>
+            <a:lnRef idx="2">
+              <a:schemeClr val="accent1">
+                <a:shade val="50000"/>
+              </a:schemeClr>
+            </a:lnRef>
+            <a:fillRef idx="1">
+              <a:schemeClr val="accent1"/>
+            </a:fillRef>
+            <a:effectRef idx="0">
+              <a:schemeClr val="accent1"/>
+            </a:effectRef>
+            <a:fontRef idx="minor">
+              <a:schemeClr val="lt1"/>
+            </a:fontRef>
+          </p:style>
+          <p:txBody>
+            <a:bodyPr rtlCol="0" anchor="ctr"/>
+            <a:lstStyle/>
+            <a:p>
+              <a:pPr algn="ctr"/>
+              <a:endParaRPr lang="zh-TW" altLang="en-US"/>
+            </a:p>
+          </p:txBody>
+        </p:sp>
+        <p:sp>
+          <p:nvSpPr>
+            <p:cNvPr id="156" name="文字方塊 155">
+              <a:extLst>
+                <a:ext uri="{FF2B5EF4-FFF2-40B4-BE49-F238E27FC236}">
+                  <a16:creationId xmlns:a16="http://schemas.microsoft.com/office/drawing/2014/main" id="{4ED0F9B4-E1BB-6AA9-AD7A-687D11ADE2B1}"/>
+                </a:ext>
+              </a:extLst>
+            </p:cNvPr>
+            <p:cNvSpPr txBox="1"/>
+            <p:nvPr/>
+          </p:nvSpPr>
+          <p:spPr>
+            <a:xfrm>
+              <a:off x="2080021" y="5865099"/>
+              <a:ext cx="1289290" cy="238831"/>
+            </a:xfrm>
+            <a:prstGeom prst="rect">
+              <a:avLst/>
+            </a:prstGeom>
+            <a:noFill/>
+            <a:ln>
+              <a:noFill/>
+            </a:ln>
+          </p:spPr>
+          <p:txBody>
+            <a:bodyPr wrap="square" rtlCol="0">
+              <a:spAutoFit/>
+            </a:bodyPr>
+            <a:lstStyle/>
+            <a:p>
+              <a:pPr algn="ctr"/>
+              <a:r>
+                <a:rPr lang="zh-TW" altLang="en-US" sz="1400" dirty="0"/>
+                <a:t>取</a:t>
+              </a:r>
+              <a:r>
+                <a:rPr lang="en-US" altLang="zh-TW" sz="1400" b="0" i="0" kern="1200" dirty="0" err="1">
+                  <a:solidFill>
+                    <a:schemeClr val="dk1"/>
+                  </a:solidFill>
+                  <a:effectLst/>
+                  <a:latin typeface="+mn-lt"/>
+                  <a:ea typeface="+mn-ea"/>
+                  <a:cs typeface="+mn-cs"/>
+                </a:rPr>
+                <a:t>num_result</a:t>
+              </a:r>
+              <a:endParaRPr lang="zh-TW" altLang="en-US" sz="1400" dirty="0"/>
+            </a:p>
+          </p:txBody>
+        </p:sp>
+      </p:grpSp>
+      <p:cxnSp>
+        <p:nvCxnSpPr>
+          <p:cNvPr id="163" name="直線單箭頭接點 162">
+            <a:extLst>
+              <a:ext uri="{FF2B5EF4-FFF2-40B4-BE49-F238E27FC236}">
+                <a16:creationId xmlns:a16="http://schemas.microsoft.com/office/drawing/2014/main" id="{837FFEC2-5A58-BC78-41D7-1E2C5EF33F82}"/>
+              </a:ext>
+            </a:extLst>
+          </p:cNvPr>
+          <p:cNvCxnSpPr>
+            <a:stCxn id="82" idx="3"/>
+            <a:endCxn id="154" idx="1"/>
+          </p:cNvCxnSpPr>
+          <p:nvPr/>
+        </p:nvCxnSpPr>
+        <p:spPr>
+          <a:xfrm flipV="1">
+            <a:off x="1859894" y="5563291"/>
+            <a:ext cx="371649" cy="9074"/>
+          </a:xfrm>
+          <a:prstGeom prst="straightConnector1">
+            <a:avLst/>
+          </a:prstGeom>
+          <a:ln>
+            <a:tailEnd type="triangle"/>
+          </a:ln>
+        </p:spPr>
+        <p:style>
+          <a:lnRef idx="2">
+            <a:schemeClr val="accent1"/>
+          </a:lnRef>
+          <a:fillRef idx="0">
+            <a:schemeClr val="accent1"/>
+          </a:fillRef>
+          <a:effectRef idx="1">
+            <a:schemeClr val="accent1"/>
+          </a:effectRef>
+          <a:fontRef idx="minor">
+            <a:schemeClr val="tx1"/>
+          </a:fontRef>
+        </p:style>
+      </p:cxnSp>
+      <p:sp>
+        <p:nvSpPr>
+          <p:cNvPr id="169" name="流程圖: 決策 168">
+            <a:extLst>
+              <a:ext uri="{FF2B5EF4-FFF2-40B4-BE49-F238E27FC236}">
+                <a16:creationId xmlns:a16="http://schemas.microsoft.com/office/drawing/2014/main" id="{AB36FA81-010B-60BA-A8A5-E426CDFC15A2}"/>
+              </a:ext>
+            </a:extLst>
+          </p:cNvPr>
+          <p:cNvSpPr/>
+          <p:nvPr/>
+        </p:nvSpPr>
+        <p:spPr>
+          <a:xfrm>
+            <a:off x="2242228" y="5185903"/>
+            <a:ext cx="1246088" cy="772923"/>
+          </a:xfrm>
+          <a:prstGeom prst="flowChartDecision">
+            <a:avLst/>
+          </a:prstGeom>
+          <a:noFill/>
+          <a:ln>
+            <a:solidFill>
+              <a:schemeClr val="tx1"/>
+            </a:solidFill>
+          </a:ln>
+        </p:spPr>
+        <p:style>
+          <a:lnRef idx="2">
+            <a:schemeClr val="accent1">
+              <a:shade val="15000"/>
+            </a:schemeClr>
+          </a:lnRef>
+          <a:fillRef idx="1">
+            <a:schemeClr val="accent1"/>
+          </a:fillRef>
+          <a:effectRef idx="0">
+            <a:schemeClr val="accent1"/>
+          </a:effectRef>
+          <a:fontRef idx="minor">
+            <a:schemeClr val="lt1"/>
+          </a:fontRef>
+        </p:style>
+        <p:txBody>
+          <a:bodyPr rtlCol="0" anchor="ctr"/>
+          <a:lstStyle/>
+          <a:p>
+            <a:pPr algn="ctr"/>
+            <a:endParaRPr lang="zh-TW" altLang="en-US"/>
+          </a:p>
+        </p:txBody>
+      </p:sp>
+      <p:cxnSp>
+        <p:nvCxnSpPr>
+          <p:cNvPr id="172" name="直線單箭頭接點 171">
+            <a:extLst>
+              <a:ext uri="{FF2B5EF4-FFF2-40B4-BE49-F238E27FC236}">
+                <a16:creationId xmlns:a16="http://schemas.microsoft.com/office/drawing/2014/main" id="{69370231-223B-A32A-D8C4-915FD738D845}"/>
+              </a:ext>
+            </a:extLst>
+          </p:cNvPr>
+          <p:cNvCxnSpPr>
+            <a:cxnSpLocks/>
+            <a:stCxn id="169" idx="3"/>
+            <a:endCxn id="156" idx="1"/>
+          </p:cNvCxnSpPr>
+          <p:nvPr/>
+        </p:nvCxnSpPr>
+        <p:spPr>
+          <a:xfrm flipV="1">
+            <a:off x="3488316" y="5559110"/>
+            <a:ext cx="283894" cy="13255"/>
+          </a:xfrm>
+          <a:prstGeom prst="straightConnector1">
+            <a:avLst/>
+          </a:prstGeom>
+          <a:ln>
+            <a:tailEnd type="triangle"/>
+          </a:ln>
+        </p:spPr>
+        <p:style>
+          <a:lnRef idx="2">
+            <a:schemeClr val="accent1"/>
+          </a:lnRef>
+          <a:fillRef idx="0">
+            <a:schemeClr val="accent1"/>
+          </a:fillRef>
+          <a:effectRef idx="1">
+            <a:schemeClr val="accent1"/>
+          </a:effectRef>
+          <a:fontRef idx="minor">
+            <a:schemeClr val="tx1"/>
+          </a:fontRef>
+        </p:style>
+      </p:cxnSp>
+      <p:cxnSp>
+        <p:nvCxnSpPr>
+          <p:cNvPr id="176" name="直線單箭頭接點 175">
+            <a:extLst>
+              <a:ext uri="{FF2B5EF4-FFF2-40B4-BE49-F238E27FC236}">
+                <a16:creationId xmlns:a16="http://schemas.microsoft.com/office/drawing/2014/main" id="{4F2B24E2-B4F3-9341-531B-FA549C90690D}"/>
+              </a:ext>
+            </a:extLst>
+          </p:cNvPr>
+          <p:cNvCxnSpPr>
+            <a:stCxn id="156" idx="3"/>
+            <a:endCxn id="77" idx="3"/>
+          </p:cNvCxnSpPr>
+          <p:nvPr/>
+        </p:nvCxnSpPr>
+        <p:spPr>
+          <a:xfrm flipV="1">
+            <a:off x="5061500" y="4968866"/>
+            <a:ext cx="442394" cy="590244"/>
+          </a:xfrm>
+          <a:prstGeom prst="straightConnector1">
+            <a:avLst/>
+          </a:prstGeom>
+          <a:ln>
+            <a:tailEnd type="triangle"/>
+          </a:ln>
+        </p:spPr>
+        <p:style>
+          <a:lnRef idx="2">
+            <a:schemeClr val="accent1"/>
+          </a:lnRef>
+          <a:fillRef idx="0">
+            <a:schemeClr val="accent1"/>
+          </a:fillRef>
+          <a:effectRef idx="1">
+            <a:schemeClr val="accent1"/>
+          </a:effectRef>
+          <a:fontRef idx="minor">
+            <a:schemeClr val="tx1"/>
+          </a:fontRef>
+        </p:style>
+      </p:cxnSp>
+      <p:cxnSp>
+        <p:nvCxnSpPr>
+          <p:cNvPr id="178" name="直線單箭頭接點 177">
+            <a:extLst>
+              <a:ext uri="{FF2B5EF4-FFF2-40B4-BE49-F238E27FC236}">
+                <a16:creationId xmlns:a16="http://schemas.microsoft.com/office/drawing/2014/main" id="{4AA97254-492B-F6DD-1748-61CCAE20D89D}"/>
+              </a:ext>
+            </a:extLst>
+          </p:cNvPr>
+          <p:cNvCxnSpPr>
+            <a:cxnSpLocks/>
+            <a:stCxn id="77" idx="3"/>
+            <a:endCxn id="106" idx="1"/>
+          </p:cNvCxnSpPr>
+          <p:nvPr/>
+        </p:nvCxnSpPr>
+        <p:spPr>
+          <a:xfrm>
+            <a:off x="5503894" y="4968866"/>
+            <a:ext cx="1439831" cy="0"/>
+          </a:xfrm>
+          <a:prstGeom prst="straightConnector1">
+            <a:avLst/>
+          </a:prstGeom>
+          <a:ln>
+            <a:tailEnd type="triangle"/>
+          </a:ln>
+        </p:spPr>
+        <p:style>
+          <a:lnRef idx="2">
+            <a:schemeClr val="accent1"/>
+          </a:lnRef>
+          <a:fillRef idx="0">
+            <a:schemeClr val="accent1"/>
+          </a:fillRef>
+          <a:effectRef idx="1">
+            <a:schemeClr val="accent1"/>
+          </a:effectRef>
+          <a:fontRef idx="minor">
+            <a:schemeClr val="tx1"/>
+          </a:fontRef>
+        </p:style>
+      </p:cxnSp>
+      <p:sp>
+        <p:nvSpPr>
+          <p:cNvPr id="199" name="矩形 198">
+            <a:extLst>
+              <a:ext uri="{FF2B5EF4-FFF2-40B4-BE49-F238E27FC236}">
+                <a16:creationId xmlns:a16="http://schemas.microsoft.com/office/drawing/2014/main" id="{9AE429EA-9B19-6A05-BFB1-6DA32C85F9BA}"/>
+              </a:ext>
+            </a:extLst>
+          </p:cNvPr>
+          <p:cNvSpPr/>
+          <p:nvPr/>
+        </p:nvSpPr>
+        <p:spPr>
+          <a:xfrm>
+            <a:off x="6683098" y="256790"/>
+            <a:ext cx="896289" cy="472220"/>
+          </a:xfrm>
+          <a:prstGeom prst="rect">
+            <a:avLst/>
+          </a:prstGeom>
+          <a:noFill/>
+          <a:ln>
+            <a:solidFill>
+              <a:srgbClr val="002060"/>
+            </a:solidFill>
+          </a:ln>
+        </p:spPr>
+        <p:style>
+          <a:lnRef idx="2">
+            <a:schemeClr val="accent1">
+              <a:shade val="50000"/>
+            </a:schemeClr>
+          </a:lnRef>
+          <a:fillRef idx="1">
+            <a:schemeClr val="accent1"/>
+          </a:fillRef>
+          <a:effectRef idx="0">
+            <a:schemeClr val="accent1"/>
+          </a:effectRef>
+          <a:fontRef idx="minor">
+            <a:schemeClr val="lt1"/>
+          </a:fontRef>
+        </p:style>
+        <p:txBody>
+          <a:bodyPr rtlCol="0" anchor="ctr"/>
+          <a:lstStyle/>
+          <a:p>
+            <a:pPr algn="ctr"/>
+            <a:endParaRPr lang="zh-TW" altLang="en-US" dirty="0"/>
+          </a:p>
+        </p:txBody>
+      </p:sp>
+      <p:cxnSp>
+        <p:nvCxnSpPr>
+          <p:cNvPr id="203" name="接點: 肘形 202">
+            <a:extLst>
+              <a:ext uri="{FF2B5EF4-FFF2-40B4-BE49-F238E27FC236}">
+                <a16:creationId xmlns:a16="http://schemas.microsoft.com/office/drawing/2014/main" id="{2CFB864E-9A5E-B444-C421-04546CE0A862}"/>
+              </a:ext>
+            </a:extLst>
+          </p:cNvPr>
+          <p:cNvCxnSpPr>
+            <a:cxnSpLocks/>
+            <a:stCxn id="27" idx="1"/>
+            <a:endCxn id="199" idx="1"/>
+          </p:cNvCxnSpPr>
+          <p:nvPr/>
+        </p:nvCxnSpPr>
+        <p:spPr>
+          <a:xfrm rot="10800000" flipH="1">
+            <a:off x="6143332" y="492900"/>
+            <a:ext cx="539766" cy="831892"/>
+          </a:xfrm>
+          <a:prstGeom prst="bentConnector3">
+            <a:avLst>
+              <a:gd name="adj1" fmla="val 39998"/>
+            </a:avLst>
+          </a:prstGeom>
+          <a:ln>
+            <a:tailEnd type="triangle"/>
+          </a:ln>
+        </p:spPr>
+        <p:style>
+          <a:lnRef idx="2">
+            <a:schemeClr val="accent1"/>
+          </a:lnRef>
+          <a:fillRef idx="0">
+            <a:schemeClr val="accent1"/>
+          </a:fillRef>
+          <a:effectRef idx="1">
+            <a:schemeClr val="accent1"/>
+          </a:effectRef>
+          <a:fontRef idx="minor">
+            <a:schemeClr val="tx1"/>
+          </a:fontRef>
+        </p:style>
+      </p:cxnSp>
+      <p:cxnSp>
+        <p:nvCxnSpPr>
+          <p:cNvPr id="207" name="直線單箭頭接點 206">
+            <a:extLst>
+              <a:ext uri="{FF2B5EF4-FFF2-40B4-BE49-F238E27FC236}">
+                <a16:creationId xmlns:a16="http://schemas.microsoft.com/office/drawing/2014/main" id="{EBEAA31A-C1CB-CFA4-14FC-F08E9AF43416}"/>
+              </a:ext>
+            </a:extLst>
+          </p:cNvPr>
+          <p:cNvCxnSpPr>
+            <a:cxnSpLocks/>
+            <a:stCxn id="199" idx="3"/>
+            <a:endCxn id="49" idx="1"/>
+          </p:cNvCxnSpPr>
+          <p:nvPr/>
+        </p:nvCxnSpPr>
+        <p:spPr>
+          <a:xfrm flipV="1">
+            <a:off x="7579387" y="489073"/>
+            <a:ext cx="421020" cy="3827"/>
+          </a:xfrm>
+          <a:prstGeom prst="straightConnector1">
+            <a:avLst/>
+          </a:prstGeom>
+          <a:ln>
+            <a:tailEnd type="triangle"/>
+          </a:ln>
+        </p:spPr>
+        <p:style>
+          <a:lnRef idx="2">
+            <a:schemeClr val="accent1"/>
+          </a:lnRef>
+          <a:fillRef idx="0">
+            <a:schemeClr val="accent1"/>
+          </a:fillRef>
+          <a:effectRef idx="1">
+            <a:schemeClr val="accent1"/>
+          </a:effectRef>
+          <a:fontRef idx="minor">
+            <a:schemeClr val="tx1"/>
+          </a:fontRef>
+        </p:style>
+      </p:cxnSp>
+      <p:sp>
+        <p:nvSpPr>
+          <p:cNvPr id="219" name="文字方塊 218">
+            <a:extLst>
+              <a:ext uri="{FF2B5EF4-FFF2-40B4-BE49-F238E27FC236}">
+                <a16:creationId xmlns:a16="http://schemas.microsoft.com/office/drawing/2014/main" id="{2971AE6D-F24F-4198-B344-FBCDF25C7253}"/>
+              </a:ext>
+            </a:extLst>
+          </p:cNvPr>
+          <p:cNvSpPr txBox="1"/>
+          <p:nvPr/>
+        </p:nvSpPr>
+        <p:spPr>
+          <a:xfrm>
+            <a:off x="2949217" y="754523"/>
+            <a:ext cx="1157666" cy="307777"/>
+          </a:xfrm>
+          <a:prstGeom prst="rect">
+            <a:avLst/>
+          </a:prstGeom>
+          <a:noFill/>
+        </p:spPr>
+        <p:txBody>
+          <a:bodyPr wrap="square">
+            <a:spAutoFit/>
+          </a:bodyPr>
+          <a:lstStyle/>
+          <a:p>
+            <a:pPr algn="ctr"/>
+            <a:r>
+              <a:rPr lang="en-US" altLang="zh-TW" sz="1400" dirty="0"/>
+              <a:t>frame(gray)</a:t>
+            </a:r>
+            <a:endParaRPr lang="zh-TW" altLang="en-US" sz="1400" dirty="0"/>
+          </a:p>
+        </p:txBody>
+      </p:sp>
+      <p:sp>
+        <p:nvSpPr>
+          <p:cNvPr id="221" name="文字方塊 220">
+            <a:extLst>
+              <a:ext uri="{FF2B5EF4-FFF2-40B4-BE49-F238E27FC236}">
+                <a16:creationId xmlns:a16="http://schemas.microsoft.com/office/drawing/2014/main" id="{E39BC265-C079-1050-334A-48234B530B41}"/>
+              </a:ext>
+            </a:extLst>
+          </p:cNvPr>
+          <p:cNvSpPr txBox="1"/>
+          <p:nvPr/>
+        </p:nvSpPr>
+        <p:spPr>
+          <a:xfrm>
+            <a:off x="5110029" y="951625"/>
+            <a:ext cx="1157666" cy="276999"/>
+          </a:xfrm>
+          <a:prstGeom prst="rect">
+            <a:avLst/>
+          </a:prstGeom>
+          <a:noFill/>
+        </p:spPr>
+        <p:txBody>
+          <a:bodyPr wrap="square">
+            <a:spAutoFit/>
+          </a:bodyPr>
+          <a:lstStyle/>
+          <a:p>
+            <a:r>
+              <a:rPr lang="en-US" altLang="zh-TW" sz="1200" dirty="0"/>
+              <a:t>frame(</a:t>
+            </a:r>
+            <a:r>
+              <a:rPr lang="zh-TW" altLang="en-US" sz="1200" dirty="0"/>
+              <a:t>黑跟白</a:t>
+            </a:r>
+            <a:r>
+              <a:rPr lang="en-US" altLang="zh-TW" sz="1200" dirty="0"/>
+              <a:t>)</a:t>
+            </a:r>
+            <a:endParaRPr lang="zh-TW" altLang="en-US" sz="1200" dirty="0"/>
+          </a:p>
+        </p:txBody>
+      </p:sp>
+      <p:sp>
+        <p:nvSpPr>
+          <p:cNvPr id="222" name="文字方塊 221">
+            <a:extLst>
+              <a:ext uri="{FF2B5EF4-FFF2-40B4-BE49-F238E27FC236}">
+                <a16:creationId xmlns:a16="http://schemas.microsoft.com/office/drawing/2014/main" id="{FE153C1A-B5F5-ACD1-88A6-76E303C6EB3C}"/>
+              </a:ext>
+            </a:extLst>
+          </p:cNvPr>
+          <p:cNvSpPr txBox="1"/>
+          <p:nvPr/>
+        </p:nvSpPr>
+        <p:spPr>
+          <a:xfrm>
+            <a:off x="2270508" y="5936725"/>
+            <a:ext cx="1157666" cy="461665"/>
+          </a:xfrm>
+          <a:prstGeom prst="rect">
+            <a:avLst/>
+          </a:prstGeom>
+          <a:noFill/>
+        </p:spPr>
+        <p:txBody>
+          <a:bodyPr wrap="square">
+            <a:spAutoFit/>
+          </a:bodyPr>
+          <a:lstStyle/>
+          <a:p>
+            <a:pPr algn="ctr"/>
+            <a:r>
+              <a:rPr lang="en-US" altLang="zh-TW" sz="1200" b="0" i="0" kern="1200" dirty="0">
+                <a:solidFill>
+                  <a:schemeClr val="dk1"/>
+                </a:solidFill>
+                <a:effectLst/>
+                <a:latin typeface="+mn-lt"/>
+                <a:ea typeface="+mn-ea"/>
+                <a:cs typeface="+mn-cs"/>
+              </a:rPr>
+              <a:t>Threshold = </a:t>
+            </a:r>
+            <a:r>
+              <a:rPr lang="en-US" altLang="zh-TW" sz="1200" dirty="0">
+                <a:solidFill>
+                  <a:srgbClr val="FF0000"/>
+                </a:solidFill>
+              </a:rPr>
+              <a:t>5000</a:t>
+            </a:r>
+            <a:endParaRPr lang="zh-TW" altLang="en-US" sz="1200" dirty="0">
+              <a:solidFill>
+                <a:srgbClr val="FF0000"/>
+              </a:solidFill>
+            </a:endParaRPr>
+          </a:p>
+        </p:txBody>
+      </p:sp>
+      <p:cxnSp>
+        <p:nvCxnSpPr>
+          <p:cNvPr id="232" name="直線單箭頭接點 231">
+            <a:extLst>
+              <a:ext uri="{FF2B5EF4-FFF2-40B4-BE49-F238E27FC236}">
+                <a16:creationId xmlns:a16="http://schemas.microsoft.com/office/drawing/2014/main" id="{FA2484CA-1CDA-AAD1-A8BB-DFF63626DC29}"/>
+              </a:ext>
+            </a:extLst>
+          </p:cNvPr>
+          <p:cNvCxnSpPr>
+            <a:stCxn id="77" idx="1"/>
+            <a:endCxn id="81" idx="1"/>
+          </p:cNvCxnSpPr>
+          <p:nvPr/>
+        </p:nvCxnSpPr>
+        <p:spPr>
+          <a:xfrm flipV="1">
+            <a:off x="584676" y="4157236"/>
+            <a:ext cx="664064" cy="811630"/>
+          </a:xfrm>
+          <a:prstGeom prst="straightConnector1">
+            <a:avLst/>
+          </a:prstGeom>
+          <a:ln>
+            <a:tailEnd type="triangle"/>
+          </a:ln>
+        </p:spPr>
+        <p:style>
+          <a:lnRef idx="2">
+            <a:schemeClr val="accent1"/>
+          </a:lnRef>
+          <a:fillRef idx="0">
+            <a:schemeClr val="accent1"/>
+          </a:fillRef>
+          <a:effectRef idx="1">
+            <a:schemeClr val="accent1"/>
+          </a:effectRef>
+          <a:fontRef idx="minor">
+            <a:schemeClr val="tx1"/>
+          </a:fontRef>
+        </p:style>
+      </p:cxnSp>
+      <p:sp>
+        <p:nvSpPr>
+          <p:cNvPr id="234" name="文字方塊 233">
+            <a:extLst>
+              <a:ext uri="{FF2B5EF4-FFF2-40B4-BE49-F238E27FC236}">
+                <a16:creationId xmlns:a16="http://schemas.microsoft.com/office/drawing/2014/main" id="{A0A2B6B4-36A8-63B5-A589-E86ED892C3F2}"/>
+              </a:ext>
+            </a:extLst>
+          </p:cNvPr>
+          <p:cNvSpPr txBox="1"/>
+          <p:nvPr/>
+        </p:nvSpPr>
+        <p:spPr>
+          <a:xfrm>
+            <a:off x="1082513" y="3528541"/>
+            <a:ext cx="1587043" cy="307777"/>
+          </a:xfrm>
+          <a:prstGeom prst="rect">
+            <a:avLst/>
+          </a:prstGeom>
+          <a:noFill/>
+        </p:spPr>
+        <p:txBody>
+          <a:bodyPr wrap="square">
+            <a:spAutoFit/>
+          </a:bodyPr>
+          <a:lstStyle/>
+          <a:p>
+            <a:r>
+              <a:rPr lang="zh-TW" altLang="en-US" sz="1400" dirty="0"/>
+              <a:t>花色或數字圖像</a:t>
+            </a:r>
+          </a:p>
+        </p:txBody>
+      </p:sp>
+      <p:sp>
+        <p:nvSpPr>
+          <p:cNvPr id="236" name="文字方塊 235">
+            <a:extLst>
+              <a:ext uri="{FF2B5EF4-FFF2-40B4-BE49-F238E27FC236}">
+                <a16:creationId xmlns:a16="http://schemas.microsoft.com/office/drawing/2014/main" id="{BF2770B6-24D2-7527-C36A-6963BC25AF5B}"/>
+              </a:ext>
+            </a:extLst>
+          </p:cNvPr>
+          <p:cNvSpPr txBox="1"/>
+          <p:nvPr/>
+        </p:nvSpPr>
+        <p:spPr>
+          <a:xfrm>
+            <a:off x="3590978" y="6005161"/>
+            <a:ext cx="1638300" cy="276999"/>
+          </a:xfrm>
+          <a:prstGeom prst="rect">
+            <a:avLst/>
+          </a:prstGeom>
+          <a:noFill/>
+        </p:spPr>
+        <p:txBody>
+          <a:bodyPr wrap="square">
+            <a:spAutoFit/>
+          </a:bodyPr>
+          <a:lstStyle/>
+          <a:p>
+            <a:r>
+              <a:rPr lang="en-US" altLang="zh-TW" sz="1200" b="0" i="0" kern="1200" dirty="0">
+                <a:solidFill>
+                  <a:schemeClr val="dk1"/>
+                </a:solidFill>
+                <a:effectLst/>
+                <a:latin typeface="+mn-lt"/>
+                <a:ea typeface="+mn-ea"/>
+                <a:cs typeface="+mn-cs"/>
+              </a:rPr>
+              <a:t>if min</a:t>
+            </a:r>
+            <a:r>
+              <a:rPr lang="en-US" altLang="zh-TW" sz="1200" dirty="0">
+                <a:solidFill>
+                  <a:schemeClr val="dk1"/>
+                </a:solidFill>
+              </a:rPr>
+              <a:t> </a:t>
+            </a:r>
+            <a:r>
+              <a:rPr lang="en-US" altLang="zh-TW" sz="1200" b="0" i="0" kern="1200" dirty="0">
+                <a:solidFill>
+                  <a:schemeClr val="dk1"/>
+                </a:solidFill>
+                <a:effectLst/>
+                <a:latin typeface="+mn-lt"/>
+                <a:ea typeface="+mn-ea"/>
+                <a:cs typeface="+mn-cs"/>
+              </a:rPr>
+              <a:t>diff &lt; threshold</a:t>
+            </a:r>
+            <a:endParaRPr lang="zh-TW" altLang="en-US" sz="1200" dirty="0"/>
+          </a:p>
+        </p:txBody>
+      </p:sp>
+      <p:sp>
+        <p:nvSpPr>
+          <p:cNvPr id="238" name="文字方塊 237">
+            <a:extLst>
+              <a:ext uri="{FF2B5EF4-FFF2-40B4-BE49-F238E27FC236}">
+                <a16:creationId xmlns:a16="http://schemas.microsoft.com/office/drawing/2014/main" id="{335DFDD3-2BDD-6415-46E2-B68B8143F02F}"/>
+              </a:ext>
+            </a:extLst>
+          </p:cNvPr>
+          <p:cNvSpPr txBox="1"/>
+          <p:nvPr/>
+        </p:nvSpPr>
+        <p:spPr>
+          <a:xfrm>
+            <a:off x="7684377" y="2579336"/>
+            <a:ext cx="2646423" cy="307777"/>
+          </a:xfrm>
+          <a:prstGeom prst="rect">
+            <a:avLst/>
+          </a:prstGeom>
+          <a:noFill/>
+        </p:spPr>
+        <p:txBody>
+          <a:bodyPr wrap="square">
+            <a:spAutoFit/>
+          </a:bodyPr>
+          <a:lstStyle/>
+          <a:p>
+            <a:pPr algn="ctr"/>
+            <a:r>
+              <a:rPr lang="zh-TW" altLang="en-US" sz="1400" dirty="0"/>
+              <a:t>分割</a:t>
+            </a:r>
+            <a:r>
+              <a:rPr lang="en-US" altLang="zh-TW" sz="1400" dirty="0"/>
+              <a:t>poker</a:t>
+            </a:r>
+            <a:endParaRPr lang="zh-TW" altLang="en-US" sz="1400" dirty="0"/>
+          </a:p>
+        </p:txBody>
+      </p:sp>
+      <p:sp>
+        <p:nvSpPr>
+          <p:cNvPr id="89" name="文字方塊 220">
+            <a:extLst>
+              <a:ext uri="{FF2B5EF4-FFF2-40B4-BE49-F238E27FC236}">
+                <a16:creationId xmlns:a16="http://schemas.microsoft.com/office/drawing/2014/main" id="{83141871-A452-47E8-B6AC-B415E852E969}"/>
+              </a:ext>
+            </a:extLst>
+          </p:cNvPr>
+          <p:cNvSpPr txBox="1"/>
+          <p:nvPr/>
+        </p:nvSpPr>
+        <p:spPr>
+          <a:xfrm>
+            <a:off x="7531419" y="188431"/>
+            <a:ext cx="1157666" cy="276999"/>
+          </a:xfrm>
+          <a:prstGeom prst="rect">
+            <a:avLst/>
+          </a:prstGeom>
+          <a:noFill/>
+        </p:spPr>
+        <p:txBody>
+          <a:bodyPr wrap="square">
+            <a:spAutoFit/>
+          </a:bodyPr>
+          <a:lstStyle/>
+          <a:p>
+            <a:r>
+              <a:rPr lang="zh-TW" altLang="en-US" sz="1200" dirty="0"/>
+              <a:t>輪廓</a:t>
+            </a:r>
+            <a:r>
+              <a:rPr lang="en-US" altLang="zh-TW" sz="1200" dirty="0"/>
+              <a:t>array</a:t>
+            </a:r>
+            <a:endParaRPr lang="zh-TW" altLang="en-US" sz="1200" dirty="0"/>
+          </a:p>
+        </p:txBody>
+      </p:sp>
+      <p:sp>
+        <p:nvSpPr>
+          <p:cNvPr id="90" name="文字方塊 220">
+            <a:extLst>
+              <a:ext uri="{FF2B5EF4-FFF2-40B4-BE49-F238E27FC236}">
+                <a16:creationId xmlns:a16="http://schemas.microsoft.com/office/drawing/2014/main" id="{1C732FD3-7567-4BAA-9654-BC3368BBA4BC}"/>
+              </a:ext>
+            </a:extLst>
+          </p:cNvPr>
+          <p:cNvSpPr txBox="1"/>
+          <p:nvPr/>
+        </p:nvSpPr>
+        <p:spPr>
+          <a:xfrm>
+            <a:off x="8896732" y="168201"/>
+            <a:ext cx="1157666" cy="276999"/>
+          </a:xfrm>
+          <a:prstGeom prst="rect">
+            <a:avLst/>
+          </a:prstGeom>
+          <a:noFill/>
+        </p:spPr>
+        <p:txBody>
+          <a:bodyPr wrap="square">
+            <a:spAutoFit/>
+          </a:bodyPr>
+          <a:lstStyle/>
+          <a:p>
+            <a:r>
+              <a:rPr lang="zh-TW" altLang="en-US" sz="1200" dirty="0"/>
+              <a:t>面積</a:t>
+            </a:r>
+            <a:r>
+              <a:rPr lang="en-US" altLang="zh-TW" sz="1200" dirty="0"/>
+              <a:t>array</a:t>
+            </a:r>
+            <a:endParaRPr lang="zh-TW" altLang="en-US" sz="1200" dirty="0"/>
+          </a:p>
+        </p:txBody>
+      </p:sp>
+      <p:cxnSp>
+        <p:nvCxnSpPr>
+          <p:cNvPr id="107" name="直線單箭頭接點 67">
+            <a:extLst>
+              <a:ext uri="{FF2B5EF4-FFF2-40B4-BE49-F238E27FC236}">
+                <a16:creationId xmlns:a16="http://schemas.microsoft.com/office/drawing/2014/main" id="{8691DC59-15E3-4735-AA1C-5DA75B951A18}"/>
+              </a:ext>
+            </a:extLst>
+          </p:cNvPr>
+          <p:cNvCxnSpPr>
+            <a:cxnSpLocks/>
+            <a:stCxn id="47" idx="3"/>
+            <a:endCxn id="41" idx="1"/>
+          </p:cNvCxnSpPr>
+          <p:nvPr/>
+        </p:nvCxnSpPr>
+        <p:spPr>
+          <a:xfrm flipV="1">
+            <a:off x="7909888" y="1503231"/>
+            <a:ext cx="296979" cy="2282"/>
+          </a:xfrm>
+          <a:prstGeom prst="straightConnector1">
+            <a:avLst/>
+          </a:prstGeom>
+          <a:ln>
+            <a:tailEnd type="triangle"/>
+          </a:ln>
+        </p:spPr>
+        <p:style>
+          <a:lnRef idx="2">
+            <a:schemeClr val="accent1"/>
+          </a:lnRef>
+          <a:fillRef idx="0">
+            <a:schemeClr val="accent1"/>
+          </a:fillRef>
+          <a:effectRef idx="1">
+            <a:schemeClr val="accent1"/>
+          </a:effectRef>
+          <a:fontRef idx="minor">
+            <a:schemeClr val="tx1"/>
+          </a:fontRef>
+        </p:style>
+      </p:cxnSp>
+      <p:cxnSp>
+        <p:nvCxnSpPr>
+          <p:cNvPr id="118" name="接點: 肘形 213">
+            <a:extLst>
+              <a:ext uri="{FF2B5EF4-FFF2-40B4-BE49-F238E27FC236}">
+                <a16:creationId xmlns:a16="http://schemas.microsoft.com/office/drawing/2014/main" id="{A900248C-1565-4668-856E-B3930C9D3764}"/>
+              </a:ext>
+            </a:extLst>
+          </p:cNvPr>
+          <p:cNvCxnSpPr>
+            <a:cxnSpLocks/>
+            <a:stCxn id="52" idx="3"/>
+            <a:endCxn id="47" idx="1"/>
+          </p:cNvCxnSpPr>
+          <p:nvPr/>
+        </p:nvCxnSpPr>
+        <p:spPr>
+          <a:xfrm flipH="1">
+            <a:off x="6819198" y="502035"/>
+            <a:ext cx="4383605" cy="1003478"/>
+          </a:xfrm>
+          <a:prstGeom prst="bentConnector5">
+            <a:avLst>
+              <a:gd name="adj1" fmla="val -5215"/>
+              <a:gd name="adj2" fmla="val 52583"/>
+              <a:gd name="adj3" fmla="val 105215"/>
+            </a:avLst>
+          </a:prstGeom>
+          <a:ln>
+            <a:tailEnd type="triangle"/>
+          </a:ln>
+        </p:spPr>
+        <p:style>
+          <a:lnRef idx="2">
+            <a:schemeClr val="accent1"/>
+          </a:lnRef>
+          <a:fillRef idx="0">
+            <a:schemeClr val="accent1"/>
+          </a:fillRef>
+          <a:effectRef idx="1">
+            <a:schemeClr val="accent1"/>
+          </a:effectRef>
+          <a:fontRef idx="minor">
+            <a:schemeClr val="tx1"/>
+          </a:fontRef>
+        </p:style>
+      </p:cxnSp>
+      <p:cxnSp>
+        <p:nvCxnSpPr>
+          <p:cNvPr id="121" name="直線單箭頭接點 67">
+            <a:extLst>
+              <a:ext uri="{FF2B5EF4-FFF2-40B4-BE49-F238E27FC236}">
+                <a16:creationId xmlns:a16="http://schemas.microsoft.com/office/drawing/2014/main" id="{075EE3AE-7AB3-43E4-AAC5-14210B3A563F}"/>
+              </a:ext>
+            </a:extLst>
+          </p:cNvPr>
+          <p:cNvCxnSpPr>
+            <a:cxnSpLocks/>
+            <a:stCxn id="41" idx="3"/>
+            <a:endCxn id="45" idx="1"/>
+          </p:cNvCxnSpPr>
+          <p:nvPr/>
+        </p:nvCxnSpPr>
+        <p:spPr>
+          <a:xfrm>
+            <a:off x="9445840" y="1503231"/>
+            <a:ext cx="528686" cy="3147"/>
+          </a:xfrm>
+          <a:prstGeom prst="straightConnector1">
+            <a:avLst/>
+          </a:prstGeom>
+          <a:ln>
+            <a:tailEnd type="triangle"/>
+          </a:ln>
+        </p:spPr>
+        <p:style>
+          <a:lnRef idx="2">
+            <a:schemeClr val="accent1"/>
+          </a:lnRef>
+          <a:fillRef idx="0">
+            <a:schemeClr val="accent1"/>
+          </a:fillRef>
+          <a:effectRef idx="1">
+            <a:schemeClr val="accent1"/>
+          </a:effectRef>
+          <a:fontRef idx="minor">
+            <a:schemeClr val="tx1"/>
+          </a:fontRef>
+        </p:style>
+      </p:cxnSp>
+      <p:cxnSp>
+        <p:nvCxnSpPr>
+          <p:cNvPr id="124" name="直線單箭頭接點 67">
+            <a:extLst>
+              <a:ext uri="{FF2B5EF4-FFF2-40B4-BE49-F238E27FC236}">
+                <a16:creationId xmlns:a16="http://schemas.microsoft.com/office/drawing/2014/main" id="{9B65E80B-FBBA-4E96-8913-77DBD38E2F61}"/>
+              </a:ext>
+            </a:extLst>
+          </p:cNvPr>
+          <p:cNvCxnSpPr>
+            <a:cxnSpLocks/>
+            <a:stCxn id="49" idx="3"/>
+            <a:endCxn id="52" idx="1"/>
+          </p:cNvCxnSpPr>
+          <p:nvPr/>
+        </p:nvCxnSpPr>
+        <p:spPr>
+          <a:xfrm>
+            <a:off x="9007589" y="489073"/>
+            <a:ext cx="757435" cy="12962"/>
+          </a:xfrm>
+          <a:prstGeom prst="straightConnector1">
+            <a:avLst/>
+          </a:prstGeom>
+          <a:ln>
+            <a:tailEnd type="triangle"/>
+          </a:ln>
+        </p:spPr>
+        <p:style>
+          <a:lnRef idx="2">
+            <a:schemeClr val="accent1"/>
+          </a:lnRef>
+          <a:fillRef idx="0">
+            <a:schemeClr val="accent1"/>
+          </a:fillRef>
+          <a:effectRef idx="1">
+            <a:schemeClr val="accent1"/>
+          </a:effectRef>
+          <a:fontRef idx="minor">
+            <a:schemeClr val="tx1"/>
+          </a:fontRef>
+        </p:style>
+      </p:cxnSp>
+      <p:cxnSp>
+        <p:nvCxnSpPr>
+          <p:cNvPr id="127" name="接點: 肘形 213">
+            <a:extLst>
+              <a:ext uri="{FF2B5EF4-FFF2-40B4-BE49-F238E27FC236}">
+                <a16:creationId xmlns:a16="http://schemas.microsoft.com/office/drawing/2014/main" id="{C400DCD3-D109-4D6E-B0E9-BE5D1FF8BCB8}"/>
+              </a:ext>
+            </a:extLst>
+          </p:cNvPr>
+          <p:cNvCxnSpPr>
+            <a:cxnSpLocks/>
+            <a:stCxn id="45" idx="3"/>
+            <a:endCxn id="27" idx="3"/>
+          </p:cNvCxnSpPr>
+          <p:nvPr/>
+        </p:nvCxnSpPr>
+        <p:spPr>
+          <a:xfrm flipV="1">
+            <a:off x="11220614" y="1324792"/>
+            <a:ext cx="603624" cy="181586"/>
+          </a:xfrm>
+          <a:prstGeom prst="bentConnector3">
+            <a:avLst>
+              <a:gd name="adj1" fmla="val 47927"/>
+            </a:avLst>
+          </a:prstGeom>
+          <a:ln>
+            <a:tailEnd type="triangle"/>
+          </a:ln>
+        </p:spPr>
+        <p:style>
+          <a:lnRef idx="2">
+            <a:schemeClr val="accent1"/>
+          </a:lnRef>
+          <a:fillRef idx="0">
+            <a:schemeClr val="accent1"/>
+          </a:fillRef>
+          <a:effectRef idx="1">
+            <a:schemeClr val="accent1"/>
+          </a:effectRef>
+          <a:fontRef idx="minor">
+            <a:schemeClr val="tx1"/>
+          </a:fontRef>
+        </p:style>
+      </p:cxnSp>
+      <p:sp>
+        <p:nvSpPr>
+          <p:cNvPr id="131" name="文字方塊 220">
+            <a:extLst>
+              <a:ext uri="{FF2B5EF4-FFF2-40B4-BE49-F238E27FC236}">
+                <a16:creationId xmlns:a16="http://schemas.microsoft.com/office/drawing/2014/main" id="{43A43941-791E-4007-A236-48F14EA0C9F6}"/>
+              </a:ext>
+            </a:extLst>
+          </p:cNvPr>
+          <p:cNvSpPr txBox="1"/>
+          <p:nvPr/>
+        </p:nvSpPr>
+        <p:spPr>
+          <a:xfrm>
+            <a:off x="11087592" y="225035"/>
+            <a:ext cx="1157666" cy="276999"/>
+          </a:xfrm>
+          <a:prstGeom prst="rect">
+            <a:avLst/>
+          </a:prstGeom>
+          <a:noFill/>
+        </p:spPr>
+        <p:txBody>
+          <a:bodyPr wrap="square">
+            <a:spAutoFit/>
+          </a:bodyPr>
+          <a:lstStyle/>
+          <a:p>
+            <a:r>
+              <a:rPr lang="zh-TW" altLang="en-US" sz="1200" dirty="0"/>
+              <a:t>邊角</a:t>
+            </a:r>
+            <a:r>
+              <a:rPr lang="en-US" altLang="zh-TW" sz="1200" dirty="0"/>
+              <a:t>array</a:t>
+            </a:r>
+            <a:endParaRPr lang="zh-TW" altLang="en-US" sz="1200" dirty="0"/>
+          </a:p>
+        </p:txBody>
+      </p:sp>
+      <p:sp>
+        <p:nvSpPr>
+          <p:cNvPr id="132" name="文字方塊 220">
+            <a:extLst>
+              <a:ext uri="{FF2B5EF4-FFF2-40B4-BE49-F238E27FC236}">
+                <a16:creationId xmlns:a16="http://schemas.microsoft.com/office/drawing/2014/main" id="{A4005678-3FFE-4982-ACCB-385AD416EA68}"/>
+              </a:ext>
+            </a:extLst>
+          </p:cNvPr>
+          <p:cNvSpPr txBox="1"/>
+          <p:nvPr/>
+        </p:nvSpPr>
+        <p:spPr>
+          <a:xfrm>
+            <a:off x="7800065" y="1672931"/>
+            <a:ext cx="1157666" cy="276999"/>
+          </a:xfrm>
+          <a:prstGeom prst="rect">
+            <a:avLst/>
+          </a:prstGeom>
+          <a:noFill/>
+        </p:spPr>
+        <p:txBody>
+          <a:bodyPr wrap="square">
+            <a:spAutoFit/>
+          </a:bodyPr>
+          <a:lstStyle/>
+          <a:p>
+            <a:r>
+              <a:rPr lang="zh-TW" altLang="en-US" sz="1200" dirty="0"/>
+              <a:t>卡片影像</a:t>
+            </a:r>
+          </a:p>
+        </p:txBody>
+      </p:sp>
+      <p:sp>
+        <p:nvSpPr>
+          <p:cNvPr id="133" name="文字方塊 220">
+            <a:extLst>
+              <a:ext uri="{FF2B5EF4-FFF2-40B4-BE49-F238E27FC236}">
+                <a16:creationId xmlns:a16="http://schemas.microsoft.com/office/drawing/2014/main" id="{01E255A6-2E55-43B8-80E0-4A637AF298A1}"/>
+              </a:ext>
+            </a:extLst>
+          </p:cNvPr>
+          <p:cNvSpPr txBox="1"/>
+          <p:nvPr/>
+        </p:nvSpPr>
+        <p:spPr>
+          <a:xfrm>
+            <a:off x="8906678" y="1825161"/>
+            <a:ext cx="1666484" cy="276999"/>
+          </a:xfrm>
+          <a:prstGeom prst="rect">
+            <a:avLst/>
+          </a:prstGeom>
+          <a:noFill/>
+        </p:spPr>
+        <p:txBody>
+          <a:bodyPr wrap="square">
+            <a:spAutoFit/>
+          </a:bodyPr>
+          <a:lstStyle/>
+          <a:p>
+            <a:r>
+              <a:rPr lang="zh-TW" altLang="en-US" sz="1200" dirty="0"/>
+              <a:t>卡片影響</a:t>
+            </a:r>
+            <a:r>
+              <a:rPr lang="en-US" altLang="zh-TW" sz="1200" dirty="0"/>
+              <a:t>[</a:t>
+            </a:r>
+            <a:r>
+              <a:rPr lang="en-US" altLang="zh-TW" sz="1200" dirty="0" err="1"/>
+              <a:t>y:y+h,x:x+w</a:t>
+            </a:r>
+            <a:r>
+              <a:rPr lang="en-US" altLang="zh-TW" sz="1200" dirty="0"/>
+              <a:t>]</a:t>
+            </a:r>
+            <a:endParaRPr lang="zh-TW" altLang="en-US" sz="1200" dirty="0"/>
+          </a:p>
+        </p:txBody>
+      </p:sp>
+      <p:sp>
+        <p:nvSpPr>
+          <p:cNvPr id="134" name="文字方塊 220">
+            <a:extLst>
+              <a:ext uri="{FF2B5EF4-FFF2-40B4-BE49-F238E27FC236}">
+                <a16:creationId xmlns:a16="http://schemas.microsoft.com/office/drawing/2014/main" id="{2DD54EE1-BCF1-45C8-B0A1-074113C18324}"/>
+              </a:ext>
+            </a:extLst>
+          </p:cNvPr>
+          <p:cNvSpPr txBox="1"/>
+          <p:nvPr/>
+        </p:nvSpPr>
+        <p:spPr>
+          <a:xfrm>
+            <a:off x="11004935" y="1789500"/>
+            <a:ext cx="932738" cy="461665"/>
+          </a:xfrm>
+          <a:prstGeom prst="rect">
+            <a:avLst/>
+          </a:prstGeom>
+          <a:noFill/>
+        </p:spPr>
+        <p:txBody>
+          <a:bodyPr wrap="square">
+            <a:spAutoFit/>
+          </a:bodyPr>
+          <a:lstStyle/>
+          <a:p>
+            <a:r>
+              <a:rPr lang="zh-TW" altLang="en-US" sz="1200" dirty="0"/>
+              <a:t>花色影像</a:t>
+            </a:r>
+            <a:r>
+              <a:rPr lang="en-US" altLang="zh-TW" sz="1200" dirty="0"/>
+              <a:t>,</a:t>
+            </a:r>
+          </a:p>
+          <a:p>
+            <a:r>
+              <a:rPr lang="zh-TW" altLang="en-US" sz="1200" dirty="0"/>
+              <a:t>數字影像</a:t>
+            </a:r>
+          </a:p>
+        </p:txBody>
+      </p:sp>
+      <p:sp>
+        <p:nvSpPr>
+          <p:cNvPr id="135" name="文字方塊 220">
+            <a:extLst>
+              <a:ext uri="{FF2B5EF4-FFF2-40B4-BE49-F238E27FC236}">
+                <a16:creationId xmlns:a16="http://schemas.microsoft.com/office/drawing/2014/main" id="{D9C3C4C9-72B8-4260-AC53-1096286B372E}"/>
+              </a:ext>
+            </a:extLst>
+          </p:cNvPr>
+          <p:cNvSpPr txBox="1"/>
+          <p:nvPr/>
+        </p:nvSpPr>
+        <p:spPr>
+          <a:xfrm>
+            <a:off x="1082513" y="4676002"/>
+            <a:ext cx="932738" cy="276999"/>
+          </a:xfrm>
+          <a:prstGeom prst="rect">
+            <a:avLst/>
+          </a:prstGeom>
+          <a:noFill/>
+        </p:spPr>
+        <p:txBody>
+          <a:bodyPr wrap="square">
+            <a:spAutoFit/>
+          </a:bodyPr>
+          <a:lstStyle/>
+          <a:p>
+            <a:r>
+              <a:rPr lang="fr-FR" altLang="zh-TW" sz="1200" b="0" i="0" kern="1200" dirty="0" err="1">
+                <a:solidFill>
+                  <a:schemeClr val="dk1"/>
+                </a:solidFill>
+                <a:effectLst/>
+                <a:latin typeface="+mn-lt"/>
+                <a:ea typeface="+mn-ea"/>
+                <a:cs typeface="+mn-cs"/>
+              </a:rPr>
+              <a:t>min_diff</a:t>
+            </a:r>
+            <a:r>
+              <a:rPr lang="fr-FR" altLang="zh-TW" sz="1200" b="0" i="0" kern="1200" dirty="0">
+                <a:solidFill>
+                  <a:schemeClr val="dk1"/>
+                </a:solidFill>
+                <a:effectLst/>
+                <a:latin typeface="+mn-lt"/>
+                <a:ea typeface="+mn-ea"/>
+                <a:cs typeface="+mn-cs"/>
+              </a:rPr>
+              <a:t> </a:t>
+            </a:r>
+            <a:endParaRPr lang="zh-TW" altLang="en-US" sz="1200" dirty="0"/>
+          </a:p>
+        </p:txBody>
+      </p:sp>
+      <p:grpSp>
+        <p:nvGrpSpPr>
+          <p:cNvPr id="151" name="群組 41">
+            <a:extLst>
+              <a:ext uri="{FF2B5EF4-FFF2-40B4-BE49-F238E27FC236}">
+                <a16:creationId xmlns:a16="http://schemas.microsoft.com/office/drawing/2014/main" id="{EB554545-1A52-4D39-ADBE-87D27CDFC62F}"/>
+              </a:ext>
+            </a:extLst>
+          </p:cNvPr>
+          <p:cNvGrpSpPr/>
+          <p:nvPr/>
+        </p:nvGrpSpPr>
+        <p:grpSpPr>
+          <a:xfrm>
+            <a:off x="7070194" y="4576019"/>
+            <a:ext cx="1287440" cy="687776"/>
+            <a:chOff x="7963016" y="122226"/>
+            <a:chExt cx="1090690" cy="687776"/>
+          </a:xfrm>
+        </p:grpSpPr>
+        <p:sp>
+          <p:nvSpPr>
+            <p:cNvPr id="152" name="矩形 45">
+              <a:extLst>
+                <a:ext uri="{FF2B5EF4-FFF2-40B4-BE49-F238E27FC236}">
+                  <a16:creationId xmlns:a16="http://schemas.microsoft.com/office/drawing/2014/main" id="{B342350E-C4A2-4163-B6D5-791748AE5695}"/>
+                </a:ext>
+              </a:extLst>
+            </p:cNvPr>
+            <p:cNvSpPr/>
+            <p:nvPr/>
+          </p:nvSpPr>
+          <p:spPr>
+            <a:xfrm>
+              <a:off x="7986243" y="122226"/>
+              <a:ext cx="1007182" cy="582642"/>
+            </a:xfrm>
+            <a:prstGeom prst="rect">
+              <a:avLst/>
+            </a:prstGeom>
+            <a:noFill/>
+            <a:ln>
+              <a:solidFill>
+                <a:srgbClr val="002060"/>
+              </a:solidFill>
+            </a:ln>
+          </p:spPr>
+          <p:style>
+            <a:lnRef idx="2">
+              <a:schemeClr val="accent1">
+                <a:shade val="50000"/>
+              </a:schemeClr>
+            </a:lnRef>
+            <a:fillRef idx="1">
+              <a:schemeClr val="accent1"/>
+            </a:fillRef>
+            <a:effectRef idx="0">
+              <a:schemeClr val="accent1"/>
+            </a:effectRef>
+            <a:fontRef idx="minor">
+              <a:schemeClr val="lt1"/>
+            </a:fontRef>
+          </p:style>
+          <p:txBody>
+            <a:bodyPr rtlCol="0" anchor="ctr"/>
+            <a:lstStyle/>
+            <a:p>
+              <a:pPr algn="ctr"/>
+              <a:endParaRPr lang="zh-TW" altLang="en-US"/>
+            </a:p>
+          </p:txBody>
+        </p:sp>
+        <p:sp>
+          <p:nvSpPr>
+            <p:cNvPr id="153" name="文字方塊 46">
+              <a:extLst>
+                <a:ext uri="{FF2B5EF4-FFF2-40B4-BE49-F238E27FC236}">
+                  <a16:creationId xmlns:a16="http://schemas.microsoft.com/office/drawing/2014/main" id="{BC36F91E-15A1-4C4D-9AE6-FC19A17F4E12}"/>
+                </a:ext>
+              </a:extLst>
+            </p:cNvPr>
+            <p:cNvSpPr txBox="1"/>
+            <p:nvPr/>
+          </p:nvSpPr>
+          <p:spPr>
+            <a:xfrm>
+              <a:off x="7963016" y="225227"/>
+              <a:ext cx="1090690" cy="584775"/>
+            </a:xfrm>
+            <a:prstGeom prst="rect">
+              <a:avLst/>
+            </a:prstGeom>
+            <a:noFill/>
+            <a:ln>
+              <a:noFill/>
+            </a:ln>
+          </p:spPr>
+          <p:txBody>
+            <a:bodyPr wrap="square" rtlCol="0">
+              <a:spAutoFit/>
+            </a:bodyPr>
+            <a:lstStyle/>
+            <a:p>
+              <a:pPr algn="ctr"/>
+              <a:r>
+                <a:rPr lang="zh-TW" altLang="en-US" sz="1600" dirty="0"/>
+                <a:t>撲克牌命名</a:t>
+              </a:r>
+            </a:p>
+          </p:txBody>
+        </p:sp>
+      </p:grpSp>
+      <p:grpSp>
+        <p:nvGrpSpPr>
+          <p:cNvPr id="157" name="群組 41">
+            <a:extLst>
+              <a:ext uri="{FF2B5EF4-FFF2-40B4-BE49-F238E27FC236}">
+                <a16:creationId xmlns:a16="http://schemas.microsoft.com/office/drawing/2014/main" id="{38F96873-12CC-47B2-BA9F-78F525D0FD2F}"/>
+              </a:ext>
+            </a:extLst>
+          </p:cNvPr>
+          <p:cNvGrpSpPr/>
+          <p:nvPr/>
+        </p:nvGrpSpPr>
+        <p:grpSpPr>
+          <a:xfrm>
+            <a:off x="8562779" y="4453797"/>
+            <a:ext cx="1287440" cy="914048"/>
+            <a:chOff x="7963016" y="122226"/>
+            <a:chExt cx="1090690" cy="687776"/>
+          </a:xfrm>
+        </p:grpSpPr>
+        <p:sp>
+          <p:nvSpPr>
+            <p:cNvPr id="158" name="矩形 45">
+              <a:extLst>
+                <a:ext uri="{FF2B5EF4-FFF2-40B4-BE49-F238E27FC236}">
+                  <a16:creationId xmlns:a16="http://schemas.microsoft.com/office/drawing/2014/main" id="{C09EBB1A-E0CE-4E4D-8FB8-ADE7AE34F7CE}"/>
+                </a:ext>
+              </a:extLst>
+            </p:cNvPr>
+            <p:cNvSpPr/>
+            <p:nvPr/>
+          </p:nvSpPr>
+          <p:spPr>
+            <a:xfrm>
+              <a:off x="7986243" y="122226"/>
+              <a:ext cx="1007182" cy="582642"/>
+            </a:xfrm>
+            <a:prstGeom prst="rect">
+              <a:avLst/>
+            </a:prstGeom>
+            <a:noFill/>
+            <a:ln>
+              <a:solidFill>
+                <a:srgbClr val="002060"/>
+              </a:solidFill>
+            </a:ln>
+          </p:spPr>
+          <p:style>
+            <a:lnRef idx="2">
+              <a:schemeClr val="accent1">
+                <a:shade val="50000"/>
+              </a:schemeClr>
+            </a:lnRef>
+            <a:fillRef idx="1">
+              <a:schemeClr val="accent1"/>
+            </a:fillRef>
+            <a:effectRef idx="0">
+              <a:schemeClr val="accent1"/>
+            </a:effectRef>
+            <a:fontRef idx="minor">
+              <a:schemeClr val="lt1"/>
+            </a:fontRef>
+          </p:style>
+          <p:txBody>
+            <a:bodyPr rtlCol="0" anchor="ctr"/>
+            <a:lstStyle/>
+            <a:p>
+              <a:pPr algn="ctr"/>
+              <a:endParaRPr lang="zh-TW" altLang="en-US"/>
+            </a:p>
+          </p:txBody>
+        </p:sp>
+        <p:sp>
+          <p:nvSpPr>
+            <p:cNvPr id="159" name="文字方塊 46">
+              <a:extLst>
+                <a:ext uri="{FF2B5EF4-FFF2-40B4-BE49-F238E27FC236}">
+                  <a16:creationId xmlns:a16="http://schemas.microsoft.com/office/drawing/2014/main" id="{4011DEDC-7CF0-4497-AAA3-07CD806F3A85}"/>
+                </a:ext>
+              </a:extLst>
+            </p:cNvPr>
+            <p:cNvSpPr txBox="1"/>
+            <p:nvPr/>
+          </p:nvSpPr>
+          <p:spPr>
+            <a:xfrm>
+              <a:off x="7963016" y="225227"/>
+              <a:ext cx="1090690" cy="584775"/>
+            </a:xfrm>
+            <a:prstGeom prst="rect">
+              <a:avLst/>
+            </a:prstGeom>
+            <a:noFill/>
+            <a:ln>
+              <a:noFill/>
+            </a:ln>
+          </p:spPr>
+          <p:txBody>
+            <a:bodyPr wrap="square" rtlCol="0">
+              <a:spAutoFit/>
+            </a:bodyPr>
+            <a:lstStyle/>
+            <a:p>
+              <a:pPr algn="ctr"/>
+              <a:r>
+                <a:rPr lang="zh-TW" altLang="en-US" sz="1600" dirty="0"/>
+                <a:t>框選出過濾撲克牌</a:t>
+              </a:r>
+            </a:p>
+          </p:txBody>
+        </p:sp>
+      </p:grpSp>
+      <p:cxnSp>
+        <p:nvCxnSpPr>
+          <p:cNvPr id="160" name="直線單箭頭接點 177">
+            <a:extLst>
+              <a:ext uri="{FF2B5EF4-FFF2-40B4-BE49-F238E27FC236}">
+                <a16:creationId xmlns:a16="http://schemas.microsoft.com/office/drawing/2014/main" id="{E3509FF2-8E03-4C87-8406-C3BCE1A4DDB6}"/>
+              </a:ext>
+            </a:extLst>
+          </p:cNvPr>
+          <p:cNvCxnSpPr>
+            <a:cxnSpLocks/>
+            <a:stCxn id="106" idx="1"/>
+            <a:endCxn id="153" idx="1"/>
+          </p:cNvCxnSpPr>
+          <p:nvPr/>
+        </p:nvCxnSpPr>
+        <p:spPr>
+          <a:xfrm>
+            <a:off x="6943725" y="4968866"/>
+            <a:ext cx="126469" cy="2542"/>
+          </a:xfrm>
+          <a:prstGeom prst="straightConnector1">
+            <a:avLst/>
+          </a:prstGeom>
+          <a:ln>
+            <a:tailEnd type="triangle"/>
+          </a:ln>
+        </p:spPr>
+        <p:style>
+          <a:lnRef idx="2">
+            <a:schemeClr val="accent1"/>
+          </a:lnRef>
+          <a:fillRef idx="0">
+            <a:schemeClr val="accent1"/>
+          </a:fillRef>
+          <a:effectRef idx="1">
+            <a:schemeClr val="accent1"/>
+          </a:effectRef>
+          <a:fontRef idx="minor">
+            <a:schemeClr val="tx1"/>
+          </a:fontRef>
+        </p:style>
+      </p:cxnSp>
+      <p:cxnSp>
+        <p:nvCxnSpPr>
+          <p:cNvPr id="161" name="直線單箭頭接點 177">
+            <a:extLst>
+              <a:ext uri="{FF2B5EF4-FFF2-40B4-BE49-F238E27FC236}">
+                <a16:creationId xmlns:a16="http://schemas.microsoft.com/office/drawing/2014/main" id="{DD54CC72-98A6-4425-B623-0176C9614365}"/>
+              </a:ext>
+            </a:extLst>
+          </p:cNvPr>
+          <p:cNvCxnSpPr>
+            <a:cxnSpLocks/>
+            <a:stCxn id="153" idx="3"/>
+            <a:endCxn id="159" idx="1"/>
+          </p:cNvCxnSpPr>
+          <p:nvPr/>
+        </p:nvCxnSpPr>
+        <p:spPr>
+          <a:xfrm>
+            <a:off x="8357634" y="4971408"/>
+            <a:ext cx="205145" cy="7857"/>
+          </a:xfrm>
+          <a:prstGeom prst="straightConnector1">
+            <a:avLst/>
+          </a:prstGeom>
+          <a:ln>
+            <a:tailEnd type="triangle"/>
+          </a:ln>
+        </p:spPr>
+        <p:style>
+          <a:lnRef idx="2">
+            <a:schemeClr val="accent1"/>
+          </a:lnRef>
+          <a:fillRef idx="0">
+            <a:schemeClr val="accent1"/>
+          </a:fillRef>
+          <a:effectRef idx="1">
+            <a:schemeClr val="accent1"/>
+          </a:effectRef>
+          <a:fontRef idx="minor">
+            <a:schemeClr val="tx1"/>
+          </a:fontRef>
+        </p:style>
+      </p:cxnSp>
+      <p:cxnSp>
+        <p:nvCxnSpPr>
+          <p:cNvPr id="164" name="直線單箭頭接點 177">
+            <a:extLst>
+              <a:ext uri="{FF2B5EF4-FFF2-40B4-BE49-F238E27FC236}">
+                <a16:creationId xmlns:a16="http://schemas.microsoft.com/office/drawing/2014/main" id="{E0D0A78E-EA9D-4002-8EDC-F18237DC309C}"/>
+              </a:ext>
+            </a:extLst>
+          </p:cNvPr>
+          <p:cNvCxnSpPr>
+            <a:cxnSpLocks/>
+            <a:stCxn id="159" idx="3"/>
+          </p:cNvCxnSpPr>
+          <p:nvPr/>
+        </p:nvCxnSpPr>
+        <p:spPr>
+          <a:xfrm>
+            <a:off x="9850219" y="4979265"/>
+            <a:ext cx="722943" cy="4425"/>
+          </a:xfrm>
+          <a:prstGeom prst="straightConnector1">
+            <a:avLst/>
+          </a:prstGeom>
+          <a:ln>
+            <a:tailEnd type="triangle"/>
+          </a:ln>
+        </p:spPr>
+        <p:style>
+          <a:lnRef idx="2">
+            <a:schemeClr val="accent1"/>
+          </a:lnRef>
+          <a:fillRef idx="0">
+            <a:schemeClr val="accent1"/>
+          </a:fillRef>
+          <a:effectRef idx="1">
+            <a:schemeClr val="accent1"/>
+          </a:effectRef>
+          <a:fontRef idx="minor">
+            <a:schemeClr val="tx1"/>
+          </a:fontRef>
+        </p:style>
+      </p:cxnSp>
+      <p:sp>
+        <p:nvSpPr>
+          <p:cNvPr id="168" name="TextBox 167">
+            <a:extLst>
+              <a:ext uri="{FF2B5EF4-FFF2-40B4-BE49-F238E27FC236}">
+                <a16:creationId xmlns:a16="http://schemas.microsoft.com/office/drawing/2014/main" id="{57509DAC-1B7B-48D2-86BB-C1C7EF132D2D}"/>
+              </a:ext>
+            </a:extLst>
+          </p:cNvPr>
+          <p:cNvSpPr txBox="1"/>
+          <p:nvPr/>
+        </p:nvSpPr>
+        <p:spPr>
+          <a:xfrm>
+            <a:off x="9957269" y="4573649"/>
+            <a:ext cx="1363110" cy="369332"/>
+          </a:xfrm>
+          <a:prstGeom prst="rect">
+            <a:avLst/>
+          </a:prstGeom>
+          <a:noFill/>
+        </p:spPr>
+        <p:txBody>
+          <a:bodyPr wrap="square">
+            <a:spAutoFit/>
+          </a:bodyPr>
+          <a:lstStyle/>
+          <a:p>
+            <a:pPr algn="ctr"/>
+            <a:r>
+              <a:rPr lang="en-US" altLang="zh-TW" dirty="0"/>
+              <a:t>Video</a:t>
+            </a:r>
+            <a:endParaRPr lang="zh-TW" altLang="en-US" dirty="0"/>
+          </a:p>
+        </p:txBody>
+      </p:sp>
+      <p:sp>
+        <p:nvSpPr>
+          <p:cNvPr id="170" name="文字方塊 30">
+            <a:extLst>
+              <a:ext uri="{FF2B5EF4-FFF2-40B4-BE49-F238E27FC236}">
+                <a16:creationId xmlns:a16="http://schemas.microsoft.com/office/drawing/2014/main" id="{EDBA9FA8-AD3B-486A-8871-8D5A405DBB44}"/>
+              </a:ext>
+            </a:extLst>
+          </p:cNvPr>
+          <p:cNvSpPr txBox="1"/>
+          <p:nvPr/>
+        </p:nvSpPr>
+        <p:spPr>
+          <a:xfrm>
+            <a:off x="5537215" y="4976572"/>
+            <a:ext cx="1478360" cy="523220"/>
+          </a:xfrm>
+          <a:prstGeom prst="rect">
+            <a:avLst/>
+          </a:prstGeom>
+          <a:noFill/>
+        </p:spPr>
+        <p:txBody>
+          <a:bodyPr wrap="square">
+            <a:spAutoFit/>
+          </a:bodyPr>
+          <a:lstStyle/>
+          <a:p>
+            <a:pPr algn="ctr"/>
+            <a:r>
+              <a:rPr lang="en-US" altLang="zh-TW" sz="1400" dirty="0" err="1"/>
+              <a:t>num_result</a:t>
+            </a:r>
+            <a:r>
+              <a:rPr lang="zh-TW" altLang="en-US" sz="1400" dirty="0"/>
+              <a:t>結果及對應輪廓</a:t>
+            </a:r>
+            <a:r>
+              <a:rPr lang="en-US" altLang="zh-TW" sz="1400" dirty="0"/>
+              <a:t>array</a:t>
+            </a:r>
+            <a:endParaRPr lang="zh-TW" altLang="en-US" sz="1400" dirty="0"/>
+          </a:p>
+        </p:txBody>
+      </p:sp>
+    </p:spTree>
+    <p:extLst>
+      <p:ext uri="{BB962C8B-B14F-4D97-AF65-F5344CB8AC3E}">
+        <p14:creationId xmlns:p14="http://schemas.microsoft.com/office/powerpoint/2010/main" val="1234224991"/>
+      </p:ext>
+    </p:extLst>
+  </p:cSld>
+  <p:clrMapOvr>
+    <a:masterClrMapping/>
+  </p:clrMapOvr>
+</p:sld>
+</file>
+
+<file path=ppt/slides/slide5.xml><?xml version="1.0" encoding="utf-8"?>
+<p:sld xmlns:a="http://schemas.openxmlformats.org/drawingml/2006/main" xmlns:r="http://schemas.openxmlformats.org/officeDocument/2006/relationships" xmlns:p="http://schemas.openxmlformats.org/presentationml/2006/main">
+  <p:cSld>
+    <p:spTree>
+      <p:nvGrpSpPr>
+        <p:cNvPr id="1" name=""/>
+        <p:cNvGrpSpPr/>
+        <p:nvPr/>
+      </p:nvGrpSpPr>
+      <p:grpSpPr>
+        <a:xfrm>
+          <a:off x="0" y="0"/>
+          <a:ext cx="0" cy="0"/>
+          <a:chOff x="0" y="0"/>
+          <a:chExt cx="0" cy="0"/>
+        </a:xfrm>
+      </p:grpSpPr>
+      <p:sp>
+        <p:nvSpPr>
+          <p:cNvPr id="2" name="Title 1">
+            <a:extLst>
+              <a:ext uri="{FF2B5EF4-FFF2-40B4-BE49-F238E27FC236}">
+                <a16:creationId xmlns:a16="http://schemas.microsoft.com/office/drawing/2014/main" id="{AD22C2BF-360B-447D-9936-0DE7A329720F}"/>
+              </a:ext>
+            </a:extLst>
+          </p:cNvPr>
+          <p:cNvSpPr>
+            <a:spLocks noGrp="1"/>
+          </p:cNvSpPr>
+          <p:nvPr>
+            <p:ph type="title"/>
+          </p:nvPr>
+        </p:nvSpPr>
         <p:spPr/>
         <p:txBody>
           <a:bodyPr/>
@@ -6562,6 +11305,1966 @@
     <p:extLst>
       <p:ext uri="{BB962C8B-B14F-4D97-AF65-F5344CB8AC3E}">
         <p14:creationId xmlns:p14="http://schemas.microsoft.com/office/powerpoint/2010/main" val="1015567247"/>
+      </p:ext>
+    </p:extLst>
+  </p:cSld>
+  <p:clrMapOvr>
+    <a:masterClrMapping/>
+  </p:clrMapOvr>
+</p:sld>
+</file>
+
+<file path=ppt/slides/slide6.xml><?xml version="1.0" encoding="utf-8"?>
+<p:sld xmlns:a="http://schemas.openxmlformats.org/drawingml/2006/main" xmlns:r="http://schemas.openxmlformats.org/officeDocument/2006/relationships" xmlns:p="http://schemas.openxmlformats.org/presentationml/2006/main">
+  <p:cSld>
+    <p:spTree>
+      <p:nvGrpSpPr>
+        <p:cNvPr id="1" name=""/>
+        <p:cNvGrpSpPr/>
+        <p:nvPr/>
+      </p:nvGrpSpPr>
+      <p:grpSpPr>
+        <a:xfrm>
+          <a:off x="0" y="0"/>
+          <a:ext cx="0" cy="0"/>
+          <a:chOff x="0" y="0"/>
+          <a:chExt cx="0" cy="0"/>
+        </a:xfrm>
+      </p:grpSpPr>
+      <p:sp>
+        <p:nvSpPr>
+          <p:cNvPr id="2" name="標題 1">
+            <a:extLst>
+              <a:ext uri="{FF2B5EF4-FFF2-40B4-BE49-F238E27FC236}">
+                <a16:creationId xmlns:a16="http://schemas.microsoft.com/office/drawing/2014/main" id="{616DE70A-29B5-458B-B996-E8F6787D9676}"/>
+              </a:ext>
+            </a:extLst>
+          </p:cNvPr>
+          <p:cNvSpPr>
+            <a:spLocks noGrp="1"/>
+          </p:cNvSpPr>
+          <p:nvPr>
+            <p:ph type="title"/>
+          </p:nvPr>
+        </p:nvSpPr>
+        <p:spPr/>
+        <p:txBody>
+          <a:bodyPr/>
+          <a:lstStyle/>
+          <a:p>
+            <a:r>
+              <a:rPr lang="en-US" altLang="zh-TW" dirty="0"/>
+              <a:t>API</a:t>
+            </a:r>
+            <a:endParaRPr lang="zh-TW" altLang="en-US" dirty="0"/>
+          </a:p>
+        </p:txBody>
+      </p:sp>
+      <p:sp>
+        <p:nvSpPr>
+          <p:cNvPr id="4" name="文字方塊 3">
+            <a:extLst>
+              <a:ext uri="{FF2B5EF4-FFF2-40B4-BE49-F238E27FC236}">
+                <a16:creationId xmlns:a16="http://schemas.microsoft.com/office/drawing/2014/main" id="{0D9BC1E6-74E0-174D-DB2F-87072D50D087}"/>
+              </a:ext>
+            </a:extLst>
+          </p:cNvPr>
+          <p:cNvSpPr txBox="1"/>
+          <p:nvPr/>
+        </p:nvSpPr>
+        <p:spPr>
+          <a:xfrm>
+            <a:off x="621383" y="1690688"/>
+            <a:ext cx="2432901" cy="369332"/>
+          </a:xfrm>
+          <a:prstGeom prst="rect">
+            <a:avLst/>
+          </a:prstGeom>
+          <a:noFill/>
+        </p:spPr>
+        <p:txBody>
+          <a:bodyPr wrap="square" rtlCol="0">
+            <a:spAutoFit/>
+          </a:bodyPr>
+          <a:lstStyle/>
+          <a:p>
+            <a:r>
+              <a:rPr lang="zh-TW" altLang="en-US" dirty="0"/>
+              <a:t>讀取圖片轉灰階</a:t>
+            </a:r>
+          </a:p>
+        </p:txBody>
+      </p:sp>
+      <p:graphicFrame>
+        <p:nvGraphicFramePr>
+          <p:cNvPr id="5" name="表格 4">
+            <a:extLst>
+              <a:ext uri="{FF2B5EF4-FFF2-40B4-BE49-F238E27FC236}">
+                <a16:creationId xmlns:a16="http://schemas.microsoft.com/office/drawing/2014/main" id="{488F1C4E-BFA3-14CB-6D3C-624480B4140E}"/>
+              </a:ext>
+            </a:extLst>
+          </p:cNvPr>
+          <p:cNvGraphicFramePr>
+            <a:graphicFrameLocks noGrp="1"/>
+          </p:cNvGraphicFramePr>
+          <p:nvPr>
+            <p:extLst>
+              <p:ext uri="{D42A27DB-BD31-4B8C-83A1-F6EECF244321}">
+                <p14:modId xmlns:p14="http://schemas.microsoft.com/office/powerpoint/2010/main" val="1769004477"/>
+              </p:ext>
+            </p:extLst>
+          </p:nvPr>
+        </p:nvGraphicFramePr>
+        <p:xfrm>
+          <a:off x="838200" y="2252433"/>
+          <a:ext cx="9088226" cy="1794374"/>
+        </p:xfrm>
+        <a:graphic>
+          <a:graphicData uri="http://schemas.openxmlformats.org/drawingml/2006/table">
+            <a:tbl>
+              <a:tblPr firstRow="1" bandRow="1">
+                <a:tableStyleId>{5C22544A-7EE6-4342-B048-85BDC9FD1C3A}</a:tableStyleId>
+              </a:tblPr>
+              <a:tblGrid>
+                <a:gridCol w="4544113">
+                  <a:extLst>
+                    <a:ext uri="{9D8B030D-6E8A-4147-A177-3AD203B41FA5}">
+                      <a16:colId xmlns:a16="http://schemas.microsoft.com/office/drawing/2014/main" val="3762263208"/>
+                    </a:ext>
+                  </a:extLst>
+                </a:gridCol>
+                <a:gridCol w="4544113">
+                  <a:extLst>
+                    <a:ext uri="{9D8B030D-6E8A-4147-A177-3AD203B41FA5}">
+                      <a16:colId xmlns:a16="http://schemas.microsoft.com/office/drawing/2014/main" val="2372617071"/>
+                    </a:ext>
+                  </a:extLst>
+                </a:gridCol>
+              </a:tblGrid>
+              <a:tr h="412614">
+                <a:tc>
+                  <a:txBody>
+                    <a:bodyPr/>
+                    <a:lstStyle/>
+                    <a:p>
+                      <a:r>
+                        <a:rPr lang="zh-TW" altLang="en-US" dirty="0"/>
+                        <a:t>輸入</a:t>
+                      </a:r>
+                    </a:p>
+                  </a:txBody>
+                  <a:tcPr/>
+                </a:tc>
+                <a:tc>
+                  <a:txBody>
+                    <a:bodyPr/>
+                    <a:lstStyle/>
+                    <a:p>
+                      <a:r>
+                        <a:rPr lang="en-US" altLang="zh-TW" dirty="0"/>
+                        <a:t>frame(RGB)</a:t>
+                      </a:r>
+                      <a:endParaRPr lang="zh-TW" altLang="en-US" dirty="0"/>
+                    </a:p>
+                  </a:txBody>
+                  <a:tcPr/>
+                </a:tc>
+                <a:extLst>
+                  <a:ext uri="{0D108BD9-81ED-4DB2-BD59-A6C34878D82A}">
+                    <a16:rowId xmlns:a16="http://schemas.microsoft.com/office/drawing/2014/main" val="590959509"/>
+                  </a:ext>
+                </a:extLst>
+              </a:tr>
+              <a:tr h="370840">
+                <a:tc>
+                  <a:txBody>
+                    <a:bodyPr/>
+                    <a:lstStyle/>
+                    <a:p>
+                      <a:r>
+                        <a:rPr lang="zh-TW" altLang="en-US" dirty="0"/>
+                        <a:t>輸出</a:t>
+                      </a:r>
+                    </a:p>
+                  </a:txBody>
+                  <a:tcPr/>
+                </a:tc>
+                <a:tc>
+                  <a:txBody>
+                    <a:bodyPr/>
+                    <a:lstStyle/>
+                    <a:p>
+                      <a:r>
+                        <a:rPr lang="en-US" altLang="zh-TW" dirty="0"/>
+                        <a:t>frame(gray)</a:t>
+                      </a:r>
+                      <a:endParaRPr lang="zh-TW" altLang="en-US" dirty="0"/>
+                    </a:p>
+                  </a:txBody>
+                  <a:tcPr/>
+                </a:tc>
+                <a:extLst>
+                  <a:ext uri="{0D108BD9-81ED-4DB2-BD59-A6C34878D82A}">
+                    <a16:rowId xmlns:a16="http://schemas.microsoft.com/office/drawing/2014/main" val="243461442"/>
+                  </a:ext>
+                </a:extLst>
+              </a:tr>
+              <a:tr h="370840">
+                <a:tc>
+                  <a:txBody>
+                    <a:bodyPr/>
+                    <a:lstStyle/>
+                    <a:p>
+                      <a:r>
+                        <a:rPr lang="zh-TW" altLang="en-US" dirty="0"/>
+                        <a:t>程式碼</a:t>
+                      </a:r>
+                    </a:p>
+                  </a:txBody>
+                  <a:tcPr/>
+                </a:tc>
+                <a:tc>
+                  <a:txBody>
+                    <a:bodyPr/>
+                    <a:lstStyle/>
+                    <a:p>
+                      <a:r>
+                        <a:rPr lang="en-US" altLang="zh-TW" dirty="0"/>
+                        <a:t>Cv2.cvtColor(frame,cv2.COLOR_RGB2GRAY)</a:t>
+                      </a:r>
+                      <a:endParaRPr lang="zh-TW" altLang="en-US" dirty="0"/>
+                    </a:p>
+                  </a:txBody>
+                  <a:tcPr/>
+                </a:tc>
+                <a:extLst>
+                  <a:ext uri="{0D108BD9-81ED-4DB2-BD59-A6C34878D82A}">
+                    <a16:rowId xmlns:a16="http://schemas.microsoft.com/office/drawing/2014/main" val="688274193"/>
+                  </a:ext>
+                </a:extLst>
+              </a:tr>
+              <a:tr h="370840">
+                <a:tc>
+                  <a:txBody>
+                    <a:bodyPr/>
+                    <a:lstStyle/>
+                    <a:p>
+                      <a:r>
+                        <a:rPr lang="zh-TW" altLang="en-US" dirty="0"/>
+                        <a:t>參數</a:t>
+                      </a:r>
+                      <a:r>
+                        <a:rPr lang="en-US" altLang="zh-TW" dirty="0"/>
+                        <a:t>(CV2.cvtCOLOR)</a:t>
+                      </a:r>
+                      <a:endParaRPr lang="zh-TW" altLang="en-US" dirty="0"/>
+                    </a:p>
+                  </a:txBody>
+                  <a:tcPr/>
+                </a:tc>
+                <a:tc>
+                  <a:txBody>
+                    <a:bodyPr/>
+                    <a:lstStyle/>
+                    <a:p>
+                      <a:r>
+                        <a:rPr lang="en-US" altLang="zh-TW" dirty="0"/>
+                        <a:t>(</a:t>
+                      </a:r>
+                      <a:r>
+                        <a:rPr lang="zh-TW" altLang="en-US" dirty="0"/>
+                        <a:t>選擇需要做灰階的圖片</a:t>
+                      </a:r>
+                      <a:r>
+                        <a:rPr lang="en-US" altLang="zh-TW" dirty="0"/>
+                        <a:t>,</a:t>
+                      </a:r>
+                      <a:r>
+                        <a:rPr lang="zh-TW" altLang="en-US" dirty="0"/>
+                        <a:t>利用</a:t>
+                      </a:r>
+                      <a:r>
+                        <a:rPr lang="en-US" altLang="zh-TW" dirty="0"/>
+                        <a:t>OPENCV</a:t>
+                      </a:r>
+                      <a:r>
+                        <a:rPr lang="zh-TW" altLang="en-US" dirty="0"/>
+                        <a:t>內建程式庫做</a:t>
+                      </a:r>
+                      <a:r>
+                        <a:rPr lang="en-US" altLang="zh-TW" dirty="0"/>
+                        <a:t>RGB</a:t>
+                      </a:r>
+                      <a:r>
+                        <a:rPr lang="zh-TW" altLang="en-US" dirty="0"/>
+                        <a:t>轉</a:t>
+                      </a:r>
+                      <a:r>
+                        <a:rPr lang="en-US" altLang="zh-TW" dirty="0"/>
+                        <a:t>GRAY</a:t>
+                      </a:r>
+                      <a:r>
+                        <a:rPr lang="zh-TW" altLang="en-US" dirty="0"/>
+                        <a:t>動作</a:t>
+                      </a:r>
+                      <a:r>
+                        <a:rPr lang="en-US" altLang="zh-TW" dirty="0"/>
+                        <a:t>)</a:t>
+                      </a:r>
+                      <a:endParaRPr lang="zh-TW" altLang="en-US" dirty="0"/>
+                    </a:p>
+                  </a:txBody>
+                  <a:tcPr/>
+                </a:tc>
+                <a:extLst>
+                  <a:ext uri="{0D108BD9-81ED-4DB2-BD59-A6C34878D82A}">
+                    <a16:rowId xmlns:a16="http://schemas.microsoft.com/office/drawing/2014/main" val="1368147717"/>
+                  </a:ext>
+                </a:extLst>
+              </a:tr>
+            </a:tbl>
+          </a:graphicData>
+        </a:graphic>
+      </p:graphicFrame>
+      <p:sp>
+        <p:nvSpPr>
+          <p:cNvPr id="6" name="文字方塊 5">
+            <a:extLst>
+              <a:ext uri="{FF2B5EF4-FFF2-40B4-BE49-F238E27FC236}">
+                <a16:creationId xmlns:a16="http://schemas.microsoft.com/office/drawing/2014/main" id="{6686A7BD-F9E5-B57F-FBC2-89FC898B8729}"/>
+              </a:ext>
+            </a:extLst>
+          </p:cNvPr>
+          <p:cNvSpPr txBox="1"/>
+          <p:nvPr/>
+        </p:nvSpPr>
+        <p:spPr>
+          <a:xfrm>
+            <a:off x="621383" y="4406180"/>
+            <a:ext cx="4601066" cy="369332"/>
+          </a:xfrm>
+          <a:prstGeom prst="rect">
+            <a:avLst/>
+          </a:prstGeom>
+          <a:noFill/>
+        </p:spPr>
+        <p:txBody>
+          <a:bodyPr wrap="square" rtlCol="0">
+            <a:spAutoFit/>
+          </a:bodyPr>
+          <a:lstStyle/>
+          <a:p>
+            <a:r>
+              <a:rPr lang="zh-TW" altLang="en-US" dirty="0"/>
+              <a:t>二值化</a:t>
+            </a:r>
+          </a:p>
+        </p:txBody>
+      </p:sp>
+      <p:graphicFrame>
+        <p:nvGraphicFramePr>
+          <p:cNvPr id="7" name="表格 6">
+            <a:extLst>
+              <a:ext uri="{FF2B5EF4-FFF2-40B4-BE49-F238E27FC236}">
+                <a16:creationId xmlns:a16="http://schemas.microsoft.com/office/drawing/2014/main" id="{B1C53495-D006-31E5-9DA1-24051AB9E470}"/>
+              </a:ext>
+            </a:extLst>
+          </p:cNvPr>
+          <p:cNvGraphicFramePr>
+            <a:graphicFrameLocks noGrp="1"/>
+          </p:cNvGraphicFramePr>
+          <p:nvPr>
+            <p:extLst>
+              <p:ext uri="{D42A27DB-BD31-4B8C-83A1-F6EECF244321}">
+                <p14:modId xmlns:p14="http://schemas.microsoft.com/office/powerpoint/2010/main" val="174506382"/>
+              </p:ext>
+            </p:extLst>
+          </p:nvPr>
+        </p:nvGraphicFramePr>
+        <p:xfrm>
+          <a:off x="838200" y="4950666"/>
+          <a:ext cx="9088226" cy="1614739"/>
+        </p:xfrm>
+        <a:graphic>
+          <a:graphicData uri="http://schemas.openxmlformats.org/drawingml/2006/table">
+            <a:tbl>
+              <a:tblPr firstRow="1" bandRow="1">
+                <a:tableStyleId>{5C22544A-7EE6-4342-B048-85BDC9FD1C3A}</a:tableStyleId>
+              </a:tblPr>
+              <a:tblGrid>
+                <a:gridCol w="4544113">
+                  <a:extLst>
+                    <a:ext uri="{9D8B030D-6E8A-4147-A177-3AD203B41FA5}">
+                      <a16:colId xmlns:a16="http://schemas.microsoft.com/office/drawing/2014/main" val="3762263208"/>
+                    </a:ext>
+                  </a:extLst>
+                </a:gridCol>
+                <a:gridCol w="4544113">
+                  <a:extLst>
+                    <a:ext uri="{9D8B030D-6E8A-4147-A177-3AD203B41FA5}">
+                      <a16:colId xmlns:a16="http://schemas.microsoft.com/office/drawing/2014/main" val="2372617071"/>
+                    </a:ext>
+                  </a:extLst>
+                </a:gridCol>
+              </a:tblGrid>
+              <a:tr h="507017">
+                <a:tc>
+                  <a:txBody>
+                    <a:bodyPr/>
+                    <a:lstStyle/>
+                    <a:p>
+                      <a:r>
+                        <a:rPr lang="zh-TW" altLang="en-US" dirty="0"/>
+                        <a:t>輸入</a:t>
+                      </a:r>
+                    </a:p>
+                  </a:txBody>
+                  <a:tcPr/>
+                </a:tc>
+                <a:tc>
+                  <a:txBody>
+                    <a:bodyPr/>
+                    <a:lstStyle/>
+                    <a:p>
+                      <a:r>
+                        <a:rPr lang="en-US" altLang="zh-TW" dirty="0"/>
+                        <a:t>frame(gray)</a:t>
+                      </a:r>
+                      <a:endParaRPr lang="zh-TW" altLang="en-US" dirty="0"/>
+                    </a:p>
+                  </a:txBody>
+                  <a:tcPr/>
+                </a:tc>
+                <a:extLst>
+                  <a:ext uri="{0D108BD9-81ED-4DB2-BD59-A6C34878D82A}">
+                    <a16:rowId xmlns:a16="http://schemas.microsoft.com/office/drawing/2014/main" val="590959509"/>
+                  </a:ext>
+                </a:extLst>
+              </a:tr>
+              <a:tr h="467642">
+                <a:tc>
+                  <a:txBody>
+                    <a:bodyPr/>
+                    <a:lstStyle/>
+                    <a:p>
+                      <a:r>
+                        <a:rPr lang="zh-TW" altLang="en-US" dirty="0"/>
+                        <a:t>輸出</a:t>
+                      </a:r>
+                    </a:p>
+                  </a:txBody>
+                  <a:tcPr/>
+                </a:tc>
+                <a:tc>
+                  <a:txBody>
+                    <a:bodyPr/>
+                    <a:lstStyle/>
+                    <a:p>
+                      <a:r>
+                        <a:rPr lang="en-US" altLang="zh-TW" dirty="0"/>
+                        <a:t>frame(</a:t>
+                      </a:r>
+                      <a:r>
+                        <a:rPr lang="zh-TW" altLang="en-US" dirty="0"/>
+                        <a:t>黑跟白</a:t>
+                      </a:r>
+                      <a:r>
+                        <a:rPr lang="en-US" altLang="zh-TW" dirty="0"/>
+                        <a:t>)</a:t>
+                      </a:r>
+                      <a:endParaRPr lang="zh-TW" altLang="en-US" dirty="0"/>
+                    </a:p>
+                  </a:txBody>
+                  <a:tcPr/>
+                </a:tc>
+                <a:extLst>
+                  <a:ext uri="{0D108BD9-81ED-4DB2-BD59-A6C34878D82A}">
+                    <a16:rowId xmlns:a16="http://schemas.microsoft.com/office/drawing/2014/main" val="243461442"/>
+                  </a:ext>
+                </a:extLst>
+              </a:tr>
+              <a:tr h="467642">
+                <a:tc>
+                  <a:txBody>
+                    <a:bodyPr/>
+                    <a:lstStyle/>
+                    <a:p>
+                      <a:r>
+                        <a:rPr lang="zh-TW" altLang="en-US" dirty="0"/>
+                        <a:t>程式碼</a:t>
+                      </a:r>
+                    </a:p>
+                  </a:txBody>
+                  <a:tcPr/>
+                </a:tc>
+                <a:tc>
+                  <a:txBody>
+                    <a:bodyPr/>
+                    <a:lstStyle/>
+                    <a:p>
+                      <a:pPr marL="0" marR="0" lvl="0" indent="0" algn="l" defTabSz="914400" rtl="0" eaLnBrk="1" fontAlgn="auto" latinLnBrk="0" hangingPunct="1">
+                        <a:lnSpc>
+                          <a:spcPct val="100000"/>
+                        </a:lnSpc>
+                        <a:spcBef>
+                          <a:spcPts val="0"/>
+                        </a:spcBef>
+                        <a:spcAft>
+                          <a:spcPts val="0"/>
+                        </a:spcAft>
+                        <a:buClrTx/>
+                        <a:buSzTx/>
+                        <a:buFontTx/>
+                        <a:buNone/>
+                        <a:tabLst/>
+                        <a:defRPr/>
+                      </a:pPr>
+                      <a:r>
+                        <a:rPr lang="en-US" altLang="zh-TW" sz="1800" b="0" kern="1200" dirty="0">
+                          <a:solidFill>
+                            <a:schemeClr val="dk1"/>
+                          </a:solidFill>
+                          <a:effectLst/>
+                          <a:latin typeface="+mn-lt"/>
+                          <a:ea typeface="+mn-ea"/>
+                          <a:cs typeface="+mn-cs"/>
+                        </a:rPr>
+                        <a:t>cv2.threshold</a:t>
+                      </a:r>
+                    </a:p>
+                    <a:p>
+                      <a:r>
+                        <a:rPr lang="en-US" altLang="zh-TW" sz="1800" b="0" kern="1200" dirty="0">
+                          <a:solidFill>
+                            <a:schemeClr val="dk1"/>
+                          </a:solidFill>
+                          <a:effectLst/>
+                          <a:latin typeface="+mn-lt"/>
+                          <a:ea typeface="+mn-ea"/>
+                          <a:cs typeface="+mn-cs"/>
+                        </a:rPr>
+                        <a:t>(frame, 220, 255, cv2.THRESH_BINARY)</a:t>
+                      </a:r>
+                    </a:p>
+                  </a:txBody>
+                  <a:tcPr/>
+                </a:tc>
+                <a:extLst>
+                  <a:ext uri="{0D108BD9-81ED-4DB2-BD59-A6C34878D82A}">
+                    <a16:rowId xmlns:a16="http://schemas.microsoft.com/office/drawing/2014/main" val="688274193"/>
+                  </a:ext>
+                </a:extLst>
+              </a:tr>
+            </a:tbl>
+          </a:graphicData>
+        </a:graphic>
+      </p:graphicFrame>
+    </p:spTree>
+    <p:extLst>
+      <p:ext uri="{BB962C8B-B14F-4D97-AF65-F5344CB8AC3E}">
+        <p14:creationId xmlns:p14="http://schemas.microsoft.com/office/powerpoint/2010/main" val="1288816722"/>
+      </p:ext>
+    </p:extLst>
+  </p:cSld>
+  <p:clrMapOvr>
+    <a:masterClrMapping/>
+  </p:clrMapOvr>
+</p:sld>
+</file>
+
+<file path=ppt/slides/slide7.xml><?xml version="1.0" encoding="utf-8"?>
+<p:sld xmlns:a="http://schemas.openxmlformats.org/drawingml/2006/main" xmlns:r="http://schemas.openxmlformats.org/officeDocument/2006/relationships" xmlns:p="http://schemas.openxmlformats.org/presentationml/2006/main">
+  <p:cSld>
+    <p:spTree>
+      <p:nvGrpSpPr>
+        <p:cNvPr id="1" name=""/>
+        <p:cNvGrpSpPr/>
+        <p:nvPr/>
+      </p:nvGrpSpPr>
+      <p:grpSpPr>
+        <a:xfrm>
+          <a:off x="0" y="0"/>
+          <a:ext cx="0" cy="0"/>
+          <a:chOff x="0" y="0"/>
+          <a:chExt cx="0" cy="0"/>
+        </a:xfrm>
+      </p:grpSpPr>
+      <p:sp>
+        <p:nvSpPr>
+          <p:cNvPr id="2" name="標題 1">
+            <a:extLst>
+              <a:ext uri="{FF2B5EF4-FFF2-40B4-BE49-F238E27FC236}">
+                <a16:creationId xmlns:a16="http://schemas.microsoft.com/office/drawing/2014/main" id="{616DE70A-29B5-458B-B996-E8F6787D9676}"/>
+              </a:ext>
+            </a:extLst>
+          </p:cNvPr>
+          <p:cNvSpPr>
+            <a:spLocks noGrp="1"/>
+          </p:cNvSpPr>
+          <p:nvPr>
+            <p:ph type="title"/>
+          </p:nvPr>
+        </p:nvSpPr>
+        <p:spPr/>
+        <p:txBody>
+          <a:bodyPr/>
+          <a:lstStyle/>
+          <a:p>
+            <a:r>
+              <a:rPr lang="en-US" altLang="zh-TW" dirty="0"/>
+              <a:t>API</a:t>
+            </a:r>
+            <a:endParaRPr lang="zh-TW" altLang="en-US" dirty="0"/>
+          </a:p>
+        </p:txBody>
+      </p:sp>
+      <p:sp>
+        <p:nvSpPr>
+          <p:cNvPr id="4" name="文字方塊 3">
+            <a:extLst>
+              <a:ext uri="{FF2B5EF4-FFF2-40B4-BE49-F238E27FC236}">
+                <a16:creationId xmlns:a16="http://schemas.microsoft.com/office/drawing/2014/main" id="{0D9BC1E6-74E0-174D-DB2F-87072D50D087}"/>
+              </a:ext>
+            </a:extLst>
+          </p:cNvPr>
+          <p:cNvSpPr txBox="1"/>
+          <p:nvPr/>
+        </p:nvSpPr>
+        <p:spPr>
+          <a:xfrm>
+            <a:off x="621383" y="1321356"/>
+            <a:ext cx="2432901" cy="369332"/>
+          </a:xfrm>
+          <a:prstGeom prst="rect">
+            <a:avLst/>
+          </a:prstGeom>
+          <a:noFill/>
+        </p:spPr>
+        <p:txBody>
+          <a:bodyPr wrap="square" rtlCol="0">
+            <a:spAutoFit/>
+          </a:bodyPr>
+          <a:lstStyle/>
+          <a:p>
+            <a:r>
+              <a:rPr lang="zh-TW" altLang="en-US" dirty="0"/>
+              <a:t>找輪廓</a:t>
+            </a:r>
+          </a:p>
+        </p:txBody>
+      </p:sp>
+      <p:graphicFrame>
+        <p:nvGraphicFramePr>
+          <p:cNvPr id="5" name="表格 4">
+            <a:extLst>
+              <a:ext uri="{FF2B5EF4-FFF2-40B4-BE49-F238E27FC236}">
+                <a16:creationId xmlns:a16="http://schemas.microsoft.com/office/drawing/2014/main" id="{488F1C4E-BFA3-14CB-6D3C-624480B4140E}"/>
+              </a:ext>
+            </a:extLst>
+          </p:cNvPr>
+          <p:cNvGraphicFramePr>
+            <a:graphicFrameLocks noGrp="1"/>
+          </p:cNvGraphicFramePr>
+          <p:nvPr>
+            <p:extLst>
+              <p:ext uri="{D42A27DB-BD31-4B8C-83A1-F6EECF244321}">
+                <p14:modId xmlns:p14="http://schemas.microsoft.com/office/powerpoint/2010/main" val="3073509595"/>
+              </p:ext>
+            </p:extLst>
+          </p:nvPr>
+        </p:nvGraphicFramePr>
+        <p:xfrm>
+          <a:off x="621383" y="1690688"/>
+          <a:ext cx="9088226" cy="2068694"/>
+        </p:xfrm>
+        <a:graphic>
+          <a:graphicData uri="http://schemas.openxmlformats.org/drawingml/2006/table">
+            <a:tbl>
+              <a:tblPr firstRow="1" bandRow="1">
+                <a:tableStyleId>{5C22544A-7EE6-4342-B048-85BDC9FD1C3A}</a:tableStyleId>
+              </a:tblPr>
+              <a:tblGrid>
+                <a:gridCol w="4544113">
+                  <a:extLst>
+                    <a:ext uri="{9D8B030D-6E8A-4147-A177-3AD203B41FA5}">
+                      <a16:colId xmlns:a16="http://schemas.microsoft.com/office/drawing/2014/main" val="3762263208"/>
+                    </a:ext>
+                  </a:extLst>
+                </a:gridCol>
+                <a:gridCol w="4544113">
+                  <a:extLst>
+                    <a:ext uri="{9D8B030D-6E8A-4147-A177-3AD203B41FA5}">
+                      <a16:colId xmlns:a16="http://schemas.microsoft.com/office/drawing/2014/main" val="2372617071"/>
+                    </a:ext>
+                  </a:extLst>
+                </a:gridCol>
+              </a:tblGrid>
+              <a:tr h="412614">
+                <a:tc>
+                  <a:txBody>
+                    <a:bodyPr/>
+                    <a:lstStyle/>
+                    <a:p>
+                      <a:r>
+                        <a:rPr lang="zh-TW" altLang="en-US" dirty="0"/>
+                        <a:t>輸入</a:t>
+                      </a:r>
+                    </a:p>
+                  </a:txBody>
+                  <a:tcPr/>
+                </a:tc>
+                <a:tc>
+                  <a:txBody>
+                    <a:bodyPr/>
+                    <a:lstStyle/>
+                    <a:p>
+                      <a:r>
+                        <a:rPr lang="en-US" altLang="zh-TW" dirty="0"/>
+                        <a:t>Frame</a:t>
+                      </a:r>
+                      <a:endParaRPr lang="zh-TW" altLang="en-US" dirty="0"/>
+                    </a:p>
+                  </a:txBody>
+                  <a:tcPr/>
+                </a:tc>
+                <a:extLst>
+                  <a:ext uri="{0D108BD9-81ED-4DB2-BD59-A6C34878D82A}">
+                    <a16:rowId xmlns:a16="http://schemas.microsoft.com/office/drawing/2014/main" val="590959509"/>
+                  </a:ext>
+                </a:extLst>
+              </a:tr>
+              <a:tr h="370840">
+                <a:tc>
+                  <a:txBody>
+                    <a:bodyPr/>
+                    <a:lstStyle/>
+                    <a:p>
+                      <a:r>
+                        <a:rPr lang="zh-TW" altLang="en-US" dirty="0"/>
+                        <a:t>輸出</a:t>
+                      </a:r>
+                    </a:p>
+                  </a:txBody>
+                  <a:tcPr/>
+                </a:tc>
+                <a:tc>
+                  <a:txBody>
+                    <a:bodyPr/>
+                    <a:lstStyle/>
+                    <a:p>
+                      <a:r>
+                        <a:rPr lang="en-US" altLang="zh-TW" dirty="0"/>
+                        <a:t>Value</a:t>
+                      </a:r>
+                      <a:endParaRPr lang="zh-TW" altLang="en-US" dirty="0"/>
+                    </a:p>
+                  </a:txBody>
+                  <a:tcPr/>
+                </a:tc>
+                <a:extLst>
+                  <a:ext uri="{0D108BD9-81ED-4DB2-BD59-A6C34878D82A}">
+                    <a16:rowId xmlns:a16="http://schemas.microsoft.com/office/drawing/2014/main" val="243461442"/>
+                  </a:ext>
+                </a:extLst>
+              </a:tr>
+              <a:tr h="370840">
+                <a:tc>
+                  <a:txBody>
+                    <a:bodyPr/>
+                    <a:lstStyle/>
+                    <a:p>
+                      <a:r>
+                        <a:rPr lang="zh-TW" altLang="en-US" dirty="0"/>
+                        <a:t>程式碼</a:t>
+                      </a:r>
+                    </a:p>
+                  </a:txBody>
+                  <a:tcPr/>
+                </a:tc>
+                <a:tc>
+                  <a:txBody>
+                    <a:bodyPr/>
+                    <a:lstStyle/>
+                    <a:p>
+                      <a:pPr marL="0" marR="0" lvl="0" indent="0" algn="l" defTabSz="914400" rtl="0" eaLnBrk="1" fontAlgn="auto" latinLnBrk="0" hangingPunct="1">
+                        <a:lnSpc>
+                          <a:spcPct val="100000"/>
+                        </a:lnSpc>
+                        <a:spcBef>
+                          <a:spcPts val="0"/>
+                        </a:spcBef>
+                        <a:spcAft>
+                          <a:spcPts val="0"/>
+                        </a:spcAft>
+                        <a:buClrTx/>
+                        <a:buSzTx/>
+                        <a:buFontTx/>
+                        <a:buNone/>
+                        <a:tabLst/>
+                        <a:defRPr/>
+                      </a:pPr>
+                      <a:r>
+                        <a:rPr lang="en-US" altLang="zh-TW" sz="1800" b="0" kern="1200" dirty="0">
+                          <a:solidFill>
+                            <a:schemeClr val="dk1"/>
+                          </a:solidFill>
+                          <a:effectLst/>
+                          <a:latin typeface="+mn-lt"/>
+                          <a:ea typeface="+mn-ea"/>
+                          <a:cs typeface="+mn-cs"/>
+                        </a:rPr>
+                        <a:t>cv2.findContours(</a:t>
+                      </a:r>
+                      <a:r>
+                        <a:rPr lang="en-US" altLang="zh-TW" sz="1800" b="0" kern="1200" dirty="0" err="1">
+                          <a:solidFill>
+                            <a:schemeClr val="dk1"/>
+                          </a:solidFill>
+                          <a:effectLst/>
+                          <a:latin typeface="+mn-lt"/>
+                          <a:ea typeface="+mn-ea"/>
+                          <a:cs typeface="+mn-cs"/>
+                        </a:rPr>
+                        <a:t>thresholded</a:t>
+                      </a:r>
+                      <a:r>
+                        <a:rPr lang="en-US" altLang="zh-TW" sz="1800" b="0" kern="1200" dirty="0">
+                          <a:solidFill>
+                            <a:schemeClr val="dk1"/>
+                          </a:solidFill>
+                          <a:effectLst/>
+                          <a:latin typeface="+mn-lt"/>
+                          <a:ea typeface="+mn-ea"/>
+                          <a:cs typeface="+mn-cs"/>
+                        </a:rPr>
+                        <a:t>, cv2.RETR_EXTERNAL, cv2.CHAIN_APPROX_SIMPLE)</a:t>
+                      </a:r>
+                    </a:p>
+                  </a:txBody>
+                  <a:tcPr/>
+                </a:tc>
+                <a:extLst>
+                  <a:ext uri="{0D108BD9-81ED-4DB2-BD59-A6C34878D82A}">
+                    <a16:rowId xmlns:a16="http://schemas.microsoft.com/office/drawing/2014/main" val="688274193"/>
+                  </a:ext>
+                </a:extLst>
+              </a:tr>
+              <a:tr h="370840">
+                <a:tc>
+                  <a:txBody>
+                    <a:bodyPr/>
+                    <a:lstStyle/>
+                    <a:p>
+                      <a:r>
+                        <a:rPr lang="zh-TW" altLang="en-US" dirty="0"/>
+                        <a:t>參數</a:t>
+                      </a:r>
+                    </a:p>
+                  </a:txBody>
+                  <a:tcPr/>
+                </a:tc>
+                <a:tc>
+                  <a:txBody>
+                    <a:bodyPr/>
+                    <a:lstStyle/>
+                    <a:p>
+                      <a:r>
+                        <a:rPr lang="en-US" altLang="zh-TW" dirty="0"/>
+                        <a:t>(</a:t>
+                      </a:r>
+                      <a:r>
+                        <a:rPr lang="zh-TW" altLang="en-US" dirty="0"/>
+                        <a:t>方式</a:t>
+                      </a:r>
+                      <a:r>
+                        <a:rPr lang="en-US" altLang="zh-TW" dirty="0"/>
+                        <a:t>:</a:t>
+                      </a:r>
+                      <a:r>
+                        <a:rPr lang="en-US" altLang="zh-TW" dirty="0" err="1"/>
+                        <a:t>approx</a:t>
+                      </a:r>
+                      <a:r>
+                        <a:rPr lang="zh-TW" altLang="en-US" dirty="0"/>
+                        <a:t>點到點輪廓</a:t>
+                      </a:r>
+                      <a:r>
+                        <a:rPr lang="en-US" altLang="zh-TW" dirty="0"/>
+                        <a:t>)</a:t>
+                      </a:r>
+                      <a:endParaRPr lang="zh-TW" altLang="en-US" dirty="0"/>
+                    </a:p>
+                  </a:txBody>
+                  <a:tcPr/>
+                </a:tc>
+                <a:extLst>
+                  <a:ext uri="{0D108BD9-81ED-4DB2-BD59-A6C34878D82A}">
+                    <a16:rowId xmlns:a16="http://schemas.microsoft.com/office/drawing/2014/main" val="1368147717"/>
+                  </a:ext>
+                </a:extLst>
+              </a:tr>
+            </a:tbl>
+          </a:graphicData>
+        </a:graphic>
+      </p:graphicFrame>
+      <p:sp>
+        <p:nvSpPr>
+          <p:cNvPr id="6" name="文字方塊 5">
+            <a:extLst>
+              <a:ext uri="{FF2B5EF4-FFF2-40B4-BE49-F238E27FC236}">
+                <a16:creationId xmlns:a16="http://schemas.microsoft.com/office/drawing/2014/main" id="{6686A7BD-F9E5-B57F-FBC2-89FC898B8729}"/>
+              </a:ext>
+            </a:extLst>
+          </p:cNvPr>
+          <p:cNvSpPr txBox="1"/>
+          <p:nvPr/>
+        </p:nvSpPr>
+        <p:spPr>
+          <a:xfrm>
+            <a:off x="621383" y="3846127"/>
+            <a:ext cx="4601066" cy="369332"/>
+          </a:xfrm>
+          <a:prstGeom prst="rect">
+            <a:avLst/>
+          </a:prstGeom>
+          <a:noFill/>
+        </p:spPr>
+        <p:txBody>
+          <a:bodyPr wrap="square" rtlCol="0">
+            <a:spAutoFit/>
+          </a:bodyPr>
+          <a:lstStyle/>
+          <a:p>
+            <a:r>
+              <a:rPr lang="zh-TW" altLang="en-US" dirty="0"/>
+              <a:t>框出撲克牌</a:t>
+            </a:r>
+          </a:p>
+        </p:txBody>
+      </p:sp>
+      <p:graphicFrame>
+        <p:nvGraphicFramePr>
+          <p:cNvPr id="8" name="表格 7">
+            <a:extLst>
+              <a:ext uri="{FF2B5EF4-FFF2-40B4-BE49-F238E27FC236}">
+                <a16:creationId xmlns:a16="http://schemas.microsoft.com/office/drawing/2014/main" id="{372DF261-E2AA-4C6F-AC84-356FD0C88C2D}"/>
+              </a:ext>
+            </a:extLst>
+          </p:cNvPr>
+          <p:cNvGraphicFramePr>
+            <a:graphicFrameLocks noGrp="1"/>
+          </p:cNvGraphicFramePr>
+          <p:nvPr>
+            <p:extLst>
+              <p:ext uri="{D42A27DB-BD31-4B8C-83A1-F6EECF244321}">
+                <p14:modId xmlns:p14="http://schemas.microsoft.com/office/powerpoint/2010/main" val="1443440355"/>
+              </p:ext>
+            </p:extLst>
+          </p:nvPr>
+        </p:nvGraphicFramePr>
+        <p:xfrm>
+          <a:off x="621383" y="4302204"/>
+          <a:ext cx="9585272" cy="2468880"/>
+        </p:xfrm>
+        <a:graphic>
+          <a:graphicData uri="http://schemas.openxmlformats.org/drawingml/2006/table">
+            <a:tbl>
+              <a:tblPr firstRow="1" bandRow="1">
+                <a:tableStyleId>{5C22544A-7EE6-4342-B048-85BDC9FD1C3A}</a:tableStyleId>
+              </a:tblPr>
+              <a:tblGrid>
+                <a:gridCol w="4792636">
+                  <a:extLst>
+                    <a:ext uri="{9D8B030D-6E8A-4147-A177-3AD203B41FA5}">
+                      <a16:colId xmlns:a16="http://schemas.microsoft.com/office/drawing/2014/main" val="3762263208"/>
+                    </a:ext>
+                  </a:extLst>
+                </a:gridCol>
+                <a:gridCol w="4792636">
+                  <a:extLst>
+                    <a:ext uri="{9D8B030D-6E8A-4147-A177-3AD203B41FA5}">
+                      <a16:colId xmlns:a16="http://schemas.microsoft.com/office/drawing/2014/main" val="2372617071"/>
+                    </a:ext>
+                  </a:extLst>
+                </a:gridCol>
+              </a:tblGrid>
+              <a:tr h="315003">
+                <a:tc>
+                  <a:txBody>
+                    <a:bodyPr/>
+                    <a:lstStyle/>
+                    <a:p>
+                      <a:r>
+                        <a:rPr lang="zh-TW" altLang="en-US" dirty="0"/>
+                        <a:t>輸入</a:t>
+                      </a:r>
+                    </a:p>
+                  </a:txBody>
+                  <a:tcPr/>
+                </a:tc>
+                <a:tc>
+                  <a:txBody>
+                    <a:bodyPr/>
+                    <a:lstStyle/>
+                    <a:p>
+                      <a:r>
+                        <a:rPr lang="en-US" altLang="zh-TW" dirty="0"/>
+                        <a:t>Id(</a:t>
+                      </a:r>
+                      <a:r>
+                        <a:rPr lang="zh-TW" altLang="en-US" dirty="0"/>
+                        <a:t>輪廓的索引</a:t>
+                      </a:r>
+                      <a:r>
+                        <a:rPr lang="en-US" altLang="zh-TW" dirty="0"/>
+                        <a:t>)</a:t>
+                      </a:r>
+                      <a:endParaRPr lang="zh-TW" altLang="en-US" dirty="0"/>
+                    </a:p>
+                  </a:txBody>
+                  <a:tcPr/>
+                </a:tc>
+                <a:extLst>
+                  <a:ext uri="{0D108BD9-81ED-4DB2-BD59-A6C34878D82A}">
+                    <a16:rowId xmlns:a16="http://schemas.microsoft.com/office/drawing/2014/main" val="590959509"/>
+                  </a:ext>
+                </a:extLst>
+              </a:tr>
+              <a:tr h="551255">
+                <a:tc>
+                  <a:txBody>
+                    <a:bodyPr/>
+                    <a:lstStyle/>
+                    <a:p>
+                      <a:r>
+                        <a:rPr lang="zh-TW" altLang="en-US" dirty="0"/>
+                        <a:t>輸出</a:t>
+                      </a:r>
+                    </a:p>
+                  </a:txBody>
+                  <a:tcPr/>
+                </a:tc>
+                <a:tc>
+                  <a:txBody>
+                    <a:bodyPr/>
+                    <a:lstStyle/>
+                    <a:p>
+                      <a:r>
+                        <a:rPr lang="zh-TW" altLang="en-US" dirty="0"/>
+                        <a:t>面積在 </a:t>
+                      </a:r>
+                      <a:r>
+                        <a:rPr lang="en-US" altLang="zh-TW" dirty="0"/>
+                        <a:t>[3000, 40000] </a:t>
+                      </a:r>
+                      <a:r>
+                        <a:rPr lang="zh-TW" altLang="en-US" dirty="0"/>
+                        <a:t>之間的輪廓被認為是可能的卡片</a:t>
+                      </a:r>
+                    </a:p>
+                  </a:txBody>
+                  <a:tcPr/>
+                </a:tc>
+                <a:extLst>
+                  <a:ext uri="{0D108BD9-81ED-4DB2-BD59-A6C34878D82A}">
+                    <a16:rowId xmlns:a16="http://schemas.microsoft.com/office/drawing/2014/main" val="243461442"/>
+                  </a:ext>
+                </a:extLst>
+              </a:tr>
+              <a:tr h="1260012">
+                <a:tc>
+                  <a:txBody>
+                    <a:bodyPr/>
+                    <a:lstStyle/>
+                    <a:p>
+                      <a:r>
+                        <a:rPr lang="zh-TW" altLang="en-US" dirty="0"/>
+                        <a:t>程式碼</a:t>
+                      </a:r>
+                    </a:p>
+                  </a:txBody>
+                  <a:tcPr/>
+                </a:tc>
+                <a:tc>
+                  <a:txBody>
+                    <a:bodyPr/>
+                    <a:lstStyle/>
+                    <a:p>
+                      <a:r>
+                        <a:rPr lang="en-US" altLang="zh-TW" b="1" dirty="0"/>
+                        <a:t>cv2.boundingRect(</a:t>
+                      </a:r>
+                      <a:r>
+                        <a:rPr lang="en-US" altLang="zh-TW" b="1" dirty="0" err="1"/>
+                        <a:t>cnt</a:t>
+                      </a:r>
+                      <a:r>
+                        <a:rPr lang="en-US" altLang="zh-TW" b="1" dirty="0"/>
+                        <a:t>)</a:t>
+                      </a:r>
+                      <a:endParaRPr lang="en-US" altLang="zh-TW" dirty="0"/>
+                    </a:p>
+                    <a:p>
+                      <a:r>
+                        <a:rPr lang="zh-TW" altLang="en-US" dirty="0"/>
+                        <a:t> 對輪廓計算其邊界框，返回 </a:t>
+                      </a:r>
+                      <a:r>
+                        <a:rPr lang="en-US" altLang="zh-TW" dirty="0"/>
+                        <a:t>(x, y, w, h)</a:t>
+                      </a:r>
+                    </a:p>
+                    <a:p>
+                      <a:r>
+                        <a:rPr lang="en-US" altLang="zh-TW" b="1" dirty="0" err="1"/>
+                        <a:t>aspect_ratio</a:t>
+                      </a:r>
+                      <a:r>
+                        <a:rPr lang="en-US" altLang="zh-TW" b="1" dirty="0"/>
+                        <a:t> </a:t>
+                      </a:r>
+                      <a:r>
+                        <a:rPr lang="en-US" altLang="zh-TW" dirty="0"/>
+                        <a:t>= w / h</a:t>
+                      </a:r>
+                    </a:p>
+                    <a:p>
+                      <a:r>
+                        <a:rPr lang="zh-TW" altLang="en-US" dirty="0"/>
+                        <a:t>  計算輪廓的邊界框長寬比。過濾不要的物件</a:t>
+                      </a:r>
+                      <a:endParaRPr lang="en-US" altLang="zh-TW" dirty="0"/>
+                    </a:p>
+                    <a:p>
+                      <a:endParaRPr lang="en-US" altLang="zh-TW" dirty="0"/>
+                    </a:p>
+                  </a:txBody>
+                  <a:tcPr/>
+                </a:tc>
+                <a:extLst>
+                  <a:ext uri="{0D108BD9-81ED-4DB2-BD59-A6C34878D82A}">
+                    <a16:rowId xmlns:a16="http://schemas.microsoft.com/office/drawing/2014/main" val="688274193"/>
+                  </a:ext>
+                </a:extLst>
+              </a:tr>
+            </a:tbl>
+          </a:graphicData>
+        </a:graphic>
+      </p:graphicFrame>
+    </p:spTree>
+    <p:extLst>
+      <p:ext uri="{BB962C8B-B14F-4D97-AF65-F5344CB8AC3E}">
+        <p14:creationId xmlns:p14="http://schemas.microsoft.com/office/powerpoint/2010/main" val="789420208"/>
+      </p:ext>
+    </p:extLst>
+  </p:cSld>
+  <p:clrMapOvr>
+    <a:masterClrMapping/>
+  </p:clrMapOvr>
+</p:sld>
+</file>
+
+<file path=ppt/slides/slide8.xml><?xml version="1.0" encoding="utf-8"?>
+<p:sld xmlns:a="http://schemas.openxmlformats.org/drawingml/2006/main" xmlns:r="http://schemas.openxmlformats.org/officeDocument/2006/relationships" xmlns:p="http://schemas.openxmlformats.org/presentationml/2006/main">
+  <p:cSld>
+    <p:spTree>
+      <p:nvGrpSpPr>
+        <p:cNvPr id="1" name=""/>
+        <p:cNvGrpSpPr/>
+        <p:nvPr/>
+      </p:nvGrpSpPr>
+      <p:grpSpPr>
+        <a:xfrm>
+          <a:off x="0" y="0"/>
+          <a:ext cx="0" cy="0"/>
+          <a:chOff x="0" y="0"/>
+          <a:chExt cx="0" cy="0"/>
+        </a:xfrm>
+      </p:grpSpPr>
+      <p:sp>
+        <p:nvSpPr>
+          <p:cNvPr id="2" name="標題 1">
+            <a:extLst>
+              <a:ext uri="{FF2B5EF4-FFF2-40B4-BE49-F238E27FC236}">
+                <a16:creationId xmlns:a16="http://schemas.microsoft.com/office/drawing/2014/main" id="{616DE70A-29B5-458B-B996-E8F6787D9676}"/>
+              </a:ext>
+            </a:extLst>
+          </p:cNvPr>
+          <p:cNvSpPr>
+            <a:spLocks noGrp="1"/>
+          </p:cNvSpPr>
+          <p:nvPr>
+            <p:ph type="title"/>
+          </p:nvPr>
+        </p:nvSpPr>
+        <p:spPr>
+          <a:xfrm>
+            <a:off x="621382" y="365125"/>
+            <a:ext cx="10515600" cy="1325563"/>
+          </a:xfrm>
+        </p:spPr>
+        <p:txBody>
+          <a:bodyPr/>
+          <a:lstStyle/>
+          <a:p>
+            <a:r>
+              <a:rPr lang="en-US" altLang="zh-TW" dirty="0"/>
+              <a:t>API</a:t>
+            </a:r>
+            <a:endParaRPr lang="zh-TW" altLang="en-US" dirty="0"/>
+          </a:p>
+        </p:txBody>
+      </p:sp>
+      <p:sp>
+        <p:nvSpPr>
+          <p:cNvPr id="4" name="文字方塊 3">
+            <a:extLst>
+              <a:ext uri="{FF2B5EF4-FFF2-40B4-BE49-F238E27FC236}">
+                <a16:creationId xmlns:a16="http://schemas.microsoft.com/office/drawing/2014/main" id="{0D9BC1E6-74E0-174D-DB2F-87072D50D087}"/>
+              </a:ext>
+            </a:extLst>
+          </p:cNvPr>
+          <p:cNvSpPr txBox="1"/>
+          <p:nvPr/>
+        </p:nvSpPr>
+        <p:spPr>
+          <a:xfrm>
+            <a:off x="621383" y="1506022"/>
+            <a:ext cx="2432901" cy="369332"/>
+          </a:xfrm>
+          <a:prstGeom prst="rect">
+            <a:avLst/>
+          </a:prstGeom>
+          <a:noFill/>
+        </p:spPr>
+        <p:txBody>
+          <a:bodyPr wrap="square" rtlCol="0">
+            <a:spAutoFit/>
+          </a:bodyPr>
+          <a:lstStyle/>
+          <a:p>
+            <a:r>
+              <a:rPr lang="zh-TW" altLang="en-US" dirty="0"/>
+              <a:t>框選出過濾撲克牌</a:t>
+            </a:r>
+          </a:p>
+        </p:txBody>
+      </p:sp>
+      <p:graphicFrame>
+        <p:nvGraphicFramePr>
+          <p:cNvPr id="6" name="表格 5">
+            <a:extLst>
+              <a:ext uri="{FF2B5EF4-FFF2-40B4-BE49-F238E27FC236}">
+                <a16:creationId xmlns:a16="http://schemas.microsoft.com/office/drawing/2014/main" id="{89DC0B2D-19A9-4578-8521-A0084B5EC637}"/>
+              </a:ext>
+            </a:extLst>
+          </p:cNvPr>
+          <p:cNvGraphicFramePr>
+            <a:graphicFrameLocks noGrp="1"/>
+          </p:cNvGraphicFramePr>
+          <p:nvPr>
+            <p:extLst>
+              <p:ext uri="{D42A27DB-BD31-4B8C-83A1-F6EECF244321}">
+                <p14:modId xmlns:p14="http://schemas.microsoft.com/office/powerpoint/2010/main" val="1697176755"/>
+              </p:ext>
+            </p:extLst>
+          </p:nvPr>
+        </p:nvGraphicFramePr>
+        <p:xfrm>
+          <a:off x="772303" y="2042181"/>
+          <a:ext cx="9088226" cy="1614739"/>
+        </p:xfrm>
+        <a:graphic>
+          <a:graphicData uri="http://schemas.openxmlformats.org/drawingml/2006/table">
+            <a:tbl>
+              <a:tblPr firstRow="1" bandRow="1">
+                <a:tableStyleId>{5C22544A-7EE6-4342-B048-85BDC9FD1C3A}</a:tableStyleId>
+              </a:tblPr>
+              <a:tblGrid>
+                <a:gridCol w="4544113">
+                  <a:extLst>
+                    <a:ext uri="{9D8B030D-6E8A-4147-A177-3AD203B41FA5}">
+                      <a16:colId xmlns:a16="http://schemas.microsoft.com/office/drawing/2014/main" val="3762263208"/>
+                    </a:ext>
+                  </a:extLst>
+                </a:gridCol>
+                <a:gridCol w="4544113">
+                  <a:extLst>
+                    <a:ext uri="{9D8B030D-6E8A-4147-A177-3AD203B41FA5}">
+                      <a16:colId xmlns:a16="http://schemas.microsoft.com/office/drawing/2014/main" val="2372617071"/>
+                    </a:ext>
+                  </a:extLst>
+                </a:gridCol>
+              </a:tblGrid>
+              <a:tr h="507017">
+                <a:tc>
+                  <a:txBody>
+                    <a:bodyPr/>
+                    <a:lstStyle/>
+                    <a:p>
+                      <a:r>
+                        <a:rPr lang="zh-TW" altLang="en-US" dirty="0"/>
+                        <a:t>輸入</a:t>
+                      </a:r>
+                    </a:p>
+                  </a:txBody>
+                  <a:tcPr/>
+                </a:tc>
+                <a:tc>
+                  <a:txBody>
+                    <a:bodyPr/>
+                    <a:lstStyle/>
+                    <a:p>
+                      <a:r>
+                        <a:rPr lang="en-US" altLang="zh-TW" dirty="0" err="1"/>
+                        <a:t>contourArea</a:t>
+                      </a:r>
+                      <a:endParaRPr lang="zh-TW" altLang="en-US" dirty="0"/>
+                    </a:p>
+                  </a:txBody>
+                  <a:tcPr/>
+                </a:tc>
+                <a:extLst>
+                  <a:ext uri="{0D108BD9-81ED-4DB2-BD59-A6C34878D82A}">
+                    <a16:rowId xmlns:a16="http://schemas.microsoft.com/office/drawing/2014/main" val="590959509"/>
+                  </a:ext>
+                </a:extLst>
+              </a:tr>
+              <a:tr h="467642">
+                <a:tc>
+                  <a:txBody>
+                    <a:bodyPr/>
+                    <a:lstStyle/>
+                    <a:p>
+                      <a:r>
+                        <a:rPr lang="zh-TW" altLang="en-US" dirty="0"/>
+                        <a:t>輸出</a:t>
+                      </a:r>
+                    </a:p>
+                  </a:txBody>
+                  <a:tcPr/>
+                </a:tc>
+                <a:tc>
+                  <a:txBody>
+                    <a:bodyPr/>
+                    <a:lstStyle/>
+                    <a:p>
+                      <a:r>
+                        <a:rPr lang="zh-TW" altLang="en-US" dirty="0"/>
+                        <a:t>篩選出的輪廓，綠色線條繪製在圖像上進行可視化</a:t>
+                      </a:r>
+                    </a:p>
+                  </a:txBody>
+                  <a:tcPr/>
+                </a:tc>
+                <a:extLst>
+                  <a:ext uri="{0D108BD9-81ED-4DB2-BD59-A6C34878D82A}">
+                    <a16:rowId xmlns:a16="http://schemas.microsoft.com/office/drawing/2014/main" val="243461442"/>
+                  </a:ext>
+                </a:extLst>
+              </a:tr>
+              <a:tr h="467642">
+                <a:tc>
+                  <a:txBody>
+                    <a:bodyPr/>
+                    <a:lstStyle/>
+                    <a:p>
+                      <a:r>
+                        <a:rPr lang="zh-TW" altLang="en-US" dirty="0"/>
+                        <a:t>程式碼</a:t>
+                      </a:r>
+                    </a:p>
+                  </a:txBody>
+                  <a:tcPr/>
+                </a:tc>
+                <a:tc>
+                  <a:txBody>
+                    <a:bodyPr/>
+                    <a:lstStyle/>
+                    <a:p>
+                      <a:r>
+                        <a:rPr lang="en-US" altLang="zh-TW" dirty="0"/>
+                        <a:t>Cv2.drawContours(</a:t>
+                      </a:r>
+                      <a:r>
+                        <a:rPr lang="zh-TW" altLang="en-US" dirty="0"/>
+                        <a:t>分割過後的牌</a:t>
+                      </a:r>
+                      <a:r>
+                        <a:rPr lang="en-US" altLang="zh-TW" dirty="0"/>
+                        <a:t>,</a:t>
+                      </a:r>
+                      <a:r>
+                        <a:rPr lang="zh-TW" altLang="en-US" dirty="0"/>
+                        <a:t>顏色</a:t>
+                      </a:r>
+                      <a:r>
+                        <a:rPr lang="en-US" altLang="zh-TW" dirty="0"/>
+                        <a:t>,</a:t>
+                      </a:r>
+                      <a:r>
+                        <a:rPr lang="zh-TW" altLang="en-US" dirty="0"/>
+                        <a:t>粗度</a:t>
+                      </a:r>
+                      <a:r>
+                        <a:rPr lang="en-US" altLang="zh-TW" dirty="0"/>
+                        <a:t>)</a:t>
+                      </a:r>
+                      <a:endParaRPr lang="zh-TW" altLang="en-US" dirty="0"/>
+                    </a:p>
+                  </a:txBody>
+                  <a:tcPr/>
+                </a:tc>
+                <a:extLst>
+                  <a:ext uri="{0D108BD9-81ED-4DB2-BD59-A6C34878D82A}">
+                    <a16:rowId xmlns:a16="http://schemas.microsoft.com/office/drawing/2014/main" val="688274193"/>
+                  </a:ext>
+                </a:extLst>
+              </a:tr>
+            </a:tbl>
+          </a:graphicData>
+        </a:graphic>
+      </p:graphicFrame>
+      <p:graphicFrame>
+        <p:nvGraphicFramePr>
+          <p:cNvPr id="7" name="表格 6">
+            <a:extLst>
+              <a:ext uri="{FF2B5EF4-FFF2-40B4-BE49-F238E27FC236}">
+                <a16:creationId xmlns:a16="http://schemas.microsoft.com/office/drawing/2014/main" id="{9F37C57D-F401-4D13-A460-009DA08C61FB}"/>
+              </a:ext>
+            </a:extLst>
+          </p:cNvPr>
+          <p:cNvGraphicFramePr>
+            <a:graphicFrameLocks noGrp="1"/>
+          </p:cNvGraphicFramePr>
+          <p:nvPr>
+            <p:extLst>
+              <p:ext uri="{D42A27DB-BD31-4B8C-83A1-F6EECF244321}">
+                <p14:modId xmlns:p14="http://schemas.microsoft.com/office/powerpoint/2010/main" val="146619108"/>
+              </p:ext>
+            </p:extLst>
+          </p:nvPr>
+        </p:nvGraphicFramePr>
+        <p:xfrm>
+          <a:off x="772303" y="4727216"/>
+          <a:ext cx="9088226" cy="1442301"/>
+        </p:xfrm>
+        <a:graphic>
+          <a:graphicData uri="http://schemas.openxmlformats.org/drawingml/2006/table">
+            <a:tbl>
+              <a:tblPr firstRow="1" bandRow="1">
+                <a:tableStyleId>{5C22544A-7EE6-4342-B048-85BDC9FD1C3A}</a:tableStyleId>
+              </a:tblPr>
+              <a:tblGrid>
+                <a:gridCol w="4544113">
+                  <a:extLst>
+                    <a:ext uri="{9D8B030D-6E8A-4147-A177-3AD203B41FA5}">
+                      <a16:colId xmlns:a16="http://schemas.microsoft.com/office/drawing/2014/main" val="3762263208"/>
+                    </a:ext>
+                  </a:extLst>
+                </a:gridCol>
+                <a:gridCol w="4544113">
+                  <a:extLst>
+                    <a:ext uri="{9D8B030D-6E8A-4147-A177-3AD203B41FA5}">
+                      <a16:colId xmlns:a16="http://schemas.microsoft.com/office/drawing/2014/main" val="2372617071"/>
+                    </a:ext>
+                  </a:extLst>
+                </a:gridCol>
+              </a:tblGrid>
+              <a:tr h="507017">
+                <a:tc>
+                  <a:txBody>
+                    <a:bodyPr/>
+                    <a:lstStyle/>
+                    <a:p>
+                      <a:r>
+                        <a:rPr lang="zh-TW" altLang="en-US" dirty="0"/>
+                        <a:t>輸入</a:t>
+                      </a:r>
+                    </a:p>
+                  </a:txBody>
+                  <a:tcPr/>
+                </a:tc>
+                <a:tc>
+                  <a:txBody>
+                    <a:bodyPr/>
+                    <a:lstStyle/>
+                    <a:p>
+                      <a:r>
+                        <a:rPr lang="zh-TW" altLang="en-US" dirty="0"/>
+                        <a:t>特徵數據</a:t>
+                      </a:r>
+                    </a:p>
+                  </a:txBody>
+                  <a:tcPr/>
+                </a:tc>
+                <a:extLst>
+                  <a:ext uri="{0D108BD9-81ED-4DB2-BD59-A6C34878D82A}">
+                    <a16:rowId xmlns:a16="http://schemas.microsoft.com/office/drawing/2014/main" val="590959509"/>
+                  </a:ext>
+                </a:extLst>
+              </a:tr>
+              <a:tr h="467642">
+                <a:tc>
+                  <a:txBody>
+                    <a:bodyPr/>
+                    <a:lstStyle/>
+                    <a:p>
+                      <a:r>
+                        <a:rPr lang="zh-TW" altLang="en-US" dirty="0"/>
+                        <a:t>輸出</a:t>
+                      </a:r>
+                    </a:p>
+                  </a:txBody>
+                  <a:tcPr/>
+                </a:tc>
+                <a:tc>
+                  <a:txBody>
+                    <a:bodyPr/>
+                    <a:lstStyle/>
+                    <a:p>
+                      <a:r>
+                        <a:rPr lang="zh-TW" altLang="en-US" dirty="0"/>
+                        <a:t>判別出來牌型名字</a:t>
+                      </a:r>
+                    </a:p>
+                  </a:txBody>
+                  <a:tcPr/>
+                </a:tc>
+                <a:extLst>
+                  <a:ext uri="{0D108BD9-81ED-4DB2-BD59-A6C34878D82A}">
+                    <a16:rowId xmlns:a16="http://schemas.microsoft.com/office/drawing/2014/main" val="243461442"/>
+                  </a:ext>
+                </a:extLst>
+              </a:tr>
+              <a:tr h="467642">
+                <a:tc>
+                  <a:txBody>
+                    <a:bodyPr/>
+                    <a:lstStyle/>
+                    <a:p>
+                      <a:r>
+                        <a:rPr lang="zh-TW" altLang="en-US" dirty="0"/>
+                        <a:t>程式碼</a:t>
+                      </a:r>
+                    </a:p>
+                  </a:txBody>
+                  <a:tcPr/>
+                </a:tc>
+                <a:tc>
+                  <a:txBody>
+                    <a:bodyPr/>
+                    <a:lstStyle/>
+                    <a:p>
+                      <a:r>
+                        <a:rPr lang="en-US" altLang="zh-TW" dirty="0"/>
+                        <a:t>Cv2.putext(</a:t>
+                      </a:r>
+                      <a:r>
+                        <a:rPr lang="zh-TW" altLang="en-US" dirty="0"/>
+                        <a:t>牌型</a:t>
+                      </a:r>
+                      <a:r>
+                        <a:rPr lang="en-US" altLang="zh-TW" dirty="0"/>
+                        <a:t>,</a:t>
+                      </a:r>
+                      <a:r>
+                        <a:rPr lang="zh-TW" altLang="en-US" dirty="0"/>
+                        <a:t>位置</a:t>
+                      </a:r>
+                      <a:r>
+                        <a:rPr lang="en-US" altLang="zh-TW" dirty="0"/>
+                        <a:t>,</a:t>
+                      </a:r>
+                      <a:r>
+                        <a:rPr lang="zh-TW" altLang="en-US" dirty="0"/>
+                        <a:t>顏色</a:t>
+                      </a:r>
+                      <a:r>
+                        <a:rPr lang="en-US" altLang="zh-TW" dirty="0"/>
+                        <a:t>,</a:t>
+                      </a:r>
+                      <a:r>
+                        <a:rPr lang="zh-TW" altLang="en-US" dirty="0"/>
+                        <a:t>大小</a:t>
+                      </a:r>
+                      <a:r>
+                        <a:rPr lang="en-US" altLang="zh-TW" dirty="0"/>
+                        <a:t>)</a:t>
+                      </a:r>
+                      <a:endParaRPr lang="zh-TW" altLang="en-US" dirty="0"/>
+                    </a:p>
+                  </a:txBody>
+                  <a:tcPr/>
+                </a:tc>
+                <a:extLst>
+                  <a:ext uri="{0D108BD9-81ED-4DB2-BD59-A6C34878D82A}">
+                    <a16:rowId xmlns:a16="http://schemas.microsoft.com/office/drawing/2014/main" val="688274193"/>
+                  </a:ext>
+                </a:extLst>
+              </a:tr>
+            </a:tbl>
+          </a:graphicData>
+        </a:graphic>
+      </p:graphicFrame>
+      <p:sp>
+        <p:nvSpPr>
+          <p:cNvPr id="8" name="文字方塊 7">
+            <a:extLst>
+              <a:ext uri="{FF2B5EF4-FFF2-40B4-BE49-F238E27FC236}">
+                <a16:creationId xmlns:a16="http://schemas.microsoft.com/office/drawing/2014/main" id="{EA13CB85-1CAF-4D50-B35C-1F4712032288}"/>
+              </a:ext>
+            </a:extLst>
+          </p:cNvPr>
+          <p:cNvSpPr txBox="1"/>
+          <p:nvPr/>
+        </p:nvSpPr>
+        <p:spPr>
+          <a:xfrm>
+            <a:off x="772303" y="4198272"/>
+            <a:ext cx="2432901" cy="369332"/>
+          </a:xfrm>
+          <a:prstGeom prst="rect">
+            <a:avLst/>
+          </a:prstGeom>
+          <a:noFill/>
+        </p:spPr>
+        <p:txBody>
+          <a:bodyPr wrap="square" rtlCol="0">
+            <a:spAutoFit/>
+          </a:bodyPr>
+          <a:lstStyle/>
+          <a:p>
+            <a:r>
+              <a:rPr lang="zh-TW" altLang="en-US" dirty="0"/>
+              <a:t>撲克牌命名</a:t>
+            </a:r>
+          </a:p>
+        </p:txBody>
+      </p:sp>
+    </p:spTree>
+    <p:extLst>
+      <p:ext uri="{BB962C8B-B14F-4D97-AF65-F5344CB8AC3E}">
+        <p14:creationId xmlns:p14="http://schemas.microsoft.com/office/powerpoint/2010/main" val="2225649257"/>
+      </p:ext>
+    </p:extLst>
+  </p:cSld>
+  <p:clrMapOvr>
+    <a:masterClrMapping/>
+  </p:clrMapOvr>
+</p:sld>
+</file>
+
+<file path=ppt/slides/slide9.xml><?xml version="1.0" encoding="utf-8"?>
+<p:sld xmlns:a="http://schemas.openxmlformats.org/drawingml/2006/main" xmlns:r="http://schemas.openxmlformats.org/officeDocument/2006/relationships" xmlns:p="http://schemas.openxmlformats.org/presentationml/2006/main">
+  <p:cSld>
+    <p:spTree>
+      <p:nvGrpSpPr>
+        <p:cNvPr id="1" name=""/>
+        <p:cNvGrpSpPr/>
+        <p:nvPr/>
+      </p:nvGrpSpPr>
+      <p:grpSpPr>
+        <a:xfrm>
+          <a:off x="0" y="0"/>
+          <a:ext cx="0" cy="0"/>
+          <a:chOff x="0" y="0"/>
+          <a:chExt cx="0" cy="0"/>
+        </a:xfrm>
+      </p:grpSpPr>
+      <p:sp>
+        <p:nvSpPr>
+          <p:cNvPr id="2" name="標題 1">
+            <a:extLst>
+              <a:ext uri="{FF2B5EF4-FFF2-40B4-BE49-F238E27FC236}">
+                <a16:creationId xmlns:a16="http://schemas.microsoft.com/office/drawing/2014/main" id="{616DE70A-29B5-458B-B996-E8F6787D9676}"/>
+              </a:ext>
+            </a:extLst>
+          </p:cNvPr>
+          <p:cNvSpPr>
+            <a:spLocks noGrp="1"/>
+          </p:cNvSpPr>
+          <p:nvPr>
+            <p:ph type="title"/>
+          </p:nvPr>
+        </p:nvSpPr>
+        <p:spPr/>
+        <p:txBody>
+          <a:bodyPr/>
+          <a:lstStyle/>
+          <a:p>
+            <a:r>
+              <a:rPr lang="en-US" altLang="zh-TW" dirty="0"/>
+              <a:t>API</a:t>
+            </a:r>
+            <a:endParaRPr lang="zh-TW" altLang="en-US" dirty="0"/>
+          </a:p>
+        </p:txBody>
+      </p:sp>
+      <p:sp>
+        <p:nvSpPr>
+          <p:cNvPr id="4" name="文字方塊 3">
+            <a:extLst>
+              <a:ext uri="{FF2B5EF4-FFF2-40B4-BE49-F238E27FC236}">
+                <a16:creationId xmlns:a16="http://schemas.microsoft.com/office/drawing/2014/main" id="{0D9BC1E6-74E0-174D-DB2F-87072D50D087}"/>
+              </a:ext>
+            </a:extLst>
+          </p:cNvPr>
+          <p:cNvSpPr txBox="1"/>
+          <p:nvPr/>
+        </p:nvSpPr>
+        <p:spPr>
+          <a:xfrm>
+            <a:off x="729789" y="1721018"/>
+            <a:ext cx="2432901" cy="369332"/>
+          </a:xfrm>
+          <a:prstGeom prst="rect">
+            <a:avLst/>
+          </a:prstGeom>
+          <a:noFill/>
+        </p:spPr>
+        <p:txBody>
+          <a:bodyPr wrap="square" rtlCol="0">
+            <a:spAutoFit/>
+          </a:bodyPr>
+          <a:lstStyle/>
+          <a:p>
+            <a:r>
+              <a:rPr lang="zh-TW" altLang="en-US" dirty="0"/>
+              <a:t>取輪廓邊角</a:t>
+            </a:r>
+          </a:p>
+        </p:txBody>
+      </p:sp>
+      <p:graphicFrame>
+        <p:nvGraphicFramePr>
+          <p:cNvPr id="5" name="表格 4">
+            <a:extLst>
+              <a:ext uri="{FF2B5EF4-FFF2-40B4-BE49-F238E27FC236}">
+                <a16:creationId xmlns:a16="http://schemas.microsoft.com/office/drawing/2014/main" id="{488F1C4E-BFA3-14CB-6D3C-624480B4140E}"/>
+              </a:ext>
+            </a:extLst>
+          </p:cNvPr>
+          <p:cNvGraphicFramePr>
+            <a:graphicFrameLocks noGrp="1"/>
+          </p:cNvGraphicFramePr>
+          <p:nvPr>
+            <p:extLst>
+              <p:ext uri="{D42A27DB-BD31-4B8C-83A1-F6EECF244321}">
+                <p14:modId xmlns:p14="http://schemas.microsoft.com/office/powerpoint/2010/main" val="1548409990"/>
+              </p:ext>
+            </p:extLst>
+          </p:nvPr>
+        </p:nvGraphicFramePr>
+        <p:xfrm>
+          <a:off x="729789" y="2394652"/>
+          <a:ext cx="11181474" cy="2379516"/>
+        </p:xfrm>
+        <a:graphic>
+          <a:graphicData uri="http://schemas.openxmlformats.org/drawingml/2006/table">
+            <a:tbl>
+              <a:tblPr firstRow="1" bandRow="1">
+                <a:tableStyleId>{5C22544A-7EE6-4342-B048-85BDC9FD1C3A}</a:tableStyleId>
+              </a:tblPr>
+              <a:tblGrid>
+                <a:gridCol w="5590737">
+                  <a:extLst>
+                    <a:ext uri="{9D8B030D-6E8A-4147-A177-3AD203B41FA5}">
+                      <a16:colId xmlns:a16="http://schemas.microsoft.com/office/drawing/2014/main" val="3762263208"/>
+                    </a:ext>
+                  </a:extLst>
+                </a:gridCol>
+                <a:gridCol w="5590737">
+                  <a:extLst>
+                    <a:ext uri="{9D8B030D-6E8A-4147-A177-3AD203B41FA5}">
+                      <a16:colId xmlns:a16="http://schemas.microsoft.com/office/drawing/2014/main" val="2372617071"/>
+                    </a:ext>
+                  </a:extLst>
+                </a:gridCol>
+              </a:tblGrid>
+              <a:tr h="578272">
+                <a:tc>
+                  <a:txBody>
+                    <a:bodyPr/>
+                    <a:lstStyle/>
+                    <a:p>
+                      <a:r>
+                        <a:rPr lang="zh-TW" altLang="en-US" dirty="0"/>
+                        <a:t>輸入</a:t>
+                      </a:r>
+                    </a:p>
+                  </a:txBody>
+                  <a:tcPr/>
+                </a:tc>
+                <a:tc>
+                  <a:txBody>
+                    <a:bodyPr/>
+                    <a:lstStyle/>
+                    <a:p>
+                      <a:r>
+                        <a:rPr lang="en-US" altLang="zh-TW" dirty="0" err="1"/>
+                        <a:t>cnt</a:t>
+                      </a:r>
+                      <a:r>
+                        <a:rPr lang="en-US" altLang="zh-TW" dirty="0"/>
+                        <a:t> </a:t>
+                      </a:r>
+                      <a:r>
+                        <a:rPr lang="zh-TW" altLang="en-US" dirty="0"/>
+                        <a:t>的外接矩形</a:t>
+                      </a:r>
+                    </a:p>
+                  </a:txBody>
+                  <a:tcPr/>
+                </a:tc>
+                <a:extLst>
+                  <a:ext uri="{0D108BD9-81ED-4DB2-BD59-A6C34878D82A}">
+                    <a16:rowId xmlns:a16="http://schemas.microsoft.com/office/drawing/2014/main" val="590959509"/>
+                  </a:ext>
+                </a:extLst>
+              </a:tr>
+              <a:tr h="519727">
+                <a:tc>
+                  <a:txBody>
+                    <a:bodyPr/>
+                    <a:lstStyle/>
+                    <a:p>
+                      <a:r>
+                        <a:rPr lang="zh-TW" altLang="en-US" dirty="0"/>
+                        <a:t>輸出</a:t>
+                      </a:r>
+                    </a:p>
+                  </a:txBody>
+                  <a:tcPr/>
+                </a:tc>
+                <a:tc>
+                  <a:txBody>
+                    <a:bodyPr/>
+                    <a:lstStyle/>
+                    <a:p>
+                      <a:r>
+                        <a:rPr lang="en-US" altLang="zh-TW" dirty="0"/>
+                        <a:t>x, y</a:t>
+                      </a:r>
+                      <a:r>
+                        <a:rPr lang="zh-TW" altLang="en-US" dirty="0"/>
+                        <a:t>：矩形的左上角座標。</a:t>
+                      </a:r>
+                      <a:r>
+                        <a:rPr lang="en-US" altLang="zh-TW" dirty="0"/>
+                        <a:t>w, h</a:t>
+                      </a:r>
+                      <a:r>
+                        <a:rPr lang="zh-TW" altLang="en-US" dirty="0"/>
+                        <a:t>：矩形的寬度和高度。</a:t>
+                      </a:r>
+                    </a:p>
+                  </a:txBody>
+                  <a:tcPr/>
+                </a:tc>
+                <a:extLst>
+                  <a:ext uri="{0D108BD9-81ED-4DB2-BD59-A6C34878D82A}">
+                    <a16:rowId xmlns:a16="http://schemas.microsoft.com/office/drawing/2014/main" val="243461442"/>
+                  </a:ext>
+                </a:extLst>
+              </a:tr>
+              <a:tr h="1281517">
+                <a:tc>
+                  <a:txBody>
+                    <a:bodyPr/>
+                    <a:lstStyle/>
+                    <a:p>
+                      <a:r>
+                        <a:rPr lang="zh-TW" altLang="en-US" dirty="0"/>
+                        <a:t>程式碼</a:t>
+                      </a:r>
+                    </a:p>
+                  </a:txBody>
+                  <a:tcPr/>
+                </a:tc>
+                <a:tc>
+                  <a:txBody>
+                    <a:bodyPr/>
+                    <a:lstStyle/>
+                    <a:p>
+                      <a:r>
+                        <a:rPr lang="en-US" altLang="zh-TW" dirty="0" err="1"/>
+                        <a:t>top_left_rect</a:t>
+                      </a:r>
+                      <a:r>
+                        <a:rPr lang="en-US" altLang="zh-TW" dirty="0"/>
+                        <a:t> = (10, 10, 50, 50)  #</a:t>
+                      </a:r>
+                    </a:p>
+                    <a:p>
+                      <a:r>
+                        <a:rPr lang="en-US" altLang="zh-TW" dirty="0"/>
+                        <a:t> x, y, w, h</a:t>
+                      </a:r>
+                      <a:r>
+                        <a:rPr lang="zh-TW" altLang="en-US" dirty="0"/>
+                        <a:t>設定擷取範圍</a:t>
+                      </a:r>
+                      <a:r>
+                        <a:rPr lang="en-US" altLang="zh-TW" dirty="0"/>
+                        <a:t>]</a:t>
+                      </a:r>
+                      <a:r>
+                        <a:rPr lang="en-US" altLang="zh-TW" dirty="0" err="1"/>
+                        <a:t>cropped_img</a:t>
+                      </a:r>
+                      <a:r>
+                        <a:rPr lang="en-US" altLang="zh-TW" dirty="0"/>
+                        <a:t> = </a:t>
+                      </a:r>
+                    </a:p>
+                    <a:p>
+                      <a:r>
+                        <a:rPr lang="en-US" altLang="zh-TW" dirty="0" err="1"/>
+                        <a:t>extract_top_left</a:t>
+                      </a:r>
+                      <a:r>
+                        <a:rPr lang="en-US" altLang="zh-TW" dirty="0"/>
+                        <a:t>(</a:t>
+                      </a:r>
+                      <a:r>
+                        <a:rPr lang="en-US" altLang="zh-TW" dirty="0" err="1"/>
+                        <a:t>img_gray</a:t>
+                      </a:r>
+                      <a:r>
+                        <a:rPr lang="en-US" altLang="zh-TW" dirty="0"/>
+                        <a:t>, </a:t>
+                      </a:r>
+                      <a:r>
+                        <a:rPr lang="en-US" altLang="zh-TW" dirty="0" err="1"/>
+                        <a:t>top_left_rect</a:t>
+                      </a:r>
+                      <a:r>
+                        <a:rPr lang="en-US" altLang="zh-TW" dirty="0"/>
+                        <a:t>)</a:t>
+                      </a:r>
+                      <a:r>
+                        <a:rPr lang="zh-TW" altLang="en-US" dirty="0"/>
+                        <a:t>擷取動作</a:t>
+                      </a:r>
+                    </a:p>
+                  </a:txBody>
+                  <a:tcPr/>
+                </a:tc>
+                <a:extLst>
+                  <a:ext uri="{0D108BD9-81ED-4DB2-BD59-A6C34878D82A}">
+                    <a16:rowId xmlns:a16="http://schemas.microsoft.com/office/drawing/2014/main" val="688274193"/>
+                  </a:ext>
+                </a:extLst>
+              </a:tr>
+            </a:tbl>
+          </a:graphicData>
+        </a:graphic>
+      </p:graphicFrame>
+    </p:spTree>
+    <p:extLst>
+      <p:ext uri="{BB962C8B-B14F-4D97-AF65-F5344CB8AC3E}">
+        <p14:creationId xmlns:p14="http://schemas.microsoft.com/office/powerpoint/2010/main" val="2701587557"/>
       </p:ext>
     </p:extLst>
   </p:cSld>

--- a/poker.pptx
+++ b/poker.pptx
@@ -3712,7 +3712,7 @@
           <p:nvPr>
             <p:extLst>
               <p:ext uri="{D42A27DB-BD31-4B8C-83A1-F6EECF244321}">
-                <p14:modId xmlns:p14="http://schemas.microsoft.com/office/powerpoint/2010/main" val="1475246919"/>
+                <p14:modId xmlns:p14="http://schemas.microsoft.com/office/powerpoint/2010/main" val="2273495369"/>
               </p:ext>
             </p:extLst>
           </p:nvPr>
@@ -3764,7 +3764,19 @@
                     <a:p>
                       <a:r>
                         <a:rPr lang="zh-TW" altLang="en-US" dirty="0"/>
-                        <a:t>抓到面積的撲克牌</a:t>
+                        <a:t>邊角</a:t>
+                      </a:r>
+                      <a:r>
+                        <a:rPr lang="en-US" altLang="zh-TW" dirty="0"/>
+                        <a:t>array [</a:t>
+                      </a:r>
+                      <a:r>
+                        <a:rPr lang="en-US" altLang="zh-TW" dirty="0" err="1"/>
+                        <a:t>x,y,w,h</a:t>
+                      </a:r>
+                      <a:r>
+                        <a:rPr lang="en-US" altLang="zh-TW" dirty="0"/>
+                        <a:t>]</a:t>
                       </a:r>
                     </a:p>
                   </a:txBody>
@@ -3796,18 +3808,9 @@
                     <a:lstStyle/>
                     <a:p>
                       <a:r>
-                        <a:rPr lang="zh-TW" altLang="en-US" sz="1800" b="0" i="0" kern="1200" dirty="0">
-                          <a:solidFill>
-                            <a:schemeClr val="dk1"/>
-                          </a:solidFill>
-                          <a:effectLst/>
-                          <a:latin typeface="+mn-lt"/>
-                          <a:ea typeface="+mn-ea"/>
-                          <a:cs typeface="+mn-cs"/>
-                        </a:rPr>
-                        <a:t>計算頂點將撲克牌拉直</a:t>
-                      </a:r>
-                      <a:endParaRPr lang="zh-TW" altLang="en-US" dirty="0"/>
+                        <a:rPr lang="zh-TW" altLang="en-US" dirty="0"/>
+                        <a:t>卡片影像</a:t>
+                      </a:r>
                     </a:p>
                   </a:txBody>
                   <a:tcPr/>
@@ -3964,8 +3967,8 @@
         </p:nvSpPr>
         <p:spPr>
           <a:xfrm>
-            <a:off x="621383" y="3688439"/>
-            <a:ext cx="4601066" cy="369332"/>
+            <a:off x="621382" y="3688439"/>
+            <a:ext cx="7526937" cy="369332"/>
           </a:xfrm>
           <a:prstGeom prst="rect">
             <a:avLst/>
@@ -3980,7 +3983,7 @@
           <a:p>
             <a:r>
               <a:rPr lang="zh-TW" altLang="en-US" dirty="0"/>
-              <a:t>花色及數值比對</a:t>
+              <a:t>分割花色、數字</a:t>
             </a:r>
           </a:p>
         </p:txBody>
@@ -4000,7 +4003,7 @@
           <p:nvPr>
             <p:extLst>
               <p:ext uri="{D42A27DB-BD31-4B8C-83A1-F6EECF244321}">
-                <p14:modId xmlns:p14="http://schemas.microsoft.com/office/powerpoint/2010/main" val="149806666"/>
+                <p14:modId xmlns:p14="http://schemas.microsoft.com/office/powerpoint/2010/main" val="4017767052"/>
               </p:ext>
             </p:extLst>
           </p:nvPr>
@@ -4052,7 +4055,7 @@
                     <a:p>
                       <a:r>
                         <a:rPr lang="zh-TW" altLang="en-US" dirty="0"/>
-                        <a:t>拉直撲克牌</a:t>
+                        <a:t>卡片影像</a:t>
                       </a:r>
                     </a:p>
                   </a:txBody>
@@ -4085,7 +4088,19 @@
                     <a:p>
                       <a:r>
                         <a:rPr lang="zh-TW" altLang="en-US" dirty="0"/>
-                        <a:t>花色跟數值</a:t>
+                        <a:t>卡片影響</a:t>
+                      </a:r>
+                      <a:r>
+                        <a:rPr lang="en-US" altLang="zh-TW" dirty="0"/>
+                        <a:t>[</a:t>
+                      </a:r>
+                      <a:r>
+                        <a:rPr lang="en-US" altLang="zh-TW" dirty="0" err="1"/>
+                        <a:t>y:y+h,x:x+w</a:t>
+                      </a:r>
+                      <a:r>
+                        <a:rPr lang="en-US" altLang="zh-TW" dirty="0"/>
+                        <a:t>]</a:t>
                       </a:r>
                     </a:p>
                   </a:txBody>
@@ -4274,14 +4289,14 @@
           <p:nvPr>
             <p:extLst>
               <p:ext uri="{D42A27DB-BD31-4B8C-83A1-F6EECF244321}">
-                <p14:modId xmlns:p14="http://schemas.microsoft.com/office/powerpoint/2010/main" val="764329554"/>
+                <p14:modId xmlns:p14="http://schemas.microsoft.com/office/powerpoint/2010/main" val="763690742"/>
               </p:ext>
             </p:extLst>
           </p:nvPr>
         </p:nvGraphicFramePr>
         <p:xfrm>
           <a:off x="838200" y="2060020"/>
-          <a:ext cx="9088226" cy="1967094"/>
+          <a:ext cx="9088226" cy="1697854"/>
         </p:xfrm>
         <a:graphic>
           <a:graphicData uri="http://schemas.openxmlformats.org/drawingml/2006/table">
@@ -4326,8 +4341,13 @@
                     <a:p>
                       <a:r>
                         <a:rPr lang="zh-TW" altLang="en-US" dirty="0"/>
-                        <a:t>兩個圖像</a:t>
-                      </a:r>
+                        <a:t>花色、數字影像</a:t>
+                      </a:r>
+                      <a:r>
+                        <a:rPr lang="en-US" altLang="zh-TW" dirty="0"/>
+                        <a:t>array</a:t>
+                      </a:r>
+                      <a:endParaRPr lang="zh-TW" altLang="en-US" dirty="0"/>
                     </a:p>
                   </a:txBody>
                   <a:tcPr/>
@@ -4358,9 +4378,34 @@
                     <a:lstStyle/>
                     <a:p>
                       <a:r>
+                        <a:rPr lang="en-US" altLang="zh-TW" dirty="0" err="1"/>
+                        <a:t>num_result</a:t>
+                      </a:r>
+                      <a:r>
                         <a:rPr lang="zh-TW" altLang="en-US" dirty="0"/>
-                        <a:t>對兩個圖像或陣列進行逐像素相減，並且確保結果在範圍內（避免負值變成非預期值）。</a:t>
-                      </a:r>
+                        <a:t> </a:t>
+                      </a:r>
+                      <a:r>
+                        <a:rPr lang="en-US" altLang="zh-TW" dirty="0"/>
+                        <a:t>array [</a:t>
+                      </a:r>
+                      <a:r>
+                        <a:rPr lang="zh-TW" altLang="en-US" dirty="0"/>
+                        <a:t>編號</a:t>
+                      </a:r>
+                      <a:r>
+                        <a:rPr lang="en-US" altLang="zh-TW" dirty="0"/>
+                        <a:t>][</a:t>
+                      </a:r>
+                      <a:r>
+                        <a:rPr lang="zh-TW" altLang="en-US" dirty="0"/>
+                        <a:t>原影像座標</a:t>
+                      </a:r>
+                      <a:r>
+                        <a:rPr lang="en-US" altLang="zh-TW" dirty="0"/>
+                        <a:t>]</a:t>
+                      </a:r>
+                      <a:endParaRPr lang="zh-TW" altLang="en-US" dirty="0"/>
                     </a:p>
                   </a:txBody>
                   <a:tcPr/>
@@ -11676,7 +11721,7 @@
           <p:nvPr>
             <p:extLst>
               <p:ext uri="{D42A27DB-BD31-4B8C-83A1-F6EECF244321}">
-                <p14:modId xmlns:p14="http://schemas.microsoft.com/office/powerpoint/2010/main" val="174506382"/>
+                <p14:modId xmlns:p14="http://schemas.microsoft.com/office/powerpoint/2010/main" val="3515032082"/>
               </p:ext>
             </p:extLst>
           </p:nvPr>
@@ -11770,7 +11815,7 @@
                       </a:r>
                       <a:r>
                         <a:rPr lang="en-US" altLang="zh-TW" dirty="0"/>
-                        <a:t>)</a:t>
+                        <a:t>array)</a:t>
                       </a:r>
                       <a:endParaRPr lang="zh-TW" altLang="en-US" dirty="0"/>
                     </a:p>
@@ -11968,7 +12013,7 @@
           <p:nvPr>
             <p:extLst>
               <p:ext uri="{D42A27DB-BD31-4B8C-83A1-F6EECF244321}">
-                <p14:modId xmlns:p14="http://schemas.microsoft.com/office/powerpoint/2010/main" val="3073509595"/>
+                <p14:modId xmlns:p14="http://schemas.microsoft.com/office/powerpoint/2010/main" val="1475420730"/>
               </p:ext>
             </p:extLst>
           </p:nvPr>
@@ -12020,7 +12065,15 @@
                     <a:p>
                       <a:r>
                         <a:rPr lang="en-US" altLang="zh-TW" dirty="0"/>
-                        <a:t>Frame</a:t>
+                        <a:t>Frame (</a:t>
+                      </a:r>
+                      <a:r>
+                        <a:rPr lang="zh-TW" altLang="en-US" dirty="0"/>
+                        <a:t>黑跟白</a:t>
+                      </a:r>
+                      <a:r>
+                        <a:rPr lang="en-US" altLang="zh-TW" dirty="0"/>
+                        <a:t>array)</a:t>
                       </a:r>
                       <a:endParaRPr lang="zh-TW" altLang="en-US" dirty="0"/>
                     </a:p>
@@ -12042,40 +12095,6 @@
                       <a:r>
                         <a:rPr lang="zh-TW" altLang="en-US" dirty="0"/>
                         <a:t>輸出</a:t>
-                      </a:r>
-                    </a:p>
-                  </a:txBody>
-                  <a:tcPr/>
-                </a:tc>
-                <a:tc>
-                  <a:txBody>
-                    <a:bodyPr/>
-                    <a:lstStyle/>
-                    <a:p>
-                      <a:r>
-                        <a:rPr lang="en-US" altLang="zh-TW" dirty="0"/>
-                        <a:t>Value</a:t>
-                      </a:r>
-                      <a:endParaRPr lang="zh-TW" altLang="en-US" dirty="0"/>
-                    </a:p>
-                  </a:txBody>
-                  <a:tcPr/>
-                </a:tc>
-                <a:extLst>
-                  <a:ext uri="{0D108BD9-81ED-4DB2-BD59-A6C34878D82A}">
-                    <a16:rowId xmlns:a16="http://schemas.microsoft.com/office/drawing/2014/main" val="243461442"/>
-                  </a:ext>
-                </a:extLst>
-              </a:tr>
-              <a:tr h="370840">
-                <a:tc>
-                  <a:txBody>
-                    <a:bodyPr/>
-                    <a:lstStyle/>
-                    <a:p>
-                      <a:r>
-                        <a:rPr lang="zh-TW" altLang="en-US" dirty="0"/>
-                        <a:t>程式碼</a:t>
                       </a:r>
                     </a:p>
                   </a:txBody>
@@ -12104,6 +12123,93 @@
                         <a:defRPr/>
                       </a:pPr>
                       <a:r>
+                        <a:rPr lang="zh-TW" altLang="en-US" sz="1800" dirty="0"/>
+                        <a:t>輪廓 </a:t>
+                      </a:r>
+                      <a:r>
+                        <a:rPr lang="en-US" altLang="zh-TW" sz="1800" dirty="0"/>
+                        <a:t>(3</a:t>
+                      </a:r>
+                      <a:r>
+                        <a:rPr lang="zh-TW" altLang="en-US" sz="1800" dirty="0"/>
+                        <a:t>維</a:t>
+                      </a:r>
+                      <a:r>
+                        <a:rPr lang="en-US" altLang="zh-TW" sz="1800" dirty="0"/>
+                        <a:t>)</a:t>
+                      </a:r>
+                      <a:r>
+                        <a:rPr lang="zh-TW" altLang="en-US" sz="1800" dirty="0"/>
+                        <a:t> </a:t>
+                      </a:r>
+                      <a:r>
+                        <a:rPr lang="en-US" altLang="zh-TW" sz="1800" dirty="0"/>
+                        <a:t>array [1][</a:t>
+                      </a:r>
+                      <a:r>
+                        <a:rPr lang="zh-TW" altLang="en-US" sz="1800" dirty="0"/>
+                        <a:t>輪廓組</a:t>
+                      </a:r>
+                      <a:r>
+                        <a:rPr lang="en-US" altLang="zh-TW" sz="1800" dirty="0"/>
+                        <a:t>][</a:t>
+                      </a:r>
+                      <a:r>
+                        <a:rPr lang="zh-TW" altLang="en-US" sz="1800" dirty="0"/>
+                        <a:t>座標</a:t>
+                      </a:r>
+                      <a:r>
+                        <a:rPr lang="en-US" altLang="zh-TW" sz="1800" dirty="0"/>
+                        <a:t>]</a:t>
+                      </a:r>
+                      <a:endParaRPr lang="zh-TW" altLang="en-US" sz="1800" dirty="0"/>
+                    </a:p>
+                  </a:txBody>
+                  <a:tcPr/>
+                </a:tc>
+                <a:extLst>
+                  <a:ext uri="{0D108BD9-81ED-4DB2-BD59-A6C34878D82A}">
+                    <a16:rowId xmlns:a16="http://schemas.microsoft.com/office/drawing/2014/main" val="243461442"/>
+                  </a:ext>
+                </a:extLst>
+              </a:tr>
+              <a:tr h="370840">
+                <a:tc>
+                  <a:txBody>
+                    <a:bodyPr/>
+                    <a:lstStyle/>
+                    <a:p>
+                      <a:r>
+                        <a:rPr lang="zh-TW" altLang="en-US" dirty="0"/>
+                        <a:t>程式碼</a:t>
+                      </a:r>
+                    </a:p>
+                  </a:txBody>
+                  <a:tcPr/>
+                </a:tc>
+                <a:tc>
+                  <a:txBody>
+                    <a:bodyPr/>
+                    <a:lstStyle/>
+                    <a:p>
+                      <a:pPr marL="0" marR="0" lvl="0" indent="0" algn="l" defTabSz="914400" rtl="0" eaLnBrk="1" fontAlgn="auto" latinLnBrk="0" hangingPunct="1">
+                        <a:lnSpc>
+                          <a:spcPct val="100000"/>
+                        </a:lnSpc>
+                        <a:spcBef>
+                          <a:spcPts val="0"/>
+                        </a:spcBef>
+                        <a:spcAft>
+                          <a:spcPts val="0"/>
+                        </a:spcAft>
+                        <a:buClrTx/>
+                        <a:buSzTx/>
+                        <a:buFontTx/>
+                        <a:buNone/>
+                        <a:tabLst/>
+                        <a:defRPr/>
+                      </a:pPr>
+                      <a:r>
                         <a:rPr lang="en-US" altLang="zh-TW" sz="1800" b="0" kern="1200" dirty="0">
                           <a:solidFill>
                             <a:schemeClr val="dk1"/>
@@ -12221,7 +12327,7 @@
         </p:nvSpPr>
         <p:spPr>
           <a:xfrm>
-            <a:off x="621383" y="3846127"/>
+            <a:off x="621383" y="3759382"/>
             <a:ext cx="4601066" cy="369332"/>
           </a:xfrm>
           <a:prstGeom prst="rect">
@@ -12257,14 +12363,14 @@
           <p:nvPr>
             <p:extLst>
               <p:ext uri="{D42A27DB-BD31-4B8C-83A1-F6EECF244321}">
-                <p14:modId xmlns:p14="http://schemas.microsoft.com/office/powerpoint/2010/main" val="1443440355"/>
+                <p14:modId xmlns:p14="http://schemas.microsoft.com/office/powerpoint/2010/main" val="1070280906"/>
               </p:ext>
             </p:extLst>
           </p:nvPr>
         </p:nvGraphicFramePr>
         <p:xfrm>
-          <a:off x="621383" y="4302204"/>
-          <a:ext cx="9585272" cy="2468880"/>
+          <a:off x="621383" y="4114800"/>
+          <a:ext cx="9585272" cy="2743200"/>
         </p:xfrm>
         <a:graphic>
           <a:graphicData uri="http://schemas.openxmlformats.org/drawingml/2006/table">
@@ -12288,7 +12394,7 @@
                   </a:extLst>
                 </a:gridCol>
               </a:tblGrid>
-              <a:tr h="315003">
+              <a:tr h="340773">
                 <a:tc>
                   <a:txBody>
                     <a:bodyPr/>
@@ -12308,16 +12414,28 @@
                     <a:lstStyle/>
                     <a:p>
                       <a:r>
-                        <a:rPr lang="en-US" altLang="zh-TW" dirty="0"/>
-                        <a:t>Id(</a:t>
-                      </a:r>
-                      <a:r>
-                        <a:rPr lang="zh-TW" altLang="en-US" dirty="0"/>
-                        <a:t>輪廓的索引</a:t>
-                      </a:r>
-                      <a:r>
-                        <a:rPr lang="en-US" altLang="zh-TW" dirty="0"/>
-                        <a:t>)</a:t>
+                        <a:rPr lang="zh-TW" altLang="en-US" sz="1800" dirty="0"/>
+                        <a:t>輪廓</a:t>
+                      </a:r>
+                      <a:r>
+                        <a:rPr lang="en-US" altLang="zh-TW" sz="1800" dirty="0"/>
+                        <a:t>array [</a:t>
+                      </a:r>
+                      <a:r>
+                        <a:rPr lang="zh-TW" altLang="en-US" sz="1800" dirty="0"/>
+                        <a:t>輪廓組</a:t>
+                      </a:r>
+                      <a:r>
+                        <a:rPr lang="en-US" altLang="zh-TW" sz="1800" dirty="0"/>
+                        <a:t>][</a:t>
+                      </a:r>
+                      <a:r>
+                        <a:rPr lang="zh-TW" altLang="en-US" sz="1800" dirty="0"/>
+                        <a:t>座標</a:t>
+                      </a:r>
+                      <a:r>
+                        <a:rPr lang="en-US" altLang="zh-TW" sz="1800" dirty="0"/>
+                        <a:t>]</a:t>
                       </a:r>
                       <a:endParaRPr lang="zh-TW" altLang="en-US" dirty="0"/>
                     </a:p>
@@ -12330,7 +12448,7 @@
                   </a:ext>
                 </a:extLst>
               </a:tr>
-              <a:tr h="551255">
+              <a:tr h="851932">
                 <a:tc>
                   <a:txBody>
                     <a:bodyPr/>
@@ -12351,6 +12469,36 @@
                     <a:p>
                       <a:r>
                         <a:rPr lang="zh-TW" altLang="en-US" dirty="0"/>
+                        <a:t>面積</a:t>
+                      </a:r>
+                      <a:r>
+                        <a:rPr lang="en-US" altLang="zh-TW" dirty="0"/>
+                        <a:t>array[</a:t>
+                      </a:r>
+                      <a:r>
+                        <a:rPr lang="zh-TW" altLang="en-US" dirty="0"/>
+                        <a:t>輪廓組</a:t>
+                      </a:r>
+                      <a:r>
+                        <a:rPr lang="en-US" altLang="zh-TW" dirty="0"/>
+                        <a:t>][(float)</a:t>
+                      </a:r>
+                      <a:r>
+                        <a:rPr lang="zh-TW" altLang="en-US" dirty="0"/>
+                        <a:t>面積值</a:t>
+                      </a:r>
+                      <a:r>
+                        <a:rPr lang="en-US" altLang="zh-TW" dirty="0"/>
+                        <a:t>]</a:t>
+                      </a:r>
+                    </a:p>
+                    <a:p>
+                      <a:r>
+                        <a:rPr lang="en-US" altLang="zh-TW" dirty="0"/>
+                        <a:t>(</a:t>
+                      </a:r>
+                      <a:r>
+                        <a:rPr lang="zh-TW" altLang="en-US" dirty="0"/>
                         <a:t>面積在 </a:t>
                       </a:r>
                       <a:r>
@@ -12361,6 +12509,11 @@
                         <a:rPr lang="zh-TW" altLang="en-US" dirty="0"/>
                         <a:t>之間的輪廓被認為是可能的卡片</a:t>
                       </a:r>
+                      <a:r>
+                        <a:rPr lang="en-US" altLang="zh-TW" dirty="0"/>
+                        <a:t>)</a:t>
+                      </a:r>
+                      <a:endParaRPr lang="zh-TW" altLang="en-US" dirty="0"/>
                     </a:p>
                   </a:txBody>
                   <a:tcPr/>
@@ -12371,7 +12524,7 @@
                   </a:ext>
                 </a:extLst>
               </a:tr>
-              <a:tr h="1260012">
+              <a:tr h="1363091">
                 <a:tc>
                   <a:txBody>
                     <a:bodyPr/>
@@ -12395,12 +12548,12 @@
                         <a:t>cv2.boundingRect(</a:t>
                       </a:r>
                       <a:r>
-                        <a:rPr lang="en-US" altLang="zh-TW" b="1" dirty="0" err="1"/>
-                        <a:t>cnt</a:t>
+                        <a:rPr lang="zh-TW" altLang="en-US" b="1" dirty="0"/>
+                        <a:t>輪廓</a:t>
                       </a:r>
                       <a:r>
                         <a:rPr lang="en-US" altLang="zh-TW" b="1" dirty="0"/>
-                        <a:t>)</a:t>
+                        <a:t>array)</a:t>
                       </a:r>
                       <a:endParaRPr lang="en-US" altLang="zh-TW" dirty="0"/>
                     </a:p>
@@ -13051,14 +13204,14 @@
           <p:nvPr>
             <p:extLst>
               <p:ext uri="{D42A27DB-BD31-4B8C-83A1-F6EECF244321}">
-                <p14:modId xmlns:p14="http://schemas.microsoft.com/office/powerpoint/2010/main" val="1548409990"/>
+                <p14:modId xmlns:p14="http://schemas.microsoft.com/office/powerpoint/2010/main" val="1531471759"/>
               </p:ext>
             </p:extLst>
           </p:nvPr>
         </p:nvGraphicFramePr>
         <p:xfrm>
           <a:off x="729789" y="2394652"/>
-          <a:ext cx="11181474" cy="2379516"/>
+          <a:ext cx="11181474" cy="2499869"/>
         </p:xfrm>
         <a:graphic>
           <a:graphicData uri="http://schemas.openxmlformats.org/drawingml/2006/table">
@@ -13141,6 +13294,24 @@
                   <a:txBody>
                     <a:bodyPr/>
                     <a:lstStyle/>
+                    <a:p>
+                      <a:r>
+                        <a:rPr lang="zh-TW" altLang="en-US" dirty="0"/>
+                        <a:t>邊角</a:t>
+                      </a:r>
+                      <a:r>
+                        <a:rPr lang="en-US" altLang="zh-TW" dirty="0"/>
+                        <a:t>array [</a:t>
+                      </a:r>
+                      <a:r>
+                        <a:rPr lang="en-US" altLang="zh-TW" dirty="0" err="1"/>
+                        <a:t>x,y,w,h</a:t>
+                      </a:r>
+                      <a:r>
+                        <a:rPr lang="en-US" altLang="zh-TW" dirty="0"/>
+                        <a:t>]</a:t>
+                      </a:r>
+                    </a:p>
                     <a:p>
                       <a:r>
                         <a:rPr lang="en-US" altLang="zh-TW" dirty="0"/>

--- a/poker.pptx
+++ b/poker.pptx
@@ -9,13 +9,14 @@
     <p:sldId id="257" r:id="rId3"/>
     <p:sldId id="256" r:id="rId4"/>
     <p:sldId id="268" r:id="rId5"/>
-    <p:sldId id="260" r:id="rId6"/>
-    <p:sldId id="261" r:id="rId7"/>
-    <p:sldId id="262" r:id="rId8"/>
-    <p:sldId id="263" r:id="rId9"/>
-    <p:sldId id="264" r:id="rId10"/>
-    <p:sldId id="265" r:id="rId11"/>
-    <p:sldId id="266" r:id="rId12"/>
+    <p:sldId id="269" r:id="rId6"/>
+    <p:sldId id="260" r:id="rId7"/>
+    <p:sldId id="261" r:id="rId8"/>
+    <p:sldId id="262" r:id="rId9"/>
+    <p:sldId id="263" r:id="rId10"/>
+    <p:sldId id="264" r:id="rId11"/>
+    <p:sldId id="265" r:id="rId12"/>
+    <p:sldId id="266" r:id="rId13"/>
   </p:sldIdLst>
   <p:sldSz cx="12192000" cy="6858000"/>
   <p:notesSz cx="6858000" cy="9144000"/>
@@ -122,6 +123,342 @@
 </p:presentation>
 </file>
 
+<file path=ppt/ink/ink1.xml><?xml version="1.0" encoding="utf-8"?>
+<inkml:ink xmlns:inkml="http://www.w3.org/2003/InkML">
+  <inkml:definitions>
+    <inkml:context xml:id="ctx0">
+      <inkml:inkSource xml:id="inkSrc0">
+        <inkml:traceFormat>
+          <inkml:channel name="X" type="integer" min="-2.14748E9" max="2.14748E9" units="cm"/>
+          <inkml:channel name="Y" type="integer" min="-2.14748E9" max="2.14748E9" units="cm"/>
+          <inkml:channel name="F" type="integer" max="32767" units="dev"/>
+        </inkml:traceFormat>
+        <inkml:channelProperties>
+          <inkml:channelProperty channel="X" name="resolution" value="1000" units="1/cm"/>
+          <inkml:channelProperty channel="Y" name="resolution" value="1000" units="1/cm"/>
+          <inkml:channelProperty channel="F" name="resolution" value="0" units="1/dev"/>
+        </inkml:channelProperties>
+      </inkml:inkSource>
+      <inkml:timestamp xml:id="ts0" timeString="2024-12-19T07:53:00.034"/>
+    </inkml:context>
+    <inkml:brush xml:id="br0">
+      <inkml:brushProperty name="width" value="0.1" units="cm"/>
+      <inkml:brushProperty name="height" value="0.1" units="cm"/>
+      <inkml:brushProperty name="color" value="#CC0066"/>
+    </inkml:brush>
+  </inkml:definitions>
+  <inkml:trace contextRef="#ctx0" brushRef="#br0">1 0 24575,'58'54'0,"74"99"0,36 81 0,13 52 0,-21-20 0,-32-45 0,-38-60-8191</inkml:trace>
+</inkml:ink>
+</file>
+
+<file path=ppt/ink/ink10.xml><?xml version="1.0" encoding="utf-8"?>
+<inkml:ink xmlns:inkml="http://www.w3.org/2003/InkML">
+  <inkml:definitions>
+    <inkml:context xml:id="ctx0">
+      <inkml:inkSource xml:id="inkSrc0">
+        <inkml:traceFormat>
+          <inkml:channel name="X" type="integer" min="-2.14748E9" max="2.14748E9" units="cm"/>
+          <inkml:channel name="Y" type="integer" min="-2.14748E9" max="2.14748E9" units="cm"/>
+          <inkml:channel name="F" type="integer" max="32767" units="dev"/>
+        </inkml:traceFormat>
+        <inkml:channelProperties>
+          <inkml:channelProperty channel="X" name="resolution" value="1000" units="1/cm"/>
+          <inkml:channelProperty channel="Y" name="resolution" value="1000" units="1/cm"/>
+          <inkml:channelProperty channel="F" name="resolution" value="0" units="1/dev"/>
+        </inkml:channelProperties>
+      </inkml:inkSource>
+      <inkml:timestamp xml:id="ts0" timeString="2024-12-19T07:53:09.425"/>
+    </inkml:context>
+    <inkml:brush xml:id="br0">
+      <inkml:brushProperty name="width" value="0.1" units="cm"/>
+      <inkml:brushProperty name="height" value="0.1" units="cm"/>
+      <inkml:brushProperty name="color" value="#CC0066"/>
+    </inkml:brush>
+  </inkml:definitions>
+  <inkml:trace contextRef="#ctx0" brushRef="#br0">1 1 24575,'9'0'0,"12"0"0,7 0 0,-2 9 0,-4 34 0,-7 42 0,-5 47 0,8 18 0,11-7 0,14-22 0,17-33 0,17-31 0,4-26 0,-12-21 0,-17-14-8191</inkml:trace>
+</inkml:ink>
+</file>
+
+<file path=ppt/ink/ink11.xml><?xml version="1.0" encoding="utf-8"?>
+<inkml:ink xmlns:inkml="http://www.w3.org/2003/InkML">
+  <inkml:definitions>
+    <inkml:context xml:id="ctx0">
+      <inkml:inkSource xml:id="inkSrc0">
+        <inkml:traceFormat>
+          <inkml:channel name="X" type="integer" min="-2.14748E9" max="2.14748E9" units="cm"/>
+          <inkml:channel name="Y" type="integer" min="-2.14748E9" max="2.14748E9" units="cm"/>
+          <inkml:channel name="F" type="integer" max="32767" units="dev"/>
+        </inkml:traceFormat>
+        <inkml:channelProperties>
+          <inkml:channelProperty channel="X" name="resolution" value="1000" units="1/cm"/>
+          <inkml:channelProperty channel="Y" name="resolution" value="1000" units="1/cm"/>
+          <inkml:channelProperty channel="F" name="resolution" value="0" units="1/dev"/>
+        </inkml:channelProperties>
+      </inkml:inkSource>
+      <inkml:timestamp xml:id="ts0" timeString="2024-12-19T07:53:09.768"/>
+    </inkml:context>
+    <inkml:brush xml:id="br0">
+      <inkml:brushProperty name="width" value="0.1" units="cm"/>
+      <inkml:brushProperty name="height" value="0.1" units="cm"/>
+      <inkml:brushProperty name="color" value="#CC0066"/>
+    </inkml:brush>
+  </inkml:definitions>
+  <inkml:trace contextRef="#ctx0" brushRef="#br0">1 74 24575,'23'-5'0,"42"-9"0,30-4 0,15 2 0,-5 4 0,-22 3-8191</inkml:trace>
+</inkml:ink>
+</file>
+
+<file path=ppt/ink/ink12.xml><?xml version="1.0" encoding="utf-8"?>
+<inkml:ink xmlns:inkml="http://www.w3.org/2003/InkML">
+  <inkml:definitions>
+    <inkml:context xml:id="ctx0">
+      <inkml:inkSource xml:id="inkSrc0">
+        <inkml:traceFormat>
+          <inkml:channel name="X" type="integer" min="-2.14748E9" max="2.14748E9" units="cm"/>
+          <inkml:channel name="Y" type="integer" min="-2.14748E9" max="2.14748E9" units="cm"/>
+          <inkml:channel name="F" type="integer" max="32767" units="dev"/>
+        </inkml:traceFormat>
+        <inkml:channelProperties>
+          <inkml:channelProperty channel="X" name="resolution" value="1000" units="1/cm"/>
+          <inkml:channelProperty channel="Y" name="resolution" value="1000" units="1/cm"/>
+          <inkml:channelProperty channel="F" name="resolution" value="0" units="1/dev"/>
+        </inkml:channelProperties>
+      </inkml:inkSource>
+      <inkml:timestamp xml:id="ts0" timeString="2024-12-19T07:53:12.403"/>
+    </inkml:context>
+    <inkml:brush xml:id="br0">
+      <inkml:brushProperty name="width" value="0.1" units="cm"/>
+      <inkml:brushProperty name="height" value="0.1" units="cm"/>
+      <inkml:brushProperty name="color" value="#CC0066"/>
+    </inkml:brush>
+  </inkml:definitions>
+  <inkml:trace contextRef="#ctx0" brushRef="#br0">127 198 24575,'0'17'0,"-2"0"0,0 0 0,-1 0 0,0-1 0,-8 23 0,-36 75 0,31-80 0,2 0 0,-10 39 0,23-71 0,0-1 0,1 0 0,-1 1 0,1-1 0,-1 1 0,1-1 0,0 1 0,-1-1 0,1 1 0,0-1 0,0 1 0,0-1 0,0 1 0,1-1 0,-1 1 0,0-1 0,1 1 0,-1-1 0,0 1 0,1-1 0,0 1 0,-1-1 0,1 0 0,0 1 0,0-1 0,0 0 0,0 0 0,0 1 0,1 0 0,18 24 0,-13-7 0,0 0 0,-1 0 0,-2 0 0,1 1 0,-2 0 0,-1 0 0,0 23 0,2 0 0,16 365 0,-3-35 0,-17-365 0,1 0 0,0 0 0,0 0 0,0-1 0,1 1 0,3 7 0,-5-15 0,0 0 0,0 0 0,1 1 0,-1-1 0,0 0 0,0 0 0,0 0 0,1 0 0,-1 1 0,0-1 0,0 0 0,0 0 0,1 0 0,-1 0 0,0 0 0,0 0 0,1 0 0,-1 0 0,0 0 0,0 0 0,1 0 0,-1 0 0,0 0 0,0 0 0,1 0 0,-1 0 0,0 0 0,0 0 0,1 0 0,-1 0 0,0 0 0,0 0 0,1 0 0,-1 0 0,0-1 0,0 1 0,0 0 0,1 0 0,-1 0 0,0 0 0,0-1 0,0 1 0,0 0 0,1 0 0,-1 0 0,0-1 0,0 1 0,0 0 0,0 0 0,0-1 0,0 1 0,0-1 0,16-36 0,6-37 0,13-88 0,3-88 0,-34 217 0,45-558 0,-49 565 0,1-1 0,2 1 0,0 0 0,2 0 0,9-28 0,-14 52 0,1 1 0,-1-1 0,1 0 0,-1 1 0,1-1 0,0 1 0,0-1 0,-1 1 0,1 0 0,0-1 0,0 1 0,0 0 0,1 0 0,0-2 0,3 9 0,-2 16 0,-3 28 0,-11 84 0,2-39 0,9-94 0,-1 6 0,1 0 0,0 0 0,0 0 0,0 0 0,1 0 0,2 10 0,-2-15 0,-1-1 0,1 0 0,0 1 0,-1-1 0,1 1 0,0-1 0,0 0 0,0 0 0,0 0 0,1 1 0,-1-1 0,0 0 0,0 0 0,1-1 0,-1 1 0,0 0 0,1 0 0,-1-1 0,1 1 0,-1 0 0,1-1 0,-1 0 0,1 1 0,-1-1 0,1 0 0,0 0 0,-1 0 0,1 0 0,-1 0 0,1 0 0,-1 0 0,4-1 0,9-2 0,0-1 0,0 0 0,0-1 0,-1 0 0,21-12 0,-21 10 0,1 0 0,-1 1 0,1 1 0,0 0 0,24-4 0,-36 9 0,0-1 0,0 1 0,0 0 0,0 0 0,0 0 0,0 0 0,0 0 0,0 0 0,0 0 0,0 1 0,-1-1 0,1 1 0,0-1 0,0 1 0,0 0 0,-1 0 0,1 0 0,0 0 0,-1 0 0,1 0 0,0 0 0,-1 1 0,0-1 0,1 0 0,-1 1 0,0-1 0,0 1 0,0-1 0,2 4 0,-1 2 0,0-1 0,-1 1 0,0 0 0,0-1 0,0 1 0,-1 0 0,0 0 0,0-1 0,-2 8 0,-4 30 0,-1-1 0,-16 47 0,-35 92 0,27-92 0,-3-2 0,-48 88 0,76-166 0,0 0 0,0 0 0,-1-1 0,-15 16 0,21-24 0,0 0 0,0 0 0,0 0 0,0 0 0,-1 0 0,1 0 0,0 0 0,-1 0 0,1-1 0,0 1 0,-1 0 0,1-1 0,-1 0 0,1 1 0,-1-1 0,1 0 0,-1 1 0,1-1 0,-1 0 0,0 0 0,1-1 0,-1 1 0,1 0 0,-1 0 0,1-1 0,-1 1 0,1-1 0,-1 1 0,1-1 0,0 1 0,-1-1 0,1 0 0,0 0 0,-1 0 0,1 0 0,0 0 0,0 0 0,0 0 0,0 0 0,-1-2 0,-4-5 0,0-1 0,0-1 0,1 1 0,0-1 0,1 0 0,0 0 0,1 0 0,-4-19 0,1 0 0,2-1 0,-2-30 0,6 52 0,0 0 0,0 0 0,0 0 0,1 0 0,0 0 0,1 0 0,0 1 0,0-1 0,6-13 0,-5 16 0,0 0 0,0 0 0,1 0 0,0 1 0,0-1 0,0 1 0,0 0 0,1 0 0,-1 0 0,1 1 0,0-1 0,1 1 0,6-3 0,18-7 0,56-15 0,-62 22 0,0-2 0,-1 0 0,0-2 0,32-17 0,-50 23 0,1-1 0,-1 1 0,1-1 0,-1 0 0,-1 0 0,1-1 0,-1 1 0,0-1 0,0 0 0,0 0 0,-1-1 0,0 1 0,2-8 0,2-9 0,0-1 0,4-34 0,-9 41 0,27-196 0,-19 145 0,-4 58 0,1 16 0,-1 6 0,-1 1 0,6 22 0,-9-26 0,1 0 0,-1 0 0,2 0 0,-1-1 0,1 1 0,0-1 0,1 0 0,0 0 0,11 13 0,-15-20 0,0 0 0,0 0 0,0 0 0,0 0 0,1 0 0,-1 0 0,0 0 0,0 0 0,1-1 0,-1 1 0,0-1 0,1 1 0,-1-1 0,0 1 0,1-1 0,-1 0 0,1 0 0,-1 0 0,1 0 0,-1 0 0,1 0 0,-1 0 0,0 0 0,1 0 0,-1-1 0,1 1 0,-1 0 0,0-1 0,1 1 0,-1-1 0,0 0 0,1 0 0,-1 1 0,2-3 0,2-2 0,0 0 0,-1 0 0,1 0 0,-1-1 0,0 0 0,4-9 0,9-18 0,-1-1 0,-3-1 0,0 0 0,8-45 0,23-156 0,-25 117 0,-1 41 0,-18 76 0,1 0 0,-1 0 0,1 0 0,-1 0 0,1 0 0,0 0 0,-1 0 0,1 0 0,0 1 0,0-1 0,0 0 0,1 0 0,-1 1 0,0-1 0,1 1 0,-1-1 0,1 1 0,1-2 0,-2 3 0,0 0 0,-1 0 0,1 0 0,0 0 0,-1 0 0,1 1 0,0-1 0,-1 0 0,1 0 0,-1 0 0,1 1 0,0-1 0,-1 0 0,1 0 0,-1 1 0,1-1 0,-1 1 0,1-1 0,-1 0 0,1 1 0,0 0 0,15 23 0,1 16 0,-2 0 0,-2 2 0,-1-1 0,6 52 0,71 444 0,35 161 0,-118-673 0,-3-19 0,-1 1 0,0 0 0,-1-1 0,0 1 0,0 0 0,0 0 0,-1 0 0,0 0 0,-1 7 0,0-12 0,0 0 0,1-1 0,-1 1 0,0 0 0,-1-1 0,1 1 0,0-1 0,0 1 0,-1-1 0,1 0 0,0 1 0,-1-1 0,0 0 0,1 0 0,-1 0 0,0 0 0,1 0 0,-1-1 0,0 1 0,0 0 0,0-1 0,1 0 0,-1 1 0,0-1 0,0 0 0,0 0 0,0 0 0,-2 0 0,-6 0 0,-1 0 0,1-1 0,0-1 0,-11-2 0,-8-4 11,0-1-1,0-2 0,1-1 1,-28-16-1,-106-71-307,86 51-823,45 28-5706</inkml:trace>
+</inkml:ink>
+</file>
+
+<file path=ppt/ink/ink2.xml><?xml version="1.0" encoding="utf-8"?>
+<inkml:ink xmlns:inkml="http://www.w3.org/2003/InkML">
+  <inkml:definitions>
+    <inkml:context xml:id="ctx0">
+      <inkml:inkSource xml:id="inkSrc0">
+        <inkml:traceFormat>
+          <inkml:channel name="X" type="integer" min="-2.14748E9" max="2.14748E9" units="cm"/>
+          <inkml:channel name="Y" type="integer" min="-2.14748E9" max="2.14748E9" units="cm"/>
+          <inkml:channel name="F" type="integer" max="32767" units="dev"/>
+        </inkml:traceFormat>
+        <inkml:channelProperties>
+          <inkml:channelProperty channel="X" name="resolution" value="1000" units="1/cm"/>
+          <inkml:channelProperty channel="Y" name="resolution" value="1000" units="1/cm"/>
+          <inkml:channelProperty channel="F" name="resolution" value="0" units="1/dev"/>
+        </inkml:channelProperties>
+      </inkml:inkSource>
+      <inkml:timestamp xml:id="ts0" timeString="2024-12-19T07:53:00.406"/>
+    </inkml:context>
+    <inkml:brush xml:id="br0">
+      <inkml:brushProperty name="width" value="0.1" units="cm"/>
+      <inkml:brushProperty name="height" value="0.1" units="cm"/>
+      <inkml:brushProperty name="color" value="#CC0066"/>
+    </inkml:brush>
+  </inkml:definitions>
+  <inkml:trace contextRef="#ctx0" brushRef="#br0">1683 0 24575,'-14'32'0,"-4"28"0,-17 58 0,-52 112 0,-101 170 0,-109 152 0,-44 59-1034,26-61 1034,81-125 254,80-133-7665</inkml:trace>
+</inkml:ink>
+</file>
+
+<file path=ppt/ink/ink3.xml><?xml version="1.0" encoding="utf-8"?>
+<inkml:ink xmlns:inkml="http://www.w3.org/2003/InkML">
+  <inkml:definitions>
+    <inkml:context xml:id="ctx0">
+      <inkml:inkSource xml:id="inkSrc0">
+        <inkml:traceFormat>
+          <inkml:channel name="X" type="integer" min="-2.14748E9" max="2.14748E9" units="cm"/>
+          <inkml:channel name="Y" type="integer" min="-2.14748E9" max="2.14748E9" units="cm"/>
+          <inkml:channel name="F" type="integer" max="32767" units="dev"/>
+        </inkml:traceFormat>
+        <inkml:channelProperties>
+          <inkml:channelProperty channel="X" name="resolution" value="1000" units="1/cm"/>
+          <inkml:channelProperty channel="Y" name="resolution" value="1000" units="1/cm"/>
+          <inkml:channelProperty channel="F" name="resolution" value="0" units="1/dev"/>
+        </inkml:channelProperties>
+      </inkml:inkSource>
+      <inkml:timestamp xml:id="ts0" timeString="2024-12-19T07:53:00.979"/>
+    </inkml:context>
+    <inkml:brush xml:id="br0">
+      <inkml:brushProperty name="width" value="0.1" units="cm"/>
+      <inkml:brushProperty name="height" value="0.1" units="cm"/>
+      <inkml:brushProperty name="color" value="#CC0066"/>
+    </inkml:brush>
+  </inkml:definitions>
+  <inkml:trace contextRef="#ctx0" brushRef="#br0">0 379 24575,'5'0'0,"1"9"0,4 25 0,14 12 0,35-2 0,38-31 0,16-40 0,-6-47 0,-21-30 0,-26 0 0,-27 16 0,-33 24 0,-26 23 0,-21 22 0,-3 15-8191</inkml:trace>
+</inkml:ink>
+</file>
+
+<file path=ppt/ink/ink4.xml><?xml version="1.0" encoding="utf-8"?>
+<inkml:ink xmlns:inkml="http://www.w3.org/2003/InkML">
+  <inkml:definitions>
+    <inkml:context xml:id="ctx0">
+      <inkml:inkSource xml:id="inkSrc0">
+        <inkml:traceFormat>
+          <inkml:channel name="X" type="integer" min="-2.14748E9" max="2.14748E9" units="cm"/>
+          <inkml:channel name="Y" type="integer" min="-2.14748E9" max="2.14748E9" units="cm"/>
+          <inkml:channel name="F" type="integer" max="32767" units="dev"/>
+        </inkml:traceFormat>
+        <inkml:channelProperties>
+          <inkml:channelProperty channel="X" name="resolution" value="1000" units="1/cm"/>
+          <inkml:channelProperty channel="Y" name="resolution" value="1000" units="1/cm"/>
+          <inkml:channelProperty channel="F" name="resolution" value="0" units="1/dev"/>
+        </inkml:channelProperties>
+      </inkml:inkSource>
+      <inkml:timestamp xml:id="ts0" timeString="2024-12-19T07:53:01.598"/>
+    </inkml:context>
+    <inkml:brush xml:id="br0">
+      <inkml:brushProperty name="width" value="0.1" units="cm"/>
+      <inkml:brushProperty name="height" value="0.1" units="cm"/>
+      <inkml:brushProperty name="color" value="#CC0066"/>
+    </inkml:brush>
+  </inkml:definitions>
+  <inkml:trace contextRef="#ctx0" brushRef="#br0">1 614 24575,'0'-13'0,"0"-14"0,0-11 0,4-4 0,7 6 0,14 9 0,13-5 0,21-2 0,28-7 0,67-16 0,75-16 0,34-4 0,-5 10 0,-46 17-8191</inkml:trace>
+</inkml:ink>
+</file>
+
+<file path=ppt/ink/ink5.xml><?xml version="1.0" encoding="utf-8"?>
+<inkml:ink xmlns:inkml="http://www.w3.org/2003/InkML">
+  <inkml:definitions>
+    <inkml:context xml:id="ctx0">
+      <inkml:inkSource xml:id="inkSrc0">
+        <inkml:traceFormat>
+          <inkml:channel name="X" type="integer" min="-2.14748E9" max="2.14748E9" units="cm"/>
+          <inkml:channel name="Y" type="integer" min="-2.14748E9" max="2.14748E9" units="cm"/>
+          <inkml:channel name="F" type="integer" max="32767" units="dev"/>
+        </inkml:traceFormat>
+        <inkml:channelProperties>
+          <inkml:channelProperty channel="X" name="resolution" value="1000" units="1/cm"/>
+          <inkml:channelProperty channel="Y" name="resolution" value="1000" units="1/cm"/>
+          <inkml:channelProperty channel="F" name="resolution" value="0" units="1/dev"/>
+        </inkml:channelProperties>
+      </inkml:inkSource>
+      <inkml:timestamp xml:id="ts0" timeString="2024-12-19T07:53:02.406"/>
+    </inkml:context>
+    <inkml:brush xml:id="br0">
+      <inkml:brushProperty name="width" value="0.1" units="cm"/>
+      <inkml:brushProperty name="height" value="0.1" units="cm"/>
+      <inkml:brushProperty name="color" value="#CC0066"/>
+    </inkml:brush>
+  </inkml:definitions>
+  <inkml:trace contextRef="#ctx0" brushRef="#br0">344 1 24575,'0'5'0,"-27"23"0,-22 17 0,-12 5 0,0 2 0,5 11 0,13 0 0,14-8 0,11-12-8191</inkml:trace>
+</inkml:ink>
+</file>
+
+<file path=ppt/ink/ink6.xml><?xml version="1.0" encoding="utf-8"?>
+<inkml:ink xmlns:inkml="http://www.w3.org/2003/InkML">
+  <inkml:definitions>
+    <inkml:context xml:id="ctx0">
+      <inkml:inkSource xml:id="inkSrc0">
+        <inkml:traceFormat>
+          <inkml:channel name="X" type="integer" min="-2.14748E9" max="2.14748E9" units="cm"/>
+          <inkml:channel name="Y" type="integer" min="-2.14748E9" max="2.14748E9" units="cm"/>
+          <inkml:channel name="F" type="integer" max="32767" units="dev"/>
+        </inkml:traceFormat>
+        <inkml:channelProperties>
+          <inkml:channelProperty channel="X" name="resolution" value="1000" units="1/cm"/>
+          <inkml:channelProperty channel="Y" name="resolution" value="1000" units="1/cm"/>
+          <inkml:channelProperty channel="F" name="resolution" value="0" units="1/dev"/>
+        </inkml:channelProperties>
+      </inkml:inkSource>
+      <inkml:timestamp xml:id="ts0" timeString="2024-12-19T07:53:03.089"/>
+    </inkml:context>
+    <inkml:brush xml:id="br0">
+      <inkml:brushProperty name="width" value="0.1" units="cm"/>
+      <inkml:brushProperty name="height" value="0.1" units="cm"/>
+      <inkml:brushProperty name="color" value="#CC0066"/>
+    </inkml:brush>
+  </inkml:definitions>
+  <inkml:trace contextRef="#ctx0" brushRef="#br0">1 1 24575,'0'17'0,"0"39"0,0 35 0,0 26 0,0 19 0,0-4 0,0-15 0,0-24 0,0-27-8191</inkml:trace>
+</inkml:ink>
+</file>
+
+<file path=ppt/ink/ink7.xml><?xml version="1.0" encoding="utf-8"?>
+<inkml:ink xmlns:inkml="http://www.w3.org/2003/InkML">
+  <inkml:definitions>
+    <inkml:context xml:id="ctx0">
+      <inkml:inkSource xml:id="inkSrc0">
+        <inkml:traceFormat>
+          <inkml:channel name="X" type="integer" min="-2.14748E9" max="2.14748E9" units="cm"/>
+          <inkml:channel name="Y" type="integer" min="-2.14748E9" max="2.14748E9" units="cm"/>
+          <inkml:channel name="F" type="integer" max="32767" units="dev"/>
+        </inkml:traceFormat>
+        <inkml:channelProperties>
+          <inkml:channelProperty channel="X" name="resolution" value="1000" units="1/cm"/>
+          <inkml:channelProperty channel="Y" name="resolution" value="1000" units="1/cm"/>
+          <inkml:channelProperty channel="F" name="resolution" value="0" units="1/dev"/>
+        </inkml:channelProperties>
+      </inkml:inkSource>
+      <inkml:timestamp xml:id="ts0" timeString="2024-12-19T07:53:07.447"/>
+    </inkml:context>
+    <inkml:brush xml:id="br0">
+      <inkml:brushProperty name="width" value="0.1" units="cm"/>
+      <inkml:brushProperty name="height" value="0.1" units="cm"/>
+      <inkml:brushProperty name="color" value="#CC0066"/>
+    </inkml:brush>
+  </inkml:definitions>
+  <inkml:trace contextRef="#ctx0" brushRef="#br0">1 111 24575,'27'0'0,"99"-18"0,122-6 0,132 1 0,104 5 0,74 5-912,-22 5 912,-85 3 0,-118 4-7279</inkml:trace>
+</inkml:ink>
+</file>
+
+<file path=ppt/ink/ink8.xml><?xml version="1.0" encoding="utf-8"?>
+<inkml:ink xmlns:inkml="http://www.w3.org/2003/InkML">
+  <inkml:definitions>
+    <inkml:context xml:id="ctx0">
+      <inkml:inkSource xml:id="inkSrc0">
+        <inkml:traceFormat>
+          <inkml:channel name="X" type="integer" min="-2.14748E9" max="2.14748E9" units="cm"/>
+          <inkml:channel name="Y" type="integer" min="-2.14748E9" max="2.14748E9" units="cm"/>
+          <inkml:channel name="F" type="integer" max="32767" units="dev"/>
+        </inkml:traceFormat>
+        <inkml:channelProperties>
+          <inkml:channelProperty channel="X" name="resolution" value="1000" units="1/cm"/>
+          <inkml:channelProperty channel="Y" name="resolution" value="1000" units="1/cm"/>
+          <inkml:channelProperty channel="F" name="resolution" value="0" units="1/dev"/>
+        </inkml:channelProperties>
+      </inkml:inkSource>
+      <inkml:timestamp xml:id="ts0" timeString="2024-12-19T07:53:08.712"/>
+    </inkml:context>
+    <inkml:brush xml:id="br0">
+      <inkml:brushProperty name="width" value="0.1" units="cm"/>
+      <inkml:brushProperty name="height" value="0.1" units="cm"/>
+      <inkml:brushProperty name="color" value="#CC0066"/>
+    </inkml:brush>
+  </inkml:definitions>
+  <inkml:trace contextRef="#ctx0" brushRef="#br0">1 7 24575,'13'-5'0,"5"4"0,-1 37 0,6 36 0,16 23 0,39 4 0,41-14 0,5-21 0,-18-23-8191</inkml:trace>
+</inkml:ink>
+</file>
+
+<file path=ppt/ink/ink9.xml><?xml version="1.0" encoding="utf-8"?>
+<inkml:ink xmlns:inkml="http://www.w3.org/2003/InkML">
+  <inkml:definitions>
+    <inkml:context xml:id="ctx0">
+      <inkml:inkSource xml:id="inkSrc0">
+        <inkml:traceFormat>
+          <inkml:channel name="X" type="integer" min="-2.14748E9" max="2.14748E9" units="cm"/>
+          <inkml:channel name="Y" type="integer" min="-2.14748E9" max="2.14748E9" units="cm"/>
+          <inkml:channel name="F" type="integer" max="32767" units="dev"/>
+        </inkml:traceFormat>
+        <inkml:channelProperties>
+          <inkml:channelProperty channel="X" name="resolution" value="1000" units="1/cm"/>
+          <inkml:channelProperty channel="Y" name="resolution" value="1000" units="1/cm"/>
+          <inkml:channelProperty channel="F" name="resolution" value="0" units="1/dev"/>
+        </inkml:channelProperties>
+      </inkml:inkSource>
+      <inkml:timestamp xml:id="ts0" timeString="2024-12-19T07:53:09.098"/>
+    </inkml:context>
+    <inkml:brush xml:id="br0">
+      <inkml:brushProperty name="width" value="0.1" units="cm"/>
+      <inkml:brushProperty name="height" value="0.1" units="cm"/>
+      <inkml:brushProperty name="color" value="#CC0066"/>
+    </inkml:brush>
+  </inkml:definitions>
+  <inkml:trace contextRef="#ctx0" brushRef="#br0">1 100 24575,'4'-4'0,"33"-2"0,20 0 0,8-12 0,3-3 0,-11-3 0,-14 3-8191</inkml:trace>
+</inkml:ink>
+</file>
+
 <file path=ppt/slideLayouts/slideLayout1.xml><?xml version="1.0" encoding="utf-8"?>
 <p:sldLayout xmlns:a="http://schemas.openxmlformats.org/drawingml/2006/main" xmlns:r="http://schemas.openxmlformats.org/officeDocument/2006/relationships" xmlns:p="http://schemas.openxmlformats.org/presentationml/2006/main" type="title" preserve="1">
   <p:cSld name="標題投影片">
@@ -269,7 +606,7 @@
           <a:p>
             <a:fld id="{C55749CE-61EB-4CCC-8A7C-8BB63C6169E2}" type="datetimeFigureOut">
               <a:rPr lang="zh-TW" altLang="en-US" smtClean="0"/>
-              <a:t>2024/12/19</a:t>
+              <a:t>2024/12/22</a:t>
             </a:fld>
             <a:endParaRPr lang="zh-TW" altLang="en-US"/>
           </a:p>
@@ -467,7 +804,7 @@
           <a:p>
             <a:fld id="{C55749CE-61EB-4CCC-8A7C-8BB63C6169E2}" type="datetimeFigureOut">
               <a:rPr lang="zh-TW" altLang="en-US" smtClean="0"/>
-              <a:t>2024/12/19</a:t>
+              <a:t>2024/12/22</a:t>
             </a:fld>
             <a:endParaRPr lang="zh-TW" altLang="en-US"/>
           </a:p>
@@ -675,7 +1012,7 @@
           <a:p>
             <a:fld id="{C55749CE-61EB-4CCC-8A7C-8BB63C6169E2}" type="datetimeFigureOut">
               <a:rPr lang="zh-TW" altLang="en-US" smtClean="0"/>
-              <a:t>2024/12/19</a:t>
+              <a:t>2024/12/22</a:t>
             </a:fld>
             <a:endParaRPr lang="zh-TW" altLang="en-US"/>
           </a:p>
@@ -873,7 +1210,7 @@
           <a:p>
             <a:fld id="{C55749CE-61EB-4CCC-8A7C-8BB63C6169E2}" type="datetimeFigureOut">
               <a:rPr lang="zh-TW" altLang="en-US" smtClean="0"/>
-              <a:t>2024/12/19</a:t>
+              <a:t>2024/12/22</a:t>
             </a:fld>
             <a:endParaRPr lang="zh-TW" altLang="en-US"/>
           </a:p>
@@ -1148,7 +1485,7 @@
           <a:p>
             <a:fld id="{C55749CE-61EB-4CCC-8A7C-8BB63C6169E2}" type="datetimeFigureOut">
               <a:rPr lang="zh-TW" altLang="en-US" smtClean="0"/>
-              <a:t>2024/12/19</a:t>
+              <a:t>2024/12/22</a:t>
             </a:fld>
             <a:endParaRPr lang="zh-TW" altLang="en-US"/>
           </a:p>
@@ -1413,7 +1750,7 @@
           <a:p>
             <a:fld id="{C55749CE-61EB-4CCC-8A7C-8BB63C6169E2}" type="datetimeFigureOut">
               <a:rPr lang="zh-TW" altLang="en-US" smtClean="0"/>
-              <a:t>2024/12/19</a:t>
+              <a:t>2024/12/22</a:t>
             </a:fld>
             <a:endParaRPr lang="zh-TW" altLang="en-US"/>
           </a:p>
@@ -1825,7 +2162,7 @@
           <a:p>
             <a:fld id="{C55749CE-61EB-4CCC-8A7C-8BB63C6169E2}" type="datetimeFigureOut">
               <a:rPr lang="zh-TW" altLang="en-US" smtClean="0"/>
-              <a:t>2024/12/19</a:t>
+              <a:t>2024/12/22</a:t>
             </a:fld>
             <a:endParaRPr lang="zh-TW" altLang="en-US"/>
           </a:p>
@@ -1966,7 +2303,7 @@
           <a:p>
             <a:fld id="{C55749CE-61EB-4CCC-8A7C-8BB63C6169E2}" type="datetimeFigureOut">
               <a:rPr lang="zh-TW" altLang="en-US" smtClean="0"/>
-              <a:t>2024/12/19</a:t>
+              <a:t>2024/12/22</a:t>
             </a:fld>
             <a:endParaRPr lang="zh-TW" altLang="en-US"/>
           </a:p>
@@ -2079,7 +2416,7 @@
           <a:p>
             <a:fld id="{C55749CE-61EB-4CCC-8A7C-8BB63C6169E2}" type="datetimeFigureOut">
               <a:rPr lang="zh-TW" altLang="en-US" smtClean="0"/>
-              <a:t>2024/12/19</a:t>
+              <a:t>2024/12/22</a:t>
             </a:fld>
             <a:endParaRPr lang="zh-TW" altLang="en-US"/>
           </a:p>
@@ -2390,7 +2727,7 @@
           <a:p>
             <a:fld id="{C55749CE-61EB-4CCC-8A7C-8BB63C6169E2}" type="datetimeFigureOut">
               <a:rPr lang="zh-TW" altLang="en-US" smtClean="0"/>
-              <a:t>2024/12/19</a:t>
+              <a:t>2024/12/22</a:t>
             </a:fld>
             <a:endParaRPr lang="zh-TW" altLang="en-US"/>
           </a:p>
@@ -2678,7 +3015,7 @@
           <a:p>
             <a:fld id="{C55749CE-61EB-4CCC-8A7C-8BB63C6169E2}" type="datetimeFigureOut">
               <a:rPr lang="zh-TW" altLang="en-US" smtClean="0"/>
-              <a:t>2024/12/19</a:t>
+              <a:t>2024/12/22</a:t>
             </a:fld>
             <a:endParaRPr lang="zh-TW" altLang="en-US"/>
           </a:p>
@@ -2919,7 +3256,7 @@
           <a:p>
             <a:fld id="{C55749CE-61EB-4CCC-8A7C-8BB63C6169E2}" type="datetimeFigureOut">
               <a:rPr lang="zh-TW" altLang="en-US" smtClean="0"/>
-              <a:t>2024/12/19</a:t>
+              <a:t>2024/12/22</a:t>
             </a:fld>
             <a:endParaRPr lang="zh-TW" altLang="en-US"/>
           </a:p>
@@ -3676,6 +4013,343 @@
         </p:nvSpPr>
         <p:spPr>
           <a:xfrm>
+            <a:off x="729789" y="1721018"/>
+            <a:ext cx="2432901" cy="369332"/>
+          </a:xfrm>
+          <a:prstGeom prst="rect">
+            <a:avLst/>
+          </a:prstGeom>
+          <a:noFill/>
+        </p:spPr>
+        <p:txBody>
+          <a:bodyPr wrap="square" rtlCol="0">
+            <a:spAutoFit/>
+          </a:bodyPr>
+          <a:lstStyle/>
+          <a:p>
+            <a:r>
+              <a:rPr lang="zh-TW" altLang="en-US" dirty="0"/>
+              <a:t>取輪廓邊角</a:t>
+            </a:r>
+          </a:p>
+        </p:txBody>
+      </p:sp>
+      <p:graphicFrame>
+        <p:nvGraphicFramePr>
+          <p:cNvPr id="5" name="表格 4">
+            <a:extLst>
+              <a:ext uri="{FF2B5EF4-FFF2-40B4-BE49-F238E27FC236}">
+                <a16:creationId xmlns:a16="http://schemas.microsoft.com/office/drawing/2014/main" id="{488F1C4E-BFA3-14CB-6D3C-624480B4140E}"/>
+              </a:ext>
+            </a:extLst>
+          </p:cNvPr>
+          <p:cNvGraphicFramePr>
+            <a:graphicFrameLocks noGrp="1"/>
+          </p:cNvGraphicFramePr>
+          <p:nvPr>
+            <p:extLst>
+              <p:ext uri="{D42A27DB-BD31-4B8C-83A1-F6EECF244321}">
+                <p14:modId xmlns:p14="http://schemas.microsoft.com/office/powerpoint/2010/main" val="1531471759"/>
+              </p:ext>
+            </p:extLst>
+          </p:nvPr>
+        </p:nvGraphicFramePr>
+        <p:xfrm>
+          <a:off x="729789" y="2394652"/>
+          <a:ext cx="11181474" cy="2499869"/>
+        </p:xfrm>
+        <a:graphic>
+          <a:graphicData uri="http://schemas.openxmlformats.org/drawingml/2006/table">
+            <a:tbl>
+              <a:tblPr firstRow="1" bandRow="1">
+                <a:tableStyleId>{5C22544A-7EE6-4342-B048-85BDC9FD1C3A}</a:tableStyleId>
+              </a:tblPr>
+              <a:tblGrid>
+                <a:gridCol w="5590737">
+                  <a:extLst>
+                    <a:ext uri="{9D8B030D-6E8A-4147-A177-3AD203B41FA5}">
+                      <a16:colId xmlns:a16="http://schemas.microsoft.com/office/drawing/2014/main" val="3762263208"/>
+                    </a:ext>
+                  </a:extLst>
+                </a:gridCol>
+                <a:gridCol w="5590737">
+                  <a:extLst>
+                    <a:ext uri="{9D8B030D-6E8A-4147-A177-3AD203B41FA5}">
+                      <a16:colId xmlns:a16="http://schemas.microsoft.com/office/drawing/2014/main" val="2372617071"/>
+                    </a:ext>
+                  </a:extLst>
+                </a:gridCol>
+              </a:tblGrid>
+              <a:tr h="578272">
+                <a:tc>
+                  <a:txBody>
+                    <a:bodyPr/>
+                    <a:lstStyle/>
+                    <a:p>
+                      <a:r>
+                        <a:rPr lang="zh-TW" altLang="en-US" dirty="0"/>
+                        <a:t>輸入</a:t>
+                      </a:r>
+                    </a:p>
+                  </a:txBody>
+                  <a:tcPr/>
+                </a:tc>
+                <a:tc>
+                  <a:txBody>
+                    <a:bodyPr/>
+                    <a:lstStyle/>
+                    <a:p>
+                      <a:r>
+                        <a:rPr lang="en-US" altLang="zh-TW" dirty="0" err="1"/>
+                        <a:t>cnt</a:t>
+                      </a:r>
+                      <a:r>
+                        <a:rPr lang="en-US" altLang="zh-TW" dirty="0"/>
+                        <a:t> </a:t>
+                      </a:r>
+                      <a:r>
+                        <a:rPr lang="zh-TW" altLang="en-US" dirty="0"/>
+                        <a:t>的外接矩形</a:t>
+                      </a:r>
+                    </a:p>
+                  </a:txBody>
+                  <a:tcPr/>
+                </a:tc>
+                <a:extLst>
+                  <a:ext uri="{0D108BD9-81ED-4DB2-BD59-A6C34878D82A}">
+                    <a16:rowId xmlns:a16="http://schemas.microsoft.com/office/drawing/2014/main" val="590959509"/>
+                  </a:ext>
+                </a:extLst>
+              </a:tr>
+              <a:tr h="519727">
+                <a:tc>
+                  <a:txBody>
+                    <a:bodyPr/>
+                    <a:lstStyle/>
+                    <a:p>
+                      <a:r>
+                        <a:rPr lang="zh-TW" altLang="en-US" dirty="0"/>
+                        <a:t>輸出</a:t>
+                      </a:r>
+                    </a:p>
+                  </a:txBody>
+                  <a:tcPr/>
+                </a:tc>
+                <a:tc>
+                  <a:txBody>
+                    <a:bodyPr/>
+                    <a:lstStyle/>
+                    <a:p>
+                      <a:r>
+                        <a:rPr lang="zh-TW" altLang="en-US" dirty="0"/>
+                        <a:t>邊角</a:t>
+                      </a:r>
+                      <a:r>
+                        <a:rPr lang="en-US" altLang="zh-TW" dirty="0"/>
+                        <a:t>array [</a:t>
+                      </a:r>
+                      <a:r>
+                        <a:rPr lang="en-US" altLang="zh-TW" dirty="0" err="1"/>
+                        <a:t>x,y,w,h</a:t>
+                      </a:r>
+                      <a:r>
+                        <a:rPr lang="en-US" altLang="zh-TW" dirty="0"/>
+                        <a:t>]</a:t>
+                      </a:r>
+                    </a:p>
+                    <a:p>
+                      <a:r>
+                        <a:rPr lang="en-US" altLang="zh-TW" dirty="0"/>
+                        <a:t>x, y</a:t>
+                      </a:r>
+                      <a:r>
+                        <a:rPr lang="zh-TW" altLang="en-US" dirty="0"/>
+                        <a:t>：矩形的左上角座標。</a:t>
+                      </a:r>
+                      <a:r>
+                        <a:rPr lang="en-US" altLang="zh-TW" dirty="0"/>
+                        <a:t>w, h</a:t>
+                      </a:r>
+                      <a:r>
+                        <a:rPr lang="zh-TW" altLang="en-US" dirty="0"/>
+                        <a:t>：矩形的寬度和高度。</a:t>
+                      </a:r>
+                    </a:p>
+                  </a:txBody>
+                  <a:tcPr/>
+                </a:tc>
+                <a:extLst>
+                  <a:ext uri="{0D108BD9-81ED-4DB2-BD59-A6C34878D82A}">
+                    <a16:rowId xmlns:a16="http://schemas.microsoft.com/office/drawing/2014/main" val="243461442"/>
+                  </a:ext>
+                </a:extLst>
+              </a:tr>
+              <a:tr h="1281517">
+                <a:tc>
+                  <a:txBody>
+                    <a:bodyPr/>
+                    <a:lstStyle/>
+                    <a:p>
+                      <a:r>
+                        <a:rPr lang="zh-TW" altLang="en-US" dirty="0"/>
+                        <a:t>程式碼</a:t>
+                      </a:r>
+                    </a:p>
+                  </a:txBody>
+                  <a:tcPr/>
+                </a:tc>
+                <a:tc>
+                  <a:txBody>
+                    <a:bodyPr/>
+                    <a:lstStyle/>
+                    <a:p>
+                      <a:r>
+                        <a:rPr lang="en-US" altLang="zh-TW" dirty="0" err="1"/>
+                        <a:t>top_left_rect</a:t>
+                      </a:r>
+                      <a:r>
+                        <a:rPr lang="en-US" altLang="zh-TW" dirty="0"/>
+                        <a:t> = (10, 10, 50, 50)  #</a:t>
+                      </a:r>
+                    </a:p>
+                    <a:p>
+                      <a:r>
+                        <a:rPr lang="en-US" altLang="zh-TW" dirty="0"/>
+                        <a:t> x, y, w, h</a:t>
+                      </a:r>
+                      <a:r>
+                        <a:rPr lang="zh-TW" altLang="en-US" dirty="0"/>
+                        <a:t>設定擷取範圍</a:t>
+                      </a:r>
+                      <a:r>
+                        <a:rPr lang="en-US" altLang="zh-TW" dirty="0"/>
+                        <a:t>]</a:t>
+                      </a:r>
+                      <a:r>
+                        <a:rPr lang="en-US" altLang="zh-TW" dirty="0" err="1"/>
+                        <a:t>cropped_img</a:t>
+                      </a:r>
+                      <a:r>
+                        <a:rPr lang="en-US" altLang="zh-TW" dirty="0"/>
+                        <a:t> = </a:t>
+                      </a:r>
+                    </a:p>
+                    <a:p>
+                      <a:r>
+                        <a:rPr lang="en-US" altLang="zh-TW" dirty="0" err="1"/>
+                        <a:t>extract_top_left</a:t>
+                      </a:r>
+                      <a:r>
+                        <a:rPr lang="en-US" altLang="zh-TW" dirty="0"/>
+                        <a:t>(</a:t>
+                      </a:r>
+                      <a:r>
+                        <a:rPr lang="en-US" altLang="zh-TW" dirty="0" err="1"/>
+                        <a:t>img_gray</a:t>
+                      </a:r>
+                      <a:r>
+                        <a:rPr lang="en-US" altLang="zh-TW" dirty="0"/>
+                        <a:t>, </a:t>
+                      </a:r>
+                      <a:r>
+                        <a:rPr lang="en-US" altLang="zh-TW" dirty="0" err="1"/>
+                        <a:t>top_left_rect</a:t>
+                      </a:r>
+                      <a:r>
+                        <a:rPr lang="en-US" altLang="zh-TW" dirty="0"/>
+                        <a:t>)</a:t>
+                      </a:r>
+                      <a:r>
+                        <a:rPr lang="zh-TW" altLang="en-US" dirty="0"/>
+                        <a:t>擷取動作</a:t>
+                      </a:r>
+                    </a:p>
+                  </a:txBody>
+                  <a:tcPr/>
+                </a:tc>
+                <a:extLst>
+                  <a:ext uri="{0D108BD9-81ED-4DB2-BD59-A6C34878D82A}">
+                    <a16:rowId xmlns:a16="http://schemas.microsoft.com/office/drawing/2014/main" val="688274193"/>
+                  </a:ext>
+                </a:extLst>
+              </a:tr>
+            </a:tbl>
+          </a:graphicData>
+        </a:graphic>
+      </p:graphicFrame>
+    </p:spTree>
+    <p:extLst>
+      <p:ext uri="{BB962C8B-B14F-4D97-AF65-F5344CB8AC3E}">
+        <p14:creationId xmlns:p14="http://schemas.microsoft.com/office/powerpoint/2010/main" val="2701587557"/>
+      </p:ext>
+    </p:extLst>
+  </p:cSld>
+  <p:clrMapOvr>
+    <a:masterClrMapping/>
+  </p:clrMapOvr>
+</p:sld>
+</file>
+
+<file path=ppt/slides/slide11.xml><?xml version="1.0" encoding="utf-8"?>
+<p:sld xmlns:a="http://schemas.openxmlformats.org/drawingml/2006/main" xmlns:r="http://schemas.openxmlformats.org/officeDocument/2006/relationships" xmlns:p="http://schemas.openxmlformats.org/presentationml/2006/main">
+  <p:cSld>
+    <p:spTree>
+      <p:nvGrpSpPr>
+        <p:cNvPr id="1" name=""/>
+        <p:cNvGrpSpPr/>
+        <p:nvPr/>
+      </p:nvGrpSpPr>
+      <p:grpSpPr>
+        <a:xfrm>
+          <a:off x="0" y="0"/>
+          <a:ext cx="0" cy="0"/>
+          <a:chOff x="0" y="0"/>
+          <a:chExt cx="0" cy="0"/>
+        </a:xfrm>
+      </p:grpSpPr>
+      <p:sp>
+        <p:nvSpPr>
+          <p:cNvPr id="2" name="標題 1">
+            <a:extLst>
+              <a:ext uri="{FF2B5EF4-FFF2-40B4-BE49-F238E27FC236}">
+                <a16:creationId xmlns:a16="http://schemas.microsoft.com/office/drawing/2014/main" id="{616DE70A-29B5-458B-B996-E8F6787D9676}"/>
+              </a:ext>
+            </a:extLst>
+          </p:cNvPr>
+          <p:cNvSpPr>
+            <a:spLocks noGrp="1"/>
+          </p:cNvSpPr>
+          <p:nvPr>
+            <p:ph type="title"/>
+          </p:nvPr>
+        </p:nvSpPr>
+        <p:spPr/>
+        <p:txBody>
+          <a:bodyPr/>
+          <a:lstStyle/>
+          <a:p>
+            <a:r>
+              <a:rPr lang="en-US" altLang="zh-TW" dirty="0"/>
+              <a:t>API</a:t>
+            </a:r>
+            <a:endParaRPr lang="zh-TW" altLang="en-US" dirty="0"/>
+          </a:p>
+        </p:txBody>
+      </p:sp>
+      <p:sp>
+        <p:nvSpPr>
+          <p:cNvPr id="4" name="文字方塊 3">
+            <a:extLst>
+              <a:ext uri="{FF2B5EF4-FFF2-40B4-BE49-F238E27FC236}">
+                <a16:creationId xmlns:a16="http://schemas.microsoft.com/office/drawing/2014/main" id="{0D9BC1E6-74E0-174D-DB2F-87072D50D087}"/>
+              </a:ext>
+            </a:extLst>
+          </p:cNvPr>
+          <p:cNvSpPr txBox="1"/>
+          <p:nvPr/>
+        </p:nvSpPr>
+        <p:spPr>
+          <a:xfrm>
             <a:off x="621383" y="1408933"/>
             <a:ext cx="2432901" cy="369332"/>
           </a:xfrm>
@@ -4183,7 +4857,7 @@
 </p:sld>
 </file>
 
-<file path=ppt/slides/slide11.xml><?xml version="1.0" encoding="utf-8"?>
+<file path=ppt/slides/slide12.xml><?xml version="1.0" encoding="utf-8"?>
 <p:sld xmlns:a="http://schemas.openxmlformats.org/drawingml/2006/main" xmlns:r="http://schemas.openxmlformats.org/officeDocument/2006/relationships" xmlns:p="http://schemas.openxmlformats.org/presentationml/2006/main">
   <p:cSld>
     <p:spTree>
@@ -7613,7 +8287,7 @@
           <a:p>
             <a:r>
               <a:rPr lang="zh-TW" altLang="en-US" sz="3200" dirty="0"/>
-              <a:t>架構圖</a:t>
+              <a:t>流程圖</a:t>
             </a:r>
           </a:p>
         </p:txBody>
@@ -7632,8 +8306,8 @@
         </p:nvSpPr>
         <p:spPr>
           <a:xfrm>
-            <a:off x="220969" y="776277"/>
-            <a:ext cx="4919217" cy="1095603"/>
+            <a:off x="220970" y="776277"/>
+            <a:ext cx="4773626" cy="1095603"/>
           </a:xfrm>
           <a:prstGeom prst="rect">
             <a:avLst/>
@@ -7684,8 +8358,8 @@
         </p:nvGrpSpPr>
         <p:grpSpPr>
           <a:xfrm>
-            <a:off x="2015251" y="1022867"/>
-            <a:ext cx="1111188" cy="559289"/>
+            <a:off x="2088118" y="1022867"/>
+            <a:ext cx="965454" cy="559289"/>
             <a:chOff x="2154687" y="1597275"/>
             <a:chExt cx="1111188" cy="559289"/>
           </a:xfrm>
@@ -7797,7 +8471,7 @@
         <p:spPr>
           <a:xfrm>
             <a:off x="3783268" y="1022867"/>
-            <a:ext cx="999481" cy="559289"/>
+            <a:ext cx="1157666" cy="559289"/>
           </a:xfrm>
           <a:prstGeom prst="rect">
             <a:avLst/>
@@ -7895,8 +8569,8 @@
         </p:nvCxnSpPr>
         <p:spPr>
           <a:xfrm>
-            <a:off x="3126439" y="1294966"/>
-            <a:ext cx="617989" cy="7546"/>
+            <a:off x="3053572" y="1294966"/>
+            <a:ext cx="690856" cy="7546"/>
           </a:xfrm>
           <a:prstGeom prst="straightConnector1">
             <a:avLst/>
@@ -7938,8 +8612,8 @@
         </p:nvCxnSpPr>
         <p:spPr>
           <a:xfrm>
-            <a:off x="5140186" y="1324079"/>
-            <a:ext cx="1003146" cy="713"/>
+            <a:off x="4994596" y="1324079"/>
+            <a:ext cx="1148736" cy="713"/>
           </a:xfrm>
           <a:prstGeom prst="straightConnector1">
             <a:avLst/>
@@ -8262,7 +8936,7 @@
         <p:spPr>
           <a:xfrm>
             <a:off x="367762" y="1014744"/>
-            <a:ext cx="999481" cy="559289"/>
+            <a:ext cx="764677" cy="559289"/>
           </a:xfrm>
           <a:prstGeom prst="rect">
             <a:avLst/>
@@ -8314,7 +8988,7 @@
         <p:spPr>
           <a:xfrm>
             <a:off x="311909" y="1102177"/>
-            <a:ext cx="1111188" cy="369332"/>
+            <a:ext cx="850141" cy="369332"/>
           </a:xfrm>
           <a:prstGeom prst="rect">
             <a:avLst/>
@@ -8357,8 +9031,8 @@
         </p:nvCxnSpPr>
         <p:spPr>
           <a:xfrm>
-            <a:off x="1423097" y="1286843"/>
-            <a:ext cx="592154" cy="8123"/>
+            <a:off x="1162050" y="1286843"/>
+            <a:ext cx="926068" cy="8123"/>
           </a:xfrm>
           <a:prstGeom prst="straightConnector1">
             <a:avLst/>
@@ -8396,8 +9070,8 @@
         </p:nvSpPr>
         <p:spPr>
           <a:xfrm>
-            <a:off x="945172" y="744933"/>
-            <a:ext cx="1478360" cy="307777"/>
+            <a:off x="877397" y="744933"/>
+            <a:ext cx="1478360" cy="523220"/>
           </a:xfrm>
           <a:prstGeom prst="rect">
             <a:avLst/>
@@ -8415,6 +9089,15 @@
               <a:rPr lang="zh-TW" altLang="en-US" sz="1400" dirty="0"/>
               <a:t>影像輸入</a:t>
             </a:r>
+            <a:endParaRPr lang="en-US" altLang="zh-TW" sz="1400" dirty="0"/>
+          </a:p>
+          <a:p>
+            <a:pPr algn="ctr"/>
+            <a:r>
+              <a:rPr lang="en-US" altLang="zh-TW" sz="1400" dirty="0"/>
+              <a:t>U8 [1280,720,3]</a:t>
+            </a:r>
+            <a:endParaRPr lang="zh-TW" altLang="en-US" sz="1400" dirty="0"/>
           </a:p>
         </p:txBody>
       </p:sp>
@@ -8504,7 +9187,7 @@
         </p:nvSpPr>
         <p:spPr>
           <a:xfrm>
-            <a:off x="6703120" y="315909"/>
+            <a:off x="6291459" y="315909"/>
             <a:ext cx="825797" cy="307777"/>
           </a:xfrm>
           <a:prstGeom prst="rect">
@@ -9847,7 +10530,7 @@
         </p:nvSpPr>
         <p:spPr>
           <a:xfrm>
-            <a:off x="6683098" y="256790"/>
+            <a:off x="6271437" y="256790"/>
             <a:ext cx="896289" cy="472220"/>
           </a:xfrm>
           <a:prstGeom prst="rect">
@@ -9903,12 +10586,12 @@
         </p:nvCxnSpPr>
         <p:spPr>
           <a:xfrm rot="10800000" flipH="1">
-            <a:off x="6143332" y="492900"/>
-            <a:ext cx="539766" cy="831892"/>
+            <a:off x="6143331" y="492900"/>
+            <a:ext cx="128105" cy="831892"/>
           </a:xfrm>
           <a:prstGeom prst="bentConnector3">
             <a:avLst>
-              <a:gd name="adj1" fmla="val 39998"/>
+              <a:gd name="adj1" fmla="val 29741"/>
             </a:avLst>
           </a:prstGeom>
           <a:ln>
@@ -9948,8 +10631,8 @@
         </p:nvCxnSpPr>
         <p:spPr>
           <a:xfrm flipV="1">
-            <a:off x="7579387" y="489073"/>
-            <a:ext cx="421020" cy="3827"/>
+            <a:off x="7167726" y="489073"/>
+            <a:ext cx="832681" cy="3827"/>
           </a:xfrm>
           <a:prstGeom prst="straightConnector1">
             <a:avLst/>
@@ -9987,8 +10670,8 @@
         </p:nvSpPr>
         <p:spPr>
           <a:xfrm>
-            <a:off x="2949217" y="754523"/>
-            <a:ext cx="1157666" cy="307777"/>
+            <a:off x="2827662" y="754523"/>
+            <a:ext cx="1230116" cy="523220"/>
           </a:xfrm>
           <a:prstGeom prst="rect">
             <a:avLst/>
@@ -10003,8 +10686,16 @@
           <a:p>
             <a:pPr algn="ctr"/>
             <a:r>
+              <a:rPr lang="zh-TW" altLang="en-US" sz="1400" dirty="0"/>
+              <a:t>灰階輸出</a:t>
+            </a:r>
+            <a:endParaRPr lang="en-US" altLang="zh-TW" sz="1400" dirty="0"/>
+          </a:p>
+          <a:p>
+            <a:pPr algn="ctr"/>
+            <a:r>
               <a:rPr lang="en-US" altLang="zh-TW" sz="1400" dirty="0"/>
-              <a:t>frame(gray)</a:t>
+              <a:t>U8 [1280,720]</a:t>
             </a:r>
             <a:endParaRPr lang="zh-TW" altLang="en-US" sz="1400" dirty="0"/>
           </a:p>
@@ -10024,8 +10715,8 @@
         </p:nvSpPr>
         <p:spPr>
           <a:xfrm>
-            <a:off x="5110029" y="951625"/>
-            <a:ext cx="1157666" cy="276999"/>
+            <a:off x="4918402" y="760775"/>
+            <a:ext cx="1311375" cy="523220"/>
           </a:xfrm>
           <a:prstGeom prst="rect">
             <a:avLst/>
@@ -10038,19 +10729,20 @@
           </a:bodyPr>
           <a:lstStyle/>
           <a:p>
-            <a:r>
-              <a:rPr lang="en-US" altLang="zh-TW" sz="1200" dirty="0"/>
-              <a:t>frame(</a:t>
-            </a:r>
-            <a:r>
-              <a:rPr lang="zh-TW" altLang="en-US" sz="1200" dirty="0"/>
-              <a:t>黑跟白</a:t>
-            </a:r>
-            <a:r>
-              <a:rPr lang="en-US" altLang="zh-TW" sz="1200" dirty="0"/>
-              <a:t>)</a:t>
-            </a:r>
-            <a:endParaRPr lang="zh-TW" altLang="en-US" sz="1200" dirty="0"/>
+            <a:pPr algn="ctr"/>
+            <a:r>
+              <a:rPr lang="zh-TW" altLang="en-US" sz="1400" dirty="0"/>
+              <a:t>二值化輸出</a:t>
+            </a:r>
+            <a:endParaRPr lang="en-US" altLang="zh-TW" sz="1400" dirty="0"/>
+          </a:p>
+          <a:p>
+            <a:pPr algn="ctr"/>
+            <a:r>
+              <a:rPr lang="en-US" altLang="zh-TW" sz="1400" dirty="0"/>
+              <a:t>U8 [1280,720]</a:t>
+            </a:r>
+            <a:endParaRPr lang="zh-TW" altLang="en-US" sz="1400" dirty="0"/>
           </a:p>
         </p:txBody>
       </p:sp>
@@ -10307,7 +10999,7 @@
         </p:nvSpPr>
         <p:spPr>
           <a:xfrm>
-            <a:off x="7531419" y="188431"/>
+            <a:off x="7150598" y="464973"/>
             <a:ext cx="1157666" cy="276999"/>
           </a:xfrm>
           <a:prstGeom prst="rect">
@@ -11252,6 +11944,746 @@
           </a:p>
         </p:txBody>
       </p:sp>
+      <p:grpSp>
+        <p:nvGrpSpPr>
+          <p:cNvPr id="14" name="Group 13">
+            <a:extLst>
+              <a:ext uri="{FF2B5EF4-FFF2-40B4-BE49-F238E27FC236}">
+                <a16:creationId xmlns:a16="http://schemas.microsoft.com/office/drawing/2014/main" id="{440BE656-F7CF-4625-A0E7-2568246414B1}"/>
+              </a:ext>
+            </a:extLst>
+          </p:cNvPr>
+          <p:cNvGrpSpPr/>
+          <p:nvPr/>
+        </p:nvGrpSpPr>
+        <p:grpSpPr>
+          <a:xfrm>
+            <a:off x="2061150" y="3331650"/>
+            <a:ext cx="1488240" cy="1331640"/>
+            <a:chOff x="2061150" y="3331650"/>
+            <a:chExt cx="1488240" cy="1331640"/>
+          </a:xfrm>
+        </p:grpSpPr>
+        <mc:AlternateContent xmlns:mc="http://schemas.openxmlformats.org/markup-compatibility/2006" xmlns:p14="http://schemas.microsoft.com/office/powerpoint/2010/main">
+          <mc:Choice Requires="p14">
+            <p:contentPart p14:bwMode="auto" r:id="rId2">
+              <p14:nvContentPartPr>
+                <p14:cNvPr id="3" name="Ink 2">
+                  <a:extLst>
+                    <a:ext uri="{FF2B5EF4-FFF2-40B4-BE49-F238E27FC236}">
+                      <a16:creationId xmlns:a16="http://schemas.microsoft.com/office/drawing/2014/main" id="{258F2BDA-8056-4F47-ADED-72813180275F}"/>
+                    </a:ext>
+                  </a:extLst>
+                </p14:cNvPr>
+                <p14:cNvContentPartPr/>
+                <p14:nvPr/>
+              </p14:nvContentPartPr>
+              <p14:xfrm>
+                <a:off x="2304870" y="3676530"/>
+                <a:ext cx="330480" cy="495000"/>
+              </p14:xfrm>
+            </p:contentPart>
+          </mc:Choice>
+          <mc:Fallback xmlns="">
+            <p:pic>
+              <p:nvPicPr>
+                <p:cNvPr id="3" name="Ink 2">
+                  <a:extLst>
+                    <a:ext uri="{FF2B5EF4-FFF2-40B4-BE49-F238E27FC236}">
+                      <a16:creationId xmlns:a16="http://schemas.microsoft.com/office/drawing/2014/main" id="{258F2BDA-8056-4F47-ADED-72813180275F}"/>
+                    </a:ext>
+                  </a:extLst>
+                </p:cNvPr>
+                <p:cNvPicPr/>
+                <p:nvPr/>
+              </p:nvPicPr>
+              <p:blipFill>
+                <a:blip r:embed="rId3"/>
+                <a:stretch>
+                  <a:fillRect/>
+                </a:stretch>
+              </p:blipFill>
+              <p:spPr>
+                <a:xfrm>
+                  <a:off x="2286870" y="3658530"/>
+                  <a:ext cx="366120" cy="530640"/>
+                </a:xfrm>
+                <a:prstGeom prst="rect">
+                  <a:avLst/>
+                </a:prstGeom>
+              </p:spPr>
+            </p:pic>
+          </mc:Fallback>
+        </mc:AlternateContent>
+        <mc:AlternateContent xmlns:mc="http://schemas.openxmlformats.org/markup-compatibility/2006" xmlns:p14="http://schemas.microsoft.com/office/powerpoint/2010/main">
+          <mc:Choice Requires="p14">
+            <p:contentPart p14:bwMode="auto" r:id="rId4">
+              <p14:nvContentPartPr>
+                <p14:cNvPr id="8" name="Ink 7">
+                  <a:extLst>
+                    <a:ext uri="{FF2B5EF4-FFF2-40B4-BE49-F238E27FC236}">
+                      <a16:creationId xmlns:a16="http://schemas.microsoft.com/office/drawing/2014/main" id="{31689EDD-7ACA-4C1C-8C04-A9DBF0C98E14}"/>
+                    </a:ext>
+                  </a:extLst>
+                </p14:cNvPr>
+                <p14:cNvContentPartPr/>
+                <p14:nvPr/>
+              </p14:nvContentPartPr>
+              <p14:xfrm>
+                <a:off x="2061150" y="3486090"/>
+                <a:ext cx="605880" cy="1177200"/>
+              </p14:xfrm>
+            </p:contentPart>
+          </mc:Choice>
+          <mc:Fallback xmlns="">
+            <p:pic>
+              <p:nvPicPr>
+                <p:cNvPr id="8" name="Ink 7">
+                  <a:extLst>
+                    <a:ext uri="{FF2B5EF4-FFF2-40B4-BE49-F238E27FC236}">
+                      <a16:creationId xmlns:a16="http://schemas.microsoft.com/office/drawing/2014/main" id="{31689EDD-7ACA-4C1C-8C04-A9DBF0C98E14}"/>
+                    </a:ext>
+                  </a:extLst>
+                </p:cNvPr>
+                <p:cNvPicPr/>
+                <p:nvPr/>
+              </p:nvPicPr>
+              <p:blipFill>
+                <a:blip r:embed="rId5"/>
+                <a:stretch>
+                  <a:fillRect/>
+                </a:stretch>
+              </p:blipFill>
+              <p:spPr>
+                <a:xfrm>
+                  <a:off x="2043150" y="3468090"/>
+                  <a:ext cx="641520" cy="1212840"/>
+                </a:xfrm>
+                <a:prstGeom prst="rect">
+                  <a:avLst/>
+                </a:prstGeom>
+              </p:spPr>
+            </p:pic>
+          </mc:Fallback>
+        </mc:AlternateContent>
+        <mc:AlternateContent xmlns:mc="http://schemas.openxmlformats.org/markup-compatibility/2006" xmlns:p14="http://schemas.microsoft.com/office/powerpoint/2010/main">
+          <mc:Choice Requires="p14">
+            <p:contentPart p14:bwMode="auto" r:id="rId6">
+              <p14:nvContentPartPr>
+                <p14:cNvPr id="9" name="Ink 8">
+                  <a:extLst>
+                    <a:ext uri="{FF2B5EF4-FFF2-40B4-BE49-F238E27FC236}">
+                      <a16:creationId xmlns:a16="http://schemas.microsoft.com/office/drawing/2014/main" id="{8750CE5C-E5DC-445F-8347-DBB9C5A0E40B}"/>
+                    </a:ext>
+                  </a:extLst>
+                </p14:cNvPr>
+                <p14:cNvContentPartPr/>
+                <p14:nvPr/>
+              </p14:nvContentPartPr>
+              <p14:xfrm>
+                <a:off x="2695470" y="3597330"/>
+                <a:ext cx="216000" cy="189360"/>
+              </p14:xfrm>
+            </p:contentPart>
+          </mc:Choice>
+          <mc:Fallback xmlns="">
+            <p:pic>
+              <p:nvPicPr>
+                <p:cNvPr id="9" name="Ink 8">
+                  <a:extLst>
+                    <a:ext uri="{FF2B5EF4-FFF2-40B4-BE49-F238E27FC236}">
+                      <a16:creationId xmlns:a16="http://schemas.microsoft.com/office/drawing/2014/main" id="{8750CE5C-E5DC-445F-8347-DBB9C5A0E40B}"/>
+                    </a:ext>
+                  </a:extLst>
+                </p:cNvPr>
+                <p:cNvPicPr/>
+                <p:nvPr/>
+              </p:nvPicPr>
+              <p:blipFill>
+                <a:blip r:embed="rId7"/>
+                <a:stretch>
+                  <a:fillRect/>
+                </a:stretch>
+              </p:blipFill>
+              <p:spPr>
+                <a:xfrm>
+                  <a:off x="2677470" y="3579330"/>
+                  <a:ext cx="251640" cy="225000"/>
+                </a:xfrm>
+                <a:prstGeom prst="rect">
+                  <a:avLst/>
+                </a:prstGeom>
+              </p:spPr>
+            </p:pic>
+          </mc:Fallback>
+        </mc:AlternateContent>
+        <mc:AlternateContent xmlns:mc="http://schemas.openxmlformats.org/markup-compatibility/2006" xmlns:p14="http://schemas.microsoft.com/office/powerpoint/2010/main">
+          <mc:Choice Requires="p14">
+            <p:contentPart p14:bwMode="auto" r:id="rId8">
+              <p14:nvContentPartPr>
+                <p14:cNvPr id="10" name="Ink 9">
+                  <a:extLst>
+                    <a:ext uri="{FF2B5EF4-FFF2-40B4-BE49-F238E27FC236}">
+                      <a16:creationId xmlns:a16="http://schemas.microsoft.com/office/drawing/2014/main" id="{0DA30FA9-695B-4377-881B-DC3C0EC282A5}"/>
+                    </a:ext>
+                  </a:extLst>
+                </p14:cNvPr>
+                <p14:cNvContentPartPr/>
+                <p14:nvPr/>
+              </p14:nvContentPartPr>
+              <p14:xfrm>
+                <a:off x="3066630" y="3331650"/>
+                <a:ext cx="482760" cy="221400"/>
+              </p14:xfrm>
+            </p:contentPart>
+          </mc:Choice>
+          <mc:Fallback xmlns="">
+            <p:pic>
+              <p:nvPicPr>
+                <p:cNvPr id="10" name="Ink 9">
+                  <a:extLst>
+                    <a:ext uri="{FF2B5EF4-FFF2-40B4-BE49-F238E27FC236}">
+                      <a16:creationId xmlns:a16="http://schemas.microsoft.com/office/drawing/2014/main" id="{0DA30FA9-695B-4377-881B-DC3C0EC282A5}"/>
+                    </a:ext>
+                  </a:extLst>
+                </p:cNvPr>
+                <p:cNvPicPr/>
+                <p:nvPr/>
+              </p:nvPicPr>
+              <p:blipFill>
+                <a:blip r:embed="rId9"/>
+                <a:stretch>
+                  <a:fillRect/>
+                </a:stretch>
+              </p:blipFill>
+              <p:spPr>
+                <a:xfrm>
+                  <a:off x="3048990" y="3313650"/>
+                  <a:ext cx="518400" cy="257040"/>
+                </a:xfrm>
+                <a:prstGeom prst="rect">
+                  <a:avLst/>
+                </a:prstGeom>
+              </p:spPr>
+            </p:pic>
+          </mc:Fallback>
+        </mc:AlternateContent>
+        <mc:AlternateContent xmlns:mc="http://schemas.openxmlformats.org/markup-compatibility/2006" xmlns:p14="http://schemas.microsoft.com/office/powerpoint/2010/main">
+          <mc:Choice Requires="p14">
+            <p:contentPart p14:bwMode="auto" r:id="rId10">
+              <p14:nvContentPartPr>
+                <p14:cNvPr id="11" name="Ink 10">
+                  <a:extLst>
+                    <a:ext uri="{FF2B5EF4-FFF2-40B4-BE49-F238E27FC236}">
+                      <a16:creationId xmlns:a16="http://schemas.microsoft.com/office/drawing/2014/main" id="{5749A11E-B31A-4B2F-A2BB-F528C9E9484A}"/>
+                    </a:ext>
+                  </a:extLst>
+                </p14:cNvPr>
+                <p14:cNvContentPartPr/>
+                <p14:nvPr/>
+              </p14:nvContentPartPr>
+              <p14:xfrm>
+                <a:off x="2695470" y="3571410"/>
+                <a:ext cx="124200" cy="145800"/>
+              </p14:xfrm>
+            </p:contentPart>
+          </mc:Choice>
+          <mc:Fallback xmlns="">
+            <p:pic>
+              <p:nvPicPr>
+                <p:cNvPr id="11" name="Ink 10">
+                  <a:extLst>
+                    <a:ext uri="{FF2B5EF4-FFF2-40B4-BE49-F238E27FC236}">
+                      <a16:creationId xmlns:a16="http://schemas.microsoft.com/office/drawing/2014/main" id="{5749A11E-B31A-4B2F-A2BB-F528C9E9484A}"/>
+                    </a:ext>
+                  </a:extLst>
+                </p:cNvPr>
+                <p:cNvPicPr/>
+                <p:nvPr/>
+              </p:nvPicPr>
+              <p:blipFill>
+                <a:blip r:embed="rId11"/>
+                <a:stretch>
+                  <a:fillRect/>
+                </a:stretch>
+              </p:blipFill>
+              <p:spPr>
+                <a:xfrm>
+                  <a:off x="2677470" y="3553770"/>
+                  <a:ext cx="159840" cy="181440"/>
+                </a:xfrm>
+                <a:prstGeom prst="rect">
+                  <a:avLst/>
+                </a:prstGeom>
+              </p:spPr>
+            </p:pic>
+          </mc:Fallback>
+        </mc:AlternateContent>
+        <mc:AlternateContent xmlns:mc="http://schemas.openxmlformats.org/markup-compatibility/2006" xmlns:p14="http://schemas.microsoft.com/office/powerpoint/2010/main">
+          <mc:Choice Requires="p14">
+            <p:contentPart p14:bwMode="auto" r:id="rId12">
+              <p14:nvContentPartPr>
+                <p14:cNvPr id="13" name="Ink 12">
+                  <a:extLst>
+                    <a:ext uri="{FF2B5EF4-FFF2-40B4-BE49-F238E27FC236}">
+                      <a16:creationId xmlns:a16="http://schemas.microsoft.com/office/drawing/2014/main" id="{AC84849A-A7E2-4C1C-A4D7-548E4E3DA5F2}"/>
+                    </a:ext>
+                  </a:extLst>
+                </p14:cNvPr>
+                <p14:cNvContentPartPr/>
+                <p14:nvPr/>
+              </p14:nvContentPartPr>
+              <p14:xfrm>
+                <a:off x="3066630" y="3524250"/>
+                <a:ext cx="360" cy="297360"/>
+              </p14:xfrm>
+            </p:contentPart>
+          </mc:Choice>
+          <mc:Fallback xmlns="">
+            <p:pic>
+              <p:nvPicPr>
+                <p:cNvPr id="13" name="Ink 12">
+                  <a:extLst>
+                    <a:ext uri="{FF2B5EF4-FFF2-40B4-BE49-F238E27FC236}">
+                      <a16:creationId xmlns:a16="http://schemas.microsoft.com/office/drawing/2014/main" id="{AC84849A-A7E2-4C1C-A4D7-548E4E3DA5F2}"/>
+                    </a:ext>
+                  </a:extLst>
+                </p:cNvPr>
+                <p:cNvPicPr/>
+                <p:nvPr/>
+              </p:nvPicPr>
+              <p:blipFill>
+                <a:blip r:embed="rId13"/>
+                <a:stretch>
+                  <a:fillRect/>
+                </a:stretch>
+              </p:blipFill>
+              <p:spPr>
+                <a:xfrm>
+                  <a:off x="3048990" y="3506610"/>
+                  <a:ext cx="36000" cy="333000"/>
+                </a:xfrm>
+                <a:prstGeom prst="rect">
+                  <a:avLst/>
+                </a:prstGeom>
+              </p:spPr>
+            </p:pic>
+          </mc:Fallback>
+        </mc:AlternateContent>
+      </p:grpSp>
+      <p:grpSp>
+        <p:nvGrpSpPr>
+          <p:cNvPr id="29" name="Group 28">
+            <a:extLst>
+              <a:ext uri="{FF2B5EF4-FFF2-40B4-BE49-F238E27FC236}">
+                <a16:creationId xmlns:a16="http://schemas.microsoft.com/office/drawing/2014/main" id="{810EC4F5-8E41-4075-9DC3-930B5AE1A03A}"/>
+              </a:ext>
+            </a:extLst>
+          </p:cNvPr>
+          <p:cNvGrpSpPr/>
+          <p:nvPr/>
+        </p:nvGrpSpPr>
+        <p:grpSpPr>
+          <a:xfrm>
+            <a:off x="2343030" y="6186450"/>
+            <a:ext cx="2559600" cy="617040"/>
+            <a:chOff x="2343030" y="6186450"/>
+            <a:chExt cx="2559600" cy="617040"/>
+          </a:xfrm>
+        </p:grpSpPr>
+        <mc:AlternateContent xmlns:mc="http://schemas.openxmlformats.org/markup-compatibility/2006" xmlns:p14="http://schemas.microsoft.com/office/powerpoint/2010/main">
+          <mc:Choice Requires="p14">
+            <p:contentPart p14:bwMode="auto" r:id="rId14">
+              <p14:nvContentPartPr>
+                <p14:cNvPr id="20" name="Ink 19">
+                  <a:extLst>
+                    <a:ext uri="{FF2B5EF4-FFF2-40B4-BE49-F238E27FC236}">
+                      <a16:creationId xmlns:a16="http://schemas.microsoft.com/office/drawing/2014/main" id="{E040B51B-6D83-41D6-B713-9782043BD7E8}"/>
+                    </a:ext>
+                  </a:extLst>
+                </p14:cNvPr>
+                <p14:cNvContentPartPr/>
+                <p14:nvPr/>
+              </p14:nvContentPartPr>
+              <p14:xfrm>
+                <a:off x="2343030" y="6255930"/>
+                <a:ext cx="1131840" cy="40320"/>
+              </p14:xfrm>
+            </p:contentPart>
+          </mc:Choice>
+          <mc:Fallback xmlns="">
+            <p:pic>
+              <p:nvPicPr>
+                <p:cNvPr id="20" name="Ink 19">
+                  <a:extLst>
+                    <a:ext uri="{FF2B5EF4-FFF2-40B4-BE49-F238E27FC236}">
+                      <a16:creationId xmlns:a16="http://schemas.microsoft.com/office/drawing/2014/main" id="{E040B51B-6D83-41D6-B713-9782043BD7E8}"/>
+                    </a:ext>
+                  </a:extLst>
+                </p:cNvPr>
+                <p:cNvPicPr/>
+                <p:nvPr/>
+              </p:nvPicPr>
+              <p:blipFill>
+                <a:blip r:embed="rId15"/>
+                <a:stretch>
+                  <a:fillRect/>
+                </a:stretch>
+              </p:blipFill>
+              <p:spPr>
+                <a:xfrm>
+                  <a:off x="2325390" y="6238290"/>
+                  <a:ext cx="1167480" cy="75960"/>
+                </a:xfrm>
+                <a:prstGeom prst="rect">
+                  <a:avLst/>
+                </a:prstGeom>
+              </p:spPr>
+            </p:pic>
+          </mc:Fallback>
+        </mc:AlternateContent>
+        <mc:AlternateContent xmlns:mc="http://schemas.openxmlformats.org/markup-compatibility/2006" xmlns:p14="http://schemas.microsoft.com/office/powerpoint/2010/main">
+          <mc:Choice Requires="p14">
+            <p:contentPart p14:bwMode="auto" r:id="rId16">
+              <p14:nvContentPartPr>
+                <p14:cNvPr id="22" name="Ink 21">
+                  <a:extLst>
+                    <a:ext uri="{FF2B5EF4-FFF2-40B4-BE49-F238E27FC236}">
+                      <a16:creationId xmlns:a16="http://schemas.microsoft.com/office/drawing/2014/main" id="{B90FF51D-68BE-4C26-9D73-735325AD71FB}"/>
+                    </a:ext>
+                  </a:extLst>
+                </p14:cNvPr>
+                <p14:cNvContentPartPr/>
+                <p14:nvPr/>
+              </p14:nvContentPartPr>
+              <p14:xfrm>
+                <a:off x="3714630" y="6369690"/>
+                <a:ext cx="193680" cy="177840"/>
+              </p14:xfrm>
+            </p:contentPart>
+          </mc:Choice>
+          <mc:Fallback xmlns="">
+            <p:pic>
+              <p:nvPicPr>
+                <p:cNvPr id="22" name="Ink 21">
+                  <a:extLst>
+                    <a:ext uri="{FF2B5EF4-FFF2-40B4-BE49-F238E27FC236}">
+                      <a16:creationId xmlns:a16="http://schemas.microsoft.com/office/drawing/2014/main" id="{B90FF51D-68BE-4C26-9D73-735325AD71FB}"/>
+                    </a:ext>
+                  </a:extLst>
+                </p:cNvPr>
+                <p:cNvPicPr/>
+                <p:nvPr/>
+              </p:nvPicPr>
+              <p:blipFill>
+                <a:blip r:embed="rId17"/>
+                <a:stretch>
+                  <a:fillRect/>
+                </a:stretch>
+              </p:blipFill>
+              <p:spPr>
+                <a:xfrm>
+                  <a:off x="3696990" y="6352050"/>
+                  <a:ext cx="229320" cy="213480"/>
+                </a:xfrm>
+                <a:prstGeom prst="rect">
+                  <a:avLst/>
+                </a:prstGeom>
+              </p:spPr>
+            </p:pic>
+          </mc:Fallback>
+        </mc:AlternateContent>
+        <mc:AlternateContent xmlns:mc="http://schemas.openxmlformats.org/markup-compatibility/2006" xmlns:p14="http://schemas.microsoft.com/office/powerpoint/2010/main">
+          <mc:Choice Requires="p14">
+            <p:contentPart p14:bwMode="auto" r:id="rId18">
+              <p14:nvContentPartPr>
+                <p14:cNvPr id="23" name="Ink 22">
+                  <a:extLst>
+                    <a:ext uri="{FF2B5EF4-FFF2-40B4-BE49-F238E27FC236}">
+                      <a16:creationId xmlns:a16="http://schemas.microsoft.com/office/drawing/2014/main" id="{98D407E1-12BE-4158-A60D-285D3A814D78}"/>
+                    </a:ext>
+                  </a:extLst>
+                </p14:cNvPr>
+                <p14:cNvContentPartPr/>
+                <p14:nvPr/>
+              </p14:nvContentPartPr>
+              <p14:xfrm>
+                <a:off x="3771870" y="6421890"/>
+                <a:ext cx="119520" cy="36360"/>
+              </p14:xfrm>
+            </p:contentPart>
+          </mc:Choice>
+          <mc:Fallback xmlns="">
+            <p:pic>
+              <p:nvPicPr>
+                <p:cNvPr id="23" name="Ink 22">
+                  <a:extLst>
+                    <a:ext uri="{FF2B5EF4-FFF2-40B4-BE49-F238E27FC236}">
+                      <a16:creationId xmlns:a16="http://schemas.microsoft.com/office/drawing/2014/main" id="{98D407E1-12BE-4158-A60D-285D3A814D78}"/>
+                    </a:ext>
+                  </a:extLst>
+                </p:cNvPr>
+                <p:cNvPicPr/>
+                <p:nvPr/>
+              </p:nvPicPr>
+              <p:blipFill>
+                <a:blip r:embed="rId19"/>
+                <a:stretch>
+                  <a:fillRect/>
+                </a:stretch>
+              </p:blipFill>
+              <p:spPr>
+                <a:xfrm>
+                  <a:off x="3753870" y="6403890"/>
+                  <a:ext cx="155160" cy="72000"/>
+                </a:xfrm>
+                <a:prstGeom prst="rect">
+                  <a:avLst/>
+                </a:prstGeom>
+              </p:spPr>
+            </p:pic>
+          </mc:Fallback>
+        </mc:AlternateContent>
+        <mc:AlternateContent xmlns:mc="http://schemas.openxmlformats.org/markup-compatibility/2006" xmlns:p14="http://schemas.microsoft.com/office/powerpoint/2010/main">
+          <mc:Choice Requires="p14">
+            <p:contentPart p14:bwMode="auto" r:id="rId20">
+              <p14:nvContentPartPr>
+                <p14:cNvPr id="24" name="Ink 23">
+                  <a:extLst>
+                    <a:ext uri="{FF2B5EF4-FFF2-40B4-BE49-F238E27FC236}">
+                      <a16:creationId xmlns:a16="http://schemas.microsoft.com/office/drawing/2014/main" id="{C276F01F-6453-4C21-A227-BD03E8DF14DA}"/>
+                    </a:ext>
+                  </a:extLst>
+                </p14:cNvPr>
+                <p14:cNvContentPartPr/>
+                <p14:nvPr/>
+              </p14:nvContentPartPr>
+              <p14:xfrm>
+                <a:off x="3914430" y="6305250"/>
+                <a:ext cx="201960" cy="313200"/>
+              </p14:xfrm>
+            </p:contentPart>
+          </mc:Choice>
+          <mc:Fallback xmlns="">
+            <p:pic>
+              <p:nvPicPr>
+                <p:cNvPr id="24" name="Ink 23">
+                  <a:extLst>
+                    <a:ext uri="{FF2B5EF4-FFF2-40B4-BE49-F238E27FC236}">
+                      <a16:creationId xmlns:a16="http://schemas.microsoft.com/office/drawing/2014/main" id="{C276F01F-6453-4C21-A227-BD03E8DF14DA}"/>
+                    </a:ext>
+                  </a:extLst>
+                </p:cNvPr>
+                <p:cNvPicPr/>
+                <p:nvPr/>
+              </p:nvPicPr>
+              <p:blipFill>
+                <a:blip r:embed="rId21"/>
+                <a:stretch>
+                  <a:fillRect/>
+                </a:stretch>
+              </p:blipFill>
+              <p:spPr>
+                <a:xfrm>
+                  <a:off x="3896790" y="6287610"/>
+                  <a:ext cx="237600" cy="348840"/>
+                </a:xfrm>
+                <a:prstGeom prst="rect">
+                  <a:avLst/>
+                </a:prstGeom>
+              </p:spPr>
+            </p:pic>
+          </mc:Fallback>
+        </mc:AlternateContent>
+        <mc:AlternateContent xmlns:mc="http://schemas.openxmlformats.org/markup-compatibility/2006" xmlns:p14="http://schemas.microsoft.com/office/powerpoint/2010/main">
+          <mc:Choice Requires="p14">
+            <p:contentPart p14:bwMode="auto" r:id="rId22">
+              <p14:nvContentPartPr>
+                <p14:cNvPr id="25" name="Ink 24">
+                  <a:extLst>
+                    <a:ext uri="{FF2B5EF4-FFF2-40B4-BE49-F238E27FC236}">
+                      <a16:creationId xmlns:a16="http://schemas.microsoft.com/office/drawing/2014/main" id="{D585D037-AFD4-4DEA-B918-9012DB0F5D2A}"/>
+                    </a:ext>
+                  </a:extLst>
+                </p14:cNvPr>
+                <p14:cNvContentPartPr/>
+                <p14:nvPr/>
+              </p14:nvContentPartPr>
+              <p14:xfrm>
+                <a:off x="3952590" y="6450330"/>
+                <a:ext cx="173520" cy="27000"/>
+              </p14:xfrm>
+            </p:contentPart>
+          </mc:Choice>
+          <mc:Fallback xmlns="">
+            <p:pic>
+              <p:nvPicPr>
+                <p:cNvPr id="25" name="Ink 24">
+                  <a:extLst>
+                    <a:ext uri="{FF2B5EF4-FFF2-40B4-BE49-F238E27FC236}">
+                      <a16:creationId xmlns:a16="http://schemas.microsoft.com/office/drawing/2014/main" id="{D585D037-AFD4-4DEA-B918-9012DB0F5D2A}"/>
+                    </a:ext>
+                  </a:extLst>
+                </p:cNvPr>
+                <p:cNvPicPr/>
+                <p:nvPr/>
+              </p:nvPicPr>
+              <p:blipFill>
+                <a:blip r:embed="rId23"/>
+                <a:stretch>
+                  <a:fillRect/>
+                </a:stretch>
+              </p:blipFill>
+              <p:spPr>
+                <a:xfrm>
+                  <a:off x="3934950" y="6432330"/>
+                  <a:ext cx="209160" cy="62640"/>
+                </a:xfrm>
+                <a:prstGeom prst="rect">
+                  <a:avLst/>
+                </a:prstGeom>
+              </p:spPr>
+            </p:pic>
+          </mc:Fallback>
+        </mc:AlternateContent>
+        <mc:AlternateContent xmlns:mc="http://schemas.openxmlformats.org/markup-compatibility/2006" xmlns:p14="http://schemas.microsoft.com/office/powerpoint/2010/main">
+          <mc:Choice Requires="p14">
+            <p:contentPart p14:bwMode="auto" r:id="rId24">
+              <p14:nvContentPartPr>
+                <p14:cNvPr id="28" name="Ink 27">
+                  <a:extLst>
+                    <a:ext uri="{FF2B5EF4-FFF2-40B4-BE49-F238E27FC236}">
+                      <a16:creationId xmlns:a16="http://schemas.microsoft.com/office/drawing/2014/main" id="{B9E762BE-AF84-42C9-BE55-C266AEF4A230}"/>
+                    </a:ext>
+                  </a:extLst>
+                </p14:cNvPr>
+                <p14:cNvContentPartPr/>
+                <p14:nvPr/>
+              </p14:nvContentPartPr>
+              <p14:xfrm>
+                <a:off x="4402590" y="6186450"/>
+                <a:ext cx="500040" cy="617040"/>
+              </p14:xfrm>
+            </p:contentPart>
+          </mc:Choice>
+          <mc:Fallback xmlns="">
+            <p:pic>
+              <p:nvPicPr>
+                <p:cNvPr id="28" name="Ink 27">
+                  <a:extLst>
+                    <a:ext uri="{FF2B5EF4-FFF2-40B4-BE49-F238E27FC236}">
+                      <a16:creationId xmlns:a16="http://schemas.microsoft.com/office/drawing/2014/main" id="{B9E762BE-AF84-42C9-BE55-C266AEF4A230}"/>
+                    </a:ext>
+                  </a:extLst>
+                </p:cNvPr>
+                <p:cNvPicPr/>
+                <p:nvPr/>
+              </p:nvPicPr>
+              <p:blipFill>
+                <a:blip r:embed="rId25"/>
+                <a:stretch>
+                  <a:fillRect/>
+                </a:stretch>
+              </p:blipFill>
+              <p:spPr>
+                <a:xfrm>
+                  <a:off x="4384590" y="6168450"/>
+                  <a:ext cx="535680" cy="652680"/>
+                </a:xfrm>
+                <a:prstGeom prst="rect">
+                  <a:avLst/>
+                </a:prstGeom>
+              </p:spPr>
+            </p:pic>
+          </mc:Fallback>
+        </mc:AlternateContent>
+      </p:grpSp>
+      <p:cxnSp>
+        <p:nvCxnSpPr>
+          <p:cNvPr id="104" name="直線單箭頭接點 20">
+            <a:extLst>
+              <a:ext uri="{FF2B5EF4-FFF2-40B4-BE49-F238E27FC236}">
+                <a16:creationId xmlns:a16="http://schemas.microsoft.com/office/drawing/2014/main" id="{05F30531-B247-40E0-83EC-8C46C0E06BA6}"/>
+              </a:ext>
+            </a:extLst>
+          </p:cNvPr>
+          <p:cNvCxnSpPr>
+            <a:cxnSpLocks/>
+            <a:endCxn id="18" idx="0"/>
+          </p:cNvCxnSpPr>
+          <p:nvPr/>
+        </p:nvCxnSpPr>
+        <p:spPr>
+          <a:xfrm>
+            <a:off x="4362101" y="633485"/>
+            <a:ext cx="0" cy="389382"/>
+          </a:xfrm>
+          <a:prstGeom prst="straightConnector1">
+            <a:avLst/>
+          </a:prstGeom>
+          <a:ln w="28575">
+            <a:solidFill>
+              <a:srgbClr val="FF0000"/>
+            </a:solidFill>
+            <a:tailEnd type="triangle"/>
+          </a:ln>
+        </p:spPr>
+        <p:style>
+          <a:lnRef idx="2">
+            <a:schemeClr val="accent1"/>
+          </a:lnRef>
+          <a:fillRef idx="0">
+            <a:schemeClr val="accent1"/>
+          </a:fillRef>
+          <a:effectRef idx="1">
+            <a:schemeClr val="accent1"/>
+          </a:effectRef>
+          <a:fontRef idx="minor">
+            <a:schemeClr val="tx1"/>
+          </a:fontRef>
+        </p:style>
+      </p:cxnSp>
+      <p:sp>
+        <p:nvSpPr>
+          <p:cNvPr id="108" name="文字方塊 218">
+            <a:extLst>
+              <a:ext uri="{FF2B5EF4-FFF2-40B4-BE49-F238E27FC236}">
+                <a16:creationId xmlns:a16="http://schemas.microsoft.com/office/drawing/2014/main" id="{DC5B9460-1F17-4CBE-B7D5-F124666668B0}"/>
+              </a:ext>
+            </a:extLst>
+          </p:cNvPr>
+          <p:cNvSpPr txBox="1"/>
+          <p:nvPr/>
+        </p:nvSpPr>
+        <p:spPr>
+          <a:xfrm>
+            <a:off x="3520833" y="135898"/>
+            <a:ext cx="1983061" cy="523220"/>
+          </a:xfrm>
+          <a:prstGeom prst="rect">
+            <a:avLst/>
+          </a:prstGeom>
+          <a:noFill/>
+        </p:spPr>
+        <p:txBody>
+          <a:bodyPr wrap="square">
+            <a:spAutoFit/>
+          </a:bodyPr>
+          <a:lstStyle/>
+          <a:p>
+            <a:pPr algn="ctr"/>
+            <a:r>
+              <a:rPr lang="zh-TW" altLang="en-US" sz="1400" dirty="0"/>
+              <a:t>參數：</a:t>
+            </a:r>
+            <a:r>
+              <a:rPr lang="en-US" altLang="zh-TW" sz="1400" dirty="0"/>
+              <a:t>Kernel, stride, adaptive thresholding </a:t>
+            </a:r>
+            <a:endParaRPr lang="zh-TW" altLang="en-US" sz="1400" dirty="0"/>
+          </a:p>
+        </p:txBody>
+      </p:sp>
     </p:spTree>
     <p:extLst>
       <p:ext uri="{BB962C8B-B14F-4D97-AF65-F5344CB8AC3E}">
@@ -11284,6 +12716,2042 @@
       </p:grpSpPr>
       <p:sp>
         <p:nvSpPr>
+          <p:cNvPr id="4" name="Title 1">
+            <a:extLst>
+              <a:ext uri="{FF2B5EF4-FFF2-40B4-BE49-F238E27FC236}">
+                <a16:creationId xmlns:a16="http://schemas.microsoft.com/office/drawing/2014/main" id="{57D3F53D-E727-46F6-8868-EFA3CFBEACBE}"/>
+              </a:ext>
+            </a:extLst>
+          </p:cNvPr>
+          <p:cNvSpPr txBox="1">
+            <a:spLocks/>
+          </p:cNvSpPr>
+          <p:nvPr/>
+        </p:nvSpPr>
+        <p:spPr>
+          <a:xfrm>
+            <a:off x="-1" y="-123145"/>
+            <a:ext cx="3190876" cy="886626"/>
+          </a:xfrm>
+          <a:prstGeom prst="rect">
+            <a:avLst/>
+          </a:prstGeom>
+        </p:spPr>
+        <p:txBody>
+          <a:bodyPr vert="horz" lIns="91440" tIns="45720" rIns="91440" bIns="45720" rtlCol="0" anchor="ctr">
+            <a:normAutofit/>
+          </a:bodyPr>
+          <a:lstStyle>
+            <a:lvl1pPr algn="l" defTabSz="914400" rtl="0" eaLnBrk="1" latinLnBrk="0" hangingPunct="1">
+              <a:lnSpc>
+                <a:spcPct val="90000"/>
+              </a:lnSpc>
+              <a:spcBef>
+                <a:spcPct val="0"/>
+              </a:spcBef>
+              <a:buNone/>
+              <a:defRPr sz="4400" kern="1200">
+                <a:solidFill>
+                  <a:schemeClr val="tx1"/>
+                </a:solidFill>
+                <a:latin typeface="+mj-lt"/>
+                <a:ea typeface="+mj-ea"/>
+                <a:cs typeface="+mj-cs"/>
+              </a:defRPr>
+            </a:lvl1pPr>
+          </a:lstStyle>
+          <a:p>
+            <a:r>
+              <a:rPr lang="en-US" altLang="zh-TW" sz="3200" dirty="0"/>
+              <a:t>Function Block</a:t>
+            </a:r>
+            <a:endParaRPr lang="zh-TW" altLang="en-US" sz="3200" dirty="0"/>
+          </a:p>
+        </p:txBody>
+      </p:sp>
+      <p:sp>
+        <p:nvSpPr>
+          <p:cNvPr id="8" name="Rectangle 7">
+            <a:extLst>
+              <a:ext uri="{FF2B5EF4-FFF2-40B4-BE49-F238E27FC236}">
+                <a16:creationId xmlns:a16="http://schemas.microsoft.com/office/drawing/2014/main" id="{44DAF587-A3B0-43A5-BE32-94A7FCCA62E4}"/>
+              </a:ext>
+            </a:extLst>
+          </p:cNvPr>
+          <p:cNvSpPr/>
+          <p:nvPr/>
+        </p:nvSpPr>
+        <p:spPr>
+          <a:xfrm>
+            <a:off x="1305594" y="876300"/>
+            <a:ext cx="1571625" cy="886626"/>
+          </a:xfrm>
+          <a:prstGeom prst="rect">
+            <a:avLst/>
+          </a:prstGeom>
+        </p:spPr>
+        <p:style>
+          <a:lnRef idx="2">
+            <a:schemeClr val="accent1">
+              <a:shade val="50000"/>
+            </a:schemeClr>
+          </a:lnRef>
+          <a:fillRef idx="1">
+            <a:schemeClr val="accent1"/>
+          </a:fillRef>
+          <a:effectRef idx="0">
+            <a:schemeClr val="accent1"/>
+          </a:effectRef>
+          <a:fontRef idx="minor">
+            <a:schemeClr val="lt1"/>
+          </a:fontRef>
+        </p:style>
+        <p:txBody>
+          <a:bodyPr rtlCol="0" anchor="ctr"/>
+          <a:lstStyle/>
+          <a:p>
+            <a:pPr algn="ctr"/>
+            <a:r>
+              <a:rPr lang="zh-TW" altLang="en-US" dirty="0"/>
+              <a:t>灰階</a:t>
+            </a:r>
+            <a:endParaRPr lang="en-US" altLang="zh-TW" dirty="0"/>
+          </a:p>
+          <a:p>
+            <a:pPr algn="ctr"/>
+            <a:r>
+              <a:rPr lang="en-US" altLang="zh-TW" dirty="0"/>
+              <a:t>grayscale</a:t>
+            </a:r>
+            <a:endParaRPr lang="zh-TW" altLang="en-US" dirty="0"/>
+          </a:p>
+        </p:txBody>
+      </p:sp>
+      <p:cxnSp>
+        <p:nvCxnSpPr>
+          <p:cNvPr id="10" name="Straight Arrow Connector 9">
+            <a:extLst>
+              <a:ext uri="{FF2B5EF4-FFF2-40B4-BE49-F238E27FC236}">
+                <a16:creationId xmlns:a16="http://schemas.microsoft.com/office/drawing/2014/main" id="{1F15D2F2-3ED0-40E1-BF1C-E7F14CD75A7A}"/>
+              </a:ext>
+            </a:extLst>
+          </p:cNvPr>
+          <p:cNvCxnSpPr>
+            <a:endCxn id="8" idx="1"/>
+          </p:cNvCxnSpPr>
+          <p:nvPr/>
+        </p:nvCxnSpPr>
+        <p:spPr>
+          <a:xfrm flipV="1">
+            <a:off x="739180" y="1319613"/>
+            <a:ext cx="566414" cy="4362"/>
+          </a:xfrm>
+          <a:prstGeom prst="straightConnector1">
+            <a:avLst/>
+          </a:prstGeom>
+          <a:ln w="57150">
+            <a:solidFill>
+              <a:schemeClr val="accent1">
+                <a:lumMod val="60000"/>
+                <a:lumOff val="40000"/>
+              </a:schemeClr>
+            </a:solidFill>
+            <a:tailEnd type="triangle"/>
+          </a:ln>
+        </p:spPr>
+        <p:style>
+          <a:lnRef idx="2">
+            <a:schemeClr val="accent2"/>
+          </a:lnRef>
+          <a:fillRef idx="0">
+            <a:schemeClr val="accent2"/>
+          </a:fillRef>
+          <a:effectRef idx="1">
+            <a:schemeClr val="accent2"/>
+          </a:effectRef>
+          <a:fontRef idx="minor">
+            <a:schemeClr val="tx1"/>
+          </a:fontRef>
+        </p:style>
+      </p:cxnSp>
+      <p:sp>
+        <p:nvSpPr>
+          <p:cNvPr id="11" name="文字方塊 16">
+            <a:extLst>
+              <a:ext uri="{FF2B5EF4-FFF2-40B4-BE49-F238E27FC236}">
+                <a16:creationId xmlns:a16="http://schemas.microsoft.com/office/drawing/2014/main" id="{C1AF9339-E959-44EE-A0F2-7FB266FCC398}"/>
+              </a:ext>
+            </a:extLst>
+          </p:cNvPr>
+          <p:cNvSpPr txBox="1"/>
+          <p:nvPr/>
+        </p:nvSpPr>
+        <p:spPr>
+          <a:xfrm>
+            <a:off x="0" y="748768"/>
+            <a:ext cx="1305594" cy="523220"/>
+          </a:xfrm>
+          <a:prstGeom prst="rect">
+            <a:avLst/>
+          </a:prstGeom>
+          <a:noFill/>
+        </p:spPr>
+        <p:txBody>
+          <a:bodyPr wrap="square">
+            <a:spAutoFit/>
+          </a:bodyPr>
+          <a:lstStyle/>
+          <a:p>
+            <a:pPr algn="r"/>
+            <a:r>
+              <a:rPr lang="zh-TW" altLang="en-US" sz="1400" dirty="0"/>
+              <a:t>影像輸入</a:t>
+            </a:r>
+            <a:endParaRPr lang="en-US" altLang="zh-TW" sz="1400" dirty="0"/>
+          </a:p>
+          <a:p>
+            <a:pPr algn="r"/>
+            <a:r>
+              <a:rPr lang="en-US" altLang="zh-TW" sz="1400" dirty="0"/>
+              <a:t>U8 [1280,720,3]</a:t>
+            </a:r>
+            <a:endParaRPr lang="zh-TW" altLang="en-US" sz="1400" dirty="0"/>
+          </a:p>
+        </p:txBody>
+      </p:sp>
+      <p:cxnSp>
+        <p:nvCxnSpPr>
+          <p:cNvPr id="12" name="Straight Arrow Connector 11">
+            <a:extLst>
+              <a:ext uri="{FF2B5EF4-FFF2-40B4-BE49-F238E27FC236}">
+                <a16:creationId xmlns:a16="http://schemas.microsoft.com/office/drawing/2014/main" id="{12EEED00-F972-4E60-A127-6A1A652D1AD8}"/>
+              </a:ext>
+            </a:extLst>
+          </p:cNvPr>
+          <p:cNvCxnSpPr>
+            <a:cxnSpLocks/>
+            <a:stCxn id="8" idx="3"/>
+          </p:cNvCxnSpPr>
+          <p:nvPr/>
+        </p:nvCxnSpPr>
+        <p:spPr>
+          <a:xfrm>
+            <a:off x="2877219" y="1319613"/>
+            <a:ext cx="566414" cy="0"/>
+          </a:xfrm>
+          <a:prstGeom prst="straightConnector1">
+            <a:avLst/>
+          </a:prstGeom>
+          <a:ln w="57150">
+            <a:solidFill>
+              <a:schemeClr val="accent1">
+                <a:lumMod val="60000"/>
+                <a:lumOff val="40000"/>
+              </a:schemeClr>
+            </a:solidFill>
+            <a:tailEnd type="triangle"/>
+          </a:ln>
+        </p:spPr>
+        <p:style>
+          <a:lnRef idx="2">
+            <a:schemeClr val="accent2"/>
+          </a:lnRef>
+          <a:fillRef idx="0">
+            <a:schemeClr val="accent2"/>
+          </a:fillRef>
+          <a:effectRef idx="1">
+            <a:schemeClr val="accent2"/>
+          </a:effectRef>
+          <a:fontRef idx="minor">
+            <a:schemeClr val="tx1"/>
+          </a:fontRef>
+        </p:style>
+      </p:cxnSp>
+      <p:sp>
+        <p:nvSpPr>
+          <p:cNvPr id="15" name="文字方塊 16">
+            <a:extLst>
+              <a:ext uri="{FF2B5EF4-FFF2-40B4-BE49-F238E27FC236}">
+                <a16:creationId xmlns:a16="http://schemas.microsoft.com/office/drawing/2014/main" id="{866C2BFE-2381-4901-A958-ABC3432093D8}"/>
+              </a:ext>
+            </a:extLst>
+          </p:cNvPr>
+          <p:cNvSpPr txBox="1"/>
+          <p:nvPr/>
+        </p:nvSpPr>
+        <p:spPr>
+          <a:xfrm>
+            <a:off x="2877219" y="748768"/>
+            <a:ext cx="1305594" cy="523220"/>
+          </a:xfrm>
+          <a:prstGeom prst="rect">
+            <a:avLst/>
+          </a:prstGeom>
+          <a:noFill/>
+        </p:spPr>
+        <p:txBody>
+          <a:bodyPr wrap="square">
+            <a:spAutoFit/>
+          </a:bodyPr>
+          <a:lstStyle/>
+          <a:p>
+            <a:r>
+              <a:rPr lang="zh-TW" altLang="en-US" sz="1400" dirty="0"/>
+              <a:t>灰階輸出</a:t>
+            </a:r>
+            <a:endParaRPr lang="en-US" altLang="zh-TW" sz="1400" dirty="0"/>
+          </a:p>
+          <a:p>
+            <a:r>
+              <a:rPr lang="en-US" altLang="zh-TW" sz="1400" dirty="0"/>
+              <a:t>U8 [1280,720]</a:t>
+            </a:r>
+            <a:endParaRPr lang="zh-TW" altLang="en-US" sz="1400" dirty="0"/>
+          </a:p>
+        </p:txBody>
+      </p:sp>
+      <p:grpSp>
+        <p:nvGrpSpPr>
+          <p:cNvPr id="27" name="Group 26">
+            <a:extLst>
+              <a:ext uri="{FF2B5EF4-FFF2-40B4-BE49-F238E27FC236}">
+                <a16:creationId xmlns:a16="http://schemas.microsoft.com/office/drawing/2014/main" id="{55CE7244-6F72-458F-98DF-16F314DFCF9A}"/>
+              </a:ext>
+            </a:extLst>
+          </p:cNvPr>
+          <p:cNvGrpSpPr/>
+          <p:nvPr/>
+        </p:nvGrpSpPr>
+        <p:grpSpPr>
+          <a:xfrm>
+            <a:off x="0" y="2043367"/>
+            <a:ext cx="4182813" cy="966533"/>
+            <a:chOff x="0" y="2356019"/>
+            <a:chExt cx="4182813" cy="966533"/>
+          </a:xfrm>
+        </p:grpSpPr>
+        <p:sp>
+          <p:nvSpPr>
+            <p:cNvPr id="21" name="Rectangle 20">
+              <a:extLst>
+                <a:ext uri="{FF2B5EF4-FFF2-40B4-BE49-F238E27FC236}">
+                  <a16:creationId xmlns:a16="http://schemas.microsoft.com/office/drawing/2014/main" id="{32B1C850-BA08-4857-8B01-30A1DF9B787A}"/>
+                </a:ext>
+              </a:extLst>
+            </p:cNvPr>
+            <p:cNvSpPr/>
+            <p:nvPr/>
+          </p:nvSpPr>
+          <p:spPr>
+            <a:xfrm>
+              <a:off x="1305594" y="2435926"/>
+              <a:ext cx="1571625" cy="886626"/>
+            </a:xfrm>
+            <a:prstGeom prst="rect">
+              <a:avLst/>
+            </a:prstGeom>
+          </p:spPr>
+          <p:style>
+            <a:lnRef idx="2">
+              <a:schemeClr val="accent1">
+                <a:shade val="50000"/>
+              </a:schemeClr>
+            </a:lnRef>
+            <a:fillRef idx="1">
+              <a:schemeClr val="accent1"/>
+            </a:fillRef>
+            <a:effectRef idx="0">
+              <a:schemeClr val="accent1"/>
+            </a:effectRef>
+            <a:fontRef idx="minor">
+              <a:schemeClr val="lt1"/>
+            </a:fontRef>
+          </p:style>
+          <p:txBody>
+            <a:bodyPr rtlCol="0" anchor="ctr"/>
+            <a:lstStyle/>
+            <a:p>
+              <a:pPr algn="ctr"/>
+              <a:r>
+                <a:rPr lang="zh-TW" altLang="en-US" dirty="0"/>
+                <a:t>二值化</a:t>
+              </a:r>
+              <a:endParaRPr lang="en-US" altLang="zh-TW" dirty="0"/>
+            </a:p>
+            <a:p>
+              <a:pPr algn="ctr"/>
+              <a:r>
+                <a:rPr lang="en-US" altLang="zh-TW" dirty="0"/>
+                <a:t>Adaptive Threshold</a:t>
+              </a:r>
+              <a:endParaRPr lang="zh-TW" altLang="en-US" dirty="0"/>
+            </a:p>
+          </p:txBody>
+        </p:sp>
+        <p:cxnSp>
+          <p:nvCxnSpPr>
+            <p:cNvPr id="22" name="Straight Arrow Connector 21">
+              <a:extLst>
+                <a:ext uri="{FF2B5EF4-FFF2-40B4-BE49-F238E27FC236}">
+                  <a16:creationId xmlns:a16="http://schemas.microsoft.com/office/drawing/2014/main" id="{5DDFE139-B395-488F-88BC-329A636289CA}"/>
+                </a:ext>
+              </a:extLst>
+            </p:cNvPr>
+            <p:cNvCxnSpPr>
+              <a:endCxn id="21" idx="1"/>
+            </p:cNvCxnSpPr>
+            <p:nvPr/>
+          </p:nvCxnSpPr>
+          <p:spPr>
+            <a:xfrm flipV="1">
+              <a:off x="739180" y="2879239"/>
+              <a:ext cx="566414" cy="4362"/>
+            </a:xfrm>
+            <a:prstGeom prst="straightConnector1">
+              <a:avLst/>
+            </a:prstGeom>
+            <a:ln w="57150">
+              <a:solidFill>
+                <a:schemeClr val="accent1">
+                  <a:lumMod val="60000"/>
+                  <a:lumOff val="40000"/>
+                </a:schemeClr>
+              </a:solidFill>
+              <a:tailEnd type="triangle"/>
+            </a:ln>
+          </p:spPr>
+          <p:style>
+            <a:lnRef idx="2">
+              <a:schemeClr val="accent2"/>
+            </a:lnRef>
+            <a:fillRef idx="0">
+              <a:schemeClr val="accent2"/>
+            </a:fillRef>
+            <a:effectRef idx="1">
+              <a:schemeClr val="accent2"/>
+            </a:effectRef>
+            <a:fontRef idx="minor">
+              <a:schemeClr val="tx1"/>
+            </a:fontRef>
+          </p:style>
+        </p:cxnSp>
+        <p:sp>
+          <p:nvSpPr>
+            <p:cNvPr id="23" name="文字方塊 16">
+              <a:extLst>
+                <a:ext uri="{FF2B5EF4-FFF2-40B4-BE49-F238E27FC236}">
+                  <a16:creationId xmlns:a16="http://schemas.microsoft.com/office/drawing/2014/main" id="{40FBF17A-CF63-4F6E-8801-19632FAFE93F}"/>
+                </a:ext>
+              </a:extLst>
+            </p:cNvPr>
+            <p:cNvSpPr txBox="1"/>
+            <p:nvPr/>
+          </p:nvSpPr>
+          <p:spPr>
+            <a:xfrm>
+              <a:off x="0" y="2356019"/>
+              <a:ext cx="1305594" cy="523220"/>
+            </a:xfrm>
+            <a:prstGeom prst="rect">
+              <a:avLst/>
+            </a:prstGeom>
+            <a:noFill/>
+          </p:spPr>
+          <p:txBody>
+            <a:bodyPr wrap="square">
+              <a:spAutoFit/>
+            </a:bodyPr>
+            <a:lstStyle/>
+            <a:p>
+              <a:pPr algn="r"/>
+              <a:r>
+                <a:rPr lang="zh-TW" altLang="en-US" sz="1400" dirty="0"/>
+                <a:t>灰階輸入</a:t>
+              </a:r>
+              <a:endParaRPr lang="en-US" altLang="zh-TW" sz="1400" dirty="0"/>
+            </a:p>
+            <a:p>
+              <a:pPr algn="r"/>
+              <a:r>
+                <a:rPr lang="en-US" altLang="zh-TW" sz="1400" dirty="0"/>
+                <a:t>U8 [1280,720]</a:t>
+              </a:r>
+              <a:endParaRPr lang="zh-TW" altLang="en-US" sz="1400" dirty="0"/>
+            </a:p>
+          </p:txBody>
+        </p:sp>
+        <p:cxnSp>
+          <p:nvCxnSpPr>
+            <p:cNvPr id="24" name="Straight Arrow Connector 23">
+              <a:extLst>
+                <a:ext uri="{FF2B5EF4-FFF2-40B4-BE49-F238E27FC236}">
+                  <a16:creationId xmlns:a16="http://schemas.microsoft.com/office/drawing/2014/main" id="{8A7B9F11-2D4D-4202-A056-A437E33A3E05}"/>
+                </a:ext>
+              </a:extLst>
+            </p:cNvPr>
+            <p:cNvCxnSpPr>
+              <a:cxnSpLocks/>
+              <a:stCxn id="21" idx="3"/>
+            </p:cNvCxnSpPr>
+            <p:nvPr/>
+          </p:nvCxnSpPr>
+          <p:spPr>
+            <a:xfrm>
+              <a:off x="2877219" y="2879239"/>
+              <a:ext cx="566414" cy="0"/>
+            </a:xfrm>
+            <a:prstGeom prst="straightConnector1">
+              <a:avLst/>
+            </a:prstGeom>
+            <a:ln w="57150">
+              <a:solidFill>
+                <a:schemeClr val="accent1">
+                  <a:lumMod val="60000"/>
+                  <a:lumOff val="40000"/>
+                </a:schemeClr>
+              </a:solidFill>
+              <a:tailEnd type="triangle"/>
+            </a:ln>
+          </p:spPr>
+          <p:style>
+            <a:lnRef idx="2">
+              <a:schemeClr val="accent2"/>
+            </a:lnRef>
+            <a:fillRef idx="0">
+              <a:schemeClr val="accent2"/>
+            </a:fillRef>
+            <a:effectRef idx="1">
+              <a:schemeClr val="accent2"/>
+            </a:effectRef>
+            <a:fontRef idx="minor">
+              <a:schemeClr val="tx1"/>
+            </a:fontRef>
+          </p:style>
+        </p:cxnSp>
+        <p:sp>
+          <p:nvSpPr>
+            <p:cNvPr id="25" name="文字方塊 16">
+              <a:extLst>
+                <a:ext uri="{FF2B5EF4-FFF2-40B4-BE49-F238E27FC236}">
+                  <a16:creationId xmlns:a16="http://schemas.microsoft.com/office/drawing/2014/main" id="{CABD7AC9-B2D8-4EEC-BFFE-D5B6865BDE13}"/>
+                </a:ext>
+              </a:extLst>
+            </p:cNvPr>
+            <p:cNvSpPr txBox="1"/>
+            <p:nvPr/>
+          </p:nvSpPr>
+          <p:spPr>
+            <a:xfrm>
+              <a:off x="2877219" y="2356019"/>
+              <a:ext cx="1305594" cy="523220"/>
+            </a:xfrm>
+            <a:prstGeom prst="rect">
+              <a:avLst/>
+            </a:prstGeom>
+            <a:noFill/>
+          </p:spPr>
+          <p:txBody>
+            <a:bodyPr wrap="square">
+              <a:spAutoFit/>
+            </a:bodyPr>
+            <a:lstStyle/>
+            <a:p>
+              <a:r>
+                <a:rPr lang="zh-TW" altLang="en-US" sz="1400" dirty="0"/>
+                <a:t>二值化輸出 </a:t>
+              </a:r>
+              <a:r>
+                <a:rPr lang="en-US" altLang="zh-TW" sz="1400" dirty="0"/>
+                <a:t>U8 [1280,720]</a:t>
+              </a:r>
+              <a:endParaRPr lang="zh-TW" altLang="en-US" sz="1400" dirty="0"/>
+            </a:p>
+          </p:txBody>
+        </p:sp>
+      </p:grpSp>
+      <p:cxnSp>
+        <p:nvCxnSpPr>
+          <p:cNvPr id="29" name="Connector: Elbow 28">
+            <a:extLst>
+              <a:ext uri="{FF2B5EF4-FFF2-40B4-BE49-F238E27FC236}">
+                <a16:creationId xmlns:a16="http://schemas.microsoft.com/office/drawing/2014/main" id="{700DE105-F287-4C83-8D77-E66EA50B3996}"/>
+              </a:ext>
+            </a:extLst>
+          </p:cNvPr>
+          <p:cNvCxnSpPr>
+            <a:cxnSpLocks/>
+          </p:cNvCxnSpPr>
+          <p:nvPr/>
+        </p:nvCxnSpPr>
+        <p:spPr>
+          <a:xfrm flipV="1">
+            <a:off x="652797" y="2809876"/>
+            <a:ext cx="652797" cy="117059"/>
+          </a:xfrm>
+          <a:prstGeom prst="bentConnector3">
+            <a:avLst/>
+          </a:prstGeom>
+          <a:ln w="38100">
+            <a:solidFill>
+              <a:srgbClr val="92D050"/>
+            </a:solidFill>
+            <a:tailEnd type="triangle"/>
+          </a:ln>
+        </p:spPr>
+        <p:style>
+          <a:lnRef idx="2">
+            <a:schemeClr val="accent1"/>
+          </a:lnRef>
+          <a:fillRef idx="0">
+            <a:schemeClr val="accent1"/>
+          </a:fillRef>
+          <a:effectRef idx="1">
+            <a:schemeClr val="accent1"/>
+          </a:effectRef>
+          <a:fontRef idx="minor">
+            <a:schemeClr val="tx1"/>
+          </a:fontRef>
+        </p:style>
+      </p:cxnSp>
+      <p:sp>
+        <p:nvSpPr>
+          <p:cNvPr id="31" name="文字方塊 16">
+            <a:extLst>
+              <a:ext uri="{FF2B5EF4-FFF2-40B4-BE49-F238E27FC236}">
+                <a16:creationId xmlns:a16="http://schemas.microsoft.com/office/drawing/2014/main" id="{FFD1EF73-C29A-4657-A106-B2B7DB316F9F}"/>
+              </a:ext>
+            </a:extLst>
+          </p:cNvPr>
+          <p:cNvSpPr txBox="1"/>
+          <p:nvPr/>
+        </p:nvSpPr>
+        <p:spPr>
+          <a:xfrm>
+            <a:off x="1" y="2987217"/>
+            <a:ext cx="1837677" cy="523220"/>
+          </a:xfrm>
+          <a:prstGeom prst="rect">
+            <a:avLst/>
+          </a:prstGeom>
+          <a:noFill/>
+        </p:spPr>
+        <p:txBody>
+          <a:bodyPr wrap="square">
+            <a:spAutoFit/>
+          </a:bodyPr>
+          <a:lstStyle/>
+          <a:p>
+            <a:pPr algn="ctr"/>
+            <a:r>
+              <a:rPr lang="zh-TW" altLang="en-US" sz="1400" dirty="0"/>
+              <a:t>參數：</a:t>
+            </a:r>
+            <a:r>
+              <a:rPr lang="en-US" altLang="zh-TW" sz="1400" dirty="0"/>
+              <a:t>Kernel, stride, adaptive thresholding </a:t>
+            </a:r>
+            <a:endParaRPr lang="zh-TW" altLang="en-US" sz="1400" dirty="0"/>
+          </a:p>
+        </p:txBody>
+      </p:sp>
+      <p:grpSp>
+        <p:nvGrpSpPr>
+          <p:cNvPr id="40" name="Group 39">
+            <a:extLst>
+              <a:ext uri="{FF2B5EF4-FFF2-40B4-BE49-F238E27FC236}">
+                <a16:creationId xmlns:a16="http://schemas.microsoft.com/office/drawing/2014/main" id="{3B92ADDF-5813-46A1-9FF3-22EBC0E67587}"/>
+              </a:ext>
+            </a:extLst>
+          </p:cNvPr>
+          <p:cNvGrpSpPr/>
+          <p:nvPr/>
+        </p:nvGrpSpPr>
+        <p:grpSpPr>
+          <a:xfrm>
+            <a:off x="0" y="3621104"/>
+            <a:ext cx="3933825" cy="1251627"/>
+            <a:chOff x="0" y="3621104"/>
+            <a:chExt cx="3933825" cy="1251627"/>
+          </a:xfrm>
+        </p:grpSpPr>
+        <p:grpSp>
+          <p:nvGrpSpPr>
+            <p:cNvPr id="32" name="Group 31">
+              <a:extLst>
+                <a:ext uri="{FF2B5EF4-FFF2-40B4-BE49-F238E27FC236}">
+                  <a16:creationId xmlns:a16="http://schemas.microsoft.com/office/drawing/2014/main" id="{5C75366C-2510-4512-8C61-A81B646661C3}"/>
+                </a:ext>
+              </a:extLst>
+            </p:cNvPr>
+            <p:cNvGrpSpPr/>
+            <p:nvPr/>
+          </p:nvGrpSpPr>
+          <p:grpSpPr>
+            <a:xfrm>
+              <a:off x="0" y="3621104"/>
+              <a:ext cx="3933825" cy="966533"/>
+              <a:chOff x="0" y="2356019"/>
+              <a:chExt cx="3933825" cy="966533"/>
+            </a:xfrm>
+          </p:grpSpPr>
+          <p:sp>
+            <p:nvSpPr>
+              <p:cNvPr id="33" name="Rectangle 32">
+                <a:extLst>
+                  <a:ext uri="{FF2B5EF4-FFF2-40B4-BE49-F238E27FC236}">
+                    <a16:creationId xmlns:a16="http://schemas.microsoft.com/office/drawing/2014/main" id="{1880F046-D32A-4F7C-ADB0-DF7BFC8F019F}"/>
+                  </a:ext>
+                </a:extLst>
+              </p:cNvPr>
+              <p:cNvSpPr/>
+              <p:nvPr/>
+            </p:nvSpPr>
+            <p:spPr>
+              <a:xfrm>
+                <a:off x="1305594" y="2435926"/>
+                <a:ext cx="1571625" cy="886626"/>
+              </a:xfrm>
+              <a:prstGeom prst="rect">
+                <a:avLst/>
+              </a:prstGeom>
+            </p:spPr>
+            <p:style>
+              <a:lnRef idx="2">
+                <a:schemeClr val="accent1">
+                  <a:shade val="50000"/>
+                </a:schemeClr>
+              </a:lnRef>
+              <a:fillRef idx="1">
+                <a:schemeClr val="accent1"/>
+              </a:fillRef>
+              <a:effectRef idx="0">
+                <a:schemeClr val="accent1"/>
+              </a:effectRef>
+              <a:fontRef idx="minor">
+                <a:schemeClr val="lt1"/>
+              </a:fontRef>
+            </p:style>
+            <p:txBody>
+              <a:bodyPr rtlCol="0" anchor="ctr"/>
+              <a:lstStyle/>
+              <a:p>
+                <a:pPr algn="ctr"/>
+                <a:r>
+                  <a:rPr lang="zh-TW" altLang="en-US" dirty="0"/>
+                  <a:t>著輪廓</a:t>
+                </a:r>
+              </a:p>
+            </p:txBody>
+          </p:sp>
+          <p:cxnSp>
+            <p:nvCxnSpPr>
+              <p:cNvPr id="34" name="Straight Arrow Connector 33">
+                <a:extLst>
+                  <a:ext uri="{FF2B5EF4-FFF2-40B4-BE49-F238E27FC236}">
+                    <a16:creationId xmlns:a16="http://schemas.microsoft.com/office/drawing/2014/main" id="{2E6C9F2E-C676-403B-8CD1-BEFB72E93A43}"/>
+                  </a:ext>
+                </a:extLst>
+              </p:cNvPr>
+              <p:cNvCxnSpPr>
+                <a:endCxn id="33" idx="1"/>
+              </p:cNvCxnSpPr>
+              <p:nvPr/>
+            </p:nvCxnSpPr>
+            <p:spPr>
+              <a:xfrm flipV="1">
+                <a:off x="739180" y="2879239"/>
+                <a:ext cx="566414" cy="4362"/>
+              </a:xfrm>
+              <a:prstGeom prst="straightConnector1">
+                <a:avLst/>
+              </a:prstGeom>
+              <a:ln w="57150">
+                <a:solidFill>
+                  <a:schemeClr val="accent1">
+                    <a:lumMod val="60000"/>
+                    <a:lumOff val="40000"/>
+                  </a:schemeClr>
+                </a:solidFill>
+                <a:tailEnd type="triangle"/>
+              </a:ln>
+            </p:spPr>
+            <p:style>
+              <a:lnRef idx="2">
+                <a:schemeClr val="accent2"/>
+              </a:lnRef>
+              <a:fillRef idx="0">
+                <a:schemeClr val="accent2"/>
+              </a:fillRef>
+              <a:effectRef idx="1">
+                <a:schemeClr val="accent2"/>
+              </a:effectRef>
+              <a:fontRef idx="minor">
+                <a:schemeClr val="tx1"/>
+              </a:fontRef>
+            </p:style>
+          </p:cxnSp>
+          <p:sp>
+            <p:nvSpPr>
+              <p:cNvPr id="35" name="文字方塊 16">
+                <a:extLst>
+                  <a:ext uri="{FF2B5EF4-FFF2-40B4-BE49-F238E27FC236}">
+                    <a16:creationId xmlns:a16="http://schemas.microsoft.com/office/drawing/2014/main" id="{CB32994D-7EFC-448A-8B77-654D5E4D11CC}"/>
+                  </a:ext>
+                </a:extLst>
+              </p:cNvPr>
+              <p:cNvSpPr txBox="1"/>
+              <p:nvPr/>
+            </p:nvSpPr>
+            <p:spPr>
+              <a:xfrm>
+                <a:off x="0" y="2356019"/>
+                <a:ext cx="1305594" cy="523220"/>
+              </a:xfrm>
+              <a:prstGeom prst="rect">
+                <a:avLst/>
+              </a:prstGeom>
+              <a:noFill/>
+            </p:spPr>
+            <p:txBody>
+              <a:bodyPr wrap="square">
+                <a:spAutoFit/>
+              </a:bodyPr>
+              <a:lstStyle/>
+              <a:p>
+                <a:pPr algn="r"/>
+                <a:r>
+                  <a:rPr lang="zh-TW" altLang="en-US" sz="1400" dirty="0"/>
+                  <a:t>二值化輸入</a:t>
+                </a:r>
+                <a:endParaRPr lang="en-US" altLang="zh-TW" sz="1400" dirty="0"/>
+              </a:p>
+              <a:p>
+                <a:pPr algn="r"/>
+                <a:r>
+                  <a:rPr lang="en-US" altLang="zh-TW" sz="1400" dirty="0"/>
+                  <a:t>U8 [1280,720]</a:t>
+                </a:r>
+                <a:endParaRPr lang="zh-TW" altLang="en-US" sz="1400" dirty="0"/>
+              </a:p>
+            </p:txBody>
+          </p:sp>
+          <p:cxnSp>
+            <p:nvCxnSpPr>
+              <p:cNvPr id="36" name="Straight Arrow Connector 35">
+                <a:extLst>
+                  <a:ext uri="{FF2B5EF4-FFF2-40B4-BE49-F238E27FC236}">
+                    <a16:creationId xmlns:a16="http://schemas.microsoft.com/office/drawing/2014/main" id="{DD06AD5F-4E92-4C3E-93D0-0D494BFF5D3F}"/>
+                  </a:ext>
+                </a:extLst>
+              </p:cNvPr>
+              <p:cNvCxnSpPr>
+                <a:cxnSpLocks/>
+                <a:stCxn id="33" idx="3"/>
+              </p:cNvCxnSpPr>
+              <p:nvPr/>
+            </p:nvCxnSpPr>
+            <p:spPr>
+              <a:xfrm>
+                <a:off x="2877219" y="2879239"/>
+                <a:ext cx="566414" cy="0"/>
+              </a:xfrm>
+              <a:prstGeom prst="straightConnector1">
+                <a:avLst/>
+              </a:prstGeom>
+              <a:ln w="57150">
+                <a:solidFill>
+                  <a:schemeClr val="accent1">
+                    <a:lumMod val="60000"/>
+                    <a:lumOff val="40000"/>
+                  </a:schemeClr>
+                </a:solidFill>
+                <a:tailEnd type="triangle"/>
+              </a:ln>
+            </p:spPr>
+            <p:style>
+              <a:lnRef idx="2">
+                <a:schemeClr val="accent2"/>
+              </a:lnRef>
+              <a:fillRef idx="0">
+                <a:schemeClr val="accent2"/>
+              </a:fillRef>
+              <a:effectRef idx="1">
+                <a:schemeClr val="accent2"/>
+              </a:effectRef>
+              <a:fontRef idx="minor">
+                <a:schemeClr val="tx1"/>
+              </a:fontRef>
+            </p:style>
+          </p:cxnSp>
+          <p:sp>
+            <p:nvSpPr>
+              <p:cNvPr id="37" name="文字方塊 16">
+                <a:extLst>
+                  <a:ext uri="{FF2B5EF4-FFF2-40B4-BE49-F238E27FC236}">
+                    <a16:creationId xmlns:a16="http://schemas.microsoft.com/office/drawing/2014/main" id="{A7F51B2B-FB2B-45A4-A865-6043EE9B4740}"/>
+                  </a:ext>
+                </a:extLst>
+              </p:cNvPr>
+              <p:cNvSpPr txBox="1"/>
+              <p:nvPr/>
+            </p:nvSpPr>
+            <p:spPr>
+              <a:xfrm>
+                <a:off x="2877219" y="2356019"/>
+                <a:ext cx="1056606" cy="523220"/>
+              </a:xfrm>
+              <a:prstGeom prst="rect">
+                <a:avLst/>
+              </a:prstGeom>
+              <a:noFill/>
+            </p:spPr>
+            <p:txBody>
+              <a:bodyPr wrap="square">
+                <a:spAutoFit/>
+              </a:bodyPr>
+              <a:lstStyle/>
+              <a:p>
+                <a:r>
+                  <a:rPr lang="zh-TW" altLang="en-US" sz="1400" dirty="0"/>
+                  <a:t>輪廓</a:t>
+                </a:r>
+                <a:r>
+                  <a:rPr lang="en-US" altLang="zh-TW" sz="1400" dirty="0"/>
+                  <a:t>array</a:t>
+                </a:r>
+              </a:p>
+              <a:p>
+                <a:r>
+                  <a:rPr lang="en-US" altLang="zh-TW" sz="1400" dirty="0"/>
+                  <a:t>U8 [256, ?]</a:t>
+                </a:r>
+                <a:endParaRPr lang="zh-TW" altLang="en-US" sz="1400" dirty="0"/>
+              </a:p>
+            </p:txBody>
+          </p:sp>
+        </p:grpSp>
+        <p:cxnSp>
+          <p:nvCxnSpPr>
+            <p:cNvPr id="38" name="Connector: Elbow 37">
+              <a:extLst>
+                <a:ext uri="{FF2B5EF4-FFF2-40B4-BE49-F238E27FC236}">
+                  <a16:creationId xmlns:a16="http://schemas.microsoft.com/office/drawing/2014/main" id="{7A64C576-3023-4555-9829-D2334DE9D85E}"/>
+                </a:ext>
+              </a:extLst>
+            </p:cNvPr>
+            <p:cNvCxnSpPr>
+              <a:cxnSpLocks/>
+            </p:cNvCxnSpPr>
+            <p:nvPr/>
+          </p:nvCxnSpPr>
+          <p:spPr>
+            <a:xfrm flipV="1">
+              <a:off x="652797" y="4387613"/>
+              <a:ext cx="652797" cy="117059"/>
+            </a:xfrm>
+            <a:prstGeom prst="bentConnector3">
+              <a:avLst/>
+            </a:prstGeom>
+            <a:ln w="38100">
+              <a:solidFill>
+                <a:srgbClr val="92D050"/>
+              </a:solidFill>
+              <a:tailEnd type="triangle"/>
+            </a:ln>
+          </p:spPr>
+          <p:style>
+            <a:lnRef idx="2">
+              <a:schemeClr val="accent1"/>
+            </a:lnRef>
+            <a:fillRef idx="0">
+              <a:schemeClr val="accent1"/>
+            </a:fillRef>
+            <a:effectRef idx="1">
+              <a:schemeClr val="accent1"/>
+            </a:effectRef>
+            <a:fontRef idx="minor">
+              <a:schemeClr val="tx1"/>
+            </a:fontRef>
+          </p:style>
+        </p:cxnSp>
+        <p:sp>
+          <p:nvSpPr>
+            <p:cNvPr id="39" name="文字方塊 16">
+              <a:extLst>
+                <a:ext uri="{FF2B5EF4-FFF2-40B4-BE49-F238E27FC236}">
+                  <a16:creationId xmlns:a16="http://schemas.microsoft.com/office/drawing/2014/main" id="{D4B39594-8C9B-47F6-A6F3-BEFE8A4175EF}"/>
+                </a:ext>
+              </a:extLst>
+            </p:cNvPr>
+            <p:cNvSpPr txBox="1"/>
+            <p:nvPr/>
+          </p:nvSpPr>
+          <p:spPr>
+            <a:xfrm>
+              <a:off x="1" y="4564954"/>
+              <a:ext cx="1837677" cy="307777"/>
+            </a:xfrm>
+            <a:prstGeom prst="rect">
+              <a:avLst/>
+            </a:prstGeom>
+            <a:noFill/>
+          </p:spPr>
+          <p:txBody>
+            <a:bodyPr wrap="square">
+              <a:spAutoFit/>
+            </a:bodyPr>
+            <a:lstStyle/>
+            <a:p>
+              <a:pPr algn="ctr"/>
+              <a:r>
+                <a:rPr lang="zh-TW" altLang="en-US" sz="1400" dirty="0"/>
+                <a:t>參數：</a:t>
+              </a:r>
+            </a:p>
+          </p:txBody>
+        </p:sp>
+      </p:grpSp>
+      <p:grpSp>
+        <p:nvGrpSpPr>
+          <p:cNvPr id="41" name="Group 40">
+            <a:extLst>
+              <a:ext uri="{FF2B5EF4-FFF2-40B4-BE49-F238E27FC236}">
+                <a16:creationId xmlns:a16="http://schemas.microsoft.com/office/drawing/2014/main" id="{D9AB2100-ACCD-4F34-8A47-B7BF98C4BBD2}"/>
+              </a:ext>
+            </a:extLst>
+          </p:cNvPr>
+          <p:cNvGrpSpPr/>
+          <p:nvPr/>
+        </p:nvGrpSpPr>
+        <p:grpSpPr>
+          <a:xfrm>
+            <a:off x="-1" y="5012629"/>
+            <a:ext cx="4333875" cy="1467070"/>
+            <a:chOff x="0" y="3621104"/>
+            <a:chExt cx="4333875" cy="1467070"/>
+          </a:xfrm>
+        </p:grpSpPr>
+        <p:grpSp>
+          <p:nvGrpSpPr>
+            <p:cNvPr id="42" name="Group 41">
+              <a:extLst>
+                <a:ext uri="{FF2B5EF4-FFF2-40B4-BE49-F238E27FC236}">
+                  <a16:creationId xmlns:a16="http://schemas.microsoft.com/office/drawing/2014/main" id="{69525F8C-1BEB-471E-A0CC-D6656CFAD92A}"/>
+                </a:ext>
+              </a:extLst>
+            </p:cNvPr>
+            <p:cNvGrpSpPr/>
+            <p:nvPr/>
+          </p:nvGrpSpPr>
+          <p:grpSpPr>
+            <a:xfrm>
+              <a:off x="0" y="3621104"/>
+              <a:ext cx="4333875" cy="966533"/>
+              <a:chOff x="0" y="2356019"/>
+              <a:chExt cx="4333875" cy="966533"/>
+            </a:xfrm>
+          </p:grpSpPr>
+          <p:sp>
+            <p:nvSpPr>
+              <p:cNvPr id="45" name="Rectangle 44">
+                <a:extLst>
+                  <a:ext uri="{FF2B5EF4-FFF2-40B4-BE49-F238E27FC236}">
+                    <a16:creationId xmlns:a16="http://schemas.microsoft.com/office/drawing/2014/main" id="{3DFBFDA7-4FF0-4EC0-9002-EFC39EBF9384}"/>
+                  </a:ext>
+                </a:extLst>
+              </p:cNvPr>
+              <p:cNvSpPr/>
+              <p:nvPr/>
+            </p:nvSpPr>
+            <p:spPr>
+              <a:xfrm>
+                <a:off x="1305594" y="2435926"/>
+                <a:ext cx="1571625" cy="886626"/>
+              </a:xfrm>
+              <a:prstGeom prst="rect">
+                <a:avLst/>
+              </a:prstGeom>
+            </p:spPr>
+            <p:style>
+              <a:lnRef idx="2">
+                <a:schemeClr val="accent1">
+                  <a:shade val="50000"/>
+                </a:schemeClr>
+              </a:lnRef>
+              <a:fillRef idx="1">
+                <a:schemeClr val="accent1"/>
+              </a:fillRef>
+              <a:effectRef idx="0">
+                <a:schemeClr val="accent1"/>
+              </a:effectRef>
+              <a:fontRef idx="minor">
+                <a:schemeClr val="lt1"/>
+              </a:fontRef>
+            </p:style>
+            <p:txBody>
+              <a:bodyPr rtlCol="0" anchor="ctr"/>
+              <a:lstStyle/>
+              <a:p>
+                <a:pPr algn="ctr"/>
+                <a:r>
+                  <a:rPr lang="zh-TW" altLang="en-US" dirty="0"/>
+                  <a:t>判斷面積</a:t>
+                </a:r>
+              </a:p>
+            </p:txBody>
+          </p:sp>
+          <p:cxnSp>
+            <p:nvCxnSpPr>
+              <p:cNvPr id="46" name="Straight Arrow Connector 45">
+                <a:extLst>
+                  <a:ext uri="{FF2B5EF4-FFF2-40B4-BE49-F238E27FC236}">
+                    <a16:creationId xmlns:a16="http://schemas.microsoft.com/office/drawing/2014/main" id="{533E3236-C3C6-4538-A6A5-583727BBE27D}"/>
+                  </a:ext>
+                </a:extLst>
+              </p:cNvPr>
+              <p:cNvCxnSpPr>
+                <a:endCxn id="45" idx="1"/>
+              </p:cNvCxnSpPr>
+              <p:nvPr/>
+            </p:nvCxnSpPr>
+            <p:spPr>
+              <a:xfrm flipV="1">
+                <a:off x="739180" y="2879239"/>
+                <a:ext cx="566414" cy="4362"/>
+              </a:xfrm>
+              <a:prstGeom prst="straightConnector1">
+                <a:avLst/>
+              </a:prstGeom>
+              <a:ln w="57150">
+                <a:solidFill>
+                  <a:schemeClr val="accent1">
+                    <a:lumMod val="60000"/>
+                    <a:lumOff val="40000"/>
+                  </a:schemeClr>
+                </a:solidFill>
+                <a:tailEnd type="triangle"/>
+              </a:ln>
+            </p:spPr>
+            <p:style>
+              <a:lnRef idx="2">
+                <a:schemeClr val="accent2"/>
+              </a:lnRef>
+              <a:fillRef idx="0">
+                <a:schemeClr val="accent2"/>
+              </a:fillRef>
+              <a:effectRef idx="1">
+                <a:schemeClr val="accent2"/>
+              </a:effectRef>
+              <a:fontRef idx="minor">
+                <a:schemeClr val="tx1"/>
+              </a:fontRef>
+            </p:style>
+          </p:cxnSp>
+          <p:sp>
+            <p:nvSpPr>
+              <p:cNvPr id="47" name="文字方塊 16">
+                <a:extLst>
+                  <a:ext uri="{FF2B5EF4-FFF2-40B4-BE49-F238E27FC236}">
+                    <a16:creationId xmlns:a16="http://schemas.microsoft.com/office/drawing/2014/main" id="{1397BA3D-3A16-4AA4-AD12-849CD8057E42}"/>
+                  </a:ext>
+                </a:extLst>
+              </p:cNvPr>
+              <p:cNvSpPr txBox="1"/>
+              <p:nvPr/>
+            </p:nvSpPr>
+            <p:spPr>
+              <a:xfrm>
+                <a:off x="0" y="2356019"/>
+                <a:ext cx="1305594" cy="523220"/>
+              </a:xfrm>
+              <a:prstGeom prst="rect">
+                <a:avLst/>
+              </a:prstGeom>
+              <a:noFill/>
+            </p:spPr>
+            <p:txBody>
+              <a:bodyPr wrap="square">
+                <a:spAutoFit/>
+              </a:bodyPr>
+              <a:lstStyle/>
+              <a:p>
+                <a:pPr algn="r"/>
+                <a:r>
+                  <a:rPr lang="zh-TW" altLang="en-US" sz="1400" dirty="0"/>
+                  <a:t>輪廓</a:t>
+                </a:r>
+                <a:r>
+                  <a:rPr lang="en-US" altLang="zh-TW" sz="1400" dirty="0"/>
+                  <a:t>array</a:t>
+                </a:r>
+              </a:p>
+              <a:p>
+                <a:pPr algn="r"/>
+                <a:r>
+                  <a:rPr lang="en-US" altLang="zh-TW" sz="1400" dirty="0"/>
+                  <a:t>U8 [256, ?]</a:t>
+                </a:r>
+              </a:p>
+            </p:txBody>
+          </p:sp>
+          <p:cxnSp>
+            <p:nvCxnSpPr>
+              <p:cNvPr id="48" name="Straight Arrow Connector 47">
+                <a:extLst>
+                  <a:ext uri="{FF2B5EF4-FFF2-40B4-BE49-F238E27FC236}">
+                    <a16:creationId xmlns:a16="http://schemas.microsoft.com/office/drawing/2014/main" id="{CBB18782-FAA3-44CA-B7EC-D8A9A3A91DF1}"/>
+                  </a:ext>
+                </a:extLst>
+              </p:cNvPr>
+              <p:cNvCxnSpPr>
+                <a:cxnSpLocks/>
+                <a:stCxn id="45" idx="3"/>
+              </p:cNvCxnSpPr>
+              <p:nvPr/>
+            </p:nvCxnSpPr>
+            <p:spPr>
+              <a:xfrm>
+                <a:off x="2877219" y="2879239"/>
+                <a:ext cx="566414" cy="0"/>
+              </a:xfrm>
+              <a:prstGeom prst="straightConnector1">
+                <a:avLst/>
+              </a:prstGeom>
+              <a:ln w="57150">
+                <a:solidFill>
+                  <a:schemeClr val="accent1">
+                    <a:lumMod val="60000"/>
+                    <a:lumOff val="40000"/>
+                  </a:schemeClr>
+                </a:solidFill>
+                <a:tailEnd type="triangle"/>
+              </a:ln>
+            </p:spPr>
+            <p:style>
+              <a:lnRef idx="2">
+                <a:schemeClr val="accent2"/>
+              </a:lnRef>
+              <a:fillRef idx="0">
+                <a:schemeClr val="accent2"/>
+              </a:fillRef>
+              <a:effectRef idx="1">
+                <a:schemeClr val="accent2"/>
+              </a:effectRef>
+              <a:fontRef idx="minor">
+                <a:schemeClr val="tx1"/>
+              </a:fontRef>
+            </p:style>
+          </p:cxnSp>
+          <p:sp>
+            <p:nvSpPr>
+              <p:cNvPr id="49" name="文字方塊 16">
+                <a:extLst>
+                  <a:ext uri="{FF2B5EF4-FFF2-40B4-BE49-F238E27FC236}">
+                    <a16:creationId xmlns:a16="http://schemas.microsoft.com/office/drawing/2014/main" id="{26CABDEF-92D0-428E-9F9A-7E676621D98E}"/>
+                  </a:ext>
+                </a:extLst>
+              </p:cNvPr>
+              <p:cNvSpPr txBox="1"/>
+              <p:nvPr/>
+            </p:nvSpPr>
+            <p:spPr>
+              <a:xfrm>
+                <a:off x="2877218" y="2356019"/>
+                <a:ext cx="1456657" cy="523220"/>
+              </a:xfrm>
+              <a:prstGeom prst="rect">
+                <a:avLst/>
+              </a:prstGeom>
+              <a:noFill/>
+            </p:spPr>
+            <p:txBody>
+              <a:bodyPr wrap="square">
+                <a:spAutoFit/>
+              </a:bodyPr>
+              <a:lstStyle/>
+              <a:p>
+                <a:r>
+                  <a:rPr lang="zh-TW" altLang="en-US" sz="1400" dirty="0"/>
+                  <a:t>篩選後輪廓</a:t>
+                </a:r>
+                <a:r>
+                  <a:rPr lang="en-US" altLang="zh-TW" sz="1400" dirty="0"/>
+                  <a:t>array</a:t>
+                </a:r>
+              </a:p>
+              <a:p>
+                <a:r>
+                  <a:rPr lang="en-US" altLang="zh-TW" sz="1400" dirty="0"/>
+                  <a:t>U8 [256, ?]</a:t>
+                </a:r>
+                <a:endParaRPr lang="zh-TW" altLang="en-US" sz="1400" dirty="0"/>
+              </a:p>
+            </p:txBody>
+          </p:sp>
+        </p:grpSp>
+        <p:cxnSp>
+          <p:nvCxnSpPr>
+            <p:cNvPr id="43" name="Connector: Elbow 42">
+              <a:extLst>
+                <a:ext uri="{FF2B5EF4-FFF2-40B4-BE49-F238E27FC236}">
+                  <a16:creationId xmlns:a16="http://schemas.microsoft.com/office/drawing/2014/main" id="{7630476E-8F74-4F49-9755-10EAED395E08}"/>
+                </a:ext>
+              </a:extLst>
+            </p:cNvPr>
+            <p:cNvCxnSpPr>
+              <a:cxnSpLocks/>
+            </p:cNvCxnSpPr>
+            <p:nvPr/>
+          </p:nvCxnSpPr>
+          <p:spPr>
+            <a:xfrm flipV="1">
+              <a:off x="652797" y="4387613"/>
+              <a:ext cx="652797" cy="117059"/>
+            </a:xfrm>
+            <a:prstGeom prst="bentConnector3">
+              <a:avLst/>
+            </a:prstGeom>
+            <a:ln w="38100">
+              <a:solidFill>
+                <a:srgbClr val="92D050"/>
+              </a:solidFill>
+              <a:tailEnd type="triangle"/>
+            </a:ln>
+          </p:spPr>
+          <p:style>
+            <a:lnRef idx="2">
+              <a:schemeClr val="accent1"/>
+            </a:lnRef>
+            <a:fillRef idx="0">
+              <a:schemeClr val="accent1"/>
+            </a:fillRef>
+            <a:effectRef idx="1">
+              <a:schemeClr val="accent1"/>
+            </a:effectRef>
+            <a:fontRef idx="minor">
+              <a:schemeClr val="tx1"/>
+            </a:fontRef>
+          </p:style>
+        </p:cxnSp>
+        <p:sp>
+          <p:nvSpPr>
+            <p:cNvPr id="44" name="文字方塊 16">
+              <a:extLst>
+                <a:ext uri="{FF2B5EF4-FFF2-40B4-BE49-F238E27FC236}">
+                  <a16:creationId xmlns:a16="http://schemas.microsoft.com/office/drawing/2014/main" id="{50151CD4-948A-42E8-AF5F-7FBFC18B9B3E}"/>
+                </a:ext>
+              </a:extLst>
+            </p:cNvPr>
+            <p:cNvSpPr txBox="1"/>
+            <p:nvPr/>
+          </p:nvSpPr>
+          <p:spPr>
+            <a:xfrm>
+              <a:off x="1" y="4564954"/>
+              <a:ext cx="1837677" cy="523220"/>
+            </a:xfrm>
+            <a:prstGeom prst="rect">
+              <a:avLst/>
+            </a:prstGeom>
+            <a:noFill/>
+          </p:spPr>
+          <p:txBody>
+            <a:bodyPr wrap="square">
+              <a:spAutoFit/>
+            </a:bodyPr>
+            <a:lstStyle/>
+            <a:p>
+              <a:pPr algn="ctr"/>
+              <a:r>
+                <a:rPr lang="zh-TW" altLang="en-US" sz="1400" dirty="0"/>
+                <a:t>參數：卡與畫面最小最大比例</a:t>
+              </a:r>
+            </a:p>
+          </p:txBody>
+        </p:sp>
+      </p:grpSp>
+      <p:grpSp>
+        <p:nvGrpSpPr>
+          <p:cNvPr id="51" name="Group 50">
+            <a:extLst>
+              <a:ext uri="{FF2B5EF4-FFF2-40B4-BE49-F238E27FC236}">
+                <a16:creationId xmlns:a16="http://schemas.microsoft.com/office/drawing/2014/main" id="{4E68F753-7D94-45EC-866D-7DFB1A73FB89}"/>
+              </a:ext>
+            </a:extLst>
+          </p:cNvPr>
+          <p:cNvGrpSpPr/>
+          <p:nvPr/>
+        </p:nvGrpSpPr>
+        <p:grpSpPr>
+          <a:xfrm>
+            <a:off x="4031749" y="779014"/>
+            <a:ext cx="4484938" cy="966533"/>
+            <a:chOff x="-151063" y="2356019"/>
+            <a:chExt cx="4484938" cy="966533"/>
+          </a:xfrm>
+        </p:grpSpPr>
+        <p:sp>
+          <p:nvSpPr>
+            <p:cNvPr id="54" name="Rectangle 53">
+              <a:extLst>
+                <a:ext uri="{FF2B5EF4-FFF2-40B4-BE49-F238E27FC236}">
+                  <a16:creationId xmlns:a16="http://schemas.microsoft.com/office/drawing/2014/main" id="{8E5F5A40-BF06-4CF6-ABF9-E55F35CDC294}"/>
+                </a:ext>
+              </a:extLst>
+            </p:cNvPr>
+            <p:cNvSpPr/>
+            <p:nvPr/>
+          </p:nvSpPr>
+          <p:spPr>
+            <a:xfrm>
+              <a:off x="1305594" y="2435926"/>
+              <a:ext cx="1571625" cy="886626"/>
+            </a:xfrm>
+            <a:prstGeom prst="rect">
+              <a:avLst/>
+            </a:prstGeom>
+          </p:spPr>
+          <p:style>
+            <a:lnRef idx="2">
+              <a:schemeClr val="accent1">
+                <a:shade val="50000"/>
+              </a:schemeClr>
+            </a:lnRef>
+            <a:fillRef idx="1">
+              <a:schemeClr val="accent1"/>
+            </a:fillRef>
+            <a:effectRef idx="0">
+              <a:schemeClr val="accent1"/>
+            </a:effectRef>
+            <a:fontRef idx="minor">
+              <a:schemeClr val="lt1"/>
+            </a:fontRef>
+          </p:style>
+          <p:txBody>
+            <a:bodyPr rtlCol="0" anchor="ctr"/>
+            <a:lstStyle/>
+            <a:p>
+              <a:pPr algn="ctr"/>
+              <a:r>
+                <a:rPr lang="zh-TW" altLang="en-US" sz="1800" dirty="0"/>
+                <a:t>取輪廓邊角</a:t>
+              </a:r>
+            </a:p>
+          </p:txBody>
+        </p:sp>
+        <p:cxnSp>
+          <p:nvCxnSpPr>
+            <p:cNvPr id="55" name="Straight Arrow Connector 54">
+              <a:extLst>
+                <a:ext uri="{FF2B5EF4-FFF2-40B4-BE49-F238E27FC236}">
+                  <a16:creationId xmlns:a16="http://schemas.microsoft.com/office/drawing/2014/main" id="{1452C422-9474-4BE8-A409-13F92859B31D}"/>
+                </a:ext>
+              </a:extLst>
+            </p:cNvPr>
+            <p:cNvCxnSpPr>
+              <a:endCxn id="54" idx="1"/>
+            </p:cNvCxnSpPr>
+            <p:nvPr/>
+          </p:nvCxnSpPr>
+          <p:spPr>
+            <a:xfrm flipV="1">
+              <a:off x="739180" y="2879239"/>
+              <a:ext cx="566414" cy="4362"/>
+            </a:xfrm>
+            <a:prstGeom prst="straightConnector1">
+              <a:avLst/>
+            </a:prstGeom>
+            <a:ln w="57150">
+              <a:solidFill>
+                <a:schemeClr val="accent1">
+                  <a:lumMod val="60000"/>
+                  <a:lumOff val="40000"/>
+                </a:schemeClr>
+              </a:solidFill>
+              <a:tailEnd type="triangle"/>
+            </a:ln>
+          </p:spPr>
+          <p:style>
+            <a:lnRef idx="2">
+              <a:schemeClr val="accent2"/>
+            </a:lnRef>
+            <a:fillRef idx="0">
+              <a:schemeClr val="accent2"/>
+            </a:fillRef>
+            <a:effectRef idx="1">
+              <a:schemeClr val="accent2"/>
+            </a:effectRef>
+            <a:fontRef idx="minor">
+              <a:schemeClr val="tx1"/>
+            </a:fontRef>
+          </p:style>
+        </p:cxnSp>
+        <p:sp>
+          <p:nvSpPr>
+            <p:cNvPr id="56" name="文字方塊 16">
+              <a:extLst>
+                <a:ext uri="{FF2B5EF4-FFF2-40B4-BE49-F238E27FC236}">
+                  <a16:creationId xmlns:a16="http://schemas.microsoft.com/office/drawing/2014/main" id="{C9DDE6FA-4AC1-40D3-9D81-BABE64D5BF13}"/>
+                </a:ext>
+              </a:extLst>
+            </p:cNvPr>
+            <p:cNvSpPr txBox="1"/>
+            <p:nvPr/>
+          </p:nvSpPr>
+          <p:spPr>
+            <a:xfrm>
+              <a:off x="-151063" y="2356019"/>
+              <a:ext cx="1456657" cy="523220"/>
+            </a:xfrm>
+            <a:prstGeom prst="rect">
+              <a:avLst/>
+            </a:prstGeom>
+            <a:noFill/>
+          </p:spPr>
+          <p:txBody>
+            <a:bodyPr wrap="square">
+              <a:spAutoFit/>
+            </a:bodyPr>
+            <a:lstStyle/>
+            <a:p>
+              <a:r>
+                <a:rPr lang="zh-TW" altLang="en-US" sz="1400" dirty="0"/>
+                <a:t>篩選後輪廓</a:t>
+              </a:r>
+              <a:r>
+                <a:rPr lang="en-US" altLang="zh-TW" sz="1400" dirty="0"/>
+                <a:t>array</a:t>
+              </a:r>
+            </a:p>
+            <a:p>
+              <a:pPr algn="r"/>
+              <a:r>
+                <a:rPr lang="en-US" altLang="zh-TW" sz="1400" dirty="0"/>
+                <a:t>U8 [256, ?]</a:t>
+              </a:r>
+            </a:p>
+          </p:txBody>
+        </p:sp>
+        <p:cxnSp>
+          <p:nvCxnSpPr>
+            <p:cNvPr id="57" name="Straight Arrow Connector 56">
+              <a:extLst>
+                <a:ext uri="{FF2B5EF4-FFF2-40B4-BE49-F238E27FC236}">
+                  <a16:creationId xmlns:a16="http://schemas.microsoft.com/office/drawing/2014/main" id="{8C974300-FA88-4AD3-82AA-133FE68C791D}"/>
+                </a:ext>
+              </a:extLst>
+            </p:cNvPr>
+            <p:cNvCxnSpPr>
+              <a:cxnSpLocks/>
+              <a:stCxn id="54" idx="3"/>
+            </p:cNvCxnSpPr>
+            <p:nvPr/>
+          </p:nvCxnSpPr>
+          <p:spPr>
+            <a:xfrm>
+              <a:off x="2877219" y="2879239"/>
+              <a:ext cx="566414" cy="0"/>
+            </a:xfrm>
+            <a:prstGeom prst="straightConnector1">
+              <a:avLst/>
+            </a:prstGeom>
+            <a:ln w="57150">
+              <a:solidFill>
+                <a:schemeClr val="accent1">
+                  <a:lumMod val="60000"/>
+                  <a:lumOff val="40000"/>
+                </a:schemeClr>
+              </a:solidFill>
+              <a:tailEnd type="triangle"/>
+            </a:ln>
+          </p:spPr>
+          <p:style>
+            <a:lnRef idx="2">
+              <a:schemeClr val="accent2"/>
+            </a:lnRef>
+            <a:fillRef idx="0">
+              <a:schemeClr val="accent2"/>
+            </a:fillRef>
+            <a:effectRef idx="1">
+              <a:schemeClr val="accent2"/>
+            </a:effectRef>
+            <a:fontRef idx="minor">
+              <a:schemeClr val="tx1"/>
+            </a:fontRef>
+          </p:style>
+        </p:cxnSp>
+        <p:sp>
+          <p:nvSpPr>
+            <p:cNvPr id="58" name="文字方塊 16">
+              <a:extLst>
+                <a:ext uri="{FF2B5EF4-FFF2-40B4-BE49-F238E27FC236}">
+                  <a16:creationId xmlns:a16="http://schemas.microsoft.com/office/drawing/2014/main" id="{2F79B6F8-B93C-49B3-8FEB-95A0AD6B05F8}"/>
+                </a:ext>
+              </a:extLst>
+            </p:cNvPr>
+            <p:cNvSpPr txBox="1"/>
+            <p:nvPr/>
+          </p:nvSpPr>
+          <p:spPr>
+            <a:xfrm>
+              <a:off x="2877218" y="2356019"/>
+              <a:ext cx="1456657" cy="523220"/>
+            </a:xfrm>
+            <a:prstGeom prst="rect">
+              <a:avLst/>
+            </a:prstGeom>
+            <a:noFill/>
+          </p:spPr>
+          <p:txBody>
+            <a:bodyPr wrap="square">
+              <a:spAutoFit/>
+            </a:bodyPr>
+            <a:lstStyle/>
+            <a:p>
+              <a:r>
+                <a:rPr lang="zh-TW" altLang="en-US" sz="1400" dirty="0"/>
+                <a:t>邊角</a:t>
+              </a:r>
+              <a:r>
+                <a:rPr lang="en-US" altLang="zh-TW" sz="1400" dirty="0"/>
+                <a:t>array</a:t>
+              </a:r>
+              <a:r>
+                <a:rPr lang="zh-TW" altLang="en-US" sz="1400" dirty="0"/>
+                <a:t>組</a:t>
+              </a:r>
+              <a:endParaRPr lang="en-US" altLang="zh-TW" sz="1400" dirty="0"/>
+            </a:p>
+            <a:p>
+              <a:r>
+                <a:rPr lang="en-US" altLang="zh-TW" sz="1400" dirty="0"/>
+                <a:t>U8 [13, 4,</a:t>
+              </a:r>
+              <a:r>
+                <a:rPr lang="zh-TW" altLang="en-US" sz="1400" dirty="0"/>
+                <a:t> </a:t>
+              </a:r>
+              <a:r>
+                <a:rPr lang="en-US" altLang="zh-TW" sz="1400" dirty="0"/>
+                <a:t>2]</a:t>
+              </a:r>
+              <a:endParaRPr lang="zh-TW" altLang="en-US" sz="1400" dirty="0"/>
+            </a:p>
+          </p:txBody>
+        </p:sp>
+      </p:grpSp>
+      <p:grpSp>
+        <p:nvGrpSpPr>
+          <p:cNvPr id="60" name="Group 59">
+            <a:extLst>
+              <a:ext uri="{FF2B5EF4-FFF2-40B4-BE49-F238E27FC236}">
+                <a16:creationId xmlns:a16="http://schemas.microsoft.com/office/drawing/2014/main" id="{8844F3FC-D852-4B6A-8BC8-642B80869E7C}"/>
+              </a:ext>
+            </a:extLst>
+          </p:cNvPr>
+          <p:cNvGrpSpPr/>
+          <p:nvPr/>
+        </p:nvGrpSpPr>
+        <p:grpSpPr>
+          <a:xfrm>
+            <a:off x="4182810" y="1575509"/>
+            <a:ext cx="4182815" cy="1464637"/>
+            <a:chOff x="-2" y="1857915"/>
+            <a:chExt cx="4182815" cy="1464637"/>
+          </a:xfrm>
+        </p:grpSpPr>
+        <p:sp>
+          <p:nvSpPr>
+            <p:cNvPr id="61" name="Rectangle 60">
+              <a:extLst>
+                <a:ext uri="{FF2B5EF4-FFF2-40B4-BE49-F238E27FC236}">
+                  <a16:creationId xmlns:a16="http://schemas.microsoft.com/office/drawing/2014/main" id="{C5B5AA65-D8BD-460F-A414-294F5D3A5B24}"/>
+                </a:ext>
+              </a:extLst>
+            </p:cNvPr>
+            <p:cNvSpPr/>
+            <p:nvPr/>
+          </p:nvSpPr>
+          <p:spPr>
+            <a:xfrm>
+              <a:off x="1305594" y="2435926"/>
+              <a:ext cx="1571625" cy="886626"/>
+            </a:xfrm>
+            <a:prstGeom prst="rect">
+              <a:avLst/>
+            </a:prstGeom>
+          </p:spPr>
+          <p:style>
+            <a:lnRef idx="2">
+              <a:schemeClr val="accent1">
+                <a:shade val="50000"/>
+              </a:schemeClr>
+            </a:lnRef>
+            <a:fillRef idx="1">
+              <a:schemeClr val="accent1"/>
+            </a:fillRef>
+            <a:effectRef idx="0">
+              <a:schemeClr val="accent1"/>
+            </a:effectRef>
+            <a:fontRef idx="minor">
+              <a:schemeClr val="lt1"/>
+            </a:fontRef>
+          </p:style>
+          <p:txBody>
+            <a:bodyPr rtlCol="0" anchor="ctr"/>
+            <a:lstStyle/>
+            <a:p>
+              <a:pPr algn="ctr"/>
+              <a:r>
+                <a:rPr lang="zh-TW" altLang="en-US" sz="1800" dirty="0"/>
+                <a:t>透視變換</a:t>
+              </a:r>
+            </a:p>
+          </p:txBody>
+        </p:sp>
+        <p:cxnSp>
+          <p:nvCxnSpPr>
+            <p:cNvPr id="62" name="Straight Arrow Connector 61">
+              <a:extLst>
+                <a:ext uri="{FF2B5EF4-FFF2-40B4-BE49-F238E27FC236}">
+                  <a16:creationId xmlns:a16="http://schemas.microsoft.com/office/drawing/2014/main" id="{FA712458-15E8-46CB-AF56-69F76AEE5731}"/>
+                </a:ext>
+              </a:extLst>
+            </p:cNvPr>
+            <p:cNvCxnSpPr>
+              <a:endCxn id="61" idx="1"/>
+            </p:cNvCxnSpPr>
+            <p:nvPr/>
+          </p:nvCxnSpPr>
+          <p:spPr>
+            <a:xfrm flipV="1">
+              <a:off x="739180" y="2879239"/>
+              <a:ext cx="566414" cy="4362"/>
+            </a:xfrm>
+            <a:prstGeom prst="straightConnector1">
+              <a:avLst/>
+            </a:prstGeom>
+            <a:ln w="57150">
+              <a:solidFill>
+                <a:schemeClr val="accent1">
+                  <a:lumMod val="60000"/>
+                  <a:lumOff val="40000"/>
+                </a:schemeClr>
+              </a:solidFill>
+              <a:tailEnd type="triangle"/>
+            </a:ln>
+          </p:spPr>
+          <p:style>
+            <a:lnRef idx="2">
+              <a:schemeClr val="accent2"/>
+            </a:lnRef>
+            <a:fillRef idx="0">
+              <a:schemeClr val="accent2"/>
+            </a:fillRef>
+            <a:effectRef idx="1">
+              <a:schemeClr val="accent2"/>
+            </a:effectRef>
+            <a:fontRef idx="minor">
+              <a:schemeClr val="tx1"/>
+            </a:fontRef>
+          </p:style>
+        </p:cxnSp>
+        <p:sp>
+          <p:nvSpPr>
+            <p:cNvPr id="63" name="文字方塊 16">
+              <a:extLst>
+                <a:ext uri="{FF2B5EF4-FFF2-40B4-BE49-F238E27FC236}">
+                  <a16:creationId xmlns:a16="http://schemas.microsoft.com/office/drawing/2014/main" id="{E46FB921-47F0-4F33-9A00-3BB55C71DE24}"/>
+                </a:ext>
+              </a:extLst>
+            </p:cNvPr>
+            <p:cNvSpPr txBox="1"/>
+            <p:nvPr/>
+          </p:nvSpPr>
+          <p:spPr>
+            <a:xfrm>
+              <a:off x="-2" y="1857915"/>
+              <a:ext cx="1305595" cy="954107"/>
+            </a:xfrm>
+            <a:prstGeom prst="rect">
+              <a:avLst/>
+            </a:prstGeom>
+            <a:noFill/>
+          </p:spPr>
+          <p:txBody>
+            <a:bodyPr wrap="square">
+              <a:spAutoFit/>
+            </a:bodyPr>
+            <a:lstStyle/>
+            <a:p>
+              <a:pPr algn="r"/>
+              <a:r>
+                <a:rPr lang="zh-TW" altLang="en-US" sz="1400" dirty="0"/>
+                <a:t>二值化輸出 </a:t>
+              </a:r>
+              <a:r>
+                <a:rPr lang="en-US" altLang="zh-TW" sz="1400" dirty="0"/>
+                <a:t>U8 [1280,720]</a:t>
+              </a:r>
+              <a:endParaRPr lang="zh-TW" altLang="en-US" sz="1400" dirty="0"/>
+            </a:p>
+            <a:p>
+              <a:pPr algn="r"/>
+              <a:r>
+                <a:rPr lang="zh-TW" altLang="en-US" sz="1400" dirty="0"/>
+                <a:t>邊角</a:t>
+              </a:r>
+              <a:r>
+                <a:rPr lang="en-US" altLang="zh-TW" sz="1400" dirty="0"/>
+                <a:t>array</a:t>
+              </a:r>
+            </a:p>
+            <a:p>
+              <a:pPr algn="r"/>
+              <a:r>
+                <a:rPr lang="en-US" altLang="zh-TW" sz="1400" dirty="0"/>
+                <a:t>U8 [4,</a:t>
+              </a:r>
+              <a:r>
+                <a:rPr lang="zh-TW" altLang="en-US" sz="1400" dirty="0"/>
+                <a:t> </a:t>
+              </a:r>
+              <a:r>
+                <a:rPr lang="en-US" altLang="zh-TW" sz="1400" dirty="0"/>
+                <a:t>2]</a:t>
+              </a:r>
+              <a:endParaRPr lang="zh-TW" altLang="en-US" sz="1400" dirty="0"/>
+            </a:p>
+          </p:txBody>
+        </p:sp>
+        <p:cxnSp>
+          <p:nvCxnSpPr>
+            <p:cNvPr id="64" name="Straight Arrow Connector 63">
+              <a:extLst>
+                <a:ext uri="{FF2B5EF4-FFF2-40B4-BE49-F238E27FC236}">
+                  <a16:creationId xmlns:a16="http://schemas.microsoft.com/office/drawing/2014/main" id="{E97E8D1D-8D25-4115-A14D-6A924B0A46B9}"/>
+                </a:ext>
+              </a:extLst>
+            </p:cNvPr>
+            <p:cNvCxnSpPr>
+              <a:cxnSpLocks/>
+              <a:stCxn id="61" idx="3"/>
+            </p:cNvCxnSpPr>
+            <p:nvPr/>
+          </p:nvCxnSpPr>
+          <p:spPr>
+            <a:xfrm>
+              <a:off x="2877219" y="2879239"/>
+              <a:ext cx="566414" cy="0"/>
+            </a:xfrm>
+            <a:prstGeom prst="straightConnector1">
+              <a:avLst/>
+            </a:prstGeom>
+            <a:ln w="57150">
+              <a:solidFill>
+                <a:schemeClr val="accent1">
+                  <a:lumMod val="60000"/>
+                  <a:lumOff val="40000"/>
+                </a:schemeClr>
+              </a:solidFill>
+              <a:tailEnd type="triangle"/>
+            </a:ln>
+          </p:spPr>
+          <p:style>
+            <a:lnRef idx="2">
+              <a:schemeClr val="accent2"/>
+            </a:lnRef>
+            <a:fillRef idx="0">
+              <a:schemeClr val="accent2"/>
+            </a:fillRef>
+            <a:effectRef idx="1">
+              <a:schemeClr val="accent2"/>
+            </a:effectRef>
+            <a:fontRef idx="minor">
+              <a:schemeClr val="tx1"/>
+            </a:fontRef>
+          </p:style>
+        </p:cxnSp>
+        <p:sp>
+          <p:nvSpPr>
+            <p:cNvPr id="65" name="文字方塊 16">
+              <a:extLst>
+                <a:ext uri="{FF2B5EF4-FFF2-40B4-BE49-F238E27FC236}">
+                  <a16:creationId xmlns:a16="http://schemas.microsoft.com/office/drawing/2014/main" id="{67A1836E-9E14-47D5-B55A-6B0797296FB9}"/>
+                </a:ext>
+              </a:extLst>
+            </p:cNvPr>
+            <p:cNvSpPr txBox="1"/>
+            <p:nvPr/>
+          </p:nvSpPr>
+          <p:spPr>
+            <a:xfrm>
+              <a:off x="2877218" y="2356019"/>
+              <a:ext cx="1305595" cy="523220"/>
+            </a:xfrm>
+            <a:prstGeom prst="rect">
+              <a:avLst/>
+            </a:prstGeom>
+            <a:noFill/>
+          </p:spPr>
+          <p:txBody>
+            <a:bodyPr wrap="square">
+              <a:spAutoFit/>
+            </a:bodyPr>
+            <a:lstStyle/>
+            <a:p>
+              <a:r>
+                <a:rPr lang="zh-TW" altLang="en-US" sz="1400" dirty="0"/>
+                <a:t>拉正後卡</a:t>
+              </a:r>
+              <a:r>
+                <a:rPr lang="en-US" altLang="zh-TW" sz="1400" dirty="0"/>
+                <a:t>array</a:t>
+              </a:r>
+            </a:p>
+            <a:p>
+              <a:r>
+                <a:rPr lang="en-US" altLang="zh-TW" sz="1400" dirty="0"/>
+                <a:t>U8 [</a:t>
+              </a:r>
+              <a:r>
+                <a:rPr lang="en-US" altLang="zh-TW" sz="1400" dirty="0" err="1"/>
+                <a:t>w,h</a:t>
+              </a:r>
+              <a:r>
+                <a:rPr lang="en-US" altLang="zh-TW" sz="1400" dirty="0"/>
+                <a:t>]</a:t>
+              </a:r>
+              <a:endParaRPr lang="zh-TW" altLang="en-US" sz="1400" dirty="0"/>
+            </a:p>
+          </p:txBody>
+        </p:sp>
+      </p:grpSp>
+      <p:cxnSp>
+        <p:nvCxnSpPr>
+          <p:cNvPr id="66" name="Connector: Elbow 65">
+            <a:extLst>
+              <a:ext uri="{FF2B5EF4-FFF2-40B4-BE49-F238E27FC236}">
+                <a16:creationId xmlns:a16="http://schemas.microsoft.com/office/drawing/2014/main" id="{3D5F7FA9-827C-40FD-8678-9E5AE802B597}"/>
+              </a:ext>
+            </a:extLst>
+          </p:cNvPr>
+          <p:cNvCxnSpPr>
+            <a:cxnSpLocks/>
+          </p:cNvCxnSpPr>
+          <p:nvPr/>
+        </p:nvCxnSpPr>
+        <p:spPr>
+          <a:xfrm flipV="1">
+            <a:off x="4835608" y="2827465"/>
+            <a:ext cx="652797" cy="117059"/>
+          </a:xfrm>
+          <a:prstGeom prst="bentConnector3">
+            <a:avLst/>
+          </a:prstGeom>
+          <a:ln w="38100">
+            <a:solidFill>
+              <a:srgbClr val="92D050"/>
+            </a:solidFill>
+            <a:tailEnd type="triangle"/>
+          </a:ln>
+        </p:spPr>
+        <p:style>
+          <a:lnRef idx="2">
+            <a:schemeClr val="accent1"/>
+          </a:lnRef>
+          <a:fillRef idx="0">
+            <a:schemeClr val="accent1"/>
+          </a:fillRef>
+          <a:effectRef idx="1">
+            <a:schemeClr val="accent1"/>
+          </a:effectRef>
+          <a:fontRef idx="minor">
+            <a:schemeClr val="tx1"/>
+          </a:fontRef>
+        </p:style>
+      </p:cxnSp>
+      <p:sp>
+        <p:nvSpPr>
+          <p:cNvPr id="67" name="文字方塊 16">
+            <a:extLst>
+              <a:ext uri="{FF2B5EF4-FFF2-40B4-BE49-F238E27FC236}">
+                <a16:creationId xmlns:a16="http://schemas.microsoft.com/office/drawing/2014/main" id="{586077DA-352F-415F-BD60-6FCA7AA50E25}"/>
+              </a:ext>
+            </a:extLst>
+          </p:cNvPr>
+          <p:cNvSpPr txBox="1"/>
+          <p:nvPr/>
+        </p:nvSpPr>
+        <p:spPr>
+          <a:xfrm>
+            <a:off x="4182812" y="3004806"/>
+            <a:ext cx="1837677" cy="523220"/>
+          </a:xfrm>
+          <a:prstGeom prst="rect">
+            <a:avLst/>
+          </a:prstGeom>
+          <a:noFill/>
+        </p:spPr>
+        <p:txBody>
+          <a:bodyPr wrap="square">
+            <a:spAutoFit/>
+          </a:bodyPr>
+          <a:lstStyle/>
+          <a:p>
+            <a:pPr algn="ctr"/>
+            <a:r>
+              <a:rPr lang="zh-TW" altLang="en-US" sz="1400" dirty="0"/>
+              <a:t>參數：透視後大小 </a:t>
+            </a:r>
+            <a:r>
+              <a:rPr lang="en-US" altLang="zh-TW" sz="1400" dirty="0"/>
+              <a:t>[</a:t>
+            </a:r>
+            <a:r>
+              <a:rPr lang="en-US" altLang="zh-TW" sz="1400" dirty="0" err="1"/>
+              <a:t>w,h</a:t>
+            </a:r>
+            <a:r>
+              <a:rPr lang="en-US" altLang="zh-TW" sz="1400" dirty="0"/>
+              <a:t>]</a:t>
+            </a:r>
+            <a:endParaRPr lang="zh-TW" altLang="en-US" sz="1400" dirty="0"/>
+          </a:p>
+        </p:txBody>
+      </p:sp>
+    </p:spTree>
+    <p:extLst>
+      <p:ext uri="{BB962C8B-B14F-4D97-AF65-F5344CB8AC3E}">
+        <p14:creationId xmlns:p14="http://schemas.microsoft.com/office/powerpoint/2010/main" val="773415604"/>
+      </p:ext>
+    </p:extLst>
+  </p:cSld>
+  <p:clrMapOvr>
+    <a:masterClrMapping/>
+  </p:clrMapOvr>
+</p:sld>
+</file>
+
+<file path=ppt/slides/slide6.xml><?xml version="1.0" encoding="utf-8"?>
+<p:sld xmlns:a="http://schemas.openxmlformats.org/drawingml/2006/main" xmlns:r="http://schemas.openxmlformats.org/officeDocument/2006/relationships" xmlns:p="http://schemas.openxmlformats.org/presentationml/2006/main">
+  <p:cSld>
+    <p:spTree>
+      <p:nvGrpSpPr>
+        <p:cNvPr id="1" name=""/>
+        <p:cNvGrpSpPr/>
+        <p:nvPr/>
+      </p:nvGrpSpPr>
+      <p:grpSpPr>
+        <a:xfrm>
+          <a:off x="0" y="0"/>
+          <a:ext cx="0" cy="0"/>
+          <a:chOff x="0" y="0"/>
+          <a:chExt cx="0" cy="0"/>
+        </a:xfrm>
+      </p:grpSpPr>
+      <p:sp>
+        <p:nvSpPr>
           <p:cNvPr id="2" name="Title 1">
             <a:extLst>
               <a:ext uri="{FF2B5EF4-FFF2-40B4-BE49-F238E27FC236}">
@@ -11359,7 +14827,7 @@
 </p:sld>
 </file>
 
-<file path=ppt/slides/slide6.xml><?xml version="1.0" encoding="utf-8"?>
+<file path=ppt/slides/slide7.xml><?xml version="1.0" encoding="utf-8"?>
 <p:sld xmlns:a="http://schemas.openxmlformats.org/drawingml/2006/main" xmlns:r="http://schemas.openxmlformats.org/officeDocument/2006/relationships" xmlns:p="http://schemas.openxmlformats.org/presentationml/2006/main">
   <p:cSld>
     <p:spTree>
@@ -11917,7 +15385,7 @@
 </p:sld>
 </file>
 
-<file path=ppt/slides/slide7.xml><?xml version="1.0" encoding="utf-8"?>
+<file path=ppt/slides/slide8.xml><?xml version="1.0" encoding="utf-8"?>
 <p:sld xmlns:a="http://schemas.openxmlformats.org/drawingml/2006/main" xmlns:r="http://schemas.openxmlformats.org/officeDocument/2006/relationships" xmlns:p="http://schemas.openxmlformats.org/presentationml/2006/main">
   <p:cSld>
     <p:spTree>
@@ -12617,7 +16085,7 @@
 </p:sld>
 </file>
 
-<file path=ppt/slides/slide8.xml><?xml version="1.0" encoding="utf-8"?>
+<file path=ppt/slides/slide9.xml><?xml version="1.0" encoding="utf-8"?>
 <p:sld xmlns:a="http://schemas.openxmlformats.org/drawingml/2006/main" xmlns:r="http://schemas.openxmlformats.org/officeDocument/2006/relationships" xmlns:p="http://schemas.openxmlformats.org/presentationml/2006/main">
   <p:cSld>
     <p:spTree>
@@ -13099,343 +16567,6 @@
     <p:extLst>
       <p:ext uri="{BB962C8B-B14F-4D97-AF65-F5344CB8AC3E}">
         <p14:creationId xmlns:p14="http://schemas.microsoft.com/office/powerpoint/2010/main" val="2225649257"/>
-      </p:ext>
-    </p:extLst>
-  </p:cSld>
-  <p:clrMapOvr>
-    <a:masterClrMapping/>
-  </p:clrMapOvr>
-</p:sld>
-</file>
-
-<file path=ppt/slides/slide9.xml><?xml version="1.0" encoding="utf-8"?>
-<p:sld xmlns:a="http://schemas.openxmlformats.org/drawingml/2006/main" xmlns:r="http://schemas.openxmlformats.org/officeDocument/2006/relationships" xmlns:p="http://schemas.openxmlformats.org/presentationml/2006/main">
-  <p:cSld>
-    <p:spTree>
-      <p:nvGrpSpPr>
-        <p:cNvPr id="1" name=""/>
-        <p:cNvGrpSpPr/>
-        <p:nvPr/>
-      </p:nvGrpSpPr>
-      <p:grpSpPr>
-        <a:xfrm>
-          <a:off x="0" y="0"/>
-          <a:ext cx="0" cy="0"/>
-          <a:chOff x="0" y="0"/>
-          <a:chExt cx="0" cy="0"/>
-        </a:xfrm>
-      </p:grpSpPr>
-      <p:sp>
-        <p:nvSpPr>
-          <p:cNvPr id="2" name="標題 1">
-            <a:extLst>
-              <a:ext uri="{FF2B5EF4-FFF2-40B4-BE49-F238E27FC236}">
-                <a16:creationId xmlns:a16="http://schemas.microsoft.com/office/drawing/2014/main" id="{616DE70A-29B5-458B-B996-E8F6787D9676}"/>
-              </a:ext>
-            </a:extLst>
-          </p:cNvPr>
-          <p:cNvSpPr>
-            <a:spLocks noGrp="1"/>
-          </p:cNvSpPr>
-          <p:nvPr>
-            <p:ph type="title"/>
-          </p:nvPr>
-        </p:nvSpPr>
-        <p:spPr/>
-        <p:txBody>
-          <a:bodyPr/>
-          <a:lstStyle/>
-          <a:p>
-            <a:r>
-              <a:rPr lang="en-US" altLang="zh-TW" dirty="0"/>
-              <a:t>API</a:t>
-            </a:r>
-            <a:endParaRPr lang="zh-TW" altLang="en-US" dirty="0"/>
-          </a:p>
-        </p:txBody>
-      </p:sp>
-      <p:sp>
-        <p:nvSpPr>
-          <p:cNvPr id="4" name="文字方塊 3">
-            <a:extLst>
-              <a:ext uri="{FF2B5EF4-FFF2-40B4-BE49-F238E27FC236}">
-                <a16:creationId xmlns:a16="http://schemas.microsoft.com/office/drawing/2014/main" id="{0D9BC1E6-74E0-174D-DB2F-87072D50D087}"/>
-              </a:ext>
-            </a:extLst>
-          </p:cNvPr>
-          <p:cNvSpPr txBox="1"/>
-          <p:nvPr/>
-        </p:nvSpPr>
-        <p:spPr>
-          <a:xfrm>
-            <a:off x="729789" y="1721018"/>
-            <a:ext cx="2432901" cy="369332"/>
-          </a:xfrm>
-          <a:prstGeom prst="rect">
-            <a:avLst/>
-          </a:prstGeom>
-          <a:noFill/>
-        </p:spPr>
-        <p:txBody>
-          <a:bodyPr wrap="square" rtlCol="0">
-            <a:spAutoFit/>
-          </a:bodyPr>
-          <a:lstStyle/>
-          <a:p>
-            <a:r>
-              <a:rPr lang="zh-TW" altLang="en-US" dirty="0"/>
-              <a:t>取輪廓邊角</a:t>
-            </a:r>
-          </a:p>
-        </p:txBody>
-      </p:sp>
-      <p:graphicFrame>
-        <p:nvGraphicFramePr>
-          <p:cNvPr id="5" name="表格 4">
-            <a:extLst>
-              <a:ext uri="{FF2B5EF4-FFF2-40B4-BE49-F238E27FC236}">
-                <a16:creationId xmlns:a16="http://schemas.microsoft.com/office/drawing/2014/main" id="{488F1C4E-BFA3-14CB-6D3C-624480B4140E}"/>
-              </a:ext>
-            </a:extLst>
-          </p:cNvPr>
-          <p:cNvGraphicFramePr>
-            <a:graphicFrameLocks noGrp="1"/>
-          </p:cNvGraphicFramePr>
-          <p:nvPr>
-            <p:extLst>
-              <p:ext uri="{D42A27DB-BD31-4B8C-83A1-F6EECF244321}">
-                <p14:modId xmlns:p14="http://schemas.microsoft.com/office/powerpoint/2010/main" val="1531471759"/>
-              </p:ext>
-            </p:extLst>
-          </p:nvPr>
-        </p:nvGraphicFramePr>
-        <p:xfrm>
-          <a:off x="729789" y="2394652"/>
-          <a:ext cx="11181474" cy="2499869"/>
-        </p:xfrm>
-        <a:graphic>
-          <a:graphicData uri="http://schemas.openxmlformats.org/drawingml/2006/table">
-            <a:tbl>
-              <a:tblPr firstRow="1" bandRow="1">
-                <a:tableStyleId>{5C22544A-7EE6-4342-B048-85BDC9FD1C3A}</a:tableStyleId>
-              </a:tblPr>
-              <a:tblGrid>
-                <a:gridCol w="5590737">
-                  <a:extLst>
-                    <a:ext uri="{9D8B030D-6E8A-4147-A177-3AD203B41FA5}">
-                      <a16:colId xmlns:a16="http://schemas.microsoft.com/office/drawing/2014/main" val="3762263208"/>
-                    </a:ext>
-                  </a:extLst>
-                </a:gridCol>
-                <a:gridCol w="5590737">
-                  <a:extLst>
-                    <a:ext uri="{9D8B030D-6E8A-4147-A177-3AD203B41FA5}">
-                      <a16:colId xmlns:a16="http://schemas.microsoft.com/office/drawing/2014/main" val="2372617071"/>
-                    </a:ext>
-                  </a:extLst>
-                </a:gridCol>
-              </a:tblGrid>
-              <a:tr h="578272">
-                <a:tc>
-                  <a:txBody>
-                    <a:bodyPr/>
-                    <a:lstStyle/>
-                    <a:p>
-                      <a:r>
-                        <a:rPr lang="zh-TW" altLang="en-US" dirty="0"/>
-                        <a:t>輸入</a:t>
-                      </a:r>
-                    </a:p>
-                  </a:txBody>
-                  <a:tcPr/>
-                </a:tc>
-                <a:tc>
-                  <a:txBody>
-                    <a:bodyPr/>
-                    <a:lstStyle/>
-                    <a:p>
-                      <a:r>
-                        <a:rPr lang="en-US" altLang="zh-TW" dirty="0" err="1"/>
-                        <a:t>cnt</a:t>
-                      </a:r>
-                      <a:r>
-                        <a:rPr lang="en-US" altLang="zh-TW" dirty="0"/>
-                        <a:t> </a:t>
-                      </a:r>
-                      <a:r>
-                        <a:rPr lang="zh-TW" altLang="en-US" dirty="0"/>
-                        <a:t>的外接矩形</a:t>
-                      </a:r>
-                    </a:p>
-                  </a:txBody>
-                  <a:tcPr/>
-                </a:tc>
-                <a:extLst>
-                  <a:ext uri="{0D108BD9-81ED-4DB2-BD59-A6C34878D82A}">
-                    <a16:rowId xmlns:a16="http://schemas.microsoft.com/office/drawing/2014/main" val="590959509"/>
-                  </a:ext>
-                </a:extLst>
-              </a:tr>
-              <a:tr h="519727">
-                <a:tc>
-                  <a:txBody>
-                    <a:bodyPr/>
-                    <a:lstStyle/>
-                    <a:p>
-                      <a:r>
-                        <a:rPr lang="zh-TW" altLang="en-US" dirty="0"/>
-                        <a:t>輸出</a:t>
-                      </a:r>
-                    </a:p>
-                  </a:txBody>
-                  <a:tcPr/>
-                </a:tc>
-                <a:tc>
-                  <a:txBody>
-                    <a:bodyPr/>
-                    <a:lstStyle/>
-                    <a:p>
-                      <a:r>
-                        <a:rPr lang="zh-TW" altLang="en-US" dirty="0"/>
-                        <a:t>邊角</a:t>
-                      </a:r>
-                      <a:r>
-                        <a:rPr lang="en-US" altLang="zh-TW" dirty="0"/>
-                        <a:t>array [</a:t>
-                      </a:r>
-                      <a:r>
-                        <a:rPr lang="en-US" altLang="zh-TW" dirty="0" err="1"/>
-                        <a:t>x,y,w,h</a:t>
-                      </a:r>
-                      <a:r>
-                        <a:rPr lang="en-US" altLang="zh-TW" dirty="0"/>
-                        <a:t>]</a:t>
-                      </a:r>
-                    </a:p>
-                    <a:p>
-                      <a:r>
-                        <a:rPr lang="en-US" altLang="zh-TW" dirty="0"/>
-                        <a:t>x, y</a:t>
-                      </a:r>
-                      <a:r>
-                        <a:rPr lang="zh-TW" altLang="en-US" dirty="0"/>
-                        <a:t>：矩形的左上角座標。</a:t>
-                      </a:r>
-                      <a:r>
-                        <a:rPr lang="en-US" altLang="zh-TW" dirty="0"/>
-                        <a:t>w, h</a:t>
-                      </a:r>
-                      <a:r>
-                        <a:rPr lang="zh-TW" altLang="en-US" dirty="0"/>
-                        <a:t>：矩形的寬度和高度。</a:t>
-                      </a:r>
-                    </a:p>
-                  </a:txBody>
-                  <a:tcPr/>
-                </a:tc>
-                <a:extLst>
-                  <a:ext uri="{0D108BD9-81ED-4DB2-BD59-A6C34878D82A}">
-                    <a16:rowId xmlns:a16="http://schemas.microsoft.com/office/drawing/2014/main" val="243461442"/>
-                  </a:ext>
-                </a:extLst>
-              </a:tr>
-              <a:tr h="1281517">
-                <a:tc>
-                  <a:txBody>
-                    <a:bodyPr/>
-                    <a:lstStyle/>
-                    <a:p>
-                      <a:r>
-                        <a:rPr lang="zh-TW" altLang="en-US" dirty="0"/>
-                        <a:t>程式碼</a:t>
-                      </a:r>
-                    </a:p>
-                  </a:txBody>
-                  <a:tcPr/>
-                </a:tc>
-                <a:tc>
-                  <a:txBody>
-                    <a:bodyPr/>
-                    <a:lstStyle/>
-                    <a:p>
-                      <a:r>
-                        <a:rPr lang="en-US" altLang="zh-TW" dirty="0" err="1"/>
-                        <a:t>top_left_rect</a:t>
-                      </a:r>
-                      <a:r>
-                        <a:rPr lang="en-US" altLang="zh-TW" dirty="0"/>
-                        <a:t> = (10, 10, 50, 50)  #</a:t>
-                      </a:r>
-                    </a:p>
-                    <a:p>
-                      <a:r>
-                        <a:rPr lang="en-US" altLang="zh-TW" dirty="0"/>
-                        <a:t> x, y, w, h</a:t>
-                      </a:r>
-                      <a:r>
-                        <a:rPr lang="zh-TW" altLang="en-US" dirty="0"/>
-                        <a:t>設定擷取範圍</a:t>
-                      </a:r>
-                      <a:r>
-                        <a:rPr lang="en-US" altLang="zh-TW" dirty="0"/>
-                        <a:t>]</a:t>
-                      </a:r>
-                      <a:r>
-                        <a:rPr lang="en-US" altLang="zh-TW" dirty="0" err="1"/>
-                        <a:t>cropped_img</a:t>
-                      </a:r>
-                      <a:r>
-                        <a:rPr lang="en-US" altLang="zh-TW" dirty="0"/>
-                        <a:t> = </a:t>
-                      </a:r>
-                    </a:p>
-                    <a:p>
-                      <a:r>
-                        <a:rPr lang="en-US" altLang="zh-TW" dirty="0" err="1"/>
-                        <a:t>extract_top_left</a:t>
-                      </a:r>
-                      <a:r>
-                        <a:rPr lang="en-US" altLang="zh-TW" dirty="0"/>
-                        <a:t>(</a:t>
-                      </a:r>
-                      <a:r>
-                        <a:rPr lang="en-US" altLang="zh-TW" dirty="0" err="1"/>
-                        <a:t>img_gray</a:t>
-                      </a:r>
-                      <a:r>
-                        <a:rPr lang="en-US" altLang="zh-TW" dirty="0"/>
-                        <a:t>, </a:t>
-                      </a:r>
-                      <a:r>
-                        <a:rPr lang="en-US" altLang="zh-TW" dirty="0" err="1"/>
-                        <a:t>top_left_rect</a:t>
-                      </a:r>
-                      <a:r>
-                        <a:rPr lang="en-US" altLang="zh-TW" dirty="0"/>
-                        <a:t>)</a:t>
-                      </a:r>
-                      <a:r>
-                        <a:rPr lang="zh-TW" altLang="en-US" dirty="0"/>
-                        <a:t>擷取動作</a:t>
-                      </a:r>
-                    </a:p>
-                  </a:txBody>
-                  <a:tcPr/>
-                </a:tc>
-                <a:extLst>
-                  <a:ext uri="{0D108BD9-81ED-4DB2-BD59-A6C34878D82A}">
-                    <a16:rowId xmlns:a16="http://schemas.microsoft.com/office/drawing/2014/main" val="688274193"/>
-                  </a:ext>
-                </a:extLst>
-              </a:tr>
-            </a:tbl>
-          </a:graphicData>
-        </a:graphic>
-      </p:graphicFrame>
-    </p:spTree>
-    <p:extLst>
-      <p:ext uri="{BB962C8B-B14F-4D97-AF65-F5344CB8AC3E}">
-        <p14:creationId xmlns:p14="http://schemas.microsoft.com/office/powerpoint/2010/main" val="2701587557"/>
       </p:ext>
     </p:extLst>
   </p:cSld>
